--- a/_Presentations/SFDevDays.pptx
+++ b/_Presentations/SFDevDays.pptx
@@ -3,20 +3,26 @@
 <p:presentation xmlns:a="http://schemas.openxmlformats.org/drawingml/2006/main" xmlns:r="http://schemas.openxmlformats.org/officeDocument/2006/relationships" xmlns:p="http://schemas.openxmlformats.org/presentationml/2006/main" saveSubsetFonts="1">
   <p:sldMasterIdLst>
     <p:sldMasterId id="2147483672" r:id="rId1"/>
+    <p:sldMasterId id="2147483684" r:id="rId2"/>
+    <p:sldMasterId id="2147483691" r:id="rId3"/>
   </p:sldMasterIdLst>
   <p:notesMasterIdLst>
-    <p:notesMasterId r:id="rId11"/>
+    <p:notesMasterId r:id="rId17"/>
   </p:notesMasterIdLst>
   <p:sldIdLst>
-    <p:sldId id="267" r:id="rId2"/>
-    <p:sldId id="259" r:id="rId3"/>
-    <p:sldId id="266" r:id="rId4"/>
-    <p:sldId id="265" r:id="rId5"/>
-    <p:sldId id="257" r:id="rId6"/>
-    <p:sldId id="258" r:id="rId7"/>
-    <p:sldId id="263" r:id="rId8"/>
-    <p:sldId id="261" r:id="rId9"/>
-    <p:sldId id="262" r:id="rId10"/>
+    <p:sldId id="267" r:id="rId4"/>
+    <p:sldId id="259" r:id="rId5"/>
+    <p:sldId id="266" r:id="rId6"/>
+    <p:sldId id="265" r:id="rId7"/>
+    <p:sldId id="257" r:id="rId8"/>
+    <p:sldId id="258" r:id="rId9"/>
+    <p:sldId id="263" r:id="rId10"/>
+    <p:sldId id="261" r:id="rId11"/>
+    <p:sldId id="262" r:id="rId12"/>
+    <p:sldId id="268" r:id="rId13"/>
+    <p:sldId id="269" r:id="rId14"/>
+    <p:sldId id="270" r:id="rId15"/>
+    <p:sldId id="271" r:id="rId16"/>
   </p:sldIdLst>
   <p:sldSz cx="12192000" cy="6858000"/>
   <p:notesSz cx="6858000" cy="9144000"/>
@@ -205,7 +211,7 @@
           <a:p>
             <a:fld id="{5EB35226-53E4-4007-8139-165F62D7AC0C}" type="datetimeFigureOut">
               <a:rPr lang="en-US" smtClean="0"/>
-              <a:t>10/20/17</a:t>
+              <a:t>10/31/17</a:t>
             </a:fld>
             <a:endParaRPr lang="en-US"/>
           </a:p>
@@ -601,7 +607,7 @@
           <a:p>
             <a:fld id="{38EEC551-8CDA-4EB6-89BB-2A86C9F091C8}" type="datetime8">
               <a:rPr lang="en-US" smtClean="0"/>
-              <a:t>10/20/17 7:57 AM</a:t>
+              <a:t>10/31/17 8:59 AM</a:t>
             </a:fld>
             <a:endParaRPr lang="en-US"/>
           </a:p>
@@ -773,7 +779,7 @@
           <a:p>
             <a:fld id="{38EEC551-8CDA-4EB6-89BB-2A86C9F091C8}" type="datetime8">
               <a:rPr lang="en-US" smtClean="0"/>
-              <a:t>10/20/17 7:57 AM</a:t>
+              <a:t>10/31/17 8:59 AM</a:t>
             </a:fld>
             <a:endParaRPr lang="en-US"/>
           </a:p>
@@ -1037,7 +1043,7 @@
           <a:p>
             <a:fld id="{38EEC551-8CDA-4EB6-89BB-2A86C9F091C8}" type="datetime8">
               <a:rPr lang="en-US" smtClean="0"/>
-              <a:t>10/20/17 7:57 AM</a:t>
+              <a:t>10/31/17 8:59 AM</a:t>
             </a:fld>
             <a:endParaRPr lang="en-US"/>
           </a:p>
@@ -1209,7 +1215,7 @@
           <a:p>
             <a:fld id="{38EEC551-8CDA-4EB6-89BB-2A86C9F091C8}" type="datetime8">
               <a:rPr lang="en-US" smtClean="0"/>
-              <a:t>10/20/17 7:57 AM</a:t>
+              <a:t>10/31/17 8:59 AM</a:t>
             </a:fld>
             <a:endParaRPr lang="en-US"/>
           </a:p>
@@ -1377,7 +1383,7 @@
           <a:p>
             <a:fld id="{38EEC551-8CDA-4EB6-89BB-2A86C9F091C8}" type="datetime8">
               <a:rPr lang="en-US" smtClean="0"/>
-              <a:t>10/20/17 7:57 AM</a:t>
+              <a:t>10/31/17 8:59 AM</a:t>
             </a:fld>
             <a:endParaRPr lang="en-US"/>
           </a:p>
@@ -1411,6 +1417,388 @@
     <p:extLst>
       <p:ext uri="{BB962C8B-B14F-4D97-AF65-F5344CB8AC3E}">
         <p14:creationId xmlns:p14="http://schemas.microsoft.com/office/powerpoint/2010/main" val="1521413132"/>
+      </p:ext>
+    </p:extLst>
+  </p:cSld>
+  <p:clrMapOvr>
+    <a:masterClrMapping/>
+  </p:clrMapOvr>
+</p:notes>
+</file>
+
+<file path=ppt/notesSlides/notesSlide7.xml><?xml version="1.0" encoding="utf-8"?>
+<p:notes xmlns:a="http://schemas.openxmlformats.org/drawingml/2006/main" xmlns:r="http://schemas.openxmlformats.org/officeDocument/2006/relationships" xmlns:p="http://schemas.openxmlformats.org/presentationml/2006/main">
+  <p:cSld>
+    <p:spTree>
+      <p:nvGrpSpPr>
+        <p:cNvPr id="1" name=""/>
+        <p:cNvGrpSpPr/>
+        <p:nvPr/>
+      </p:nvGrpSpPr>
+      <p:grpSpPr>
+        <a:xfrm>
+          <a:off x="0" y="0"/>
+          <a:ext cx="0" cy="0"/>
+          <a:chOff x="0" y="0"/>
+          <a:chExt cx="0" cy="0"/>
+        </a:xfrm>
+      </p:grpSpPr>
+      <p:sp>
+        <p:nvSpPr>
+          <p:cNvPr id="2" name="Slide Image Placeholder 1"/>
+          <p:cNvSpPr>
+            <a:spLocks noGrp="1" noRot="1" noChangeAspect="1"/>
+          </p:cNvSpPr>
+          <p:nvPr>
+            <p:ph type="sldImg"/>
+          </p:nvPr>
+        </p:nvSpPr>
+        <p:spPr/>
+      </p:sp>
+      <p:sp>
+        <p:nvSpPr>
+          <p:cNvPr id="3" name="Notes Placeholder 2"/>
+          <p:cNvSpPr>
+            <a:spLocks noGrp="1"/>
+          </p:cNvSpPr>
+          <p:nvPr>
+            <p:ph type="body" idx="1"/>
+          </p:nvPr>
+        </p:nvSpPr>
+        <p:spPr/>
+        <p:txBody>
+          <a:bodyPr/>
+          <a:lstStyle/>
+          <a:p>
+            <a:pPr marL="171450" indent="-171450">
+              <a:buFont typeface="Arial" panose="020B0604020202020204" pitchFamily="34" charset="0"/>
+              <a:buChar char="•"/>
+            </a:pPr>
+            <a:endParaRPr lang="en-US"/>
+          </a:p>
+        </p:txBody>
+      </p:sp>
+      <p:sp>
+        <p:nvSpPr>
+          <p:cNvPr id="4" name="Header Placeholder 3"/>
+          <p:cNvSpPr>
+            <a:spLocks noGrp="1"/>
+          </p:cNvSpPr>
+          <p:nvPr>
+            <p:ph type="hdr" sz="quarter" idx="10"/>
+          </p:nvPr>
+        </p:nvSpPr>
+        <p:spPr/>
+        <p:txBody>
+          <a:bodyPr/>
+          <a:lstStyle/>
+          <a:p>
+            <a:r>
+              <a:rPr lang="en-US">
+                <a:solidFill>
+                  <a:prstClr val="black"/>
+                </a:solidFill>
+              </a:rPr>
+              <a:t>Microsoft Connect 2016</a:t>
+            </a:r>
+          </a:p>
+        </p:txBody>
+      </p:sp>
+      <p:sp>
+        <p:nvSpPr>
+          <p:cNvPr id="5" name="Footer Placeholder 4"/>
+          <p:cNvSpPr>
+            <a:spLocks noGrp="1"/>
+          </p:cNvSpPr>
+          <p:nvPr>
+            <p:ph type="ftr" sz="quarter" idx="11"/>
+          </p:nvPr>
+        </p:nvSpPr>
+        <p:spPr/>
+        <p:txBody>
+          <a:bodyPr/>
+          <a:lstStyle/>
+          <a:p>
+            <a:pPr defTabSz="914099" eaLnBrk="0" hangingPunct="0"/>
+            <a:r>
+              <a:rPr lang="en-US" sz="400">
+                <a:gradFill>
+                  <a:gsLst>
+                    <a:gs pos="0">
+                      <a:prstClr val="black"/>
+                    </a:gs>
+                    <a:gs pos="100000">
+                      <a:prstClr val="black"/>
+                    </a:gs>
+                  </a:gsLst>
+                  <a:lin ang="5400000" scaled="0"/>
+                </a:gradFill>
+                <a:latin typeface="Segoe UI" pitchFamily="34" charset="0"/>
+                <a:ea typeface="Segoe UI" pitchFamily="34" charset="0"/>
+                <a:cs typeface="Segoe UI" pitchFamily="34" charset="0"/>
+              </a:rPr>
+              <a:t>© 2016 Microsoft Corporation. All rights reserved. MICROSOFT MAKES NO WARRANTIES, EXPRESS, IMPLIED OR STATUTORY, AS TO THE INFORMATION IN THIS PRESENTATION.</a:t>
+            </a:r>
+          </a:p>
+        </p:txBody>
+      </p:sp>
+      <p:sp>
+        <p:nvSpPr>
+          <p:cNvPr id="6" name="Date Placeholder 5"/>
+          <p:cNvSpPr>
+            <a:spLocks noGrp="1"/>
+          </p:cNvSpPr>
+          <p:nvPr>
+            <p:ph type="dt" idx="12"/>
+          </p:nvPr>
+        </p:nvSpPr>
+        <p:spPr/>
+        <p:txBody>
+          <a:bodyPr/>
+          <a:lstStyle/>
+          <a:p>
+            <a:fld id="{38EEC551-8CDA-4EB6-89BB-2A86C9F091C8}" type="datetime8">
+              <a:rPr lang="en-US" smtClean="0">
+                <a:solidFill>
+                  <a:prstClr val="black"/>
+                </a:solidFill>
+              </a:rPr>
+              <a:pPr/>
+              <a:t>10/31/17 8:59 AM</a:t>
+            </a:fld>
+            <a:endParaRPr lang="en-US">
+              <a:solidFill>
+                <a:prstClr val="black"/>
+              </a:solidFill>
+            </a:endParaRPr>
+          </a:p>
+        </p:txBody>
+      </p:sp>
+      <p:sp>
+        <p:nvSpPr>
+          <p:cNvPr id="7" name="Slide Number Placeholder 6"/>
+          <p:cNvSpPr>
+            <a:spLocks noGrp="1"/>
+          </p:cNvSpPr>
+          <p:nvPr>
+            <p:ph type="sldNum" sz="quarter" idx="13"/>
+          </p:nvPr>
+        </p:nvSpPr>
+        <p:spPr/>
+        <p:txBody>
+          <a:bodyPr/>
+          <a:lstStyle/>
+          <a:p>
+            <a:fld id="{B4008EB6-D09E-4580-8CD6-DDB14511944F}" type="slidenum">
+              <a:rPr lang="en-US" smtClean="0">
+                <a:solidFill>
+                  <a:prstClr val="black"/>
+                </a:solidFill>
+              </a:rPr>
+              <a:pPr/>
+              <a:t>10</a:t>
+            </a:fld>
+            <a:endParaRPr lang="en-US">
+              <a:solidFill>
+                <a:prstClr val="black"/>
+              </a:solidFill>
+            </a:endParaRPr>
+          </a:p>
+        </p:txBody>
+      </p:sp>
+    </p:spTree>
+    <p:extLst>
+      <p:ext uri="{BB962C8B-B14F-4D97-AF65-F5344CB8AC3E}">
+        <p14:creationId xmlns:p14="http://schemas.microsoft.com/office/powerpoint/2010/main" val="1685348238"/>
+      </p:ext>
+    </p:extLst>
+  </p:cSld>
+  <p:clrMapOvr>
+    <a:masterClrMapping/>
+  </p:clrMapOvr>
+</p:notes>
+</file>
+
+<file path=ppt/notesSlides/notesSlide8.xml><?xml version="1.0" encoding="utf-8"?>
+<p:notes xmlns:a="http://schemas.openxmlformats.org/drawingml/2006/main" xmlns:r="http://schemas.openxmlformats.org/officeDocument/2006/relationships" xmlns:p="http://schemas.openxmlformats.org/presentationml/2006/main">
+  <p:cSld>
+    <p:spTree>
+      <p:nvGrpSpPr>
+        <p:cNvPr id="1" name=""/>
+        <p:cNvGrpSpPr/>
+        <p:nvPr/>
+      </p:nvGrpSpPr>
+      <p:grpSpPr>
+        <a:xfrm>
+          <a:off x="0" y="0"/>
+          <a:ext cx="0" cy="0"/>
+          <a:chOff x="0" y="0"/>
+          <a:chExt cx="0" cy="0"/>
+        </a:xfrm>
+      </p:grpSpPr>
+      <p:sp>
+        <p:nvSpPr>
+          <p:cNvPr id="2" name="Slide Image Placeholder 1"/>
+          <p:cNvSpPr>
+            <a:spLocks noGrp="1" noRot="1" noChangeAspect="1"/>
+          </p:cNvSpPr>
+          <p:nvPr>
+            <p:ph type="sldImg"/>
+          </p:nvPr>
+        </p:nvSpPr>
+        <p:spPr/>
+      </p:sp>
+      <p:sp>
+        <p:nvSpPr>
+          <p:cNvPr id="3" name="Notes Placeholder 2"/>
+          <p:cNvSpPr>
+            <a:spLocks noGrp="1"/>
+          </p:cNvSpPr>
+          <p:nvPr>
+            <p:ph type="body" idx="1"/>
+          </p:nvPr>
+        </p:nvSpPr>
+        <p:spPr/>
+        <p:txBody>
+          <a:bodyPr/>
+          <a:lstStyle/>
+          <a:p>
+            <a:endParaRPr lang="en-US"/>
+          </a:p>
+        </p:txBody>
+      </p:sp>
+      <p:sp>
+        <p:nvSpPr>
+          <p:cNvPr id="4" name="Header Placeholder 3"/>
+          <p:cNvSpPr>
+            <a:spLocks noGrp="1"/>
+          </p:cNvSpPr>
+          <p:nvPr>
+            <p:ph type="hdr" sz="quarter" idx="10"/>
+          </p:nvPr>
+        </p:nvSpPr>
+        <p:spPr/>
+        <p:txBody>
+          <a:bodyPr/>
+          <a:lstStyle/>
+          <a:p>
+            <a:r>
+              <a:rPr lang="en-US">
+                <a:solidFill>
+                  <a:prstClr val="black"/>
+                </a:solidFill>
+              </a:rPr>
+              <a:t>Microsoft Connect 2016</a:t>
+            </a:r>
+          </a:p>
+        </p:txBody>
+      </p:sp>
+      <p:sp>
+        <p:nvSpPr>
+          <p:cNvPr id="5" name="Footer Placeholder 4"/>
+          <p:cNvSpPr>
+            <a:spLocks noGrp="1"/>
+          </p:cNvSpPr>
+          <p:nvPr>
+            <p:ph type="ftr" sz="quarter" idx="11"/>
+          </p:nvPr>
+        </p:nvSpPr>
+        <p:spPr/>
+        <p:txBody>
+          <a:bodyPr/>
+          <a:lstStyle/>
+          <a:p>
+            <a:pPr defTabSz="914099" eaLnBrk="0" hangingPunct="0"/>
+            <a:r>
+              <a:rPr lang="en-US" sz="400">
+                <a:gradFill>
+                  <a:gsLst>
+                    <a:gs pos="0">
+                      <a:prstClr val="black"/>
+                    </a:gs>
+                    <a:gs pos="100000">
+                      <a:prstClr val="black"/>
+                    </a:gs>
+                  </a:gsLst>
+                  <a:lin ang="5400000" scaled="0"/>
+                </a:gradFill>
+                <a:latin typeface="Segoe UI" pitchFamily="34" charset="0"/>
+                <a:ea typeface="Segoe UI" pitchFamily="34" charset="0"/>
+                <a:cs typeface="Segoe UI" pitchFamily="34" charset="0"/>
+              </a:rPr>
+              <a:t>© 2016 Microsoft Corporation. All rights reserved. MICROSOFT MAKES NO WARRANTIES, EXPRESS, IMPLIED OR STATUTORY, AS TO THE INFORMATION IN THIS PRESENTATION.</a:t>
+            </a:r>
+          </a:p>
+        </p:txBody>
+      </p:sp>
+      <p:sp>
+        <p:nvSpPr>
+          <p:cNvPr id="6" name="Date Placeholder 5"/>
+          <p:cNvSpPr>
+            <a:spLocks noGrp="1"/>
+          </p:cNvSpPr>
+          <p:nvPr>
+            <p:ph type="dt" idx="12"/>
+          </p:nvPr>
+        </p:nvSpPr>
+        <p:spPr/>
+        <p:txBody>
+          <a:bodyPr/>
+          <a:lstStyle/>
+          <a:p>
+            <a:fld id="{38EEC551-8CDA-4EB6-89BB-2A86C9F091C8}" type="datetime8">
+              <a:rPr lang="en-US" smtClean="0">
+                <a:solidFill>
+                  <a:prstClr val="black"/>
+                </a:solidFill>
+              </a:rPr>
+              <a:pPr/>
+              <a:t>10/31/17 8:59 AM</a:t>
+            </a:fld>
+            <a:endParaRPr lang="en-US">
+              <a:solidFill>
+                <a:prstClr val="black"/>
+              </a:solidFill>
+            </a:endParaRPr>
+          </a:p>
+        </p:txBody>
+      </p:sp>
+      <p:sp>
+        <p:nvSpPr>
+          <p:cNvPr id="7" name="Slide Number Placeholder 6"/>
+          <p:cNvSpPr>
+            <a:spLocks noGrp="1"/>
+          </p:cNvSpPr>
+          <p:nvPr>
+            <p:ph type="sldNum" sz="quarter" idx="13"/>
+          </p:nvPr>
+        </p:nvSpPr>
+        <p:spPr/>
+        <p:txBody>
+          <a:bodyPr/>
+          <a:lstStyle/>
+          <a:p>
+            <a:fld id="{B4008EB6-D09E-4580-8CD6-DDB14511944F}" type="slidenum">
+              <a:rPr lang="en-US" smtClean="0">
+                <a:solidFill>
+                  <a:prstClr val="black"/>
+                </a:solidFill>
+              </a:rPr>
+              <a:pPr/>
+              <a:t>12</a:t>
+            </a:fld>
+            <a:endParaRPr lang="en-US">
+              <a:solidFill>
+                <a:prstClr val="black"/>
+              </a:solidFill>
+            </a:endParaRPr>
+          </a:p>
+        </p:txBody>
+      </p:sp>
+    </p:spTree>
+    <p:extLst>
+      <p:ext uri="{BB962C8B-B14F-4D97-AF65-F5344CB8AC3E}">
+        <p14:creationId xmlns:p14="http://schemas.microsoft.com/office/powerpoint/2010/main" val="826397968"/>
       </p:ext>
     </p:extLst>
   </p:cSld>
@@ -1551,7 +1939,7 @@
           <a:p>
             <a:fld id="{CD020521-A8CE-43BF-A440-97087F7D6F0B}" type="datetimeFigureOut">
               <a:rPr lang="en-US" smtClean="0"/>
-              <a:t>10/20/17</a:t>
+              <a:t>10/31/17</a:t>
             </a:fld>
             <a:endParaRPr lang="en-US"/>
           </a:p>
@@ -1716,7 +2104,7 @@
           <a:p>
             <a:fld id="{CD020521-A8CE-43BF-A440-97087F7D6F0B}" type="datetimeFigureOut">
               <a:rPr lang="en-US" smtClean="0"/>
-              <a:t>10/20/17</a:t>
+              <a:t>10/31/17</a:t>
             </a:fld>
             <a:endParaRPr lang="en-US"/>
           </a:p>
@@ -1891,7 +2279,7 @@
           <a:p>
             <a:fld id="{CD020521-A8CE-43BF-A440-97087F7D6F0B}" type="datetimeFigureOut">
               <a:rPr lang="en-US" smtClean="0"/>
-              <a:t>10/20/17</a:t>
+              <a:t>10/31/17</a:t>
             </a:fld>
             <a:endParaRPr lang="en-US"/>
           </a:p>
@@ -1944,6 +2332,902 @@
   <p:clrMapOvr>
     <a:masterClrMapping/>
   </p:clrMapOvr>
+</p:sldLayout>
+</file>
+
+<file path=ppt/slideLayouts/slideLayout12.xml><?xml version="1.0" encoding="utf-8"?>
+<p:sldLayout xmlns:a="http://schemas.openxmlformats.org/drawingml/2006/main" xmlns:r="http://schemas.openxmlformats.org/officeDocument/2006/relationships" xmlns:p="http://schemas.openxmlformats.org/presentationml/2006/main" preserve="1" userDrawn="1">
+  <p:cSld name="1_Title &amp; Non-bulleted text">
+    <p:spTree>
+      <p:nvGrpSpPr>
+        <p:cNvPr id="1" name=""/>
+        <p:cNvGrpSpPr/>
+        <p:nvPr/>
+      </p:nvGrpSpPr>
+      <p:grpSpPr>
+        <a:xfrm>
+          <a:off x="0" y="0"/>
+          <a:ext cx="0" cy="0"/>
+          <a:chOff x="0" y="0"/>
+          <a:chExt cx="0" cy="0"/>
+        </a:xfrm>
+      </p:grpSpPr>
+      <p:sp>
+        <p:nvSpPr>
+          <p:cNvPr id="2" name="Title 1"/>
+          <p:cNvSpPr>
+            <a:spLocks noGrp="1"/>
+          </p:cNvSpPr>
+          <p:nvPr>
+            <p:ph type="title"/>
+          </p:nvPr>
+        </p:nvSpPr>
+        <p:spPr/>
+        <p:txBody>
+          <a:bodyPr/>
+          <a:lstStyle/>
+          <a:p>
+            <a:r>
+              <a:rPr lang="en-US"/>
+              <a:t>Click to edit Master title style</a:t>
+            </a:r>
+          </a:p>
+        </p:txBody>
+      </p:sp>
+      <p:sp>
+        <p:nvSpPr>
+          <p:cNvPr id="6" name="Text Placeholder 5"/>
+          <p:cNvSpPr>
+            <a:spLocks noGrp="1"/>
+          </p:cNvSpPr>
+          <p:nvPr>
+            <p:ph type="body" sz="quarter" idx="10"/>
+          </p:nvPr>
+        </p:nvSpPr>
+        <p:spPr>
+          <a:xfrm>
+            <a:off x="269239" y="1189177"/>
+            <a:ext cx="11653523" cy="1985641"/>
+          </a:xfrm>
+        </p:spPr>
+        <p:txBody>
+          <a:bodyPr/>
+          <a:lstStyle>
+            <a:lvl1pPr marL="0" indent="0">
+              <a:buNone/>
+              <a:defRPr>
+                <a:gradFill>
+                  <a:gsLst>
+                    <a:gs pos="1250">
+                      <a:schemeClr val="tx1"/>
+                    </a:gs>
+                    <a:gs pos="99000">
+                      <a:schemeClr val="tx1"/>
+                    </a:gs>
+                  </a:gsLst>
+                  <a:lin ang="5400000" scaled="0"/>
+                </a:gradFill>
+              </a:defRPr>
+            </a:lvl1pPr>
+            <a:lvl2pPr marL="0" indent="0">
+              <a:buFontTx/>
+              <a:buNone/>
+              <a:defRPr sz="1961"/>
+            </a:lvl2pPr>
+            <a:lvl3pPr marL="224097" indent="0">
+              <a:buNone/>
+              <a:defRPr/>
+            </a:lvl3pPr>
+            <a:lvl4pPr marL="448193" indent="0">
+              <a:buNone/>
+              <a:defRPr/>
+            </a:lvl4pPr>
+            <a:lvl5pPr marL="672290" indent="0">
+              <a:buNone/>
+              <a:defRPr/>
+            </a:lvl5pPr>
+          </a:lstStyle>
+          <a:p>
+            <a:pPr lvl="0"/>
+            <a:r>
+              <a:rPr lang="en-US"/>
+              <a:t>Click to edit Master text styles</a:t>
+            </a:r>
+          </a:p>
+          <a:p>
+            <a:pPr lvl="1"/>
+            <a:r>
+              <a:rPr lang="en-US"/>
+              <a:t>Second level</a:t>
+            </a:r>
+          </a:p>
+          <a:p>
+            <a:pPr lvl="2"/>
+            <a:r>
+              <a:rPr lang="en-US"/>
+              <a:t>Third level</a:t>
+            </a:r>
+          </a:p>
+          <a:p>
+            <a:pPr lvl="3"/>
+            <a:r>
+              <a:rPr lang="en-US"/>
+              <a:t>Fourth level</a:t>
+            </a:r>
+          </a:p>
+          <a:p>
+            <a:pPr lvl="4"/>
+            <a:r>
+              <a:rPr lang="en-US"/>
+              <a:t>Fifth level</a:t>
+            </a:r>
+          </a:p>
+        </p:txBody>
+      </p:sp>
+    </p:spTree>
+    <p:extLst/>
+  </p:cSld>
+  <p:clrMapOvr>
+    <a:masterClrMapping/>
+  </p:clrMapOvr>
+  <p:transition>
+    <p:fade/>
+  </p:transition>
+</p:sldLayout>
+</file>
+
+<file path=ppt/slideLayouts/slideLayout13.xml><?xml version="1.0" encoding="utf-8"?>
+<p:sldLayout xmlns:a="http://schemas.openxmlformats.org/drawingml/2006/main" xmlns:r="http://schemas.openxmlformats.org/officeDocument/2006/relationships" xmlns:p="http://schemas.openxmlformats.org/presentationml/2006/main" preserve="1" userDrawn="1">
+  <p:cSld name="Title Only">
+    <p:spTree>
+      <p:nvGrpSpPr>
+        <p:cNvPr id="1" name=""/>
+        <p:cNvGrpSpPr/>
+        <p:nvPr/>
+      </p:nvGrpSpPr>
+      <p:grpSpPr>
+        <a:xfrm>
+          <a:off x="0" y="0"/>
+          <a:ext cx="0" cy="0"/>
+          <a:chOff x="0" y="0"/>
+          <a:chExt cx="0" cy="0"/>
+        </a:xfrm>
+      </p:grpSpPr>
+      <p:sp>
+        <p:nvSpPr>
+          <p:cNvPr id="2" name="Title 1"/>
+          <p:cNvSpPr>
+            <a:spLocks noGrp="1"/>
+          </p:cNvSpPr>
+          <p:nvPr>
+            <p:ph type="title"/>
+          </p:nvPr>
+        </p:nvSpPr>
+        <p:spPr/>
+        <p:txBody>
+          <a:bodyPr/>
+          <a:lstStyle/>
+          <a:p>
+            <a:r>
+              <a:rPr lang="en-US"/>
+              <a:t>Click to edit Master title style</a:t>
+            </a:r>
+          </a:p>
+        </p:txBody>
+      </p:sp>
+    </p:spTree>
+    <p:extLst/>
+  </p:cSld>
+  <p:clrMapOvr>
+    <a:masterClrMapping/>
+  </p:clrMapOvr>
+  <p:transition>
+    <p:fade/>
+  </p:transition>
+</p:sldLayout>
+</file>
+
+<file path=ppt/slideLayouts/slideLayout14.xml><?xml version="1.0" encoding="utf-8"?>
+<p:sldLayout xmlns:a="http://schemas.openxmlformats.org/drawingml/2006/main" xmlns:r="http://schemas.openxmlformats.org/officeDocument/2006/relationships" xmlns:p="http://schemas.openxmlformats.org/presentationml/2006/main" preserve="1" userDrawn="1">
+  <p:cSld name="Section Title Accent Color 1">
+    <p:bg>
+      <p:bgPr>
+        <a:solidFill>
+          <a:schemeClr val="accent1"/>
+        </a:solidFill>
+        <a:effectLst/>
+      </p:bgPr>
+    </p:bg>
+    <p:spTree>
+      <p:nvGrpSpPr>
+        <p:cNvPr id="1" name=""/>
+        <p:cNvGrpSpPr/>
+        <p:nvPr/>
+      </p:nvGrpSpPr>
+      <p:grpSpPr>
+        <a:xfrm>
+          <a:off x="0" y="0"/>
+          <a:ext cx="0" cy="0"/>
+          <a:chOff x="0" y="0"/>
+          <a:chExt cx="0" cy="0"/>
+        </a:xfrm>
+      </p:grpSpPr>
+      <p:sp>
+        <p:nvSpPr>
+          <p:cNvPr id="2" name="Title 1"/>
+          <p:cNvSpPr>
+            <a:spLocks noGrp="1"/>
+          </p:cNvSpPr>
+          <p:nvPr>
+            <p:ph type="title" hasCustomPrompt="1"/>
+          </p:nvPr>
+        </p:nvSpPr>
+        <p:spPr>
+          <a:xfrm>
+            <a:off x="269239" y="2084172"/>
+            <a:ext cx="11653523" cy="1158793"/>
+          </a:xfrm>
+          <a:noFill/>
+        </p:spPr>
+        <p:txBody>
+          <a:bodyPr tIns="91440" bIns="91440" anchor="t" anchorCtr="0">
+            <a:spAutoFit/>
+          </a:bodyPr>
+          <a:lstStyle>
+            <a:lvl1pPr>
+              <a:defRPr sz="7058" spc="-98" baseline="0">
+                <a:gradFill>
+                  <a:gsLst>
+                    <a:gs pos="100000">
+                      <a:schemeClr val="tx1"/>
+                    </a:gs>
+                    <a:gs pos="0">
+                      <a:schemeClr val="tx1"/>
+                    </a:gs>
+                  </a:gsLst>
+                  <a:lin ang="5400000" scaled="0"/>
+                </a:gradFill>
+              </a:defRPr>
+            </a:lvl1pPr>
+          </a:lstStyle>
+          <a:p>
+            <a:r>
+              <a:rPr lang="en-US"/>
+              <a:t>Section title</a:t>
+            </a:r>
+          </a:p>
+        </p:txBody>
+      </p:sp>
+    </p:spTree>
+    <p:extLst/>
+  </p:cSld>
+  <p:clrMapOvr>
+    <a:overrideClrMapping bg1="dk1" tx1="lt1" bg2="dk2" tx2="lt2" accent1="accent1" accent2="accent2" accent3="accent3" accent4="accent4" accent5="accent5" accent6="accent6" hlink="hlink" folHlink="folHlink"/>
+  </p:clrMapOvr>
+  <p:transition>
+    <p:fade/>
+  </p:transition>
+</p:sldLayout>
+</file>
+
+<file path=ppt/slideLayouts/slideLayout15.xml><?xml version="1.0" encoding="utf-8"?>
+<p:sldLayout xmlns:a="http://schemas.openxmlformats.org/drawingml/2006/main" xmlns:r="http://schemas.openxmlformats.org/officeDocument/2006/relationships" xmlns:p="http://schemas.openxmlformats.org/presentationml/2006/main" preserve="1" userDrawn="1">
+  <p:cSld name="Blank">
+    <p:spTree>
+      <p:nvGrpSpPr>
+        <p:cNvPr id="1" name=""/>
+        <p:cNvGrpSpPr/>
+        <p:nvPr/>
+      </p:nvGrpSpPr>
+      <p:grpSpPr>
+        <a:xfrm>
+          <a:off x="0" y="0"/>
+          <a:ext cx="0" cy="0"/>
+          <a:chOff x="0" y="0"/>
+          <a:chExt cx="0" cy="0"/>
+        </a:xfrm>
+      </p:grpSpPr>
+    </p:spTree>
+    <p:extLst/>
+  </p:cSld>
+  <p:clrMapOvr>
+    <a:masterClrMapping/>
+  </p:clrMapOvr>
+  <p:transition>
+    <p:fade/>
+  </p:transition>
+</p:sldLayout>
+</file>
+
+<file path=ppt/slideLayouts/slideLayout16.xml><?xml version="1.0" encoding="utf-8"?>
+<p:sldLayout xmlns:a="http://schemas.openxmlformats.org/drawingml/2006/main" xmlns:r="http://schemas.openxmlformats.org/officeDocument/2006/relationships" xmlns:p="http://schemas.openxmlformats.org/presentationml/2006/main" userDrawn="1">
+  <p:cSld name="Title Slide">
+    <p:bg>
+      <p:bgPr>
+        <a:solidFill>
+          <a:schemeClr val="bg2"/>
+        </a:solidFill>
+        <a:effectLst/>
+      </p:bgPr>
+    </p:bg>
+    <p:spTree>
+      <p:nvGrpSpPr>
+        <p:cNvPr id="1" name=""/>
+        <p:cNvGrpSpPr/>
+        <p:nvPr/>
+      </p:nvGrpSpPr>
+      <p:grpSpPr>
+        <a:xfrm>
+          <a:off x="0" y="0"/>
+          <a:ext cx="0" cy="0"/>
+          <a:chOff x="0" y="0"/>
+          <a:chExt cx="0" cy="0"/>
+        </a:xfrm>
+      </p:grpSpPr>
+      <p:pic>
+        <p:nvPicPr>
+          <p:cNvPr id="16" name="Picture 15" hidden="1"/>
+          <p:cNvPicPr>
+            <a:picLocks noChangeAspect="1"/>
+          </p:cNvPicPr>
+          <p:nvPr userDrawn="1"/>
+        </p:nvPicPr>
+        <p:blipFill>
+          <a:blip r:embed="rId2" cstate="screen">
+            <a:extLst>
+              <a:ext uri="{28A0092B-C50C-407E-A947-70E740481C1C}">
+                <a14:useLocalDpi xmlns:a14="http://schemas.microsoft.com/office/drawing/2010/main"/>
+              </a:ext>
+            </a:extLst>
+          </a:blip>
+          <a:stretch>
+            <a:fillRect/>
+          </a:stretch>
+        </p:blipFill>
+        <p:spPr bwMode="black">
+          <a:xfrm>
+            <a:off x="450203" y="6119147"/>
+            <a:ext cx="1253377" cy="268786"/>
+          </a:xfrm>
+          <a:prstGeom prst="rect">
+            <a:avLst/>
+          </a:prstGeom>
+        </p:spPr>
+      </p:pic>
+      <p:sp>
+        <p:nvSpPr>
+          <p:cNvPr id="8" name="Rectangle 7"/>
+          <p:cNvSpPr/>
+          <p:nvPr userDrawn="1"/>
+        </p:nvSpPr>
+        <p:spPr bwMode="auto">
+          <a:xfrm>
+            <a:off x="1" y="6118656"/>
+            <a:ext cx="12191999" cy="739344"/>
+          </a:xfrm>
+          <a:prstGeom prst="rect">
+            <a:avLst/>
+          </a:prstGeom>
+          <a:solidFill>
+            <a:schemeClr val="tx1"/>
+          </a:solidFill>
+          <a:ln>
+            <a:noFill/>
+            <a:headEnd type="none" w="med" len="med"/>
+            <a:tailEnd type="none" w="med" len="med"/>
+          </a:ln>
+          <a:effectLst>
+            <a:outerShdw blurRad="101600" dist="12700" dir="16200000" rotWithShape="0">
+              <a:prstClr val="black">
+                <a:alpha val="30000"/>
+              </a:prstClr>
+            </a:outerShdw>
+          </a:effectLst>
+        </p:spPr>
+        <p:style>
+          <a:lnRef idx="1">
+            <a:schemeClr val="accent2"/>
+          </a:lnRef>
+          <a:fillRef idx="3">
+            <a:schemeClr val="accent2"/>
+          </a:fillRef>
+          <a:effectRef idx="2">
+            <a:schemeClr val="accent2"/>
+          </a:effectRef>
+          <a:fontRef idx="minor">
+            <a:schemeClr val="lt1"/>
+          </a:fontRef>
+        </p:style>
+        <p:txBody>
+          <a:bodyPr rot="0" spcFirstLastPara="0" vertOverflow="overflow" horzOverflow="overflow" vert="horz" wrap="square" lIns="179285" tIns="143428" rIns="179285" bIns="143428" numCol="1" spcCol="0" rtlCol="0" fromWordArt="0" anchor="t" anchorCtr="0" forceAA="0" compatLnSpc="1">
+            <a:prstTxWarp prst="textNoShape">
+              <a:avLst/>
+            </a:prstTxWarp>
+            <a:noAutofit/>
+          </a:bodyPr>
+          <a:lstStyle/>
+          <a:p>
+            <a:pPr algn="ctr" defTabSz="914102" fontAlgn="base">
+              <a:lnSpc>
+                <a:spcPct val="90000"/>
+              </a:lnSpc>
+              <a:spcBef>
+                <a:spcPct val="0"/>
+              </a:spcBef>
+              <a:spcAft>
+                <a:spcPct val="0"/>
+              </a:spcAft>
+            </a:pPr>
+            <a:endParaRPr lang="en-US" sz="2353" err="1">
+              <a:gradFill>
+                <a:gsLst>
+                  <a:gs pos="0">
+                    <a:srgbClr val="FFFFFF"/>
+                  </a:gs>
+                  <a:gs pos="100000">
+                    <a:srgbClr val="FFFFFF"/>
+                  </a:gs>
+                </a:gsLst>
+                <a:lin ang="5400000" scaled="0"/>
+              </a:gradFill>
+              <a:ea typeface="Segoe UI" pitchFamily="34" charset="0"/>
+              <a:cs typeface="Segoe UI" pitchFamily="34" charset="0"/>
+            </a:endParaRPr>
+          </a:p>
+        </p:txBody>
+      </p:sp>
+      <p:pic>
+        <p:nvPicPr>
+          <p:cNvPr id="9" name="Picture 8"/>
+          <p:cNvPicPr>
+            <a:picLocks noChangeAspect="1"/>
+          </p:cNvPicPr>
+          <p:nvPr userDrawn="1"/>
+        </p:nvPicPr>
+        <p:blipFill rotWithShape="1">
+          <a:blip r:embed="rId3" cstate="print">
+            <a:extLst>
+              <a:ext uri="{28A0092B-C50C-407E-A947-70E740481C1C}">
+                <a14:useLocalDpi xmlns:a14="http://schemas.microsoft.com/office/drawing/2010/main"/>
+              </a:ext>
+            </a:extLst>
+          </a:blip>
+          <a:stretch/>
+        </p:blipFill>
+        <p:spPr bwMode="invGray">
+          <a:xfrm>
+            <a:off x="543147" y="6364281"/>
+            <a:ext cx="1025270" cy="224138"/>
+          </a:xfrm>
+          <a:prstGeom prst="rect">
+            <a:avLst/>
+          </a:prstGeom>
+          <a:noFill/>
+          <a:ln>
+            <a:noFill/>
+          </a:ln>
+        </p:spPr>
+      </p:pic>
+      <p:sp>
+        <p:nvSpPr>
+          <p:cNvPr id="13" name="Title 1"/>
+          <p:cNvSpPr>
+            <a:spLocks noGrp="1"/>
+          </p:cNvSpPr>
+          <p:nvPr>
+            <p:ph type="title" hasCustomPrompt="1"/>
+          </p:nvPr>
+        </p:nvSpPr>
+        <p:spPr>
+          <a:xfrm>
+            <a:off x="543147" y="2084187"/>
+            <a:ext cx="5552853" cy="1793090"/>
+          </a:xfrm>
+          <a:noFill/>
+        </p:spPr>
+        <p:txBody>
+          <a:bodyPr lIns="146304" tIns="91440" rIns="146304" bIns="91440" anchor="t" anchorCtr="0"/>
+          <a:lstStyle>
+            <a:lvl1pPr>
+              <a:defRPr sz="5294" spc="-98" baseline="0">
+                <a:gradFill>
+                  <a:gsLst>
+                    <a:gs pos="100000">
+                      <a:schemeClr val="tx2"/>
+                    </a:gs>
+                    <a:gs pos="0">
+                      <a:schemeClr val="tx2"/>
+                    </a:gs>
+                  </a:gsLst>
+                  <a:lin ang="5400000" scaled="0"/>
+                </a:gradFill>
+              </a:defRPr>
+            </a:lvl1pPr>
+          </a:lstStyle>
+          <a:p>
+            <a:r>
+              <a:rPr lang="en-US"/>
+              <a:t>Presentation title</a:t>
+            </a:r>
+          </a:p>
+        </p:txBody>
+      </p:sp>
+      <p:sp>
+        <p:nvSpPr>
+          <p:cNvPr id="14" name="Text Placeholder 4"/>
+          <p:cNvSpPr>
+            <a:spLocks noGrp="1"/>
+          </p:cNvSpPr>
+          <p:nvPr>
+            <p:ph type="body" sz="quarter" idx="12" hasCustomPrompt="1"/>
+          </p:nvPr>
+        </p:nvSpPr>
+        <p:spPr>
+          <a:xfrm>
+            <a:off x="543147" y="3878574"/>
+            <a:ext cx="5552854" cy="1792326"/>
+          </a:xfrm>
+          <a:noFill/>
+        </p:spPr>
+        <p:txBody>
+          <a:bodyPr lIns="146304" tIns="109728" rIns="146304" bIns="109728">
+            <a:noAutofit/>
+          </a:bodyPr>
+          <a:lstStyle>
+            <a:lvl1pPr marL="0" indent="0">
+              <a:spcBef>
+                <a:spcPts val="0"/>
+              </a:spcBef>
+              <a:buNone/>
+              <a:defRPr sz="3137" spc="0" baseline="0">
+                <a:gradFill>
+                  <a:gsLst>
+                    <a:gs pos="91000">
+                      <a:schemeClr val="tx1"/>
+                    </a:gs>
+                    <a:gs pos="0">
+                      <a:schemeClr val="tx1"/>
+                    </a:gs>
+                  </a:gsLst>
+                  <a:lin ang="5400000" scaled="0"/>
+                </a:gradFill>
+                <a:latin typeface="+mj-lt"/>
+              </a:defRPr>
+            </a:lvl1pPr>
+          </a:lstStyle>
+          <a:p>
+            <a:pPr lvl="0"/>
+            <a:r>
+              <a:rPr lang="en-US"/>
+              <a:t>Speaker Name</a:t>
+            </a:r>
+          </a:p>
+        </p:txBody>
+      </p:sp>
+    </p:spTree>
+    <p:extLst/>
+  </p:cSld>
+  <p:clrMapOvr>
+    <a:overrideClrMapping bg1="dk1" tx1="lt1" bg2="dk2" tx2="lt2" accent1="accent1" accent2="accent2" accent3="accent3" accent4="accent4" accent5="accent5" accent6="accent6" hlink="hlink" folHlink="folHlink"/>
+  </p:clrMapOvr>
+  <mc:AlternateContent xmlns:mc="http://schemas.openxmlformats.org/markup-compatibility/2006" xmlns:p14="http://schemas.microsoft.com/office/powerpoint/2010/main">
+    <mc:Choice Requires="p14">
+      <p:transition spd="med" p14:dur="700">
+        <p:fade/>
+      </p:transition>
+    </mc:Choice>
+    <mc:Fallback xmlns="">
+      <p:transition spd="med">
+        <p:fade/>
+      </p:transition>
+    </mc:Fallback>
+  </mc:AlternateContent>
+</p:sldLayout>
+</file>
+
+<file path=ppt/slideLayouts/slideLayout17.xml><?xml version="1.0" encoding="utf-8"?>
+<p:sldLayout xmlns:a="http://schemas.openxmlformats.org/drawingml/2006/main" xmlns:r="http://schemas.openxmlformats.org/officeDocument/2006/relationships" xmlns:p="http://schemas.openxmlformats.org/presentationml/2006/main" userDrawn="1">
+  <p:cSld name="Closing slide Microsoft">
+    <p:bg>
+      <p:bgPr>
+        <a:solidFill>
+          <a:schemeClr val="tx2"/>
+        </a:solidFill>
+        <a:effectLst/>
+      </p:bgPr>
+    </p:bg>
+    <p:spTree>
+      <p:nvGrpSpPr>
+        <p:cNvPr id="1" name=""/>
+        <p:cNvGrpSpPr/>
+        <p:nvPr/>
+      </p:nvGrpSpPr>
+      <p:grpSpPr>
+        <a:xfrm>
+          <a:off x="0" y="0"/>
+          <a:ext cx="0" cy="0"/>
+          <a:chOff x="0" y="0"/>
+          <a:chExt cx="0" cy="0"/>
+        </a:xfrm>
+      </p:grpSpPr>
+      <p:sp>
+        <p:nvSpPr>
+          <p:cNvPr id="2" name="Text Box 3"/>
+          <p:cNvSpPr txBox="1">
+            <a:spLocks noChangeArrowheads="1"/>
+          </p:cNvSpPr>
+          <p:nvPr userDrawn="1"/>
+        </p:nvSpPr>
+        <p:spPr bwMode="blackWhite">
+          <a:xfrm>
+            <a:off x="269239" y="6171616"/>
+            <a:ext cx="11653522" cy="395317"/>
+          </a:xfrm>
+          <a:prstGeom prst="rect">
+            <a:avLst/>
+          </a:prstGeom>
+          <a:noFill/>
+          <a:ln w="12700">
+            <a:noFill/>
+            <a:miter lim="800000"/>
+            <a:headEnd type="none" w="sm" len="sm"/>
+            <a:tailEnd type="none" w="sm" len="sm"/>
+          </a:ln>
+          <a:effectLst/>
+        </p:spPr>
+        <p:txBody>
+          <a:bodyPr vert="horz" wrap="square" lIns="179285" tIns="143428" rIns="179285" bIns="143428" numCol="1" anchor="t" anchorCtr="0" compatLnSpc="1">
+            <a:prstTxWarp prst="textNoShape">
+              <a:avLst/>
+            </a:prstTxWarp>
+            <a:spAutoFit/>
+          </a:bodyPr>
+          <a:lstStyle/>
+          <a:p>
+            <a:pPr defTabSz="913924" eaLnBrk="0" hangingPunct="0"/>
+            <a:r>
+              <a:rPr lang="en-US" sz="686">
+                <a:solidFill>
+                  <a:srgbClr val="FFFFFF"/>
+                </a:solidFill>
+                <a:cs typeface="Segoe UI" pitchFamily="34" charset="0"/>
+              </a:rPr>
+              <a:t>© 2016 Microsoft Corporation. All rights reserved. </a:t>
+            </a:r>
+          </a:p>
+        </p:txBody>
+      </p:sp>
+      <p:pic>
+        <p:nvPicPr>
+          <p:cNvPr id="6" name="MS logo white"/>
+          <p:cNvPicPr>
+            <a:picLocks noChangeAspect="1"/>
+          </p:cNvPicPr>
+          <p:nvPr userDrawn="1"/>
+        </p:nvPicPr>
+        <p:blipFill>
+          <a:blip r:embed="rId2" cstate="screen">
+            <a:extLst>
+              <a:ext uri="{28A0092B-C50C-407E-A947-70E740481C1C}">
+                <a14:useLocalDpi xmlns:a14="http://schemas.microsoft.com/office/drawing/2010/main"/>
+              </a:ext>
+            </a:extLst>
+          </a:blip>
+          <a:stretch>
+            <a:fillRect/>
+          </a:stretch>
+        </p:blipFill>
+        <p:spPr bwMode="gray">
+          <a:xfrm>
+            <a:off x="3854121" y="2949303"/>
+            <a:ext cx="4483757" cy="959394"/>
+          </a:xfrm>
+          <a:prstGeom prst="rect">
+            <a:avLst/>
+          </a:prstGeom>
+        </p:spPr>
+      </p:pic>
+    </p:spTree>
+    <p:extLst/>
+  </p:cSld>
+  <p:clrMapOvr>
+    <a:overrideClrMapping bg1="lt1" tx1="dk1" bg2="lt2" tx2="dk2" accent1="accent1" accent2="accent2" accent3="accent3" accent4="accent4" accent5="accent5" accent6="accent6" hlink="hlink" folHlink="folHlink"/>
+  </p:clrMapOvr>
+  <p:transition>
+    <p:fade/>
+  </p:transition>
+</p:sldLayout>
+</file>
+
+<file path=ppt/slideLayouts/slideLayout18.xml><?xml version="1.0" encoding="utf-8"?>
+<p:sldLayout xmlns:a="http://schemas.openxmlformats.org/drawingml/2006/main" xmlns:r="http://schemas.openxmlformats.org/officeDocument/2006/relationships" xmlns:p="http://schemas.openxmlformats.org/presentationml/2006/main" preserve="1" userDrawn="1">
+  <p:cSld name="1_Title &amp; Non-bulleted text">
+    <p:spTree>
+      <p:nvGrpSpPr>
+        <p:cNvPr id="1" name=""/>
+        <p:cNvGrpSpPr/>
+        <p:nvPr/>
+      </p:nvGrpSpPr>
+      <p:grpSpPr>
+        <a:xfrm>
+          <a:off x="0" y="0"/>
+          <a:ext cx="0" cy="0"/>
+          <a:chOff x="0" y="0"/>
+          <a:chExt cx="0" cy="0"/>
+        </a:xfrm>
+      </p:grpSpPr>
+      <p:sp>
+        <p:nvSpPr>
+          <p:cNvPr id="2" name="Title 1"/>
+          <p:cNvSpPr>
+            <a:spLocks noGrp="1"/>
+          </p:cNvSpPr>
+          <p:nvPr>
+            <p:ph type="title"/>
+          </p:nvPr>
+        </p:nvSpPr>
+        <p:spPr/>
+        <p:txBody>
+          <a:bodyPr/>
+          <a:lstStyle/>
+          <a:p>
+            <a:r>
+              <a:rPr lang="en-US"/>
+              <a:t>Click to edit Master title style</a:t>
+            </a:r>
+          </a:p>
+        </p:txBody>
+      </p:sp>
+      <p:sp>
+        <p:nvSpPr>
+          <p:cNvPr id="6" name="Text Placeholder 5"/>
+          <p:cNvSpPr>
+            <a:spLocks noGrp="1"/>
+          </p:cNvSpPr>
+          <p:nvPr>
+            <p:ph type="body" sz="quarter" idx="10"/>
+          </p:nvPr>
+        </p:nvSpPr>
+        <p:spPr>
+          <a:xfrm>
+            <a:off x="269239" y="1189177"/>
+            <a:ext cx="11653523" cy="1985641"/>
+          </a:xfrm>
+        </p:spPr>
+        <p:txBody>
+          <a:bodyPr/>
+          <a:lstStyle>
+            <a:lvl1pPr marL="0" indent="0">
+              <a:buNone/>
+              <a:defRPr>
+                <a:gradFill>
+                  <a:gsLst>
+                    <a:gs pos="1250">
+                      <a:schemeClr val="tx1"/>
+                    </a:gs>
+                    <a:gs pos="99000">
+                      <a:schemeClr val="tx1"/>
+                    </a:gs>
+                  </a:gsLst>
+                  <a:lin ang="5400000" scaled="0"/>
+                </a:gradFill>
+              </a:defRPr>
+            </a:lvl1pPr>
+            <a:lvl2pPr marL="0" indent="0">
+              <a:buFontTx/>
+              <a:buNone/>
+              <a:defRPr sz="1961"/>
+            </a:lvl2pPr>
+            <a:lvl3pPr marL="224097" indent="0">
+              <a:buNone/>
+              <a:defRPr/>
+            </a:lvl3pPr>
+            <a:lvl4pPr marL="448193" indent="0">
+              <a:buNone/>
+              <a:defRPr/>
+            </a:lvl4pPr>
+            <a:lvl5pPr marL="672290" indent="0">
+              <a:buNone/>
+              <a:defRPr/>
+            </a:lvl5pPr>
+          </a:lstStyle>
+          <a:p>
+            <a:pPr lvl="0"/>
+            <a:r>
+              <a:rPr lang="en-US"/>
+              <a:t>Click to edit Master text styles</a:t>
+            </a:r>
+          </a:p>
+          <a:p>
+            <a:pPr lvl="1"/>
+            <a:r>
+              <a:rPr lang="en-US"/>
+              <a:t>Second level</a:t>
+            </a:r>
+          </a:p>
+          <a:p>
+            <a:pPr lvl="2"/>
+            <a:r>
+              <a:rPr lang="en-US"/>
+              <a:t>Third level</a:t>
+            </a:r>
+          </a:p>
+          <a:p>
+            <a:pPr lvl="3"/>
+            <a:r>
+              <a:rPr lang="en-US"/>
+              <a:t>Fourth level</a:t>
+            </a:r>
+          </a:p>
+          <a:p>
+            <a:pPr lvl="4"/>
+            <a:r>
+              <a:rPr lang="en-US"/>
+              <a:t>Fifth level</a:t>
+            </a:r>
+          </a:p>
+        </p:txBody>
+      </p:sp>
+    </p:spTree>
+    <p:extLst/>
+  </p:cSld>
+  <p:clrMapOvr>
+    <a:masterClrMapping/>
+  </p:clrMapOvr>
+  <p:transition>
+    <p:fade/>
+  </p:transition>
+</p:sldLayout>
+</file>
+
+<file path=ppt/slideLayouts/slideLayout19.xml><?xml version="1.0" encoding="utf-8"?>
+<p:sldLayout xmlns:a="http://schemas.openxmlformats.org/drawingml/2006/main" xmlns:r="http://schemas.openxmlformats.org/officeDocument/2006/relationships" xmlns:p="http://schemas.openxmlformats.org/presentationml/2006/main" preserve="1" userDrawn="1">
+  <p:cSld name="Title Only">
+    <p:spTree>
+      <p:nvGrpSpPr>
+        <p:cNvPr id="1" name=""/>
+        <p:cNvGrpSpPr/>
+        <p:nvPr/>
+      </p:nvGrpSpPr>
+      <p:grpSpPr>
+        <a:xfrm>
+          <a:off x="0" y="0"/>
+          <a:ext cx="0" cy="0"/>
+          <a:chOff x="0" y="0"/>
+          <a:chExt cx="0" cy="0"/>
+        </a:xfrm>
+      </p:grpSpPr>
+      <p:sp>
+        <p:nvSpPr>
+          <p:cNvPr id="2" name="Title 1"/>
+          <p:cNvSpPr>
+            <a:spLocks noGrp="1"/>
+          </p:cNvSpPr>
+          <p:nvPr>
+            <p:ph type="title"/>
+          </p:nvPr>
+        </p:nvSpPr>
+        <p:spPr/>
+        <p:txBody>
+          <a:bodyPr/>
+          <a:lstStyle/>
+          <a:p>
+            <a:r>
+              <a:rPr lang="en-US"/>
+              <a:t>Click to edit Master title style</a:t>
+            </a:r>
+          </a:p>
+        </p:txBody>
+      </p:sp>
+    </p:spTree>
+    <p:extLst/>
+  </p:cSld>
+  <p:clrMapOvr>
+    <a:masterClrMapping/>
+  </p:clrMapOvr>
+  <p:transition>
+    <p:fade/>
+  </p:transition>
 </p:sldLayout>
 </file>
 
@@ -2056,7 +3340,7 @@
           <a:p>
             <a:fld id="{CD020521-A8CE-43BF-A440-97087F7D6F0B}" type="datetimeFigureOut">
               <a:rPr lang="en-US" smtClean="0"/>
-              <a:t>10/20/17</a:t>
+              <a:t>10/31/17</a:t>
             </a:fld>
             <a:endParaRPr lang="en-US"/>
           </a:p>
@@ -2109,6 +3393,517 @@
   <p:clrMapOvr>
     <a:masterClrMapping/>
   </p:clrMapOvr>
+</p:sldLayout>
+</file>
+
+<file path=ppt/slideLayouts/slideLayout20.xml><?xml version="1.0" encoding="utf-8"?>
+<p:sldLayout xmlns:a="http://schemas.openxmlformats.org/drawingml/2006/main" xmlns:r="http://schemas.openxmlformats.org/officeDocument/2006/relationships" xmlns:p="http://schemas.openxmlformats.org/presentationml/2006/main" preserve="1" userDrawn="1">
+  <p:cSld name="Section Title Accent Color 1">
+    <p:bg>
+      <p:bgPr>
+        <a:solidFill>
+          <a:schemeClr val="accent1"/>
+        </a:solidFill>
+        <a:effectLst/>
+      </p:bgPr>
+    </p:bg>
+    <p:spTree>
+      <p:nvGrpSpPr>
+        <p:cNvPr id="1" name=""/>
+        <p:cNvGrpSpPr/>
+        <p:nvPr/>
+      </p:nvGrpSpPr>
+      <p:grpSpPr>
+        <a:xfrm>
+          <a:off x="0" y="0"/>
+          <a:ext cx="0" cy="0"/>
+          <a:chOff x="0" y="0"/>
+          <a:chExt cx="0" cy="0"/>
+        </a:xfrm>
+      </p:grpSpPr>
+      <p:sp>
+        <p:nvSpPr>
+          <p:cNvPr id="2" name="Title 1"/>
+          <p:cNvSpPr>
+            <a:spLocks noGrp="1"/>
+          </p:cNvSpPr>
+          <p:nvPr>
+            <p:ph type="title" hasCustomPrompt="1"/>
+          </p:nvPr>
+        </p:nvSpPr>
+        <p:spPr>
+          <a:xfrm>
+            <a:off x="269239" y="2084172"/>
+            <a:ext cx="11653523" cy="1158793"/>
+          </a:xfrm>
+          <a:noFill/>
+        </p:spPr>
+        <p:txBody>
+          <a:bodyPr tIns="91440" bIns="91440" anchor="t" anchorCtr="0">
+            <a:spAutoFit/>
+          </a:bodyPr>
+          <a:lstStyle>
+            <a:lvl1pPr>
+              <a:defRPr sz="7058" spc="-98" baseline="0">
+                <a:gradFill>
+                  <a:gsLst>
+                    <a:gs pos="100000">
+                      <a:schemeClr val="tx1"/>
+                    </a:gs>
+                    <a:gs pos="0">
+                      <a:schemeClr val="tx1"/>
+                    </a:gs>
+                  </a:gsLst>
+                  <a:lin ang="5400000" scaled="0"/>
+                </a:gradFill>
+              </a:defRPr>
+            </a:lvl1pPr>
+          </a:lstStyle>
+          <a:p>
+            <a:r>
+              <a:rPr lang="en-US"/>
+              <a:t>Section title</a:t>
+            </a:r>
+          </a:p>
+        </p:txBody>
+      </p:sp>
+    </p:spTree>
+    <p:extLst/>
+  </p:cSld>
+  <p:clrMapOvr>
+    <a:overrideClrMapping bg1="dk1" tx1="lt1" bg2="dk2" tx2="lt2" accent1="accent1" accent2="accent2" accent3="accent3" accent4="accent4" accent5="accent5" accent6="accent6" hlink="hlink" folHlink="folHlink"/>
+  </p:clrMapOvr>
+  <p:transition>
+    <p:fade/>
+  </p:transition>
+</p:sldLayout>
+</file>
+
+<file path=ppt/slideLayouts/slideLayout21.xml><?xml version="1.0" encoding="utf-8"?>
+<p:sldLayout xmlns:a="http://schemas.openxmlformats.org/drawingml/2006/main" xmlns:r="http://schemas.openxmlformats.org/officeDocument/2006/relationships" xmlns:p="http://schemas.openxmlformats.org/presentationml/2006/main" preserve="1" userDrawn="1">
+  <p:cSld name="Blank">
+    <p:spTree>
+      <p:nvGrpSpPr>
+        <p:cNvPr id="1" name=""/>
+        <p:cNvGrpSpPr/>
+        <p:nvPr/>
+      </p:nvGrpSpPr>
+      <p:grpSpPr>
+        <a:xfrm>
+          <a:off x="0" y="0"/>
+          <a:ext cx="0" cy="0"/>
+          <a:chOff x="0" y="0"/>
+          <a:chExt cx="0" cy="0"/>
+        </a:xfrm>
+      </p:grpSpPr>
+    </p:spTree>
+    <p:extLst/>
+  </p:cSld>
+  <p:clrMapOvr>
+    <a:masterClrMapping/>
+  </p:clrMapOvr>
+  <p:transition>
+    <p:fade/>
+  </p:transition>
+</p:sldLayout>
+</file>
+
+<file path=ppt/slideLayouts/slideLayout22.xml><?xml version="1.0" encoding="utf-8"?>
+<p:sldLayout xmlns:a="http://schemas.openxmlformats.org/drawingml/2006/main" xmlns:r="http://schemas.openxmlformats.org/officeDocument/2006/relationships" xmlns:p="http://schemas.openxmlformats.org/presentationml/2006/main" userDrawn="1">
+  <p:cSld name="Title Slide">
+    <p:bg>
+      <p:bgPr>
+        <a:solidFill>
+          <a:schemeClr val="bg2"/>
+        </a:solidFill>
+        <a:effectLst/>
+      </p:bgPr>
+    </p:bg>
+    <p:spTree>
+      <p:nvGrpSpPr>
+        <p:cNvPr id="1" name=""/>
+        <p:cNvGrpSpPr/>
+        <p:nvPr/>
+      </p:nvGrpSpPr>
+      <p:grpSpPr>
+        <a:xfrm>
+          <a:off x="0" y="0"/>
+          <a:ext cx="0" cy="0"/>
+          <a:chOff x="0" y="0"/>
+          <a:chExt cx="0" cy="0"/>
+        </a:xfrm>
+      </p:grpSpPr>
+      <p:pic>
+        <p:nvPicPr>
+          <p:cNvPr id="16" name="Picture 15" hidden="1"/>
+          <p:cNvPicPr>
+            <a:picLocks noChangeAspect="1"/>
+          </p:cNvPicPr>
+          <p:nvPr userDrawn="1"/>
+        </p:nvPicPr>
+        <p:blipFill>
+          <a:blip r:embed="rId2" cstate="screen">
+            <a:extLst>
+              <a:ext uri="{28A0092B-C50C-407E-A947-70E740481C1C}">
+                <a14:useLocalDpi xmlns:a14="http://schemas.microsoft.com/office/drawing/2010/main"/>
+              </a:ext>
+            </a:extLst>
+          </a:blip>
+          <a:stretch>
+            <a:fillRect/>
+          </a:stretch>
+        </p:blipFill>
+        <p:spPr bwMode="black">
+          <a:xfrm>
+            <a:off x="450203" y="6119147"/>
+            <a:ext cx="1253377" cy="268786"/>
+          </a:xfrm>
+          <a:prstGeom prst="rect">
+            <a:avLst/>
+          </a:prstGeom>
+        </p:spPr>
+      </p:pic>
+      <p:sp>
+        <p:nvSpPr>
+          <p:cNvPr id="8" name="Rectangle 7"/>
+          <p:cNvSpPr/>
+          <p:nvPr userDrawn="1"/>
+        </p:nvSpPr>
+        <p:spPr bwMode="auto">
+          <a:xfrm>
+            <a:off x="1" y="6118656"/>
+            <a:ext cx="12191999" cy="739344"/>
+          </a:xfrm>
+          <a:prstGeom prst="rect">
+            <a:avLst/>
+          </a:prstGeom>
+          <a:solidFill>
+            <a:schemeClr val="tx1"/>
+          </a:solidFill>
+          <a:ln>
+            <a:noFill/>
+            <a:headEnd type="none" w="med" len="med"/>
+            <a:tailEnd type="none" w="med" len="med"/>
+          </a:ln>
+          <a:effectLst>
+            <a:outerShdw blurRad="101600" dist="12700" dir="16200000" rotWithShape="0">
+              <a:prstClr val="black">
+                <a:alpha val="30000"/>
+              </a:prstClr>
+            </a:outerShdw>
+          </a:effectLst>
+        </p:spPr>
+        <p:style>
+          <a:lnRef idx="1">
+            <a:schemeClr val="accent2"/>
+          </a:lnRef>
+          <a:fillRef idx="3">
+            <a:schemeClr val="accent2"/>
+          </a:fillRef>
+          <a:effectRef idx="2">
+            <a:schemeClr val="accent2"/>
+          </a:effectRef>
+          <a:fontRef idx="minor">
+            <a:schemeClr val="lt1"/>
+          </a:fontRef>
+        </p:style>
+        <p:txBody>
+          <a:bodyPr rot="0" spcFirstLastPara="0" vertOverflow="overflow" horzOverflow="overflow" vert="horz" wrap="square" lIns="179285" tIns="143428" rIns="179285" bIns="143428" numCol="1" spcCol="0" rtlCol="0" fromWordArt="0" anchor="t" anchorCtr="0" forceAA="0" compatLnSpc="1">
+            <a:prstTxWarp prst="textNoShape">
+              <a:avLst/>
+            </a:prstTxWarp>
+            <a:noAutofit/>
+          </a:bodyPr>
+          <a:lstStyle/>
+          <a:p>
+            <a:pPr algn="ctr" defTabSz="914102" fontAlgn="base">
+              <a:lnSpc>
+                <a:spcPct val="90000"/>
+              </a:lnSpc>
+              <a:spcBef>
+                <a:spcPct val="0"/>
+              </a:spcBef>
+              <a:spcAft>
+                <a:spcPct val="0"/>
+              </a:spcAft>
+            </a:pPr>
+            <a:endParaRPr lang="en-US" sz="2353" err="1">
+              <a:gradFill>
+                <a:gsLst>
+                  <a:gs pos="0">
+                    <a:srgbClr val="FFFFFF"/>
+                  </a:gs>
+                  <a:gs pos="100000">
+                    <a:srgbClr val="FFFFFF"/>
+                  </a:gs>
+                </a:gsLst>
+                <a:lin ang="5400000" scaled="0"/>
+              </a:gradFill>
+              <a:ea typeface="Segoe UI" pitchFamily="34" charset="0"/>
+              <a:cs typeface="Segoe UI" pitchFamily="34" charset="0"/>
+            </a:endParaRPr>
+          </a:p>
+        </p:txBody>
+      </p:sp>
+      <p:pic>
+        <p:nvPicPr>
+          <p:cNvPr id="9" name="Picture 8"/>
+          <p:cNvPicPr>
+            <a:picLocks noChangeAspect="1"/>
+          </p:cNvPicPr>
+          <p:nvPr userDrawn="1"/>
+        </p:nvPicPr>
+        <p:blipFill rotWithShape="1">
+          <a:blip r:embed="rId3" cstate="print">
+            <a:extLst>
+              <a:ext uri="{28A0092B-C50C-407E-A947-70E740481C1C}">
+                <a14:useLocalDpi xmlns:a14="http://schemas.microsoft.com/office/drawing/2010/main"/>
+              </a:ext>
+            </a:extLst>
+          </a:blip>
+          <a:stretch/>
+        </p:blipFill>
+        <p:spPr bwMode="invGray">
+          <a:xfrm>
+            <a:off x="543147" y="6364281"/>
+            <a:ext cx="1025270" cy="224138"/>
+          </a:xfrm>
+          <a:prstGeom prst="rect">
+            <a:avLst/>
+          </a:prstGeom>
+          <a:noFill/>
+          <a:ln>
+            <a:noFill/>
+          </a:ln>
+        </p:spPr>
+      </p:pic>
+      <p:sp>
+        <p:nvSpPr>
+          <p:cNvPr id="13" name="Title 1"/>
+          <p:cNvSpPr>
+            <a:spLocks noGrp="1"/>
+          </p:cNvSpPr>
+          <p:nvPr>
+            <p:ph type="title" hasCustomPrompt="1"/>
+          </p:nvPr>
+        </p:nvSpPr>
+        <p:spPr>
+          <a:xfrm>
+            <a:off x="543147" y="2084187"/>
+            <a:ext cx="5552853" cy="1793090"/>
+          </a:xfrm>
+          <a:noFill/>
+        </p:spPr>
+        <p:txBody>
+          <a:bodyPr lIns="146304" tIns="91440" rIns="146304" bIns="91440" anchor="t" anchorCtr="0"/>
+          <a:lstStyle>
+            <a:lvl1pPr>
+              <a:defRPr sz="5294" spc="-98" baseline="0">
+                <a:gradFill>
+                  <a:gsLst>
+                    <a:gs pos="100000">
+                      <a:schemeClr val="tx2"/>
+                    </a:gs>
+                    <a:gs pos="0">
+                      <a:schemeClr val="tx2"/>
+                    </a:gs>
+                  </a:gsLst>
+                  <a:lin ang="5400000" scaled="0"/>
+                </a:gradFill>
+              </a:defRPr>
+            </a:lvl1pPr>
+          </a:lstStyle>
+          <a:p>
+            <a:r>
+              <a:rPr lang="en-US"/>
+              <a:t>Presentation title</a:t>
+            </a:r>
+          </a:p>
+        </p:txBody>
+      </p:sp>
+      <p:sp>
+        <p:nvSpPr>
+          <p:cNvPr id="14" name="Text Placeholder 4"/>
+          <p:cNvSpPr>
+            <a:spLocks noGrp="1"/>
+          </p:cNvSpPr>
+          <p:nvPr>
+            <p:ph type="body" sz="quarter" idx="12" hasCustomPrompt="1"/>
+          </p:nvPr>
+        </p:nvSpPr>
+        <p:spPr>
+          <a:xfrm>
+            <a:off x="543147" y="3878574"/>
+            <a:ext cx="5552854" cy="1792326"/>
+          </a:xfrm>
+          <a:noFill/>
+        </p:spPr>
+        <p:txBody>
+          <a:bodyPr lIns="146304" tIns="109728" rIns="146304" bIns="109728">
+            <a:noAutofit/>
+          </a:bodyPr>
+          <a:lstStyle>
+            <a:lvl1pPr marL="0" indent="0">
+              <a:spcBef>
+                <a:spcPts val="0"/>
+              </a:spcBef>
+              <a:buNone/>
+              <a:defRPr sz="3137" spc="0" baseline="0">
+                <a:gradFill>
+                  <a:gsLst>
+                    <a:gs pos="91000">
+                      <a:schemeClr val="tx1"/>
+                    </a:gs>
+                    <a:gs pos="0">
+                      <a:schemeClr val="tx1"/>
+                    </a:gs>
+                  </a:gsLst>
+                  <a:lin ang="5400000" scaled="0"/>
+                </a:gradFill>
+                <a:latin typeface="+mj-lt"/>
+              </a:defRPr>
+            </a:lvl1pPr>
+          </a:lstStyle>
+          <a:p>
+            <a:pPr lvl="0"/>
+            <a:r>
+              <a:rPr lang="en-US"/>
+              <a:t>Speaker Name</a:t>
+            </a:r>
+          </a:p>
+        </p:txBody>
+      </p:sp>
+    </p:spTree>
+    <p:extLst/>
+  </p:cSld>
+  <p:clrMapOvr>
+    <a:overrideClrMapping bg1="dk1" tx1="lt1" bg2="dk2" tx2="lt2" accent1="accent1" accent2="accent2" accent3="accent3" accent4="accent4" accent5="accent5" accent6="accent6" hlink="hlink" folHlink="folHlink"/>
+  </p:clrMapOvr>
+  <mc:AlternateContent xmlns:mc="http://schemas.openxmlformats.org/markup-compatibility/2006" xmlns:p14="http://schemas.microsoft.com/office/powerpoint/2010/main">
+    <mc:Choice Requires="p14">
+      <p:transition spd="med" p14:dur="700">
+        <p:fade/>
+      </p:transition>
+    </mc:Choice>
+    <mc:Fallback xmlns="">
+      <p:transition spd="med">
+        <p:fade/>
+      </p:transition>
+    </mc:Fallback>
+  </mc:AlternateContent>
+</p:sldLayout>
+</file>
+
+<file path=ppt/slideLayouts/slideLayout23.xml><?xml version="1.0" encoding="utf-8"?>
+<p:sldLayout xmlns:a="http://schemas.openxmlformats.org/drawingml/2006/main" xmlns:r="http://schemas.openxmlformats.org/officeDocument/2006/relationships" xmlns:p="http://schemas.openxmlformats.org/presentationml/2006/main" userDrawn="1">
+  <p:cSld name="Title and Content">
+    <p:spTree>
+      <p:nvGrpSpPr>
+        <p:cNvPr id="1" name=""/>
+        <p:cNvGrpSpPr/>
+        <p:nvPr/>
+      </p:nvGrpSpPr>
+      <p:grpSpPr>
+        <a:xfrm>
+          <a:off x="0" y="0"/>
+          <a:ext cx="0" cy="0"/>
+          <a:chOff x="0" y="0"/>
+          <a:chExt cx="0" cy="0"/>
+        </a:xfrm>
+      </p:grpSpPr>
+      <p:sp>
+        <p:nvSpPr>
+          <p:cNvPr id="4" name="Text Placeholder 3"/>
+          <p:cNvSpPr>
+            <a:spLocks noGrp="1"/>
+          </p:cNvSpPr>
+          <p:nvPr>
+            <p:ph type="body" sz="quarter" idx="10"/>
+          </p:nvPr>
+        </p:nvSpPr>
+        <p:spPr>
+          <a:xfrm>
+            <a:off x="269240" y="1189177"/>
+            <a:ext cx="11653523" cy="2052030"/>
+          </a:xfrm>
+        </p:spPr>
+        <p:txBody>
+          <a:bodyPr>
+            <a:spAutoFit/>
+          </a:bodyPr>
+          <a:lstStyle>
+            <a:lvl1pPr>
+              <a:defRPr sz="3920"/>
+            </a:lvl1pPr>
+          </a:lstStyle>
+          <a:p>
+            <a:pPr lvl="0"/>
+            <a:r>
+              <a:rPr lang="en-US"/>
+              <a:t>Edit Master text styles</a:t>
+            </a:r>
+          </a:p>
+          <a:p>
+            <a:pPr lvl="1"/>
+            <a:r>
+              <a:rPr lang="en-US"/>
+              <a:t>Second level</a:t>
+            </a:r>
+          </a:p>
+          <a:p>
+            <a:pPr lvl="2"/>
+            <a:r>
+              <a:rPr lang="en-US"/>
+              <a:t>Third level</a:t>
+            </a:r>
+          </a:p>
+          <a:p>
+            <a:pPr lvl="3"/>
+            <a:r>
+              <a:rPr lang="en-US"/>
+              <a:t>Fourth level</a:t>
+            </a:r>
+          </a:p>
+          <a:p>
+            <a:pPr lvl="4"/>
+            <a:r>
+              <a:rPr lang="en-US"/>
+              <a:t>Fifth level</a:t>
+            </a:r>
+          </a:p>
+        </p:txBody>
+      </p:sp>
+      <p:sp>
+        <p:nvSpPr>
+          <p:cNvPr id="6" name="Title 5"/>
+          <p:cNvSpPr>
+            <a:spLocks noGrp="1"/>
+          </p:cNvSpPr>
+          <p:nvPr>
+            <p:ph type="title"/>
+          </p:nvPr>
+        </p:nvSpPr>
+        <p:spPr/>
+        <p:txBody>
+          <a:bodyPr/>
+          <a:lstStyle/>
+          <a:p>
+            <a:r>
+              <a:rPr lang="en-US"/>
+              <a:t>Click to edit Master title style</a:t>
+            </a:r>
+          </a:p>
+        </p:txBody>
+      </p:sp>
+    </p:spTree>
+    <p:extLst/>
+  </p:cSld>
+  <p:clrMapOvr>
+    <a:masterClrMapping/>
+  </p:clrMapOvr>
+  <p:transition>
+    <p:fade/>
+  </p:transition>
 </p:sldLayout>
 </file>
 
@@ -2297,7 +4092,7 @@
           <a:p>
             <a:fld id="{CD020521-A8CE-43BF-A440-97087F7D6F0B}" type="datetimeFigureOut">
               <a:rPr lang="en-US" smtClean="0"/>
-              <a:t>10/20/17</a:t>
+              <a:t>10/31/17</a:t>
             </a:fld>
             <a:endParaRPr lang="en-US"/>
           </a:p>
@@ -2524,7 +4319,7 @@
           <a:p>
             <a:fld id="{CD020521-A8CE-43BF-A440-97087F7D6F0B}" type="datetimeFigureOut">
               <a:rPr lang="en-US" smtClean="0"/>
-              <a:t>10/20/17</a:t>
+              <a:t>10/31/17</a:t>
             </a:fld>
             <a:endParaRPr lang="en-US"/>
           </a:p>
@@ -2886,7 +4681,7 @@
           <a:p>
             <a:fld id="{CD020521-A8CE-43BF-A440-97087F7D6F0B}" type="datetimeFigureOut">
               <a:rPr lang="en-US" smtClean="0"/>
-              <a:t>10/20/17</a:t>
+              <a:t>10/31/17</a:t>
             </a:fld>
             <a:endParaRPr lang="en-US"/>
           </a:p>
@@ -2999,7 +4794,7 @@
           <a:p>
             <a:fld id="{CD020521-A8CE-43BF-A440-97087F7D6F0B}" type="datetimeFigureOut">
               <a:rPr lang="en-US" smtClean="0"/>
-              <a:t>10/20/17</a:t>
+              <a:t>10/31/17</a:t>
             </a:fld>
             <a:endParaRPr lang="en-US"/>
           </a:p>
@@ -3089,7 +4884,7 @@
           <a:p>
             <a:fld id="{CD020521-A8CE-43BF-A440-97087F7D6F0B}" type="datetimeFigureOut">
               <a:rPr lang="en-US" smtClean="0"/>
-              <a:t>10/20/17</a:t>
+              <a:t>10/31/17</a:t>
             </a:fld>
             <a:endParaRPr lang="en-US"/>
           </a:p>
@@ -3361,7 +5156,7 @@
           <a:p>
             <a:fld id="{CD020521-A8CE-43BF-A440-97087F7D6F0B}" type="datetimeFigureOut">
               <a:rPr lang="en-US" smtClean="0"/>
-              <a:t>10/20/17</a:t>
+              <a:t>10/31/17</a:t>
             </a:fld>
             <a:endParaRPr lang="en-US"/>
           </a:p>
@@ -3613,7 +5408,7 @@
           <a:p>
             <a:fld id="{CD020521-A8CE-43BF-A440-97087F7D6F0B}" type="datetimeFigureOut">
               <a:rPr lang="en-US" smtClean="0"/>
-              <a:t>10/20/17</a:t>
+              <a:t>10/31/17</a:t>
             </a:fld>
             <a:endParaRPr lang="en-US"/>
           </a:p>
@@ -3821,7 +5616,7 @@
           <a:p>
             <a:fld id="{CD020521-A8CE-43BF-A440-97087F7D6F0B}" type="datetimeFigureOut">
               <a:rPr lang="en-US" smtClean="0"/>
-              <a:t>10/20/17</a:t>
+              <a:t>10/31/17</a:t>
             </a:fld>
             <a:endParaRPr lang="en-US"/>
           </a:p>
@@ -4209,6 +6004,1312 @@
 </p:sldMaster>
 </file>
 
+<file path=ppt/slideMasters/slideMaster2.xml><?xml version="1.0" encoding="utf-8"?>
+<p:sldMaster xmlns:a="http://schemas.openxmlformats.org/drawingml/2006/main" xmlns:r="http://schemas.openxmlformats.org/officeDocument/2006/relationships" xmlns:p="http://schemas.openxmlformats.org/presentationml/2006/main" preserve="1">
+  <p:cSld>
+    <p:bg>
+      <p:bgRef idx="1001">
+        <a:schemeClr val="bg1"/>
+      </p:bgRef>
+    </p:bg>
+    <p:spTree>
+      <p:nvGrpSpPr>
+        <p:cNvPr id="1" name=""/>
+        <p:cNvGrpSpPr/>
+        <p:nvPr/>
+      </p:nvGrpSpPr>
+      <p:grpSpPr>
+        <a:xfrm>
+          <a:off x="0" y="0"/>
+          <a:ext cx="0" cy="0"/>
+          <a:chOff x="0" y="0"/>
+          <a:chExt cx="0" cy="0"/>
+        </a:xfrm>
+      </p:grpSpPr>
+      <p:sp>
+        <p:nvSpPr>
+          <p:cNvPr id="2" name="Title Placeholder 1"/>
+          <p:cNvSpPr>
+            <a:spLocks noGrp="1"/>
+          </p:cNvSpPr>
+          <p:nvPr>
+            <p:ph type="title"/>
+          </p:nvPr>
+        </p:nvSpPr>
+        <p:spPr>
+          <a:xfrm>
+            <a:off x="269240" y="289511"/>
+            <a:ext cx="11655840" cy="899665"/>
+          </a:xfrm>
+          <a:prstGeom prst="rect">
+            <a:avLst/>
+          </a:prstGeom>
+        </p:spPr>
+        <p:txBody>
+          <a:bodyPr vert="horz" wrap="square" lIns="146304" tIns="91440" rIns="146304" bIns="91440" rtlCol="0" anchor="t">
+            <a:noAutofit/>
+          </a:bodyPr>
+          <a:lstStyle/>
+          <a:p>
+            <a:r>
+              <a:rPr lang="en-US"/>
+              <a:t>Click to edit Master title style</a:t>
+            </a:r>
+          </a:p>
+        </p:txBody>
+      </p:sp>
+      <p:sp>
+        <p:nvSpPr>
+          <p:cNvPr id="4" name="Text Placeholder 3"/>
+          <p:cNvSpPr>
+            <a:spLocks noGrp="1"/>
+          </p:cNvSpPr>
+          <p:nvPr>
+            <p:ph type="body" idx="1"/>
+          </p:nvPr>
+        </p:nvSpPr>
+        <p:spPr>
+          <a:xfrm>
+            <a:off x="269241" y="1189178"/>
+            <a:ext cx="11653521" cy="2052030"/>
+          </a:xfrm>
+          <a:prstGeom prst="rect">
+            <a:avLst/>
+          </a:prstGeom>
+        </p:spPr>
+        <p:txBody>
+          <a:bodyPr vert="horz" wrap="square" lIns="146304" tIns="91440" rIns="146304" bIns="91440" rtlCol="0">
+            <a:spAutoFit/>
+          </a:bodyPr>
+          <a:lstStyle/>
+          <a:p>
+            <a:pPr lvl="0"/>
+            <a:r>
+              <a:rPr lang="en-US"/>
+              <a:t>Click to edit Master text styles</a:t>
+            </a:r>
+          </a:p>
+          <a:p>
+            <a:pPr lvl="1"/>
+            <a:r>
+              <a:rPr lang="en-US"/>
+              <a:t>Second level</a:t>
+            </a:r>
+          </a:p>
+          <a:p>
+            <a:pPr lvl="2"/>
+            <a:r>
+              <a:rPr lang="en-US"/>
+              <a:t>Third level</a:t>
+            </a:r>
+          </a:p>
+          <a:p>
+            <a:pPr lvl="3"/>
+            <a:r>
+              <a:rPr lang="en-US"/>
+              <a:t>Fourth level</a:t>
+            </a:r>
+          </a:p>
+          <a:p>
+            <a:pPr lvl="4"/>
+            <a:r>
+              <a:rPr lang="en-US"/>
+              <a:t>Fifth level</a:t>
+            </a:r>
+          </a:p>
+        </p:txBody>
+      </p:sp>
+      <p:pic>
+        <p:nvPicPr>
+          <p:cNvPr id="7" name="Picture 6"/>
+          <p:cNvPicPr>
+            <a:picLocks noChangeAspect="1"/>
+          </p:cNvPicPr>
+          <p:nvPr userDrawn="1"/>
+        </p:nvPicPr>
+        <p:blipFill>
+          <a:blip r:embed="rId8" cstate="print">
+            <a:extLst>
+              <a:ext uri="{28A0092B-C50C-407E-A947-70E740481C1C}">
+                <a14:useLocalDpi xmlns:a14="http://schemas.microsoft.com/office/drawing/2010/main"/>
+              </a:ext>
+            </a:extLst>
+          </a:blip>
+          <a:stretch>
+            <a:fillRect/>
+          </a:stretch>
+        </p:blipFill>
+        <p:spPr>
+          <a:xfrm rot="5400000">
+            <a:off x="9208748" y="2991033"/>
+            <a:ext cx="6858623" cy="876557"/>
+          </a:xfrm>
+          <a:prstGeom prst="rect">
+            <a:avLst/>
+          </a:prstGeom>
+        </p:spPr>
+      </p:pic>
+    </p:spTree>
+    <p:extLst>
+      <p:ext uri="{BB962C8B-B14F-4D97-AF65-F5344CB8AC3E}">
+        <p14:creationId xmlns:p14="http://schemas.microsoft.com/office/powerpoint/2010/main" val="1720523695"/>
+      </p:ext>
+    </p:extLst>
+  </p:cSld>
+  <p:clrMap bg1="lt1" tx1="dk1" bg2="lt2" tx2="dk2" accent1="accent1" accent2="accent2" accent3="accent3" accent4="accent4" accent5="accent5" accent6="accent6" hlink="hlink" folHlink="folHlink"/>
+  <p:sldLayoutIdLst>
+    <p:sldLayoutId id="2147483685" r:id="rId1"/>
+    <p:sldLayoutId id="2147483686" r:id="rId2"/>
+    <p:sldLayoutId id="2147483687" r:id="rId3"/>
+    <p:sldLayoutId id="2147483688" r:id="rId4"/>
+    <p:sldLayoutId id="2147483689" r:id="rId5"/>
+    <p:sldLayoutId id="2147483690" r:id="rId6"/>
+  </p:sldLayoutIdLst>
+  <p:transition>
+    <p:fade/>
+  </p:transition>
+  <p:txStyles>
+    <p:titleStyle>
+      <a:lvl1pPr algn="l" defTabSz="914367" rtl="0" eaLnBrk="1" latinLnBrk="0" hangingPunct="1">
+        <a:lnSpc>
+          <a:spcPct val="90000"/>
+        </a:lnSpc>
+        <a:spcBef>
+          <a:spcPct val="0"/>
+        </a:spcBef>
+        <a:buNone/>
+        <a:defRPr lang="en-US" sz="4705" b="0" kern="1200" cap="none" spc="-100" baseline="0" dirty="0" smtClean="0">
+          <a:ln w="3175">
+            <a:noFill/>
+          </a:ln>
+          <a:gradFill>
+            <a:gsLst>
+              <a:gs pos="1250">
+                <a:schemeClr val="tx1"/>
+              </a:gs>
+              <a:gs pos="100000">
+                <a:schemeClr val="tx1"/>
+              </a:gs>
+            </a:gsLst>
+            <a:lin ang="5400000" scaled="0"/>
+          </a:gradFill>
+          <a:effectLst/>
+          <a:latin typeface="+mj-lt"/>
+          <a:ea typeface="+mn-ea"/>
+          <a:cs typeface="Segoe UI" pitchFamily="34" charset="0"/>
+        </a:defRPr>
+      </a:lvl1pPr>
+    </p:titleStyle>
+    <p:bodyStyle>
+      <a:lvl1pPr marL="336145" marR="0" indent="-336145" algn="l" defTabSz="914367" rtl="0" eaLnBrk="1" fontAlgn="auto" latinLnBrk="0" hangingPunct="1">
+        <a:lnSpc>
+          <a:spcPct val="90000"/>
+        </a:lnSpc>
+        <a:spcBef>
+          <a:spcPct val="20000"/>
+        </a:spcBef>
+        <a:spcAft>
+          <a:spcPts val="0"/>
+        </a:spcAft>
+        <a:buClrTx/>
+        <a:buSzPct val="90000"/>
+        <a:buFont typeface="Arial" pitchFamily="34" charset="0"/>
+        <a:buChar char="•"/>
+        <a:tabLst/>
+        <a:defRPr sz="3921" kern="1200" spc="0" baseline="0">
+          <a:gradFill>
+            <a:gsLst>
+              <a:gs pos="1250">
+                <a:schemeClr val="tx1"/>
+              </a:gs>
+              <a:gs pos="100000">
+                <a:schemeClr val="tx1"/>
+              </a:gs>
+            </a:gsLst>
+            <a:lin ang="5400000" scaled="0"/>
+          </a:gradFill>
+          <a:latin typeface="+mj-lt"/>
+          <a:ea typeface="+mn-ea"/>
+          <a:cs typeface="+mn-cs"/>
+        </a:defRPr>
+      </a:lvl1pPr>
+      <a:lvl2pPr marL="572691" marR="0" indent="-236546" algn="l" defTabSz="914367" rtl="0" eaLnBrk="1" fontAlgn="auto" latinLnBrk="0" hangingPunct="1">
+        <a:lnSpc>
+          <a:spcPct val="90000"/>
+        </a:lnSpc>
+        <a:spcBef>
+          <a:spcPct val="20000"/>
+        </a:spcBef>
+        <a:spcAft>
+          <a:spcPts val="0"/>
+        </a:spcAft>
+        <a:buClrTx/>
+        <a:buSzPct val="90000"/>
+        <a:buFont typeface="Arial" pitchFamily="34" charset="0"/>
+        <a:buChar char="•"/>
+        <a:tabLst/>
+        <a:defRPr sz="2353" kern="1200" spc="0" baseline="0">
+          <a:gradFill>
+            <a:gsLst>
+              <a:gs pos="1250">
+                <a:schemeClr val="tx1"/>
+              </a:gs>
+              <a:gs pos="100000">
+                <a:schemeClr val="tx1"/>
+              </a:gs>
+            </a:gsLst>
+            <a:lin ang="5400000" scaled="0"/>
+          </a:gradFill>
+          <a:latin typeface="+mn-lt"/>
+          <a:ea typeface="+mn-ea"/>
+          <a:cs typeface="+mn-cs"/>
+        </a:defRPr>
+      </a:lvl2pPr>
+      <a:lvl3pPr marL="784338" marR="0" indent="-224097" algn="l" defTabSz="914367" rtl="0" eaLnBrk="1" fontAlgn="auto" latinLnBrk="0" hangingPunct="1">
+        <a:lnSpc>
+          <a:spcPct val="90000"/>
+        </a:lnSpc>
+        <a:spcBef>
+          <a:spcPct val="20000"/>
+        </a:spcBef>
+        <a:spcAft>
+          <a:spcPts val="0"/>
+        </a:spcAft>
+        <a:buClrTx/>
+        <a:buSzPct val="90000"/>
+        <a:buFont typeface="Arial" pitchFamily="34" charset="0"/>
+        <a:buChar char="•"/>
+        <a:tabLst/>
+        <a:defRPr sz="1961" kern="1200" spc="0" baseline="0">
+          <a:gradFill>
+            <a:gsLst>
+              <a:gs pos="1250">
+                <a:schemeClr val="tx1"/>
+              </a:gs>
+              <a:gs pos="100000">
+                <a:schemeClr val="tx1"/>
+              </a:gs>
+            </a:gsLst>
+            <a:lin ang="5400000" scaled="0"/>
+          </a:gradFill>
+          <a:latin typeface="+mn-lt"/>
+          <a:ea typeface="+mn-ea"/>
+          <a:cs typeface="+mn-cs"/>
+        </a:defRPr>
+      </a:lvl3pPr>
+      <a:lvl4pPr marL="1008435" marR="0" indent="-224097" algn="l" defTabSz="914367" rtl="0" eaLnBrk="1" fontAlgn="auto" latinLnBrk="0" hangingPunct="1">
+        <a:lnSpc>
+          <a:spcPct val="90000"/>
+        </a:lnSpc>
+        <a:spcBef>
+          <a:spcPct val="20000"/>
+        </a:spcBef>
+        <a:spcAft>
+          <a:spcPts val="0"/>
+        </a:spcAft>
+        <a:buClrTx/>
+        <a:buSzPct val="90000"/>
+        <a:buFont typeface="Arial" pitchFamily="34" charset="0"/>
+        <a:buChar char="•"/>
+        <a:tabLst/>
+        <a:defRPr sz="1765" kern="1200" spc="0" baseline="0">
+          <a:gradFill>
+            <a:gsLst>
+              <a:gs pos="1250">
+                <a:schemeClr val="tx1"/>
+              </a:gs>
+              <a:gs pos="100000">
+                <a:schemeClr val="tx1"/>
+              </a:gs>
+            </a:gsLst>
+            <a:lin ang="5400000" scaled="0"/>
+          </a:gradFill>
+          <a:latin typeface="+mn-lt"/>
+          <a:ea typeface="+mn-ea"/>
+          <a:cs typeface="+mn-cs"/>
+        </a:defRPr>
+      </a:lvl4pPr>
+      <a:lvl5pPr marL="1232531" marR="0" indent="-224097" algn="l" defTabSz="914367" rtl="0" eaLnBrk="1" fontAlgn="auto" latinLnBrk="0" hangingPunct="1">
+        <a:lnSpc>
+          <a:spcPct val="90000"/>
+        </a:lnSpc>
+        <a:spcBef>
+          <a:spcPct val="20000"/>
+        </a:spcBef>
+        <a:spcAft>
+          <a:spcPts val="0"/>
+        </a:spcAft>
+        <a:buClrTx/>
+        <a:buSzPct val="90000"/>
+        <a:buFont typeface="Arial" pitchFamily="34" charset="0"/>
+        <a:buChar char="•"/>
+        <a:tabLst/>
+        <a:defRPr sz="1765" kern="1200" spc="0" baseline="0">
+          <a:gradFill>
+            <a:gsLst>
+              <a:gs pos="1250">
+                <a:schemeClr val="tx1"/>
+              </a:gs>
+              <a:gs pos="100000">
+                <a:schemeClr val="tx1"/>
+              </a:gs>
+            </a:gsLst>
+            <a:lin ang="5400000" scaled="0"/>
+          </a:gradFill>
+          <a:latin typeface="+mn-lt"/>
+          <a:ea typeface="+mn-ea"/>
+          <a:cs typeface="+mn-cs"/>
+        </a:defRPr>
+      </a:lvl5pPr>
+      <a:lvl6pPr marL="2514509" indent="-228592" algn="l" defTabSz="914367" rtl="0" eaLnBrk="1" latinLnBrk="0" hangingPunct="1">
+        <a:spcBef>
+          <a:spcPct val="20000"/>
+        </a:spcBef>
+        <a:buFont typeface="Arial" pitchFamily="34" charset="0"/>
+        <a:buChar char="•"/>
+        <a:defRPr sz="1961" kern="1200">
+          <a:solidFill>
+            <a:schemeClr val="tx1"/>
+          </a:solidFill>
+          <a:latin typeface="+mn-lt"/>
+          <a:ea typeface="+mn-ea"/>
+          <a:cs typeface="+mn-cs"/>
+        </a:defRPr>
+      </a:lvl6pPr>
+      <a:lvl7pPr marL="2971693" indent="-228592" algn="l" defTabSz="914367" rtl="0" eaLnBrk="1" latinLnBrk="0" hangingPunct="1">
+        <a:spcBef>
+          <a:spcPct val="20000"/>
+        </a:spcBef>
+        <a:buFont typeface="Arial" pitchFamily="34" charset="0"/>
+        <a:buChar char="•"/>
+        <a:defRPr sz="1961" kern="1200">
+          <a:solidFill>
+            <a:schemeClr val="tx1"/>
+          </a:solidFill>
+          <a:latin typeface="+mn-lt"/>
+          <a:ea typeface="+mn-ea"/>
+          <a:cs typeface="+mn-cs"/>
+        </a:defRPr>
+      </a:lvl7pPr>
+      <a:lvl8pPr marL="3428877" indent="-228592" algn="l" defTabSz="914367" rtl="0" eaLnBrk="1" latinLnBrk="0" hangingPunct="1">
+        <a:spcBef>
+          <a:spcPct val="20000"/>
+        </a:spcBef>
+        <a:buFont typeface="Arial" pitchFamily="34" charset="0"/>
+        <a:buChar char="•"/>
+        <a:defRPr sz="1961" kern="1200">
+          <a:solidFill>
+            <a:schemeClr val="tx1"/>
+          </a:solidFill>
+          <a:latin typeface="+mn-lt"/>
+          <a:ea typeface="+mn-ea"/>
+          <a:cs typeface="+mn-cs"/>
+        </a:defRPr>
+      </a:lvl8pPr>
+      <a:lvl9pPr marL="3886061" indent="-228592" algn="l" defTabSz="914367" rtl="0" eaLnBrk="1" latinLnBrk="0" hangingPunct="1">
+        <a:spcBef>
+          <a:spcPct val="20000"/>
+        </a:spcBef>
+        <a:buFont typeface="Arial" pitchFamily="34" charset="0"/>
+        <a:buChar char="•"/>
+        <a:defRPr sz="1961" kern="1200">
+          <a:solidFill>
+            <a:schemeClr val="tx1"/>
+          </a:solidFill>
+          <a:latin typeface="+mn-lt"/>
+          <a:ea typeface="+mn-ea"/>
+          <a:cs typeface="+mn-cs"/>
+        </a:defRPr>
+      </a:lvl9pPr>
+    </p:bodyStyle>
+    <p:otherStyle>
+      <a:defPPr>
+        <a:defRPr lang="en-US"/>
+      </a:defPPr>
+      <a:lvl1pPr marL="0" algn="l" defTabSz="914367" rtl="0" eaLnBrk="1" latinLnBrk="0" hangingPunct="1">
+        <a:defRPr sz="1765" kern="1200">
+          <a:solidFill>
+            <a:schemeClr val="tx1"/>
+          </a:solidFill>
+          <a:latin typeface="+mn-lt"/>
+          <a:ea typeface="+mn-ea"/>
+          <a:cs typeface="+mn-cs"/>
+        </a:defRPr>
+      </a:lvl1pPr>
+      <a:lvl2pPr marL="457183" algn="l" defTabSz="914367" rtl="0" eaLnBrk="1" latinLnBrk="0" hangingPunct="1">
+        <a:defRPr sz="1765" kern="1200">
+          <a:solidFill>
+            <a:schemeClr val="tx1"/>
+          </a:solidFill>
+          <a:latin typeface="+mn-lt"/>
+          <a:ea typeface="+mn-ea"/>
+          <a:cs typeface="+mn-cs"/>
+        </a:defRPr>
+      </a:lvl2pPr>
+      <a:lvl3pPr marL="914367" algn="l" defTabSz="914367" rtl="0" eaLnBrk="1" latinLnBrk="0" hangingPunct="1">
+        <a:defRPr sz="1765" kern="1200">
+          <a:solidFill>
+            <a:schemeClr val="tx1"/>
+          </a:solidFill>
+          <a:latin typeface="+mn-lt"/>
+          <a:ea typeface="+mn-ea"/>
+          <a:cs typeface="+mn-cs"/>
+        </a:defRPr>
+      </a:lvl3pPr>
+      <a:lvl4pPr marL="1371550" algn="l" defTabSz="914367" rtl="0" eaLnBrk="1" latinLnBrk="0" hangingPunct="1">
+        <a:defRPr sz="1765" kern="1200">
+          <a:solidFill>
+            <a:schemeClr val="tx1"/>
+          </a:solidFill>
+          <a:latin typeface="+mn-lt"/>
+          <a:ea typeface="+mn-ea"/>
+          <a:cs typeface="+mn-cs"/>
+        </a:defRPr>
+      </a:lvl4pPr>
+      <a:lvl5pPr marL="1828734" algn="l" defTabSz="914367" rtl="0" eaLnBrk="1" latinLnBrk="0" hangingPunct="1">
+        <a:defRPr sz="1765" kern="1200">
+          <a:solidFill>
+            <a:schemeClr val="tx1"/>
+          </a:solidFill>
+          <a:latin typeface="+mn-lt"/>
+          <a:ea typeface="+mn-ea"/>
+          <a:cs typeface="+mn-cs"/>
+        </a:defRPr>
+      </a:lvl5pPr>
+      <a:lvl6pPr marL="2285918" algn="l" defTabSz="914367" rtl="0" eaLnBrk="1" latinLnBrk="0" hangingPunct="1">
+        <a:defRPr sz="1765" kern="1200">
+          <a:solidFill>
+            <a:schemeClr val="tx1"/>
+          </a:solidFill>
+          <a:latin typeface="+mn-lt"/>
+          <a:ea typeface="+mn-ea"/>
+          <a:cs typeface="+mn-cs"/>
+        </a:defRPr>
+      </a:lvl6pPr>
+      <a:lvl7pPr marL="2743101" algn="l" defTabSz="914367" rtl="0" eaLnBrk="1" latinLnBrk="0" hangingPunct="1">
+        <a:defRPr sz="1765" kern="1200">
+          <a:solidFill>
+            <a:schemeClr val="tx1"/>
+          </a:solidFill>
+          <a:latin typeface="+mn-lt"/>
+          <a:ea typeface="+mn-ea"/>
+          <a:cs typeface="+mn-cs"/>
+        </a:defRPr>
+      </a:lvl7pPr>
+      <a:lvl8pPr marL="3200284" algn="l" defTabSz="914367" rtl="0" eaLnBrk="1" latinLnBrk="0" hangingPunct="1">
+        <a:defRPr sz="1765" kern="1200">
+          <a:solidFill>
+            <a:schemeClr val="tx1"/>
+          </a:solidFill>
+          <a:latin typeface="+mn-lt"/>
+          <a:ea typeface="+mn-ea"/>
+          <a:cs typeface="+mn-cs"/>
+        </a:defRPr>
+      </a:lvl8pPr>
+      <a:lvl9pPr marL="3657469" algn="l" defTabSz="914367" rtl="0" eaLnBrk="1" latinLnBrk="0" hangingPunct="1">
+        <a:defRPr sz="1765" kern="1200">
+          <a:solidFill>
+            <a:schemeClr val="tx1"/>
+          </a:solidFill>
+          <a:latin typeface="+mn-lt"/>
+          <a:ea typeface="+mn-ea"/>
+          <a:cs typeface="+mn-cs"/>
+        </a:defRPr>
+      </a:lvl9pPr>
+    </p:otherStyle>
+  </p:txStyles>
+  <p:extLst mod="1">
+    <p:ext uri="{27BBF7A9-308A-43DC-89C8-2F10F3537804}">
+      <p15:sldGuideLst xmlns:p15="http://schemas.microsoft.com/office/powerpoint/2012/main">
+        <p15:guide id="1" orient="horz" pos="187">
+          <p15:clr>
+            <a:srgbClr val="5ACBF0"/>
+          </p15:clr>
+        </p15:guide>
+        <p15:guide id="2" pos="173">
+          <p15:clr>
+            <a:srgbClr val="5ACBF0"/>
+          </p15:clr>
+        </p15:guide>
+        <p15:guide id="3" pos="749">
+          <p15:clr>
+            <a:srgbClr val="5ACBF0"/>
+          </p15:clr>
+        </p15:guide>
+        <p15:guide id="4" pos="1325">
+          <p15:clr>
+            <a:srgbClr val="5ACBF0"/>
+          </p15:clr>
+        </p15:guide>
+        <p15:guide id="5" pos="1901">
+          <p15:clr>
+            <a:srgbClr val="5ACBF0"/>
+          </p15:clr>
+        </p15:guide>
+        <p15:guide id="6" pos="2477">
+          <p15:clr>
+            <a:srgbClr val="5ACBF0"/>
+          </p15:clr>
+        </p15:guide>
+        <p15:guide id="7" pos="3053">
+          <p15:clr>
+            <a:srgbClr val="5ACBF0"/>
+          </p15:clr>
+        </p15:guide>
+        <p15:guide id="8" pos="3629">
+          <p15:clr>
+            <a:srgbClr val="5ACBF0"/>
+          </p15:clr>
+        </p15:guide>
+        <p15:guide id="9" pos="4205">
+          <p15:clr>
+            <a:srgbClr val="5ACBF0"/>
+          </p15:clr>
+        </p15:guide>
+        <p15:guide id="10" pos="4781">
+          <p15:clr>
+            <a:srgbClr val="5ACBF0"/>
+          </p15:clr>
+        </p15:guide>
+        <p15:guide id="11" pos="5357">
+          <p15:clr>
+            <a:srgbClr val="5ACBF0"/>
+          </p15:clr>
+        </p15:guide>
+        <p15:guide id="12" pos="5933">
+          <p15:clr>
+            <a:srgbClr val="5ACBF0"/>
+          </p15:clr>
+        </p15:guide>
+        <p15:guide id="13" pos="6509">
+          <p15:clr>
+            <a:srgbClr val="5ACBF0"/>
+          </p15:clr>
+        </p15:guide>
+        <p15:guide id="14" pos="7085">
+          <p15:clr>
+            <a:srgbClr val="5ACBF0"/>
+          </p15:clr>
+        </p15:guide>
+        <p15:guide id="15" pos="7661">
+          <p15:clr>
+            <a:srgbClr val="5ACBF0"/>
+          </p15:clr>
+        </p15:guide>
+        <p15:guide id="16" pos="288">
+          <p15:clr>
+            <a:srgbClr val="C35EA4"/>
+          </p15:clr>
+        </p15:guide>
+        <p15:guide id="17" pos="7546">
+          <p15:clr>
+            <a:srgbClr val="C35EA4"/>
+          </p15:clr>
+        </p15:guide>
+        <p15:guide id="18" orient="horz" pos="763">
+          <p15:clr>
+            <a:srgbClr val="5ACBF0"/>
+          </p15:clr>
+        </p15:guide>
+        <p15:guide id="19" orient="horz" pos="1339">
+          <p15:clr>
+            <a:srgbClr val="5ACBF0"/>
+          </p15:clr>
+        </p15:guide>
+        <p15:guide id="20" orient="horz" pos="1915">
+          <p15:clr>
+            <a:srgbClr val="5ACBF0"/>
+          </p15:clr>
+        </p15:guide>
+        <p15:guide id="21" orient="horz" pos="2491">
+          <p15:clr>
+            <a:srgbClr val="5ACBF0"/>
+          </p15:clr>
+        </p15:guide>
+        <p15:guide id="22" orient="horz" pos="3067">
+          <p15:clr>
+            <a:srgbClr val="5ACBF0"/>
+          </p15:clr>
+        </p15:guide>
+        <p15:guide id="23" orient="horz" pos="3643">
+          <p15:clr>
+            <a:srgbClr val="5ACBF0"/>
+          </p15:clr>
+        </p15:guide>
+        <p15:guide id="24" orient="horz" pos="4219">
+          <p15:clr>
+            <a:srgbClr val="5ACBF0"/>
+          </p15:clr>
+        </p15:guide>
+        <p15:guide id="25" orient="horz" pos="302">
+          <p15:clr>
+            <a:srgbClr val="C35EA4"/>
+          </p15:clr>
+        </p15:guide>
+        <p15:guide id="26" orient="horz" pos="4104">
+          <p15:clr>
+            <a:srgbClr val="C35EA4"/>
+          </p15:clr>
+        </p15:guide>
+      </p15:sldGuideLst>
+    </p:ext>
+  </p:extLst>
+</p:sldMaster>
+</file>
+
+<file path=ppt/slideMasters/slideMaster3.xml><?xml version="1.0" encoding="utf-8"?>
+<p:sldMaster xmlns:a="http://schemas.openxmlformats.org/drawingml/2006/main" xmlns:r="http://schemas.openxmlformats.org/officeDocument/2006/relationships" xmlns:p="http://schemas.openxmlformats.org/presentationml/2006/main" preserve="1">
+  <p:cSld>
+    <p:bg>
+      <p:bgRef idx="1001">
+        <a:schemeClr val="bg1"/>
+      </p:bgRef>
+    </p:bg>
+    <p:spTree>
+      <p:nvGrpSpPr>
+        <p:cNvPr id="1" name=""/>
+        <p:cNvGrpSpPr/>
+        <p:nvPr/>
+      </p:nvGrpSpPr>
+      <p:grpSpPr>
+        <a:xfrm>
+          <a:off x="0" y="0"/>
+          <a:ext cx="0" cy="0"/>
+          <a:chOff x="0" y="0"/>
+          <a:chExt cx="0" cy="0"/>
+        </a:xfrm>
+      </p:grpSpPr>
+      <p:sp>
+        <p:nvSpPr>
+          <p:cNvPr id="2" name="Title Placeholder 1"/>
+          <p:cNvSpPr>
+            <a:spLocks noGrp="1"/>
+          </p:cNvSpPr>
+          <p:nvPr>
+            <p:ph type="title"/>
+          </p:nvPr>
+        </p:nvSpPr>
+        <p:spPr>
+          <a:xfrm>
+            <a:off x="269240" y="289511"/>
+            <a:ext cx="11655840" cy="899665"/>
+          </a:xfrm>
+          <a:prstGeom prst="rect">
+            <a:avLst/>
+          </a:prstGeom>
+        </p:spPr>
+        <p:txBody>
+          <a:bodyPr vert="horz" wrap="square" lIns="146304" tIns="91440" rIns="146304" bIns="91440" rtlCol="0" anchor="t">
+            <a:noAutofit/>
+          </a:bodyPr>
+          <a:lstStyle/>
+          <a:p>
+            <a:r>
+              <a:rPr lang="en-US"/>
+              <a:t>Click to edit Master title style</a:t>
+            </a:r>
+          </a:p>
+        </p:txBody>
+      </p:sp>
+      <p:sp>
+        <p:nvSpPr>
+          <p:cNvPr id="4" name="Text Placeholder 3"/>
+          <p:cNvSpPr>
+            <a:spLocks noGrp="1"/>
+          </p:cNvSpPr>
+          <p:nvPr>
+            <p:ph type="body" idx="1"/>
+          </p:nvPr>
+        </p:nvSpPr>
+        <p:spPr>
+          <a:xfrm>
+            <a:off x="269241" y="1189178"/>
+            <a:ext cx="11653521" cy="2052030"/>
+          </a:xfrm>
+          <a:prstGeom prst="rect">
+            <a:avLst/>
+          </a:prstGeom>
+        </p:spPr>
+        <p:txBody>
+          <a:bodyPr vert="horz" wrap="square" lIns="146304" tIns="91440" rIns="146304" bIns="91440" rtlCol="0">
+            <a:spAutoFit/>
+          </a:bodyPr>
+          <a:lstStyle/>
+          <a:p>
+            <a:pPr lvl="0"/>
+            <a:r>
+              <a:rPr lang="en-US"/>
+              <a:t>Click to edit Master text styles</a:t>
+            </a:r>
+          </a:p>
+          <a:p>
+            <a:pPr lvl="1"/>
+            <a:r>
+              <a:rPr lang="en-US"/>
+              <a:t>Second level</a:t>
+            </a:r>
+          </a:p>
+          <a:p>
+            <a:pPr lvl="2"/>
+            <a:r>
+              <a:rPr lang="en-US"/>
+              <a:t>Third level</a:t>
+            </a:r>
+          </a:p>
+          <a:p>
+            <a:pPr lvl="3"/>
+            <a:r>
+              <a:rPr lang="en-US"/>
+              <a:t>Fourth level</a:t>
+            </a:r>
+          </a:p>
+          <a:p>
+            <a:pPr lvl="4"/>
+            <a:r>
+              <a:rPr lang="en-US"/>
+              <a:t>Fifth level</a:t>
+            </a:r>
+          </a:p>
+        </p:txBody>
+      </p:sp>
+      <p:pic>
+        <p:nvPicPr>
+          <p:cNvPr id="7" name="Picture 6"/>
+          <p:cNvPicPr>
+            <a:picLocks noChangeAspect="1"/>
+          </p:cNvPicPr>
+          <p:nvPr userDrawn="1"/>
+        </p:nvPicPr>
+        <p:blipFill>
+          <a:blip r:embed="rId8" cstate="print">
+            <a:extLst>
+              <a:ext uri="{28A0092B-C50C-407E-A947-70E740481C1C}">
+                <a14:useLocalDpi xmlns:a14="http://schemas.microsoft.com/office/drawing/2010/main"/>
+              </a:ext>
+            </a:extLst>
+          </a:blip>
+          <a:stretch>
+            <a:fillRect/>
+          </a:stretch>
+        </p:blipFill>
+        <p:spPr>
+          <a:xfrm rot="5400000">
+            <a:off x="9208748" y="2991033"/>
+            <a:ext cx="6858623" cy="876557"/>
+          </a:xfrm>
+          <a:prstGeom prst="rect">
+            <a:avLst/>
+          </a:prstGeom>
+        </p:spPr>
+      </p:pic>
+    </p:spTree>
+    <p:extLst>
+      <p:ext uri="{BB962C8B-B14F-4D97-AF65-F5344CB8AC3E}">
+        <p14:creationId xmlns:p14="http://schemas.microsoft.com/office/powerpoint/2010/main" val="1888128334"/>
+      </p:ext>
+    </p:extLst>
+  </p:cSld>
+  <p:clrMap bg1="lt1" tx1="dk1" bg2="lt2" tx2="dk2" accent1="accent1" accent2="accent2" accent3="accent3" accent4="accent4" accent5="accent5" accent6="accent6" hlink="hlink" folHlink="folHlink"/>
+  <p:sldLayoutIdLst>
+    <p:sldLayoutId id="2147483692" r:id="rId1"/>
+    <p:sldLayoutId id="2147483693" r:id="rId2"/>
+    <p:sldLayoutId id="2147483694" r:id="rId3"/>
+    <p:sldLayoutId id="2147483695" r:id="rId4"/>
+    <p:sldLayoutId id="2147483696" r:id="rId5"/>
+    <p:sldLayoutId id="2147483698" r:id="rId6"/>
+  </p:sldLayoutIdLst>
+  <p:transition>
+    <p:fade/>
+  </p:transition>
+  <p:txStyles>
+    <p:titleStyle>
+      <a:lvl1pPr algn="l" defTabSz="914367" rtl="0" eaLnBrk="1" latinLnBrk="0" hangingPunct="1">
+        <a:lnSpc>
+          <a:spcPct val="90000"/>
+        </a:lnSpc>
+        <a:spcBef>
+          <a:spcPct val="0"/>
+        </a:spcBef>
+        <a:buNone/>
+        <a:defRPr lang="en-US" sz="4705" b="0" kern="1200" cap="none" spc="-100" baseline="0" dirty="0" smtClean="0">
+          <a:ln w="3175">
+            <a:noFill/>
+          </a:ln>
+          <a:gradFill>
+            <a:gsLst>
+              <a:gs pos="1250">
+                <a:schemeClr val="tx1"/>
+              </a:gs>
+              <a:gs pos="100000">
+                <a:schemeClr val="tx1"/>
+              </a:gs>
+            </a:gsLst>
+            <a:lin ang="5400000" scaled="0"/>
+          </a:gradFill>
+          <a:effectLst/>
+          <a:latin typeface="+mj-lt"/>
+          <a:ea typeface="+mn-ea"/>
+          <a:cs typeface="Segoe UI" pitchFamily="34" charset="0"/>
+        </a:defRPr>
+      </a:lvl1pPr>
+    </p:titleStyle>
+    <p:bodyStyle>
+      <a:lvl1pPr marL="336145" marR="0" indent="-336145" algn="l" defTabSz="914367" rtl="0" eaLnBrk="1" fontAlgn="auto" latinLnBrk="0" hangingPunct="1">
+        <a:lnSpc>
+          <a:spcPct val="90000"/>
+        </a:lnSpc>
+        <a:spcBef>
+          <a:spcPct val="20000"/>
+        </a:spcBef>
+        <a:spcAft>
+          <a:spcPts val="0"/>
+        </a:spcAft>
+        <a:buClrTx/>
+        <a:buSzPct val="90000"/>
+        <a:buFont typeface="Arial" pitchFamily="34" charset="0"/>
+        <a:buChar char="•"/>
+        <a:tabLst/>
+        <a:defRPr sz="3921" kern="1200" spc="0" baseline="0">
+          <a:gradFill>
+            <a:gsLst>
+              <a:gs pos="1250">
+                <a:schemeClr val="tx1"/>
+              </a:gs>
+              <a:gs pos="100000">
+                <a:schemeClr val="tx1"/>
+              </a:gs>
+            </a:gsLst>
+            <a:lin ang="5400000" scaled="0"/>
+          </a:gradFill>
+          <a:latin typeface="+mj-lt"/>
+          <a:ea typeface="+mn-ea"/>
+          <a:cs typeface="+mn-cs"/>
+        </a:defRPr>
+      </a:lvl1pPr>
+      <a:lvl2pPr marL="572691" marR="0" indent="-236546" algn="l" defTabSz="914367" rtl="0" eaLnBrk="1" fontAlgn="auto" latinLnBrk="0" hangingPunct="1">
+        <a:lnSpc>
+          <a:spcPct val="90000"/>
+        </a:lnSpc>
+        <a:spcBef>
+          <a:spcPct val="20000"/>
+        </a:spcBef>
+        <a:spcAft>
+          <a:spcPts val="0"/>
+        </a:spcAft>
+        <a:buClrTx/>
+        <a:buSzPct val="90000"/>
+        <a:buFont typeface="Arial" pitchFamily="34" charset="0"/>
+        <a:buChar char="•"/>
+        <a:tabLst/>
+        <a:defRPr sz="2353" kern="1200" spc="0" baseline="0">
+          <a:gradFill>
+            <a:gsLst>
+              <a:gs pos="1250">
+                <a:schemeClr val="tx1"/>
+              </a:gs>
+              <a:gs pos="100000">
+                <a:schemeClr val="tx1"/>
+              </a:gs>
+            </a:gsLst>
+            <a:lin ang="5400000" scaled="0"/>
+          </a:gradFill>
+          <a:latin typeface="+mn-lt"/>
+          <a:ea typeface="+mn-ea"/>
+          <a:cs typeface="+mn-cs"/>
+        </a:defRPr>
+      </a:lvl2pPr>
+      <a:lvl3pPr marL="784338" marR="0" indent="-224097" algn="l" defTabSz="914367" rtl="0" eaLnBrk="1" fontAlgn="auto" latinLnBrk="0" hangingPunct="1">
+        <a:lnSpc>
+          <a:spcPct val="90000"/>
+        </a:lnSpc>
+        <a:spcBef>
+          <a:spcPct val="20000"/>
+        </a:spcBef>
+        <a:spcAft>
+          <a:spcPts val="0"/>
+        </a:spcAft>
+        <a:buClrTx/>
+        <a:buSzPct val="90000"/>
+        <a:buFont typeface="Arial" pitchFamily="34" charset="0"/>
+        <a:buChar char="•"/>
+        <a:tabLst/>
+        <a:defRPr sz="1961" kern="1200" spc="0" baseline="0">
+          <a:gradFill>
+            <a:gsLst>
+              <a:gs pos="1250">
+                <a:schemeClr val="tx1"/>
+              </a:gs>
+              <a:gs pos="100000">
+                <a:schemeClr val="tx1"/>
+              </a:gs>
+            </a:gsLst>
+            <a:lin ang="5400000" scaled="0"/>
+          </a:gradFill>
+          <a:latin typeface="+mn-lt"/>
+          <a:ea typeface="+mn-ea"/>
+          <a:cs typeface="+mn-cs"/>
+        </a:defRPr>
+      </a:lvl3pPr>
+      <a:lvl4pPr marL="1008435" marR="0" indent="-224097" algn="l" defTabSz="914367" rtl="0" eaLnBrk="1" fontAlgn="auto" latinLnBrk="0" hangingPunct="1">
+        <a:lnSpc>
+          <a:spcPct val="90000"/>
+        </a:lnSpc>
+        <a:spcBef>
+          <a:spcPct val="20000"/>
+        </a:spcBef>
+        <a:spcAft>
+          <a:spcPts val="0"/>
+        </a:spcAft>
+        <a:buClrTx/>
+        <a:buSzPct val="90000"/>
+        <a:buFont typeface="Arial" pitchFamily="34" charset="0"/>
+        <a:buChar char="•"/>
+        <a:tabLst/>
+        <a:defRPr sz="1765" kern="1200" spc="0" baseline="0">
+          <a:gradFill>
+            <a:gsLst>
+              <a:gs pos="1250">
+                <a:schemeClr val="tx1"/>
+              </a:gs>
+              <a:gs pos="100000">
+                <a:schemeClr val="tx1"/>
+              </a:gs>
+            </a:gsLst>
+            <a:lin ang="5400000" scaled="0"/>
+          </a:gradFill>
+          <a:latin typeface="+mn-lt"/>
+          <a:ea typeface="+mn-ea"/>
+          <a:cs typeface="+mn-cs"/>
+        </a:defRPr>
+      </a:lvl4pPr>
+      <a:lvl5pPr marL="1232531" marR="0" indent="-224097" algn="l" defTabSz="914367" rtl="0" eaLnBrk="1" fontAlgn="auto" latinLnBrk="0" hangingPunct="1">
+        <a:lnSpc>
+          <a:spcPct val="90000"/>
+        </a:lnSpc>
+        <a:spcBef>
+          <a:spcPct val="20000"/>
+        </a:spcBef>
+        <a:spcAft>
+          <a:spcPts val="0"/>
+        </a:spcAft>
+        <a:buClrTx/>
+        <a:buSzPct val="90000"/>
+        <a:buFont typeface="Arial" pitchFamily="34" charset="0"/>
+        <a:buChar char="•"/>
+        <a:tabLst/>
+        <a:defRPr sz="1765" kern="1200" spc="0" baseline="0">
+          <a:gradFill>
+            <a:gsLst>
+              <a:gs pos="1250">
+                <a:schemeClr val="tx1"/>
+              </a:gs>
+              <a:gs pos="100000">
+                <a:schemeClr val="tx1"/>
+              </a:gs>
+            </a:gsLst>
+            <a:lin ang="5400000" scaled="0"/>
+          </a:gradFill>
+          <a:latin typeface="+mn-lt"/>
+          <a:ea typeface="+mn-ea"/>
+          <a:cs typeface="+mn-cs"/>
+        </a:defRPr>
+      </a:lvl5pPr>
+      <a:lvl6pPr marL="2514509" indent="-228592" algn="l" defTabSz="914367" rtl="0" eaLnBrk="1" latinLnBrk="0" hangingPunct="1">
+        <a:spcBef>
+          <a:spcPct val="20000"/>
+        </a:spcBef>
+        <a:buFont typeface="Arial" pitchFamily="34" charset="0"/>
+        <a:buChar char="•"/>
+        <a:defRPr sz="1961" kern="1200">
+          <a:solidFill>
+            <a:schemeClr val="tx1"/>
+          </a:solidFill>
+          <a:latin typeface="+mn-lt"/>
+          <a:ea typeface="+mn-ea"/>
+          <a:cs typeface="+mn-cs"/>
+        </a:defRPr>
+      </a:lvl6pPr>
+      <a:lvl7pPr marL="2971693" indent="-228592" algn="l" defTabSz="914367" rtl="0" eaLnBrk="1" latinLnBrk="0" hangingPunct="1">
+        <a:spcBef>
+          <a:spcPct val="20000"/>
+        </a:spcBef>
+        <a:buFont typeface="Arial" pitchFamily="34" charset="0"/>
+        <a:buChar char="•"/>
+        <a:defRPr sz="1961" kern="1200">
+          <a:solidFill>
+            <a:schemeClr val="tx1"/>
+          </a:solidFill>
+          <a:latin typeface="+mn-lt"/>
+          <a:ea typeface="+mn-ea"/>
+          <a:cs typeface="+mn-cs"/>
+        </a:defRPr>
+      </a:lvl7pPr>
+      <a:lvl8pPr marL="3428877" indent="-228592" algn="l" defTabSz="914367" rtl="0" eaLnBrk="1" latinLnBrk="0" hangingPunct="1">
+        <a:spcBef>
+          <a:spcPct val="20000"/>
+        </a:spcBef>
+        <a:buFont typeface="Arial" pitchFamily="34" charset="0"/>
+        <a:buChar char="•"/>
+        <a:defRPr sz="1961" kern="1200">
+          <a:solidFill>
+            <a:schemeClr val="tx1"/>
+          </a:solidFill>
+          <a:latin typeface="+mn-lt"/>
+          <a:ea typeface="+mn-ea"/>
+          <a:cs typeface="+mn-cs"/>
+        </a:defRPr>
+      </a:lvl8pPr>
+      <a:lvl9pPr marL="3886061" indent="-228592" algn="l" defTabSz="914367" rtl="0" eaLnBrk="1" latinLnBrk="0" hangingPunct="1">
+        <a:spcBef>
+          <a:spcPct val="20000"/>
+        </a:spcBef>
+        <a:buFont typeface="Arial" pitchFamily="34" charset="0"/>
+        <a:buChar char="•"/>
+        <a:defRPr sz="1961" kern="1200">
+          <a:solidFill>
+            <a:schemeClr val="tx1"/>
+          </a:solidFill>
+          <a:latin typeface="+mn-lt"/>
+          <a:ea typeface="+mn-ea"/>
+          <a:cs typeface="+mn-cs"/>
+        </a:defRPr>
+      </a:lvl9pPr>
+    </p:bodyStyle>
+    <p:otherStyle>
+      <a:defPPr>
+        <a:defRPr lang="en-US"/>
+      </a:defPPr>
+      <a:lvl1pPr marL="0" algn="l" defTabSz="914367" rtl="0" eaLnBrk="1" latinLnBrk="0" hangingPunct="1">
+        <a:defRPr sz="1765" kern="1200">
+          <a:solidFill>
+            <a:schemeClr val="tx1"/>
+          </a:solidFill>
+          <a:latin typeface="+mn-lt"/>
+          <a:ea typeface="+mn-ea"/>
+          <a:cs typeface="+mn-cs"/>
+        </a:defRPr>
+      </a:lvl1pPr>
+      <a:lvl2pPr marL="457183" algn="l" defTabSz="914367" rtl="0" eaLnBrk="1" latinLnBrk="0" hangingPunct="1">
+        <a:defRPr sz="1765" kern="1200">
+          <a:solidFill>
+            <a:schemeClr val="tx1"/>
+          </a:solidFill>
+          <a:latin typeface="+mn-lt"/>
+          <a:ea typeface="+mn-ea"/>
+          <a:cs typeface="+mn-cs"/>
+        </a:defRPr>
+      </a:lvl2pPr>
+      <a:lvl3pPr marL="914367" algn="l" defTabSz="914367" rtl="0" eaLnBrk="1" latinLnBrk="0" hangingPunct="1">
+        <a:defRPr sz="1765" kern="1200">
+          <a:solidFill>
+            <a:schemeClr val="tx1"/>
+          </a:solidFill>
+          <a:latin typeface="+mn-lt"/>
+          <a:ea typeface="+mn-ea"/>
+          <a:cs typeface="+mn-cs"/>
+        </a:defRPr>
+      </a:lvl3pPr>
+      <a:lvl4pPr marL="1371550" algn="l" defTabSz="914367" rtl="0" eaLnBrk="1" latinLnBrk="0" hangingPunct="1">
+        <a:defRPr sz="1765" kern="1200">
+          <a:solidFill>
+            <a:schemeClr val="tx1"/>
+          </a:solidFill>
+          <a:latin typeface="+mn-lt"/>
+          <a:ea typeface="+mn-ea"/>
+          <a:cs typeface="+mn-cs"/>
+        </a:defRPr>
+      </a:lvl4pPr>
+      <a:lvl5pPr marL="1828734" algn="l" defTabSz="914367" rtl="0" eaLnBrk="1" latinLnBrk="0" hangingPunct="1">
+        <a:defRPr sz="1765" kern="1200">
+          <a:solidFill>
+            <a:schemeClr val="tx1"/>
+          </a:solidFill>
+          <a:latin typeface="+mn-lt"/>
+          <a:ea typeface="+mn-ea"/>
+          <a:cs typeface="+mn-cs"/>
+        </a:defRPr>
+      </a:lvl5pPr>
+      <a:lvl6pPr marL="2285918" algn="l" defTabSz="914367" rtl="0" eaLnBrk="1" latinLnBrk="0" hangingPunct="1">
+        <a:defRPr sz="1765" kern="1200">
+          <a:solidFill>
+            <a:schemeClr val="tx1"/>
+          </a:solidFill>
+          <a:latin typeface="+mn-lt"/>
+          <a:ea typeface="+mn-ea"/>
+          <a:cs typeface="+mn-cs"/>
+        </a:defRPr>
+      </a:lvl6pPr>
+      <a:lvl7pPr marL="2743101" algn="l" defTabSz="914367" rtl="0" eaLnBrk="1" latinLnBrk="0" hangingPunct="1">
+        <a:defRPr sz="1765" kern="1200">
+          <a:solidFill>
+            <a:schemeClr val="tx1"/>
+          </a:solidFill>
+          <a:latin typeface="+mn-lt"/>
+          <a:ea typeface="+mn-ea"/>
+          <a:cs typeface="+mn-cs"/>
+        </a:defRPr>
+      </a:lvl7pPr>
+      <a:lvl8pPr marL="3200284" algn="l" defTabSz="914367" rtl="0" eaLnBrk="1" latinLnBrk="0" hangingPunct="1">
+        <a:defRPr sz="1765" kern="1200">
+          <a:solidFill>
+            <a:schemeClr val="tx1"/>
+          </a:solidFill>
+          <a:latin typeface="+mn-lt"/>
+          <a:ea typeface="+mn-ea"/>
+          <a:cs typeface="+mn-cs"/>
+        </a:defRPr>
+      </a:lvl8pPr>
+      <a:lvl9pPr marL="3657469" algn="l" defTabSz="914367" rtl="0" eaLnBrk="1" latinLnBrk="0" hangingPunct="1">
+        <a:defRPr sz="1765" kern="1200">
+          <a:solidFill>
+            <a:schemeClr val="tx1"/>
+          </a:solidFill>
+          <a:latin typeface="+mn-lt"/>
+          <a:ea typeface="+mn-ea"/>
+          <a:cs typeface="+mn-cs"/>
+        </a:defRPr>
+      </a:lvl9pPr>
+    </p:otherStyle>
+  </p:txStyles>
+  <p:extLst mod="1">
+    <p:ext uri="{27BBF7A9-308A-43DC-89C8-2F10F3537804}">
+      <p15:sldGuideLst xmlns:p15="http://schemas.microsoft.com/office/powerpoint/2012/main">
+        <p15:guide id="1" orient="horz" pos="187">
+          <p15:clr>
+            <a:srgbClr val="5ACBF0"/>
+          </p15:clr>
+        </p15:guide>
+        <p15:guide id="2" pos="173">
+          <p15:clr>
+            <a:srgbClr val="5ACBF0"/>
+          </p15:clr>
+        </p15:guide>
+        <p15:guide id="3" pos="749">
+          <p15:clr>
+            <a:srgbClr val="5ACBF0"/>
+          </p15:clr>
+        </p15:guide>
+        <p15:guide id="4" pos="1325">
+          <p15:clr>
+            <a:srgbClr val="5ACBF0"/>
+          </p15:clr>
+        </p15:guide>
+        <p15:guide id="5" pos="1901">
+          <p15:clr>
+            <a:srgbClr val="5ACBF0"/>
+          </p15:clr>
+        </p15:guide>
+        <p15:guide id="6" pos="2477">
+          <p15:clr>
+            <a:srgbClr val="5ACBF0"/>
+          </p15:clr>
+        </p15:guide>
+        <p15:guide id="7" pos="3053">
+          <p15:clr>
+            <a:srgbClr val="5ACBF0"/>
+          </p15:clr>
+        </p15:guide>
+        <p15:guide id="8" pos="3629">
+          <p15:clr>
+            <a:srgbClr val="5ACBF0"/>
+          </p15:clr>
+        </p15:guide>
+        <p15:guide id="9" pos="4205">
+          <p15:clr>
+            <a:srgbClr val="5ACBF0"/>
+          </p15:clr>
+        </p15:guide>
+        <p15:guide id="10" pos="4781">
+          <p15:clr>
+            <a:srgbClr val="5ACBF0"/>
+          </p15:clr>
+        </p15:guide>
+        <p15:guide id="11" pos="5357">
+          <p15:clr>
+            <a:srgbClr val="5ACBF0"/>
+          </p15:clr>
+        </p15:guide>
+        <p15:guide id="12" pos="5933">
+          <p15:clr>
+            <a:srgbClr val="5ACBF0"/>
+          </p15:clr>
+        </p15:guide>
+        <p15:guide id="13" pos="6509">
+          <p15:clr>
+            <a:srgbClr val="5ACBF0"/>
+          </p15:clr>
+        </p15:guide>
+        <p15:guide id="14" pos="7085">
+          <p15:clr>
+            <a:srgbClr val="5ACBF0"/>
+          </p15:clr>
+        </p15:guide>
+        <p15:guide id="15" pos="7661">
+          <p15:clr>
+            <a:srgbClr val="5ACBF0"/>
+          </p15:clr>
+        </p15:guide>
+        <p15:guide id="16" pos="288">
+          <p15:clr>
+            <a:srgbClr val="C35EA4"/>
+          </p15:clr>
+        </p15:guide>
+        <p15:guide id="17" pos="7546">
+          <p15:clr>
+            <a:srgbClr val="C35EA4"/>
+          </p15:clr>
+        </p15:guide>
+        <p15:guide id="18" orient="horz" pos="763">
+          <p15:clr>
+            <a:srgbClr val="5ACBF0"/>
+          </p15:clr>
+        </p15:guide>
+        <p15:guide id="19" orient="horz" pos="1339">
+          <p15:clr>
+            <a:srgbClr val="5ACBF0"/>
+          </p15:clr>
+        </p15:guide>
+        <p15:guide id="20" orient="horz" pos="1915">
+          <p15:clr>
+            <a:srgbClr val="5ACBF0"/>
+          </p15:clr>
+        </p15:guide>
+        <p15:guide id="21" orient="horz" pos="2491">
+          <p15:clr>
+            <a:srgbClr val="5ACBF0"/>
+          </p15:clr>
+        </p15:guide>
+        <p15:guide id="22" orient="horz" pos="3067">
+          <p15:clr>
+            <a:srgbClr val="5ACBF0"/>
+          </p15:clr>
+        </p15:guide>
+        <p15:guide id="23" orient="horz" pos="3643">
+          <p15:clr>
+            <a:srgbClr val="5ACBF0"/>
+          </p15:clr>
+        </p15:guide>
+        <p15:guide id="24" orient="horz" pos="4219">
+          <p15:clr>
+            <a:srgbClr val="5ACBF0"/>
+          </p15:clr>
+        </p15:guide>
+        <p15:guide id="25" orient="horz" pos="302">
+          <p15:clr>
+            <a:srgbClr val="C35EA4"/>
+          </p15:clr>
+        </p15:guide>
+        <p15:guide id="26" orient="horz" pos="4104">
+          <p15:clr>
+            <a:srgbClr val="C35EA4"/>
+          </p15:clr>
+        </p15:guide>
+      </p15:sldGuideLst>
+    </p:ext>
+  </p:extLst>
+</p:sldMaster>
+</file>
+
 <file path=ppt/slides/slide1.xml><?xml version="1.0" encoding="utf-8"?>
 <p:sld xmlns:a="http://schemas.openxmlformats.org/drawingml/2006/main" xmlns:r="http://schemas.openxmlformats.org/officeDocument/2006/relationships" xmlns:p="http://schemas.openxmlformats.org/presentationml/2006/main">
   <p:cSld>
@@ -4273,6 +7374,4373 @@
       </p:par>
     </p:tnLst>
   </p:timing>
+</p:sld>
+</file>
+
+<file path=ppt/slides/slide10.xml><?xml version="1.0" encoding="utf-8"?>
+<p:sld xmlns:a="http://schemas.openxmlformats.org/drawingml/2006/main" xmlns:r="http://schemas.openxmlformats.org/officeDocument/2006/relationships" xmlns:p="http://schemas.openxmlformats.org/presentationml/2006/main">
+  <p:cSld>
+    <p:spTree>
+      <p:nvGrpSpPr>
+        <p:cNvPr id="1" name=""/>
+        <p:cNvGrpSpPr/>
+        <p:nvPr/>
+      </p:nvGrpSpPr>
+      <p:grpSpPr>
+        <a:xfrm>
+          <a:off x="0" y="0"/>
+          <a:ext cx="0" cy="0"/>
+          <a:chOff x="0" y="0"/>
+          <a:chExt cx="0" cy="0"/>
+        </a:xfrm>
+      </p:grpSpPr>
+      <p:sp>
+        <p:nvSpPr>
+          <p:cNvPr id="5" name="Title 4"/>
+          <p:cNvSpPr>
+            <a:spLocks noGrp="1"/>
+          </p:cNvSpPr>
+          <p:nvPr>
+            <p:ph type="title"/>
+          </p:nvPr>
+        </p:nvSpPr>
+        <p:spPr>
+          <a:xfrm>
+            <a:off x="439654" y="3268431"/>
+            <a:ext cx="8466233" cy="1792836"/>
+          </a:xfrm>
+        </p:spPr>
+        <p:txBody>
+          <a:bodyPr/>
+          <a:lstStyle/>
+          <a:p>
+            <a:r>
+              <a:rPr lang="de-DE" sz="4705" dirty="0"/>
+              <a:t>Visual Studio </a:t>
+            </a:r>
+            <a:r>
+              <a:rPr lang="de-DE" sz="4705"/>
+              <a:t>Mobile </a:t>
+            </a:r>
+            <a:r>
+              <a:rPr lang="de-DE" sz="4705"/>
+              <a:t>Center</a:t>
+            </a:r>
+            <a:br>
+              <a:rPr lang="de-DE" sz="4705"/>
+            </a:br>
+            <a:endParaRPr lang="en-US" sz="4705" dirty="0"/>
+          </a:p>
+        </p:txBody>
+      </p:sp>
+      <p:grpSp>
+        <p:nvGrpSpPr>
+          <p:cNvPr id="4" name="Group 3"/>
+          <p:cNvGrpSpPr/>
+          <p:nvPr/>
+        </p:nvGrpSpPr>
+        <p:grpSpPr>
+          <a:xfrm>
+            <a:off x="2435599" y="934074"/>
+            <a:ext cx="12191999" cy="3041117"/>
+            <a:chOff x="0" y="2049462"/>
+            <a:chExt cx="12436474" cy="3102098"/>
+          </a:xfrm>
+        </p:grpSpPr>
+        <p:sp>
+          <p:nvSpPr>
+            <p:cNvPr id="6" name="TextBox 5"/>
+            <p:cNvSpPr txBox="1"/>
+            <p:nvPr/>
+          </p:nvSpPr>
+          <p:spPr>
+            <a:xfrm>
+              <a:off x="0" y="4274397"/>
+              <a:ext cx="12436474" cy="877163"/>
+            </a:xfrm>
+            <a:prstGeom prst="rect">
+              <a:avLst/>
+            </a:prstGeom>
+            <a:noFill/>
+          </p:spPr>
+          <p:txBody>
+            <a:bodyPr wrap="square" lIns="179285" tIns="143428" rIns="179285" bIns="143428" rtlCol="0">
+              <a:spAutoFit/>
+            </a:bodyPr>
+            <a:lstStyle/>
+            <a:p>
+              <a:pPr algn="ctr">
+                <a:lnSpc>
+                  <a:spcPct val="90000"/>
+                </a:lnSpc>
+                <a:spcAft>
+                  <a:spcPts val="588"/>
+                </a:spcAft>
+                <a:defRPr/>
+              </a:pPr>
+              <a:endParaRPr lang="en-US" sz="4117" kern="0">
+                <a:solidFill>
+                  <a:srgbClr val="FFFFFF"/>
+                </a:solidFill>
+                <a:latin typeface="Segoe UI Semilight" panose="020B0402040204020203" pitchFamily="34" charset="0"/>
+                <a:cs typeface="Segoe UI Semilight" panose="020B0402040204020203" pitchFamily="34" charset="0"/>
+              </a:endParaRPr>
+            </a:p>
+          </p:txBody>
+        </p:sp>
+        <p:grpSp>
+          <p:nvGrpSpPr>
+            <p:cNvPr id="7" name="Group 6"/>
+            <p:cNvGrpSpPr/>
+            <p:nvPr/>
+          </p:nvGrpSpPr>
+          <p:grpSpPr>
+            <a:xfrm>
+              <a:off x="3283744" y="2049462"/>
+              <a:ext cx="5868987" cy="1966913"/>
+              <a:chOff x="3097365" y="1995364"/>
+              <a:chExt cx="5868987" cy="1966913"/>
+            </a:xfrm>
+          </p:grpSpPr>
+          <p:grpSp>
+            <p:nvGrpSpPr>
+              <p:cNvPr id="8" name="Group 7"/>
+              <p:cNvGrpSpPr>
+                <a:grpSpLocks noChangeAspect="1"/>
+              </p:cNvGrpSpPr>
+              <p:nvPr/>
+            </p:nvGrpSpPr>
+            <p:grpSpPr bwMode="auto">
+              <a:xfrm>
+                <a:off x="5202390" y="1995365"/>
+                <a:ext cx="2957512" cy="1966912"/>
+                <a:chOff x="2804" y="1418"/>
+                <a:chExt cx="1863" cy="1239"/>
+              </a:xfrm>
+            </p:grpSpPr>
+            <p:sp>
+              <p:nvSpPr>
+                <p:cNvPr id="22" name="Freeform 5"/>
+                <p:cNvSpPr>
+                  <a:spLocks noEditPoints="1"/>
+                </p:cNvSpPr>
+                <p:nvPr/>
+              </p:nvSpPr>
+              <p:spPr bwMode="auto">
+                <a:xfrm>
+                  <a:off x="2804" y="1418"/>
+                  <a:ext cx="1863" cy="1239"/>
+                </a:xfrm>
+                <a:custGeom>
+                  <a:avLst/>
+                  <a:gdLst>
+                    <a:gd name="T0" fmla="*/ 1540 w 1700"/>
+                    <a:gd name="T1" fmla="*/ 1130 h 1130"/>
+                    <a:gd name="T2" fmla="*/ 161 w 1700"/>
+                    <a:gd name="T3" fmla="*/ 1130 h 1130"/>
+                    <a:gd name="T4" fmla="*/ 12 w 1700"/>
+                    <a:gd name="T5" fmla="*/ 1063 h 1130"/>
+                    <a:gd name="T6" fmla="*/ 7 w 1700"/>
+                    <a:gd name="T7" fmla="*/ 1057 h 1130"/>
+                    <a:gd name="T8" fmla="*/ 0 w 1700"/>
+                    <a:gd name="T9" fmla="*/ 1037 h 1130"/>
+                    <a:gd name="T10" fmla="*/ 22 w 1700"/>
+                    <a:gd name="T11" fmla="*/ 1005 h 1130"/>
+                    <a:gd name="T12" fmla="*/ 23 w 1700"/>
+                    <a:gd name="T13" fmla="*/ 1004 h 1130"/>
+                    <a:gd name="T14" fmla="*/ 32 w 1700"/>
+                    <a:gd name="T15" fmla="*/ 1003 h 1130"/>
+                    <a:gd name="T16" fmla="*/ 121 w 1700"/>
+                    <a:gd name="T17" fmla="*/ 1003 h 1130"/>
+                    <a:gd name="T18" fmla="*/ 125 w 1700"/>
+                    <a:gd name="T19" fmla="*/ 0 h 1130"/>
+                    <a:gd name="T20" fmla="*/ 1580 w 1700"/>
+                    <a:gd name="T21" fmla="*/ 0 h 1130"/>
+                    <a:gd name="T22" fmla="*/ 1580 w 1700"/>
+                    <a:gd name="T23" fmla="*/ 1003 h 1130"/>
+                    <a:gd name="T24" fmla="*/ 1675 w 1700"/>
+                    <a:gd name="T25" fmla="*/ 1003 h 1130"/>
+                    <a:gd name="T26" fmla="*/ 1678 w 1700"/>
+                    <a:gd name="T27" fmla="*/ 1004 h 1130"/>
+                    <a:gd name="T28" fmla="*/ 1700 w 1700"/>
+                    <a:gd name="T29" fmla="*/ 1037 h 1130"/>
+                    <a:gd name="T30" fmla="*/ 1696 w 1700"/>
+                    <a:gd name="T31" fmla="*/ 1055 h 1130"/>
+                    <a:gd name="T32" fmla="*/ 1695 w 1700"/>
+                    <a:gd name="T33" fmla="*/ 1055 h 1130"/>
+                    <a:gd name="T34" fmla="*/ 1693 w 1700"/>
+                    <a:gd name="T35" fmla="*/ 1058 h 1130"/>
+                    <a:gd name="T36" fmla="*/ 1689 w 1700"/>
+                    <a:gd name="T37" fmla="*/ 1063 h 1130"/>
+                    <a:gd name="T38" fmla="*/ 1540 w 1700"/>
+                    <a:gd name="T39" fmla="*/ 1130 h 1130"/>
+                    <a:gd name="T40" fmla="*/ 20 w 1700"/>
+                    <a:gd name="T41" fmla="*/ 1048 h 1130"/>
+                    <a:gd name="T42" fmla="*/ 24 w 1700"/>
+                    <a:gd name="T43" fmla="*/ 1052 h 1130"/>
+                    <a:gd name="T44" fmla="*/ 161 w 1700"/>
+                    <a:gd name="T45" fmla="*/ 1114 h 1130"/>
+                    <a:gd name="T46" fmla="*/ 1540 w 1700"/>
+                    <a:gd name="T47" fmla="*/ 1114 h 1130"/>
+                    <a:gd name="T48" fmla="*/ 1677 w 1700"/>
+                    <a:gd name="T49" fmla="*/ 1052 h 1130"/>
+                    <a:gd name="T50" fmla="*/ 1681 w 1700"/>
+                    <a:gd name="T51" fmla="*/ 1048 h 1130"/>
+                    <a:gd name="T52" fmla="*/ 1682 w 1700"/>
+                    <a:gd name="T53" fmla="*/ 1046 h 1130"/>
+                    <a:gd name="T54" fmla="*/ 1684 w 1700"/>
+                    <a:gd name="T55" fmla="*/ 1037 h 1130"/>
+                    <a:gd name="T56" fmla="*/ 1673 w 1700"/>
+                    <a:gd name="T57" fmla="*/ 1019 h 1130"/>
+                    <a:gd name="T58" fmla="*/ 1673 w 1700"/>
+                    <a:gd name="T59" fmla="*/ 1019 h 1130"/>
+                    <a:gd name="T60" fmla="*/ 1564 w 1700"/>
+                    <a:gd name="T61" fmla="*/ 1019 h 1130"/>
+                    <a:gd name="T62" fmla="*/ 1564 w 1700"/>
+                    <a:gd name="T63" fmla="*/ 16 h 1130"/>
+                    <a:gd name="T64" fmla="*/ 141 w 1700"/>
+                    <a:gd name="T65" fmla="*/ 16 h 1130"/>
+                    <a:gd name="T66" fmla="*/ 137 w 1700"/>
+                    <a:gd name="T67" fmla="*/ 1019 h 1130"/>
+                    <a:gd name="T68" fmla="*/ 32 w 1700"/>
+                    <a:gd name="T69" fmla="*/ 1019 h 1130"/>
+                    <a:gd name="T70" fmla="*/ 27 w 1700"/>
+                    <a:gd name="T71" fmla="*/ 1020 h 1130"/>
+                    <a:gd name="T72" fmla="*/ 16 w 1700"/>
+                    <a:gd name="T73" fmla="*/ 1037 h 1130"/>
+                    <a:gd name="T74" fmla="*/ 20 w 1700"/>
+                    <a:gd name="T75" fmla="*/ 1048 h 1130"/>
+                    <a:gd name="T76" fmla="*/ 1689 w 1700"/>
+                    <a:gd name="T77" fmla="*/ 1051 h 1130"/>
+                    <a:gd name="T78" fmla="*/ 1689 w 1700"/>
+                    <a:gd name="T79" fmla="*/ 1051 h 1130"/>
+                  </a:gdLst>
+                  <a:ahLst/>
+                  <a:cxnLst>
+                    <a:cxn ang="0">
+                      <a:pos x="T0" y="T1"/>
+                    </a:cxn>
+                    <a:cxn ang="0">
+                      <a:pos x="T2" y="T3"/>
+                    </a:cxn>
+                    <a:cxn ang="0">
+                      <a:pos x="T4" y="T5"/>
+                    </a:cxn>
+                    <a:cxn ang="0">
+                      <a:pos x="T6" y="T7"/>
+                    </a:cxn>
+                    <a:cxn ang="0">
+                      <a:pos x="T8" y="T9"/>
+                    </a:cxn>
+                    <a:cxn ang="0">
+                      <a:pos x="T10" y="T11"/>
+                    </a:cxn>
+                    <a:cxn ang="0">
+                      <a:pos x="T12" y="T13"/>
+                    </a:cxn>
+                    <a:cxn ang="0">
+                      <a:pos x="T14" y="T15"/>
+                    </a:cxn>
+                    <a:cxn ang="0">
+                      <a:pos x="T16" y="T17"/>
+                    </a:cxn>
+                    <a:cxn ang="0">
+                      <a:pos x="T18" y="T19"/>
+                    </a:cxn>
+                    <a:cxn ang="0">
+                      <a:pos x="T20" y="T21"/>
+                    </a:cxn>
+                    <a:cxn ang="0">
+                      <a:pos x="T22" y="T23"/>
+                    </a:cxn>
+                    <a:cxn ang="0">
+                      <a:pos x="T24" y="T25"/>
+                    </a:cxn>
+                    <a:cxn ang="0">
+                      <a:pos x="T26" y="T27"/>
+                    </a:cxn>
+                    <a:cxn ang="0">
+                      <a:pos x="T28" y="T29"/>
+                    </a:cxn>
+                    <a:cxn ang="0">
+                      <a:pos x="T30" y="T31"/>
+                    </a:cxn>
+                    <a:cxn ang="0">
+                      <a:pos x="T32" y="T33"/>
+                    </a:cxn>
+                    <a:cxn ang="0">
+                      <a:pos x="T34" y="T35"/>
+                    </a:cxn>
+                    <a:cxn ang="0">
+                      <a:pos x="T36" y="T37"/>
+                    </a:cxn>
+                    <a:cxn ang="0">
+                      <a:pos x="T38" y="T39"/>
+                    </a:cxn>
+                    <a:cxn ang="0">
+                      <a:pos x="T40" y="T41"/>
+                    </a:cxn>
+                    <a:cxn ang="0">
+                      <a:pos x="T42" y="T43"/>
+                    </a:cxn>
+                    <a:cxn ang="0">
+                      <a:pos x="T44" y="T45"/>
+                    </a:cxn>
+                    <a:cxn ang="0">
+                      <a:pos x="T46" y="T47"/>
+                    </a:cxn>
+                    <a:cxn ang="0">
+                      <a:pos x="T48" y="T49"/>
+                    </a:cxn>
+                    <a:cxn ang="0">
+                      <a:pos x="T50" y="T51"/>
+                    </a:cxn>
+                    <a:cxn ang="0">
+                      <a:pos x="T52" y="T53"/>
+                    </a:cxn>
+                    <a:cxn ang="0">
+                      <a:pos x="T54" y="T55"/>
+                    </a:cxn>
+                    <a:cxn ang="0">
+                      <a:pos x="T56" y="T57"/>
+                    </a:cxn>
+                    <a:cxn ang="0">
+                      <a:pos x="T58" y="T59"/>
+                    </a:cxn>
+                    <a:cxn ang="0">
+                      <a:pos x="T60" y="T61"/>
+                    </a:cxn>
+                    <a:cxn ang="0">
+                      <a:pos x="T62" y="T63"/>
+                    </a:cxn>
+                    <a:cxn ang="0">
+                      <a:pos x="T64" y="T65"/>
+                    </a:cxn>
+                    <a:cxn ang="0">
+                      <a:pos x="T66" y="T67"/>
+                    </a:cxn>
+                    <a:cxn ang="0">
+                      <a:pos x="T68" y="T69"/>
+                    </a:cxn>
+                    <a:cxn ang="0">
+                      <a:pos x="T70" y="T71"/>
+                    </a:cxn>
+                    <a:cxn ang="0">
+                      <a:pos x="T72" y="T73"/>
+                    </a:cxn>
+                    <a:cxn ang="0">
+                      <a:pos x="T74" y="T75"/>
+                    </a:cxn>
+                    <a:cxn ang="0">
+                      <a:pos x="T76" y="T77"/>
+                    </a:cxn>
+                    <a:cxn ang="0">
+                      <a:pos x="T78" y="T79"/>
+                    </a:cxn>
+                  </a:cxnLst>
+                  <a:rect l="0" t="0" r="r" b="b"/>
+                  <a:pathLst>
+                    <a:path w="1700" h="1130">
+                      <a:moveTo>
+                        <a:pt x="1540" y="1130"/>
+                      </a:moveTo>
+                      <a:cubicBezTo>
+                        <a:pt x="161" y="1130"/>
+                        <a:pt x="161" y="1130"/>
+                        <a:pt x="161" y="1130"/>
+                      </a:cubicBezTo>
+                      <a:cubicBezTo>
+                        <a:pt x="107" y="1130"/>
+                        <a:pt x="54" y="1106"/>
+                        <a:pt x="12" y="1063"/>
+                      </a:cubicBezTo>
+                      <a:cubicBezTo>
+                        <a:pt x="7" y="1057"/>
+                        <a:pt x="7" y="1057"/>
+                        <a:pt x="7" y="1057"/>
+                      </a:cubicBezTo>
+                      <a:cubicBezTo>
+                        <a:pt x="3" y="1050"/>
+                        <a:pt x="0" y="1044"/>
+                        <a:pt x="0" y="1037"/>
+                      </a:cubicBezTo>
+                      <a:cubicBezTo>
+                        <a:pt x="0" y="1022"/>
+                        <a:pt x="9" y="1009"/>
+                        <a:pt x="22" y="1005"/>
+                      </a:cubicBezTo>
+                      <a:cubicBezTo>
+                        <a:pt x="23" y="1004"/>
+                        <a:pt x="23" y="1004"/>
+                        <a:pt x="23" y="1004"/>
+                      </a:cubicBezTo>
+                      <a:cubicBezTo>
+                        <a:pt x="28" y="1003"/>
+                        <a:pt x="31" y="1003"/>
+                        <a:pt x="32" y="1003"/>
+                      </a:cubicBezTo>
+                      <a:cubicBezTo>
+                        <a:pt x="121" y="1003"/>
+                        <a:pt x="121" y="1003"/>
+                        <a:pt x="121" y="1003"/>
+                      </a:cubicBezTo>
+                      <a:cubicBezTo>
+                        <a:pt x="125" y="0"/>
+                        <a:pt x="125" y="0"/>
+                        <a:pt x="125" y="0"/>
+                      </a:cubicBezTo>
+                      <a:cubicBezTo>
+                        <a:pt x="1580" y="0"/>
+                        <a:pt x="1580" y="0"/>
+                        <a:pt x="1580" y="0"/>
+                      </a:cubicBezTo>
+                      <a:cubicBezTo>
+                        <a:pt x="1580" y="1003"/>
+                        <a:pt x="1580" y="1003"/>
+                        <a:pt x="1580" y="1003"/>
+                      </a:cubicBezTo>
+                      <a:cubicBezTo>
+                        <a:pt x="1675" y="1003"/>
+                        <a:pt x="1675" y="1003"/>
+                        <a:pt x="1675" y="1003"/>
+                      </a:cubicBezTo>
+                      <a:cubicBezTo>
+                        <a:pt x="1678" y="1004"/>
+                        <a:pt x="1678" y="1004"/>
+                        <a:pt x="1678" y="1004"/>
+                      </a:cubicBezTo>
+                      <a:cubicBezTo>
+                        <a:pt x="1692" y="1009"/>
+                        <a:pt x="1700" y="1022"/>
+                        <a:pt x="1700" y="1037"/>
+                      </a:cubicBezTo>
+                      <a:cubicBezTo>
+                        <a:pt x="1700" y="1043"/>
+                        <a:pt x="1699" y="1049"/>
+                        <a:pt x="1696" y="1055"/>
+                      </a:cubicBezTo>
+                      <a:cubicBezTo>
+                        <a:pt x="1695" y="1055"/>
+                        <a:pt x="1695" y="1055"/>
+                        <a:pt x="1695" y="1055"/>
+                      </a:cubicBezTo>
+                      <a:cubicBezTo>
+                        <a:pt x="1693" y="1058"/>
+                        <a:pt x="1693" y="1058"/>
+                        <a:pt x="1693" y="1058"/>
+                      </a:cubicBezTo>
+                      <a:cubicBezTo>
+                        <a:pt x="1689" y="1063"/>
+                        <a:pt x="1689" y="1063"/>
+                        <a:pt x="1689" y="1063"/>
+                      </a:cubicBezTo>
+                      <a:cubicBezTo>
+                        <a:pt x="1647" y="1106"/>
+                        <a:pt x="1595" y="1130"/>
+                        <a:pt x="1540" y="1130"/>
+                      </a:cubicBezTo>
+                      <a:close/>
+                      <a:moveTo>
+                        <a:pt x="20" y="1048"/>
+                      </a:moveTo>
+                      <a:cubicBezTo>
+                        <a:pt x="24" y="1052"/>
+                        <a:pt x="24" y="1052"/>
+                        <a:pt x="24" y="1052"/>
+                      </a:cubicBezTo>
+                      <a:cubicBezTo>
+                        <a:pt x="63" y="1092"/>
+                        <a:pt x="111" y="1114"/>
+                        <a:pt x="161" y="1114"/>
+                      </a:cubicBezTo>
+                      <a:cubicBezTo>
+                        <a:pt x="1540" y="1114"/>
+                        <a:pt x="1540" y="1114"/>
+                        <a:pt x="1540" y="1114"/>
+                      </a:cubicBezTo>
+                      <a:cubicBezTo>
+                        <a:pt x="1590" y="1114"/>
+                        <a:pt x="1639" y="1092"/>
+                        <a:pt x="1677" y="1052"/>
+                      </a:cubicBezTo>
+                      <a:cubicBezTo>
+                        <a:pt x="1681" y="1048"/>
+                        <a:pt x="1681" y="1048"/>
+                        <a:pt x="1681" y="1048"/>
+                      </a:cubicBezTo>
+                      <a:cubicBezTo>
+                        <a:pt x="1682" y="1046"/>
+                        <a:pt x="1682" y="1046"/>
+                        <a:pt x="1682" y="1046"/>
+                      </a:cubicBezTo>
+                      <a:cubicBezTo>
+                        <a:pt x="1683" y="1043"/>
+                        <a:pt x="1684" y="1040"/>
+                        <a:pt x="1684" y="1037"/>
+                      </a:cubicBezTo>
+                      <a:cubicBezTo>
+                        <a:pt x="1684" y="1029"/>
+                        <a:pt x="1680" y="1022"/>
+                        <a:pt x="1673" y="1019"/>
+                      </a:cubicBezTo>
+                      <a:cubicBezTo>
+                        <a:pt x="1673" y="1019"/>
+                        <a:pt x="1673" y="1019"/>
+                        <a:pt x="1673" y="1019"/>
+                      </a:cubicBezTo>
+                      <a:cubicBezTo>
+                        <a:pt x="1564" y="1019"/>
+                        <a:pt x="1564" y="1019"/>
+                        <a:pt x="1564" y="1019"/>
+                      </a:cubicBezTo>
+                      <a:cubicBezTo>
+                        <a:pt x="1564" y="16"/>
+                        <a:pt x="1564" y="16"/>
+                        <a:pt x="1564" y="16"/>
+                      </a:cubicBezTo>
+                      <a:cubicBezTo>
+                        <a:pt x="141" y="16"/>
+                        <a:pt x="141" y="16"/>
+                        <a:pt x="141" y="16"/>
+                      </a:cubicBezTo>
+                      <a:cubicBezTo>
+                        <a:pt x="137" y="1019"/>
+                        <a:pt x="137" y="1019"/>
+                        <a:pt x="137" y="1019"/>
+                      </a:cubicBezTo>
+                      <a:cubicBezTo>
+                        <a:pt x="32" y="1019"/>
+                        <a:pt x="32" y="1019"/>
+                        <a:pt x="32" y="1019"/>
+                      </a:cubicBezTo>
+                      <a:cubicBezTo>
+                        <a:pt x="31" y="1019"/>
+                        <a:pt x="29" y="1020"/>
+                        <a:pt x="27" y="1020"/>
+                      </a:cubicBezTo>
+                      <a:cubicBezTo>
+                        <a:pt x="21" y="1022"/>
+                        <a:pt x="16" y="1029"/>
+                        <a:pt x="16" y="1037"/>
+                      </a:cubicBezTo>
+                      <a:cubicBezTo>
+                        <a:pt x="16" y="1039"/>
+                        <a:pt x="17" y="1043"/>
+                        <a:pt x="20" y="1048"/>
+                      </a:cubicBezTo>
+                      <a:close/>
+                      <a:moveTo>
+                        <a:pt x="1689" y="1051"/>
+                      </a:moveTo>
+                      <a:cubicBezTo>
+                        <a:pt x="1689" y="1051"/>
+                        <a:pt x="1689" y="1051"/>
+                        <a:pt x="1689" y="1051"/>
+                      </a:cubicBezTo>
+                      <a:close/>
+                    </a:path>
+                  </a:pathLst>
+                </a:custGeom>
+                <a:solidFill>
+                  <a:srgbClr val="FFFFFF"/>
+                </a:solidFill>
+                <a:ln>
+                  <a:noFill/>
+                </a:ln>
+                <a:extLst>
+                  <a:ext uri="{91240B29-F687-4F45-9708-019B960494DF}">
+                    <a14:hiddenLine xmlns:a14="http://schemas.microsoft.com/office/drawing/2010/main" w="9525">
+                      <a:solidFill>
+                        <a:srgbClr val="000000"/>
+                      </a:solidFill>
+                      <a:round/>
+                      <a:headEnd/>
+                      <a:tailEnd/>
+                    </a14:hiddenLine>
+                  </a:ext>
+                </a:extLst>
+              </p:spPr>
+              <p:txBody>
+                <a:bodyPr vert="horz" wrap="square" lIns="89642" tIns="44821" rIns="89642" bIns="44821" numCol="1" anchor="t" anchorCtr="0" compatLnSpc="1">
+                  <a:prstTxWarp prst="textNoShape">
+                    <a:avLst/>
+                  </a:prstTxWarp>
+                </a:bodyPr>
+                <a:lstStyle/>
+                <a:p>
+                  <a:pPr>
+                    <a:defRPr/>
+                  </a:pPr>
+                  <a:endParaRPr lang="en-US" sz="1765" kern="0">
+                    <a:solidFill>
+                      <a:srgbClr val="505050"/>
+                    </a:solidFill>
+                  </a:endParaRPr>
+                </a:p>
+              </p:txBody>
+            </p:sp>
+            <p:sp>
+              <p:nvSpPr>
+                <p:cNvPr id="23" name="Freeform 6"/>
+                <p:cNvSpPr>
+                  <a:spLocks noEditPoints="1"/>
+                </p:cNvSpPr>
+                <p:nvPr/>
+              </p:nvSpPr>
+              <p:spPr bwMode="auto">
+                <a:xfrm>
+                  <a:off x="3021" y="1500"/>
+                  <a:ext cx="1430" cy="971"/>
+                </a:xfrm>
+                <a:custGeom>
+                  <a:avLst/>
+                  <a:gdLst>
+                    <a:gd name="T0" fmla="*/ 1297 w 1305"/>
+                    <a:gd name="T1" fmla="*/ 885 h 885"/>
+                    <a:gd name="T2" fmla="*/ 8 w 1305"/>
+                    <a:gd name="T3" fmla="*/ 885 h 885"/>
+                    <a:gd name="T4" fmla="*/ 2 w 1305"/>
+                    <a:gd name="T5" fmla="*/ 882 h 885"/>
+                    <a:gd name="T6" fmla="*/ 0 w 1305"/>
+                    <a:gd name="T7" fmla="*/ 877 h 885"/>
+                    <a:gd name="T8" fmla="*/ 4 w 1305"/>
+                    <a:gd name="T9" fmla="*/ 8 h 885"/>
+                    <a:gd name="T10" fmla="*/ 12 w 1305"/>
+                    <a:gd name="T11" fmla="*/ 0 h 885"/>
+                    <a:gd name="T12" fmla="*/ 1297 w 1305"/>
+                    <a:gd name="T13" fmla="*/ 0 h 885"/>
+                    <a:gd name="T14" fmla="*/ 1305 w 1305"/>
+                    <a:gd name="T15" fmla="*/ 8 h 885"/>
+                    <a:gd name="T16" fmla="*/ 1305 w 1305"/>
+                    <a:gd name="T17" fmla="*/ 877 h 885"/>
+                    <a:gd name="T18" fmla="*/ 1297 w 1305"/>
+                    <a:gd name="T19" fmla="*/ 885 h 885"/>
+                    <a:gd name="T20" fmla="*/ 16 w 1305"/>
+                    <a:gd name="T21" fmla="*/ 869 h 885"/>
+                    <a:gd name="T22" fmla="*/ 1289 w 1305"/>
+                    <a:gd name="T23" fmla="*/ 869 h 885"/>
+                    <a:gd name="T24" fmla="*/ 1289 w 1305"/>
+                    <a:gd name="T25" fmla="*/ 16 h 885"/>
+                    <a:gd name="T26" fmla="*/ 20 w 1305"/>
+                    <a:gd name="T27" fmla="*/ 16 h 885"/>
+                    <a:gd name="T28" fmla="*/ 16 w 1305"/>
+                    <a:gd name="T29" fmla="*/ 869 h 885"/>
+                  </a:gdLst>
+                  <a:ahLst/>
+                  <a:cxnLst>
+                    <a:cxn ang="0">
+                      <a:pos x="T0" y="T1"/>
+                    </a:cxn>
+                    <a:cxn ang="0">
+                      <a:pos x="T2" y="T3"/>
+                    </a:cxn>
+                    <a:cxn ang="0">
+                      <a:pos x="T4" y="T5"/>
+                    </a:cxn>
+                    <a:cxn ang="0">
+                      <a:pos x="T6" y="T7"/>
+                    </a:cxn>
+                    <a:cxn ang="0">
+                      <a:pos x="T8" y="T9"/>
+                    </a:cxn>
+                    <a:cxn ang="0">
+                      <a:pos x="T10" y="T11"/>
+                    </a:cxn>
+                    <a:cxn ang="0">
+                      <a:pos x="T12" y="T13"/>
+                    </a:cxn>
+                    <a:cxn ang="0">
+                      <a:pos x="T14" y="T15"/>
+                    </a:cxn>
+                    <a:cxn ang="0">
+                      <a:pos x="T16" y="T17"/>
+                    </a:cxn>
+                    <a:cxn ang="0">
+                      <a:pos x="T18" y="T19"/>
+                    </a:cxn>
+                    <a:cxn ang="0">
+                      <a:pos x="T20" y="T21"/>
+                    </a:cxn>
+                    <a:cxn ang="0">
+                      <a:pos x="T22" y="T23"/>
+                    </a:cxn>
+                    <a:cxn ang="0">
+                      <a:pos x="T24" y="T25"/>
+                    </a:cxn>
+                    <a:cxn ang="0">
+                      <a:pos x="T26" y="T27"/>
+                    </a:cxn>
+                    <a:cxn ang="0">
+                      <a:pos x="T28" y="T29"/>
+                    </a:cxn>
+                  </a:cxnLst>
+                  <a:rect l="0" t="0" r="r" b="b"/>
+                  <a:pathLst>
+                    <a:path w="1305" h="885">
+                      <a:moveTo>
+                        <a:pt x="1297" y="885"/>
+                      </a:moveTo>
+                      <a:cubicBezTo>
+                        <a:pt x="8" y="885"/>
+                        <a:pt x="8" y="885"/>
+                        <a:pt x="8" y="885"/>
+                      </a:cubicBezTo>
+                      <a:cubicBezTo>
+                        <a:pt x="6" y="885"/>
+                        <a:pt x="4" y="884"/>
+                        <a:pt x="2" y="882"/>
+                      </a:cubicBezTo>
+                      <a:cubicBezTo>
+                        <a:pt x="1" y="881"/>
+                        <a:pt x="0" y="879"/>
+                        <a:pt x="0" y="877"/>
+                      </a:cubicBezTo>
+                      <a:cubicBezTo>
+                        <a:pt x="4" y="8"/>
+                        <a:pt x="4" y="8"/>
+                        <a:pt x="4" y="8"/>
+                      </a:cubicBezTo>
+                      <a:cubicBezTo>
+                        <a:pt x="4" y="4"/>
+                        <a:pt x="8" y="0"/>
+                        <a:pt x="12" y="0"/>
+                      </a:cubicBezTo>
+                      <a:cubicBezTo>
+                        <a:pt x="1297" y="0"/>
+                        <a:pt x="1297" y="0"/>
+                        <a:pt x="1297" y="0"/>
+                      </a:cubicBezTo>
+                      <a:cubicBezTo>
+                        <a:pt x="1301" y="0"/>
+                        <a:pt x="1305" y="4"/>
+                        <a:pt x="1305" y="8"/>
+                      </a:cubicBezTo>
+                      <a:cubicBezTo>
+                        <a:pt x="1305" y="877"/>
+                        <a:pt x="1305" y="877"/>
+                        <a:pt x="1305" y="877"/>
+                      </a:cubicBezTo>
+                      <a:cubicBezTo>
+                        <a:pt x="1305" y="881"/>
+                        <a:pt x="1301" y="885"/>
+                        <a:pt x="1297" y="885"/>
+                      </a:cubicBezTo>
+                      <a:close/>
+                      <a:moveTo>
+                        <a:pt x="16" y="869"/>
+                      </a:moveTo>
+                      <a:cubicBezTo>
+                        <a:pt x="1289" y="869"/>
+                        <a:pt x="1289" y="869"/>
+                        <a:pt x="1289" y="869"/>
+                      </a:cubicBezTo>
+                      <a:cubicBezTo>
+                        <a:pt x="1289" y="16"/>
+                        <a:pt x="1289" y="16"/>
+                        <a:pt x="1289" y="16"/>
+                      </a:cubicBezTo>
+                      <a:cubicBezTo>
+                        <a:pt x="20" y="16"/>
+                        <a:pt x="20" y="16"/>
+                        <a:pt x="20" y="16"/>
+                      </a:cubicBezTo>
+                      <a:lnTo>
+                        <a:pt x="16" y="869"/>
+                      </a:lnTo>
+                      <a:close/>
+                    </a:path>
+                  </a:pathLst>
+                </a:custGeom>
+                <a:solidFill>
+                  <a:srgbClr val="FFFFFF"/>
+                </a:solidFill>
+                <a:ln>
+                  <a:noFill/>
+                </a:ln>
+                <a:extLst>
+                  <a:ext uri="{91240B29-F687-4F45-9708-019B960494DF}">
+                    <a14:hiddenLine xmlns:a14="http://schemas.microsoft.com/office/drawing/2010/main" w="9525">
+                      <a:solidFill>
+                        <a:srgbClr val="000000"/>
+                      </a:solidFill>
+                      <a:round/>
+                      <a:headEnd/>
+                      <a:tailEnd/>
+                    </a14:hiddenLine>
+                  </a:ext>
+                </a:extLst>
+              </p:spPr>
+              <p:txBody>
+                <a:bodyPr vert="horz" wrap="square" lIns="89642" tIns="44821" rIns="89642" bIns="44821" numCol="1" anchor="t" anchorCtr="0" compatLnSpc="1">
+                  <a:prstTxWarp prst="textNoShape">
+                    <a:avLst/>
+                  </a:prstTxWarp>
+                </a:bodyPr>
+                <a:lstStyle/>
+                <a:p>
+                  <a:pPr>
+                    <a:defRPr/>
+                  </a:pPr>
+                  <a:endParaRPr lang="en-US" sz="1765" kern="0">
+                    <a:solidFill>
+                      <a:srgbClr val="505050"/>
+                    </a:solidFill>
+                  </a:endParaRPr>
+                </a:p>
+              </p:txBody>
+            </p:sp>
+            <p:sp>
+              <p:nvSpPr>
+                <p:cNvPr id="24" name="Freeform 7"/>
+                <p:cNvSpPr>
+                  <a:spLocks/>
+                </p:cNvSpPr>
+                <p:nvPr/>
+              </p:nvSpPr>
+              <p:spPr bwMode="auto">
+                <a:xfrm>
+                  <a:off x="3567" y="2574"/>
+                  <a:ext cx="337" cy="27"/>
+                </a:xfrm>
+                <a:custGeom>
+                  <a:avLst/>
+                  <a:gdLst>
+                    <a:gd name="T0" fmla="*/ 296 w 308"/>
+                    <a:gd name="T1" fmla="*/ 0 h 25"/>
+                    <a:gd name="T2" fmla="*/ 13 w 308"/>
+                    <a:gd name="T3" fmla="*/ 0 h 25"/>
+                    <a:gd name="T4" fmla="*/ 0 w 308"/>
+                    <a:gd name="T5" fmla="*/ 13 h 25"/>
+                    <a:gd name="T6" fmla="*/ 13 w 308"/>
+                    <a:gd name="T7" fmla="*/ 25 h 25"/>
+                    <a:gd name="T8" fmla="*/ 296 w 308"/>
+                    <a:gd name="T9" fmla="*/ 25 h 25"/>
+                    <a:gd name="T10" fmla="*/ 308 w 308"/>
+                    <a:gd name="T11" fmla="*/ 13 h 25"/>
+                    <a:gd name="T12" fmla="*/ 296 w 308"/>
+                    <a:gd name="T13" fmla="*/ 0 h 25"/>
+                  </a:gdLst>
+                  <a:ahLst/>
+                  <a:cxnLst>
+                    <a:cxn ang="0">
+                      <a:pos x="T0" y="T1"/>
+                    </a:cxn>
+                    <a:cxn ang="0">
+                      <a:pos x="T2" y="T3"/>
+                    </a:cxn>
+                    <a:cxn ang="0">
+                      <a:pos x="T4" y="T5"/>
+                    </a:cxn>
+                    <a:cxn ang="0">
+                      <a:pos x="T6" y="T7"/>
+                    </a:cxn>
+                    <a:cxn ang="0">
+                      <a:pos x="T8" y="T9"/>
+                    </a:cxn>
+                    <a:cxn ang="0">
+                      <a:pos x="T10" y="T11"/>
+                    </a:cxn>
+                    <a:cxn ang="0">
+                      <a:pos x="T12" y="T13"/>
+                    </a:cxn>
+                  </a:cxnLst>
+                  <a:rect l="0" t="0" r="r" b="b"/>
+                  <a:pathLst>
+                    <a:path w="308" h="25">
+                      <a:moveTo>
+                        <a:pt x="296" y="0"/>
+                      </a:moveTo>
+                      <a:cubicBezTo>
+                        <a:pt x="13" y="0"/>
+                        <a:pt x="13" y="0"/>
+                        <a:pt x="13" y="0"/>
+                      </a:cubicBezTo>
+                      <a:cubicBezTo>
+                        <a:pt x="6" y="0"/>
+                        <a:pt x="0" y="6"/>
+                        <a:pt x="0" y="13"/>
+                      </a:cubicBezTo>
+                      <a:cubicBezTo>
+                        <a:pt x="0" y="19"/>
+                        <a:pt x="6" y="25"/>
+                        <a:pt x="13" y="25"/>
+                      </a:cubicBezTo>
+                      <a:cubicBezTo>
+                        <a:pt x="296" y="25"/>
+                        <a:pt x="296" y="25"/>
+                        <a:pt x="296" y="25"/>
+                      </a:cubicBezTo>
+                      <a:cubicBezTo>
+                        <a:pt x="303" y="25"/>
+                        <a:pt x="308" y="19"/>
+                        <a:pt x="308" y="13"/>
+                      </a:cubicBezTo>
+                      <a:cubicBezTo>
+                        <a:pt x="308" y="6"/>
+                        <a:pt x="303" y="0"/>
+                        <a:pt x="296" y="0"/>
+                      </a:cubicBezTo>
+                      <a:close/>
+                    </a:path>
+                  </a:pathLst>
+                </a:custGeom>
+                <a:solidFill>
+                  <a:srgbClr val="FFFFFF"/>
+                </a:solidFill>
+                <a:ln>
+                  <a:noFill/>
+                </a:ln>
+                <a:extLst>
+                  <a:ext uri="{91240B29-F687-4F45-9708-019B960494DF}">
+                    <a14:hiddenLine xmlns:a14="http://schemas.microsoft.com/office/drawing/2010/main" w="9525">
+                      <a:solidFill>
+                        <a:srgbClr val="000000"/>
+                      </a:solidFill>
+                      <a:round/>
+                      <a:headEnd/>
+                      <a:tailEnd/>
+                    </a14:hiddenLine>
+                  </a:ext>
+                </a:extLst>
+              </p:spPr>
+              <p:txBody>
+                <a:bodyPr vert="horz" wrap="square" lIns="89642" tIns="44821" rIns="89642" bIns="44821" numCol="1" anchor="t" anchorCtr="0" compatLnSpc="1">
+                  <a:prstTxWarp prst="textNoShape">
+                    <a:avLst/>
+                  </a:prstTxWarp>
+                </a:bodyPr>
+                <a:lstStyle/>
+                <a:p>
+                  <a:pPr>
+                    <a:defRPr/>
+                  </a:pPr>
+                  <a:endParaRPr lang="en-US" sz="1765" kern="0">
+                    <a:solidFill>
+                      <a:srgbClr val="505050"/>
+                    </a:solidFill>
+                  </a:endParaRPr>
+                </a:p>
+              </p:txBody>
+            </p:sp>
+            <p:sp>
+              <p:nvSpPr>
+                <p:cNvPr id="25" name="Freeform 8"/>
+                <p:cNvSpPr>
+                  <a:spLocks/>
+                </p:cNvSpPr>
+                <p:nvPr/>
+              </p:nvSpPr>
+              <p:spPr bwMode="auto">
+                <a:xfrm>
+                  <a:off x="2937" y="2518"/>
+                  <a:ext cx="1630" cy="17"/>
+                </a:xfrm>
+                <a:custGeom>
+                  <a:avLst/>
+                  <a:gdLst>
+                    <a:gd name="T0" fmla="*/ 1480 w 1488"/>
+                    <a:gd name="T1" fmla="*/ 16 h 16"/>
+                    <a:gd name="T2" fmla="*/ 8 w 1488"/>
+                    <a:gd name="T3" fmla="*/ 16 h 16"/>
+                    <a:gd name="T4" fmla="*/ 0 w 1488"/>
+                    <a:gd name="T5" fmla="*/ 8 h 16"/>
+                    <a:gd name="T6" fmla="*/ 8 w 1488"/>
+                    <a:gd name="T7" fmla="*/ 0 h 16"/>
+                    <a:gd name="T8" fmla="*/ 1480 w 1488"/>
+                    <a:gd name="T9" fmla="*/ 0 h 16"/>
+                    <a:gd name="T10" fmla="*/ 1488 w 1488"/>
+                    <a:gd name="T11" fmla="*/ 8 h 16"/>
+                    <a:gd name="T12" fmla="*/ 1480 w 1488"/>
+                    <a:gd name="T13" fmla="*/ 16 h 16"/>
+                  </a:gdLst>
+                  <a:ahLst/>
+                  <a:cxnLst>
+                    <a:cxn ang="0">
+                      <a:pos x="T0" y="T1"/>
+                    </a:cxn>
+                    <a:cxn ang="0">
+                      <a:pos x="T2" y="T3"/>
+                    </a:cxn>
+                    <a:cxn ang="0">
+                      <a:pos x="T4" y="T5"/>
+                    </a:cxn>
+                    <a:cxn ang="0">
+                      <a:pos x="T6" y="T7"/>
+                    </a:cxn>
+                    <a:cxn ang="0">
+                      <a:pos x="T8" y="T9"/>
+                    </a:cxn>
+                    <a:cxn ang="0">
+                      <a:pos x="T10" y="T11"/>
+                    </a:cxn>
+                    <a:cxn ang="0">
+                      <a:pos x="T12" y="T13"/>
+                    </a:cxn>
+                  </a:cxnLst>
+                  <a:rect l="0" t="0" r="r" b="b"/>
+                  <a:pathLst>
+                    <a:path w="1488" h="16">
+                      <a:moveTo>
+                        <a:pt x="1480" y="16"/>
+                      </a:moveTo>
+                      <a:cubicBezTo>
+                        <a:pt x="8" y="16"/>
+                        <a:pt x="8" y="16"/>
+                        <a:pt x="8" y="16"/>
+                      </a:cubicBezTo>
+                      <a:cubicBezTo>
+                        <a:pt x="4" y="16"/>
+                        <a:pt x="0" y="13"/>
+                        <a:pt x="0" y="8"/>
+                      </a:cubicBezTo>
+                      <a:cubicBezTo>
+                        <a:pt x="0" y="4"/>
+                        <a:pt x="4" y="0"/>
+                        <a:pt x="8" y="0"/>
+                      </a:cubicBezTo>
+                      <a:cubicBezTo>
+                        <a:pt x="1480" y="0"/>
+                        <a:pt x="1480" y="0"/>
+                        <a:pt x="1480" y="0"/>
+                      </a:cubicBezTo>
+                      <a:cubicBezTo>
+                        <a:pt x="1484" y="0"/>
+                        <a:pt x="1488" y="4"/>
+                        <a:pt x="1488" y="8"/>
+                      </a:cubicBezTo>
+                      <a:cubicBezTo>
+                        <a:pt x="1488" y="13"/>
+                        <a:pt x="1484" y="16"/>
+                        <a:pt x="1480" y="16"/>
+                      </a:cubicBezTo>
+                      <a:close/>
+                    </a:path>
+                  </a:pathLst>
+                </a:custGeom>
+                <a:solidFill>
+                  <a:srgbClr val="FFFFFF"/>
+                </a:solidFill>
+                <a:ln>
+                  <a:noFill/>
+                </a:ln>
+                <a:extLst>
+                  <a:ext uri="{91240B29-F687-4F45-9708-019B960494DF}">
+                    <a14:hiddenLine xmlns:a14="http://schemas.microsoft.com/office/drawing/2010/main" w="9525">
+                      <a:solidFill>
+                        <a:srgbClr val="000000"/>
+                      </a:solidFill>
+                      <a:round/>
+                      <a:headEnd/>
+                      <a:tailEnd/>
+                    </a14:hiddenLine>
+                  </a:ext>
+                </a:extLst>
+              </p:spPr>
+              <p:txBody>
+                <a:bodyPr vert="horz" wrap="square" lIns="89642" tIns="44821" rIns="89642" bIns="44821" numCol="1" anchor="t" anchorCtr="0" compatLnSpc="1">
+                  <a:prstTxWarp prst="textNoShape">
+                    <a:avLst/>
+                  </a:prstTxWarp>
+                </a:bodyPr>
+                <a:lstStyle/>
+                <a:p>
+                  <a:pPr>
+                    <a:defRPr/>
+                  </a:pPr>
+                  <a:endParaRPr lang="en-US" sz="1765" kern="0">
+                    <a:solidFill>
+                      <a:srgbClr val="505050"/>
+                    </a:solidFill>
+                  </a:endParaRPr>
+                </a:p>
+              </p:txBody>
+            </p:sp>
+          </p:grpSp>
+          <p:sp>
+            <p:nvSpPr>
+              <p:cNvPr id="9" name="Freeform 8"/>
+              <p:cNvSpPr>
+                <a:spLocks noEditPoints="1"/>
+              </p:cNvSpPr>
+              <p:nvPr/>
+            </p:nvSpPr>
+            <p:spPr bwMode="auto">
+              <a:xfrm>
+                <a:off x="6151715" y="2539877"/>
+                <a:ext cx="1111250" cy="715962"/>
+              </a:xfrm>
+              <a:custGeom>
+                <a:avLst/>
+                <a:gdLst>
+                  <a:gd name="T0" fmla="*/ 509 w 638"/>
+                  <a:gd name="T1" fmla="*/ 411 h 411"/>
+                  <a:gd name="T2" fmla="*/ 125 w 638"/>
+                  <a:gd name="T3" fmla="*/ 411 h 411"/>
+                  <a:gd name="T4" fmla="*/ 0 w 638"/>
+                  <a:gd name="T5" fmla="*/ 292 h 411"/>
+                  <a:gd name="T6" fmla="*/ 98 w 638"/>
+                  <a:gd name="T7" fmla="*/ 177 h 411"/>
+                  <a:gd name="T8" fmla="*/ 98 w 638"/>
+                  <a:gd name="T9" fmla="*/ 175 h 411"/>
+                  <a:gd name="T10" fmla="*/ 177 w 638"/>
+                  <a:gd name="T11" fmla="*/ 31 h 411"/>
+                  <a:gd name="T12" fmla="*/ 279 w 638"/>
+                  <a:gd name="T13" fmla="*/ 0 h 411"/>
+                  <a:gd name="T14" fmla="*/ 423 w 638"/>
+                  <a:gd name="T15" fmla="*/ 73 h 411"/>
+                  <a:gd name="T16" fmla="*/ 468 w 638"/>
+                  <a:gd name="T17" fmla="*/ 63 h 411"/>
+                  <a:gd name="T18" fmla="*/ 528 w 638"/>
+                  <a:gd name="T19" fmla="*/ 79 h 411"/>
+                  <a:gd name="T20" fmla="*/ 529 w 638"/>
+                  <a:gd name="T21" fmla="*/ 79 h 411"/>
+                  <a:gd name="T22" fmla="*/ 576 w 638"/>
+                  <a:gd name="T23" fmla="*/ 162 h 411"/>
+                  <a:gd name="T24" fmla="*/ 638 w 638"/>
+                  <a:gd name="T25" fmla="*/ 274 h 411"/>
+                  <a:gd name="T26" fmla="*/ 509 w 638"/>
+                  <a:gd name="T27" fmla="*/ 411 h 411"/>
+                  <a:gd name="T28" fmla="*/ 279 w 638"/>
+                  <a:gd name="T29" fmla="*/ 16 h 411"/>
+                  <a:gd name="T30" fmla="*/ 185 w 638"/>
+                  <a:gd name="T31" fmla="*/ 44 h 411"/>
+                  <a:gd name="T32" fmla="*/ 114 w 638"/>
+                  <a:gd name="T33" fmla="*/ 175 h 411"/>
+                  <a:gd name="T34" fmla="*/ 114 w 638"/>
+                  <a:gd name="T35" fmla="*/ 190 h 411"/>
+                  <a:gd name="T36" fmla="*/ 107 w 638"/>
+                  <a:gd name="T37" fmla="*/ 191 h 411"/>
+                  <a:gd name="T38" fmla="*/ 16 w 638"/>
+                  <a:gd name="T39" fmla="*/ 292 h 411"/>
+                  <a:gd name="T40" fmla="*/ 125 w 638"/>
+                  <a:gd name="T41" fmla="*/ 395 h 411"/>
+                  <a:gd name="T42" fmla="*/ 509 w 638"/>
+                  <a:gd name="T43" fmla="*/ 395 h 411"/>
+                  <a:gd name="T44" fmla="*/ 622 w 638"/>
+                  <a:gd name="T45" fmla="*/ 274 h 411"/>
+                  <a:gd name="T46" fmla="*/ 564 w 638"/>
+                  <a:gd name="T47" fmla="*/ 173 h 411"/>
+                  <a:gd name="T48" fmla="*/ 560 w 638"/>
+                  <a:gd name="T49" fmla="*/ 171 h 411"/>
+                  <a:gd name="T50" fmla="*/ 560 w 638"/>
+                  <a:gd name="T51" fmla="*/ 166 h 411"/>
+                  <a:gd name="T52" fmla="*/ 520 w 638"/>
+                  <a:gd name="T53" fmla="*/ 93 h 411"/>
+                  <a:gd name="T54" fmla="*/ 468 w 638"/>
+                  <a:gd name="T55" fmla="*/ 79 h 411"/>
+                  <a:gd name="T56" fmla="*/ 425 w 638"/>
+                  <a:gd name="T57" fmla="*/ 90 h 411"/>
+                  <a:gd name="T58" fmla="*/ 418 w 638"/>
+                  <a:gd name="T59" fmla="*/ 94 h 411"/>
+                  <a:gd name="T60" fmla="*/ 414 w 638"/>
+                  <a:gd name="T61" fmla="*/ 87 h 411"/>
+                  <a:gd name="T62" fmla="*/ 279 w 638"/>
+                  <a:gd name="T63" fmla="*/ 16 h 411"/>
+                </a:gdLst>
+                <a:ahLst/>
+                <a:cxnLst>
+                  <a:cxn ang="0">
+                    <a:pos x="T0" y="T1"/>
+                  </a:cxn>
+                  <a:cxn ang="0">
+                    <a:pos x="T2" y="T3"/>
+                  </a:cxn>
+                  <a:cxn ang="0">
+                    <a:pos x="T4" y="T5"/>
+                  </a:cxn>
+                  <a:cxn ang="0">
+                    <a:pos x="T6" y="T7"/>
+                  </a:cxn>
+                  <a:cxn ang="0">
+                    <a:pos x="T8" y="T9"/>
+                  </a:cxn>
+                  <a:cxn ang="0">
+                    <a:pos x="T10" y="T11"/>
+                  </a:cxn>
+                  <a:cxn ang="0">
+                    <a:pos x="T12" y="T13"/>
+                  </a:cxn>
+                  <a:cxn ang="0">
+                    <a:pos x="T14" y="T15"/>
+                  </a:cxn>
+                  <a:cxn ang="0">
+                    <a:pos x="T16" y="T17"/>
+                  </a:cxn>
+                  <a:cxn ang="0">
+                    <a:pos x="T18" y="T19"/>
+                  </a:cxn>
+                  <a:cxn ang="0">
+                    <a:pos x="T20" y="T21"/>
+                  </a:cxn>
+                  <a:cxn ang="0">
+                    <a:pos x="T22" y="T23"/>
+                  </a:cxn>
+                  <a:cxn ang="0">
+                    <a:pos x="T24" y="T25"/>
+                  </a:cxn>
+                  <a:cxn ang="0">
+                    <a:pos x="T26" y="T27"/>
+                  </a:cxn>
+                  <a:cxn ang="0">
+                    <a:pos x="T28" y="T29"/>
+                  </a:cxn>
+                  <a:cxn ang="0">
+                    <a:pos x="T30" y="T31"/>
+                  </a:cxn>
+                  <a:cxn ang="0">
+                    <a:pos x="T32" y="T33"/>
+                  </a:cxn>
+                  <a:cxn ang="0">
+                    <a:pos x="T34" y="T35"/>
+                  </a:cxn>
+                  <a:cxn ang="0">
+                    <a:pos x="T36" y="T37"/>
+                  </a:cxn>
+                  <a:cxn ang="0">
+                    <a:pos x="T38" y="T39"/>
+                  </a:cxn>
+                  <a:cxn ang="0">
+                    <a:pos x="T40" y="T41"/>
+                  </a:cxn>
+                  <a:cxn ang="0">
+                    <a:pos x="T42" y="T43"/>
+                  </a:cxn>
+                  <a:cxn ang="0">
+                    <a:pos x="T44" y="T45"/>
+                  </a:cxn>
+                  <a:cxn ang="0">
+                    <a:pos x="T46" y="T47"/>
+                  </a:cxn>
+                  <a:cxn ang="0">
+                    <a:pos x="T48" y="T49"/>
+                  </a:cxn>
+                  <a:cxn ang="0">
+                    <a:pos x="T50" y="T51"/>
+                  </a:cxn>
+                  <a:cxn ang="0">
+                    <a:pos x="T52" y="T53"/>
+                  </a:cxn>
+                  <a:cxn ang="0">
+                    <a:pos x="T54" y="T55"/>
+                  </a:cxn>
+                  <a:cxn ang="0">
+                    <a:pos x="T56" y="T57"/>
+                  </a:cxn>
+                  <a:cxn ang="0">
+                    <a:pos x="T58" y="T59"/>
+                  </a:cxn>
+                  <a:cxn ang="0">
+                    <a:pos x="T60" y="T61"/>
+                  </a:cxn>
+                  <a:cxn ang="0">
+                    <a:pos x="T62" y="T63"/>
+                  </a:cxn>
+                </a:cxnLst>
+                <a:rect l="0" t="0" r="r" b="b"/>
+                <a:pathLst>
+                  <a:path w="638" h="411">
+                    <a:moveTo>
+                      <a:pt x="509" y="411"/>
+                    </a:moveTo>
+                    <a:cubicBezTo>
+                      <a:pt x="125" y="411"/>
+                      <a:pt x="125" y="411"/>
+                      <a:pt x="125" y="411"/>
+                    </a:cubicBezTo>
+                    <a:cubicBezTo>
+                      <a:pt x="55" y="411"/>
+                      <a:pt x="0" y="358"/>
+                      <a:pt x="0" y="292"/>
+                    </a:cubicBezTo>
+                    <a:cubicBezTo>
+                      <a:pt x="0" y="233"/>
+                      <a:pt x="50" y="186"/>
+                      <a:pt x="98" y="177"/>
+                    </a:cubicBezTo>
+                    <a:cubicBezTo>
+                      <a:pt x="98" y="175"/>
+                      <a:pt x="98" y="175"/>
+                      <a:pt x="98" y="175"/>
+                    </a:cubicBezTo>
+                    <a:cubicBezTo>
+                      <a:pt x="98" y="117"/>
+                      <a:pt x="128" y="62"/>
+                      <a:pt x="177" y="31"/>
+                    </a:cubicBezTo>
+                    <a:cubicBezTo>
+                      <a:pt x="211" y="10"/>
+                      <a:pt x="245" y="0"/>
+                      <a:pt x="279" y="0"/>
+                    </a:cubicBezTo>
+                    <a:cubicBezTo>
+                      <a:pt x="337" y="0"/>
+                      <a:pt x="392" y="28"/>
+                      <a:pt x="423" y="73"/>
+                    </a:cubicBezTo>
+                    <a:cubicBezTo>
+                      <a:pt x="440" y="65"/>
+                      <a:pt x="456" y="63"/>
+                      <a:pt x="468" y="63"/>
+                    </a:cubicBezTo>
+                    <a:cubicBezTo>
+                      <a:pt x="489" y="63"/>
+                      <a:pt x="511" y="69"/>
+                      <a:pt x="528" y="79"/>
+                    </a:cubicBezTo>
+                    <a:cubicBezTo>
+                      <a:pt x="529" y="79"/>
+                      <a:pt x="529" y="79"/>
+                      <a:pt x="529" y="79"/>
+                    </a:cubicBezTo>
+                    <a:cubicBezTo>
+                      <a:pt x="558" y="98"/>
+                      <a:pt x="575" y="128"/>
+                      <a:pt x="576" y="162"/>
+                    </a:cubicBezTo>
+                    <a:cubicBezTo>
+                      <a:pt x="615" y="187"/>
+                      <a:pt x="638" y="228"/>
+                      <a:pt x="638" y="274"/>
+                    </a:cubicBezTo>
+                    <a:cubicBezTo>
+                      <a:pt x="638" y="348"/>
+                      <a:pt x="579" y="411"/>
+                      <a:pt x="509" y="411"/>
+                    </a:cubicBezTo>
+                    <a:close/>
+                    <a:moveTo>
+                      <a:pt x="279" y="16"/>
+                    </a:moveTo>
+                    <a:cubicBezTo>
+                      <a:pt x="248" y="16"/>
+                      <a:pt x="217" y="26"/>
+                      <a:pt x="185" y="44"/>
+                    </a:cubicBezTo>
+                    <a:cubicBezTo>
+                      <a:pt x="142" y="73"/>
+                      <a:pt x="114" y="123"/>
+                      <a:pt x="114" y="175"/>
+                    </a:cubicBezTo>
+                    <a:cubicBezTo>
+                      <a:pt x="114" y="190"/>
+                      <a:pt x="114" y="190"/>
+                      <a:pt x="114" y="190"/>
+                    </a:cubicBezTo>
+                    <a:cubicBezTo>
+                      <a:pt x="107" y="191"/>
+                      <a:pt x="107" y="191"/>
+                      <a:pt x="107" y="191"/>
+                    </a:cubicBezTo>
+                    <a:cubicBezTo>
+                      <a:pt x="64" y="197"/>
+                      <a:pt x="16" y="239"/>
+                      <a:pt x="16" y="292"/>
+                    </a:cubicBezTo>
+                    <a:cubicBezTo>
+                      <a:pt x="16" y="349"/>
+                      <a:pt x="64" y="395"/>
+                      <a:pt x="125" y="395"/>
+                    </a:cubicBezTo>
+                    <a:cubicBezTo>
+                      <a:pt x="509" y="395"/>
+                      <a:pt x="509" y="395"/>
+                      <a:pt x="509" y="395"/>
+                    </a:cubicBezTo>
+                    <a:cubicBezTo>
+                      <a:pt x="570" y="395"/>
+                      <a:pt x="622" y="340"/>
+                      <a:pt x="622" y="274"/>
+                    </a:cubicBezTo>
+                    <a:cubicBezTo>
+                      <a:pt x="622" y="232"/>
+                      <a:pt x="601" y="195"/>
+                      <a:pt x="564" y="173"/>
+                    </a:cubicBezTo>
+                    <a:cubicBezTo>
+                      <a:pt x="560" y="171"/>
+                      <a:pt x="560" y="171"/>
+                      <a:pt x="560" y="171"/>
+                    </a:cubicBezTo>
+                    <a:cubicBezTo>
+                      <a:pt x="560" y="166"/>
+                      <a:pt x="560" y="166"/>
+                      <a:pt x="560" y="166"/>
+                    </a:cubicBezTo>
+                    <a:cubicBezTo>
+                      <a:pt x="560" y="136"/>
+                      <a:pt x="546" y="110"/>
+                      <a:pt x="520" y="93"/>
+                    </a:cubicBezTo>
+                    <a:cubicBezTo>
+                      <a:pt x="506" y="84"/>
+                      <a:pt x="486" y="79"/>
+                      <a:pt x="468" y="79"/>
+                    </a:cubicBezTo>
+                    <a:cubicBezTo>
+                      <a:pt x="452" y="79"/>
+                      <a:pt x="437" y="83"/>
+                      <a:pt x="425" y="90"/>
+                    </a:cubicBezTo>
+                    <a:cubicBezTo>
+                      <a:pt x="418" y="94"/>
+                      <a:pt x="418" y="94"/>
+                      <a:pt x="418" y="94"/>
+                    </a:cubicBezTo>
+                    <a:cubicBezTo>
+                      <a:pt x="414" y="87"/>
+                      <a:pt x="414" y="87"/>
+                      <a:pt x="414" y="87"/>
+                    </a:cubicBezTo>
+                    <a:cubicBezTo>
+                      <a:pt x="386" y="44"/>
+                      <a:pt x="334" y="16"/>
+                      <a:pt x="279" y="16"/>
+                    </a:cubicBezTo>
+                    <a:close/>
+                  </a:path>
+                </a:pathLst>
+              </a:custGeom>
+              <a:solidFill>
+                <a:srgbClr val="4EB1FF"/>
+              </a:solidFill>
+              <a:ln>
+                <a:noFill/>
+              </a:ln>
+              <a:extLst>
+                <a:ext uri="{91240B29-F687-4F45-9708-019B960494DF}">
+                  <a14:hiddenLine xmlns:a14="http://schemas.microsoft.com/office/drawing/2010/main" w="9525">
+                    <a:solidFill>
+                      <a:srgbClr val="000000"/>
+                    </a:solidFill>
+                    <a:round/>
+                    <a:headEnd/>
+                    <a:tailEnd/>
+                  </a14:hiddenLine>
+                </a:ext>
+              </a:extLst>
+            </p:spPr>
+            <p:txBody>
+              <a:bodyPr vert="horz" wrap="square" lIns="89642" tIns="44821" rIns="89642" bIns="44821" numCol="1" anchor="t" anchorCtr="0" compatLnSpc="1">
+                <a:prstTxWarp prst="textNoShape">
+                  <a:avLst/>
+                </a:prstTxWarp>
+              </a:bodyPr>
+              <a:lstStyle/>
+              <a:p>
+                <a:pPr>
+                  <a:defRPr/>
+                </a:pPr>
+                <a:endParaRPr lang="en-US" sz="1765" kern="0">
+                  <a:solidFill>
+                    <a:srgbClr val="505050"/>
+                  </a:solidFill>
+                </a:endParaRPr>
+              </a:p>
+            </p:txBody>
+          </p:sp>
+          <p:grpSp>
+            <p:nvGrpSpPr>
+              <p:cNvPr id="10" name="Group 12"/>
+              <p:cNvGrpSpPr>
+                <a:grpSpLocks noChangeAspect="1"/>
+              </p:cNvGrpSpPr>
+              <p:nvPr/>
+            </p:nvGrpSpPr>
+            <p:grpSpPr bwMode="auto">
+              <a:xfrm>
+                <a:off x="8158314" y="1995364"/>
+                <a:ext cx="808038" cy="1517649"/>
+                <a:chOff x="4666" y="1418"/>
+                <a:chExt cx="509" cy="956"/>
+              </a:xfrm>
+            </p:grpSpPr>
+            <p:sp>
+              <p:nvSpPr>
+                <p:cNvPr id="17" name="AutoShape 11"/>
+                <p:cNvSpPr>
+                  <a:spLocks noChangeAspect="1" noChangeArrowheads="1" noTextEdit="1"/>
+                </p:cNvSpPr>
+                <p:nvPr/>
+              </p:nvSpPr>
+              <p:spPr bwMode="auto">
+                <a:xfrm>
+                  <a:off x="4666" y="1419"/>
+                  <a:ext cx="509" cy="955"/>
+                </a:xfrm>
+                <a:prstGeom prst="rect">
+                  <a:avLst/>
+                </a:prstGeom>
+                <a:noFill/>
+                <a:ln>
+                  <a:noFill/>
+                </a:ln>
+                <a:extLst>
+                  <a:ext uri="{909E8E84-426E-40DD-AFC4-6F175D3DCCD1}">
+                    <a14:hiddenFill xmlns:a14="http://schemas.microsoft.com/office/drawing/2010/main">
+                      <a:solidFill>
+                        <a:srgbClr val="FFFFFF"/>
+                      </a:solidFill>
+                    </a14:hiddenFill>
+                  </a:ext>
+                  <a:ext uri="{91240B29-F687-4F45-9708-019B960494DF}">
+                    <a14:hiddenLine xmlns:a14="http://schemas.microsoft.com/office/drawing/2010/main" w="9525">
+                      <a:solidFill>
+                        <a:srgbClr val="000000"/>
+                      </a:solidFill>
+                      <a:miter lim="800000"/>
+                      <a:headEnd/>
+                      <a:tailEnd/>
+                    </a14:hiddenLine>
+                  </a:ext>
+                </a:extLst>
+              </p:spPr>
+              <p:txBody>
+                <a:bodyPr vert="horz" wrap="square" lIns="89642" tIns="44821" rIns="89642" bIns="44821" numCol="1" anchor="t" anchorCtr="0" compatLnSpc="1">
+                  <a:prstTxWarp prst="textNoShape">
+                    <a:avLst/>
+                  </a:prstTxWarp>
+                </a:bodyPr>
+                <a:lstStyle/>
+                <a:p>
+                  <a:pPr>
+                    <a:defRPr/>
+                  </a:pPr>
+                  <a:endParaRPr lang="en-US" sz="1765" kern="0">
+                    <a:solidFill>
+                      <a:srgbClr val="505050"/>
+                    </a:solidFill>
+                  </a:endParaRPr>
+                </a:p>
+              </p:txBody>
+            </p:sp>
+            <p:sp>
+              <p:nvSpPr>
+                <p:cNvPr id="18" name="Rectangle 13"/>
+                <p:cNvSpPr>
+                  <a:spLocks noChangeArrowheads="1"/>
+                </p:cNvSpPr>
+                <p:nvPr/>
+              </p:nvSpPr>
+              <p:spPr bwMode="auto">
+                <a:xfrm>
+                  <a:off x="4675" y="2160"/>
+                  <a:ext cx="490" cy="18"/>
+                </a:xfrm>
+                <a:prstGeom prst="rect">
+                  <a:avLst/>
+                </a:prstGeom>
+                <a:solidFill>
+                  <a:srgbClr val="FFFFFF"/>
+                </a:solidFill>
+                <a:ln>
+                  <a:noFill/>
+                </a:ln>
+                <a:extLst>
+                  <a:ext uri="{91240B29-F687-4F45-9708-019B960494DF}">
+                    <a14:hiddenLine xmlns:a14="http://schemas.microsoft.com/office/drawing/2010/main" w="9525">
+                      <a:solidFill>
+                        <a:srgbClr val="000000"/>
+                      </a:solidFill>
+                      <a:miter lim="800000"/>
+                      <a:headEnd/>
+                      <a:tailEnd/>
+                    </a14:hiddenLine>
+                  </a:ext>
+                </a:extLst>
+              </p:spPr>
+              <p:txBody>
+                <a:bodyPr vert="horz" wrap="square" lIns="89642" tIns="44821" rIns="89642" bIns="44821" numCol="1" anchor="t" anchorCtr="0" compatLnSpc="1">
+                  <a:prstTxWarp prst="textNoShape">
+                    <a:avLst/>
+                  </a:prstTxWarp>
+                </a:bodyPr>
+                <a:lstStyle/>
+                <a:p>
+                  <a:pPr>
+                    <a:defRPr/>
+                  </a:pPr>
+                  <a:endParaRPr lang="en-US" sz="1765" kern="0">
+                    <a:solidFill>
+                      <a:srgbClr val="505050"/>
+                    </a:solidFill>
+                  </a:endParaRPr>
+                </a:p>
+              </p:txBody>
+            </p:sp>
+            <p:sp>
+              <p:nvSpPr>
+                <p:cNvPr id="19" name="Rectangle 14"/>
+                <p:cNvSpPr>
+                  <a:spLocks noChangeArrowheads="1"/>
+                </p:cNvSpPr>
+                <p:nvPr/>
+              </p:nvSpPr>
+              <p:spPr bwMode="auto">
+                <a:xfrm>
+                  <a:off x="4675" y="1512"/>
+                  <a:ext cx="491" cy="18"/>
+                </a:xfrm>
+                <a:prstGeom prst="rect">
+                  <a:avLst/>
+                </a:prstGeom>
+                <a:solidFill>
+                  <a:srgbClr val="FFFFFF"/>
+                </a:solidFill>
+                <a:ln>
+                  <a:noFill/>
+                </a:ln>
+                <a:extLst>
+                  <a:ext uri="{91240B29-F687-4F45-9708-019B960494DF}">
+                    <a14:hiddenLine xmlns:a14="http://schemas.microsoft.com/office/drawing/2010/main" w="9525">
+                      <a:solidFill>
+                        <a:srgbClr val="000000"/>
+                      </a:solidFill>
+                      <a:miter lim="800000"/>
+                      <a:headEnd/>
+                      <a:tailEnd/>
+                    </a14:hiddenLine>
+                  </a:ext>
+                </a:extLst>
+              </p:spPr>
+              <p:txBody>
+                <a:bodyPr vert="horz" wrap="square" lIns="89642" tIns="44821" rIns="89642" bIns="44821" numCol="1" anchor="t" anchorCtr="0" compatLnSpc="1">
+                  <a:prstTxWarp prst="textNoShape">
+                    <a:avLst/>
+                  </a:prstTxWarp>
+                </a:bodyPr>
+                <a:lstStyle/>
+                <a:p>
+                  <a:pPr>
+                    <a:defRPr/>
+                  </a:pPr>
+                  <a:endParaRPr lang="en-US" sz="1765" kern="0">
+                    <a:solidFill>
+                      <a:srgbClr val="505050"/>
+                    </a:solidFill>
+                  </a:endParaRPr>
+                </a:p>
+              </p:txBody>
+            </p:sp>
+            <p:sp>
+              <p:nvSpPr>
+                <p:cNvPr id="20" name="Oval 15"/>
+                <p:cNvSpPr>
+                  <a:spLocks noChangeArrowheads="1"/>
+                </p:cNvSpPr>
+                <p:nvPr/>
+              </p:nvSpPr>
+              <p:spPr bwMode="auto">
+                <a:xfrm>
+                  <a:off x="4886" y="2225"/>
+                  <a:ext cx="87" cy="86"/>
+                </a:xfrm>
+                <a:prstGeom prst="ellipse">
+                  <a:avLst/>
+                </a:prstGeom>
+                <a:solidFill>
+                  <a:srgbClr val="FFFFFF"/>
+                </a:solidFill>
+                <a:ln>
+                  <a:noFill/>
+                </a:ln>
+                <a:extLst>
+                  <a:ext uri="{91240B29-F687-4F45-9708-019B960494DF}">
+                    <a14:hiddenLine xmlns:a14="http://schemas.microsoft.com/office/drawing/2010/main" w="9525">
+                      <a:solidFill>
+                        <a:srgbClr val="000000"/>
+                      </a:solidFill>
+                      <a:round/>
+                      <a:headEnd/>
+                      <a:tailEnd/>
+                    </a14:hiddenLine>
+                  </a:ext>
+                </a:extLst>
+              </p:spPr>
+              <p:txBody>
+                <a:bodyPr vert="horz" wrap="square" lIns="89642" tIns="44821" rIns="89642" bIns="44821" numCol="1" anchor="t" anchorCtr="0" compatLnSpc="1">
+                  <a:prstTxWarp prst="textNoShape">
+                    <a:avLst/>
+                  </a:prstTxWarp>
+                </a:bodyPr>
+                <a:lstStyle/>
+                <a:p>
+                  <a:pPr>
+                    <a:defRPr/>
+                  </a:pPr>
+                  <a:endParaRPr lang="en-US" sz="1765" kern="0">
+                    <a:solidFill>
+                      <a:srgbClr val="505050"/>
+                    </a:solidFill>
+                  </a:endParaRPr>
+                </a:p>
+              </p:txBody>
+            </p:sp>
+            <p:sp>
+              <p:nvSpPr>
+                <p:cNvPr id="21" name="Freeform 16"/>
+                <p:cNvSpPr>
+                  <a:spLocks noEditPoints="1"/>
+                </p:cNvSpPr>
+                <p:nvPr/>
+              </p:nvSpPr>
+              <p:spPr bwMode="auto">
+                <a:xfrm>
+                  <a:off x="4666" y="1418"/>
+                  <a:ext cx="509" cy="956"/>
+                </a:xfrm>
+                <a:custGeom>
+                  <a:avLst/>
+                  <a:gdLst>
+                    <a:gd name="T0" fmla="*/ 435 w 462"/>
+                    <a:gd name="T1" fmla="*/ 871 h 871"/>
+                    <a:gd name="T2" fmla="*/ 27 w 462"/>
+                    <a:gd name="T3" fmla="*/ 871 h 871"/>
+                    <a:gd name="T4" fmla="*/ 0 w 462"/>
+                    <a:gd name="T5" fmla="*/ 844 h 871"/>
+                    <a:gd name="T6" fmla="*/ 0 w 462"/>
+                    <a:gd name="T7" fmla="*/ 27 h 871"/>
+                    <a:gd name="T8" fmla="*/ 27 w 462"/>
+                    <a:gd name="T9" fmla="*/ 0 h 871"/>
+                    <a:gd name="T10" fmla="*/ 435 w 462"/>
+                    <a:gd name="T11" fmla="*/ 0 h 871"/>
+                    <a:gd name="T12" fmla="*/ 462 w 462"/>
+                    <a:gd name="T13" fmla="*/ 27 h 871"/>
+                    <a:gd name="T14" fmla="*/ 462 w 462"/>
+                    <a:gd name="T15" fmla="*/ 844 h 871"/>
+                    <a:gd name="T16" fmla="*/ 435 w 462"/>
+                    <a:gd name="T17" fmla="*/ 871 h 871"/>
+                    <a:gd name="T18" fmla="*/ 27 w 462"/>
+                    <a:gd name="T19" fmla="*/ 16 h 871"/>
+                    <a:gd name="T20" fmla="*/ 16 w 462"/>
+                    <a:gd name="T21" fmla="*/ 27 h 871"/>
+                    <a:gd name="T22" fmla="*/ 16 w 462"/>
+                    <a:gd name="T23" fmla="*/ 844 h 871"/>
+                    <a:gd name="T24" fmla="*/ 27 w 462"/>
+                    <a:gd name="T25" fmla="*/ 855 h 871"/>
+                    <a:gd name="T26" fmla="*/ 435 w 462"/>
+                    <a:gd name="T27" fmla="*/ 855 h 871"/>
+                    <a:gd name="T28" fmla="*/ 446 w 462"/>
+                    <a:gd name="T29" fmla="*/ 844 h 871"/>
+                    <a:gd name="T30" fmla="*/ 446 w 462"/>
+                    <a:gd name="T31" fmla="*/ 27 h 871"/>
+                    <a:gd name="T32" fmla="*/ 435 w 462"/>
+                    <a:gd name="T33" fmla="*/ 16 h 871"/>
+                    <a:gd name="T34" fmla="*/ 27 w 462"/>
+                    <a:gd name="T35" fmla="*/ 16 h 871"/>
+                  </a:gdLst>
+                  <a:ahLst/>
+                  <a:cxnLst>
+                    <a:cxn ang="0">
+                      <a:pos x="T0" y="T1"/>
+                    </a:cxn>
+                    <a:cxn ang="0">
+                      <a:pos x="T2" y="T3"/>
+                    </a:cxn>
+                    <a:cxn ang="0">
+                      <a:pos x="T4" y="T5"/>
+                    </a:cxn>
+                    <a:cxn ang="0">
+                      <a:pos x="T6" y="T7"/>
+                    </a:cxn>
+                    <a:cxn ang="0">
+                      <a:pos x="T8" y="T9"/>
+                    </a:cxn>
+                    <a:cxn ang="0">
+                      <a:pos x="T10" y="T11"/>
+                    </a:cxn>
+                    <a:cxn ang="0">
+                      <a:pos x="T12" y="T13"/>
+                    </a:cxn>
+                    <a:cxn ang="0">
+                      <a:pos x="T14" y="T15"/>
+                    </a:cxn>
+                    <a:cxn ang="0">
+                      <a:pos x="T16" y="T17"/>
+                    </a:cxn>
+                    <a:cxn ang="0">
+                      <a:pos x="T18" y="T19"/>
+                    </a:cxn>
+                    <a:cxn ang="0">
+                      <a:pos x="T20" y="T21"/>
+                    </a:cxn>
+                    <a:cxn ang="0">
+                      <a:pos x="T22" y="T23"/>
+                    </a:cxn>
+                    <a:cxn ang="0">
+                      <a:pos x="T24" y="T25"/>
+                    </a:cxn>
+                    <a:cxn ang="0">
+                      <a:pos x="T26" y="T27"/>
+                    </a:cxn>
+                    <a:cxn ang="0">
+                      <a:pos x="T28" y="T29"/>
+                    </a:cxn>
+                    <a:cxn ang="0">
+                      <a:pos x="T30" y="T31"/>
+                    </a:cxn>
+                    <a:cxn ang="0">
+                      <a:pos x="T32" y="T33"/>
+                    </a:cxn>
+                    <a:cxn ang="0">
+                      <a:pos x="T34" y="T35"/>
+                    </a:cxn>
+                  </a:cxnLst>
+                  <a:rect l="0" t="0" r="r" b="b"/>
+                  <a:pathLst>
+                    <a:path w="462" h="871">
+                      <a:moveTo>
+                        <a:pt x="435" y="871"/>
+                      </a:moveTo>
+                      <a:cubicBezTo>
+                        <a:pt x="27" y="871"/>
+                        <a:pt x="27" y="871"/>
+                        <a:pt x="27" y="871"/>
+                      </a:cubicBezTo>
+                      <a:cubicBezTo>
+                        <a:pt x="12" y="871"/>
+                        <a:pt x="0" y="859"/>
+                        <a:pt x="0" y="844"/>
+                      </a:cubicBezTo>
+                      <a:cubicBezTo>
+                        <a:pt x="0" y="27"/>
+                        <a:pt x="0" y="27"/>
+                        <a:pt x="0" y="27"/>
+                      </a:cubicBezTo>
+                      <a:cubicBezTo>
+                        <a:pt x="0" y="12"/>
+                        <a:pt x="12" y="0"/>
+                        <a:pt x="27" y="0"/>
+                      </a:cubicBezTo>
+                      <a:cubicBezTo>
+                        <a:pt x="435" y="0"/>
+                        <a:pt x="435" y="0"/>
+                        <a:pt x="435" y="0"/>
+                      </a:cubicBezTo>
+                      <a:cubicBezTo>
+                        <a:pt x="450" y="0"/>
+                        <a:pt x="462" y="12"/>
+                        <a:pt x="462" y="27"/>
+                      </a:cubicBezTo>
+                      <a:cubicBezTo>
+                        <a:pt x="462" y="844"/>
+                        <a:pt x="462" y="844"/>
+                        <a:pt x="462" y="844"/>
+                      </a:cubicBezTo>
+                      <a:cubicBezTo>
+                        <a:pt x="462" y="859"/>
+                        <a:pt x="450" y="871"/>
+                        <a:pt x="435" y="871"/>
+                      </a:cubicBezTo>
+                      <a:close/>
+                      <a:moveTo>
+                        <a:pt x="27" y="16"/>
+                      </a:moveTo>
+                      <a:cubicBezTo>
+                        <a:pt x="21" y="16"/>
+                        <a:pt x="16" y="21"/>
+                        <a:pt x="16" y="27"/>
+                      </a:cubicBezTo>
+                      <a:cubicBezTo>
+                        <a:pt x="16" y="844"/>
+                        <a:pt x="16" y="844"/>
+                        <a:pt x="16" y="844"/>
+                      </a:cubicBezTo>
+                      <a:cubicBezTo>
+                        <a:pt x="16" y="850"/>
+                        <a:pt x="21" y="855"/>
+                        <a:pt x="27" y="855"/>
+                      </a:cubicBezTo>
+                      <a:cubicBezTo>
+                        <a:pt x="435" y="855"/>
+                        <a:pt x="435" y="855"/>
+                        <a:pt x="435" y="855"/>
+                      </a:cubicBezTo>
+                      <a:cubicBezTo>
+                        <a:pt x="441" y="855"/>
+                        <a:pt x="446" y="850"/>
+                        <a:pt x="446" y="844"/>
+                      </a:cubicBezTo>
+                      <a:cubicBezTo>
+                        <a:pt x="446" y="27"/>
+                        <a:pt x="446" y="27"/>
+                        <a:pt x="446" y="27"/>
+                      </a:cubicBezTo>
+                      <a:cubicBezTo>
+                        <a:pt x="446" y="21"/>
+                        <a:pt x="441" y="16"/>
+                        <a:pt x="435" y="16"/>
+                      </a:cubicBezTo>
+                      <a:lnTo>
+                        <a:pt x="27" y="16"/>
+                      </a:lnTo>
+                      <a:close/>
+                    </a:path>
+                  </a:pathLst>
+                </a:custGeom>
+                <a:solidFill>
+                  <a:srgbClr val="FFFFFF"/>
+                </a:solidFill>
+                <a:ln>
+                  <a:noFill/>
+                </a:ln>
+                <a:extLst>
+                  <a:ext uri="{91240B29-F687-4F45-9708-019B960494DF}">
+                    <a14:hiddenLine xmlns:a14="http://schemas.microsoft.com/office/drawing/2010/main" w="9525">
+                      <a:solidFill>
+                        <a:srgbClr val="000000"/>
+                      </a:solidFill>
+                      <a:round/>
+                      <a:headEnd/>
+                      <a:tailEnd/>
+                    </a14:hiddenLine>
+                  </a:ext>
+                </a:extLst>
+              </p:spPr>
+              <p:txBody>
+                <a:bodyPr vert="horz" wrap="square" lIns="89642" tIns="44821" rIns="89642" bIns="44821" numCol="1" anchor="t" anchorCtr="0" compatLnSpc="1">
+                  <a:prstTxWarp prst="textNoShape">
+                    <a:avLst/>
+                  </a:prstTxWarp>
+                </a:bodyPr>
+                <a:lstStyle/>
+                <a:p>
+                  <a:pPr>
+                    <a:defRPr/>
+                  </a:pPr>
+                  <a:endParaRPr lang="en-US" sz="1765" kern="0">
+                    <a:solidFill>
+                      <a:srgbClr val="505050"/>
+                    </a:solidFill>
+                  </a:endParaRPr>
+                </a:p>
+              </p:txBody>
+            </p:sp>
+          </p:grpSp>
+          <p:sp>
+            <p:nvSpPr>
+              <p:cNvPr id="11" name="Freeform 17"/>
+              <p:cNvSpPr>
+                <a:spLocks noEditPoints="1"/>
+              </p:cNvSpPr>
+              <p:nvPr/>
+            </p:nvSpPr>
+            <p:spPr bwMode="auto">
+              <a:xfrm>
+                <a:off x="8307539" y="2524002"/>
+                <a:ext cx="509588" cy="333375"/>
+              </a:xfrm>
+              <a:custGeom>
+                <a:avLst/>
+                <a:gdLst>
+                  <a:gd name="T0" fmla="*/ 229 w 292"/>
+                  <a:gd name="T1" fmla="*/ 192 h 192"/>
+                  <a:gd name="T2" fmla="*/ 61 w 292"/>
+                  <a:gd name="T3" fmla="*/ 192 h 192"/>
+                  <a:gd name="T4" fmla="*/ 0 w 292"/>
+                  <a:gd name="T5" fmla="*/ 134 h 192"/>
+                  <a:gd name="T6" fmla="*/ 43 w 292"/>
+                  <a:gd name="T7" fmla="*/ 78 h 192"/>
+                  <a:gd name="T8" fmla="*/ 80 w 292"/>
+                  <a:gd name="T9" fmla="*/ 14 h 192"/>
+                  <a:gd name="T10" fmla="*/ 129 w 292"/>
+                  <a:gd name="T11" fmla="*/ 0 h 192"/>
+                  <a:gd name="T12" fmla="*/ 194 w 292"/>
+                  <a:gd name="T13" fmla="*/ 30 h 192"/>
+                  <a:gd name="T14" fmla="*/ 211 w 292"/>
+                  <a:gd name="T15" fmla="*/ 28 h 192"/>
+                  <a:gd name="T16" fmla="*/ 241 w 292"/>
+                  <a:gd name="T17" fmla="*/ 35 h 192"/>
+                  <a:gd name="T18" fmla="*/ 241 w 292"/>
+                  <a:gd name="T19" fmla="*/ 36 h 192"/>
+                  <a:gd name="T20" fmla="*/ 265 w 292"/>
+                  <a:gd name="T21" fmla="*/ 73 h 192"/>
+                  <a:gd name="T22" fmla="*/ 292 w 292"/>
+                  <a:gd name="T23" fmla="*/ 126 h 192"/>
+                  <a:gd name="T24" fmla="*/ 229 w 292"/>
+                  <a:gd name="T25" fmla="*/ 192 h 192"/>
+                  <a:gd name="T26" fmla="*/ 129 w 292"/>
+                  <a:gd name="T27" fmla="*/ 20 h 192"/>
+                  <a:gd name="T28" fmla="*/ 91 w 292"/>
+                  <a:gd name="T29" fmla="*/ 31 h 192"/>
+                  <a:gd name="T30" fmla="*/ 63 w 292"/>
+                  <a:gd name="T31" fmla="*/ 83 h 192"/>
+                  <a:gd name="T32" fmla="*/ 63 w 292"/>
+                  <a:gd name="T33" fmla="*/ 95 h 192"/>
+                  <a:gd name="T34" fmla="*/ 54 w 292"/>
+                  <a:gd name="T35" fmla="*/ 96 h 192"/>
+                  <a:gd name="T36" fmla="*/ 20 w 292"/>
+                  <a:gd name="T37" fmla="*/ 134 h 192"/>
+                  <a:gd name="T38" fmla="*/ 61 w 292"/>
+                  <a:gd name="T39" fmla="*/ 172 h 192"/>
+                  <a:gd name="T40" fmla="*/ 229 w 292"/>
+                  <a:gd name="T41" fmla="*/ 172 h 192"/>
+                  <a:gd name="T42" fmla="*/ 272 w 292"/>
+                  <a:gd name="T43" fmla="*/ 126 h 192"/>
+                  <a:gd name="T44" fmla="*/ 250 w 292"/>
+                  <a:gd name="T45" fmla="*/ 88 h 192"/>
+                  <a:gd name="T46" fmla="*/ 245 w 292"/>
+                  <a:gd name="T47" fmla="*/ 85 h 192"/>
+                  <a:gd name="T48" fmla="*/ 245 w 292"/>
+                  <a:gd name="T49" fmla="*/ 79 h 192"/>
+                  <a:gd name="T50" fmla="*/ 230 w 292"/>
+                  <a:gd name="T51" fmla="*/ 52 h 192"/>
+                  <a:gd name="T52" fmla="*/ 211 w 292"/>
+                  <a:gd name="T53" fmla="*/ 48 h 192"/>
+                  <a:gd name="T54" fmla="*/ 196 w 292"/>
+                  <a:gd name="T55" fmla="*/ 51 h 192"/>
+                  <a:gd name="T56" fmla="*/ 187 w 292"/>
+                  <a:gd name="T57" fmla="*/ 56 h 192"/>
+                  <a:gd name="T58" fmla="*/ 182 w 292"/>
+                  <a:gd name="T59" fmla="*/ 48 h 192"/>
+                  <a:gd name="T60" fmla="*/ 129 w 292"/>
+                  <a:gd name="T61" fmla="*/ 20 h 192"/>
+                </a:gdLst>
+                <a:ahLst/>
+                <a:cxnLst>
+                  <a:cxn ang="0">
+                    <a:pos x="T0" y="T1"/>
+                  </a:cxn>
+                  <a:cxn ang="0">
+                    <a:pos x="T2" y="T3"/>
+                  </a:cxn>
+                  <a:cxn ang="0">
+                    <a:pos x="T4" y="T5"/>
+                  </a:cxn>
+                  <a:cxn ang="0">
+                    <a:pos x="T6" y="T7"/>
+                  </a:cxn>
+                  <a:cxn ang="0">
+                    <a:pos x="T8" y="T9"/>
+                  </a:cxn>
+                  <a:cxn ang="0">
+                    <a:pos x="T10" y="T11"/>
+                  </a:cxn>
+                  <a:cxn ang="0">
+                    <a:pos x="T12" y="T13"/>
+                  </a:cxn>
+                  <a:cxn ang="0">
+                    <a:pos x="T14" y="T15"/>
+                  </a:cxn>
+                  <a:cxn ang="0">
+                    <a:pos x="T16" y="T17"/>
+                  </a:cxn>
+                  <a:cxn ang="0">
+                    <a:pos x="T18" y="T19"/>
+                  </a:cxn>
+                  <a:cxn ang="0">
+                    <a:pos x="T20" y="T21"/>
+                  </a:cxn>
+                  <a:cxn ang="0">
+                    <a:pos x="T22" y="T23"/>
+                  </a:cxn>
+                  <a:cxn ang="0">
+                    <a:pos x="T24" y="T25"/>
+                  </a:cxn>
+                  <a:cxn ang="0">
+                    <a:pos x="T26" y="T27"/>
+                  </a:cxn>
+                  <a:cxn ang="0">
+                    <a:pos x="T28" y="T29"/>
+                  </a:cxn>
+                  <a:cxn ang="0">
+                    <a:pos x="T30" y="T31"/>
+                  </a:cxn>
+                  <a:cxn ang="0">
+                    <a:pos x="T32" y="T33"/>
+                  </a:cxn>
+                  <a:cxn ang="0">
+                    <a:pos x="T34" y="T35"/>
+                  </a:cxn>
+                  <a:cxn ang="0">
+                    <a:pos x="T36" y="T37"/>
+                  </a:cxn>
+                  <a:cxn ang="0">
+                    <a:pos x="T38" y="T39"/>
+                  </a:cxn>
+                  <a:cxn ang="0">
+                    <a:pos x="T40" y="T41"/>
+                  </a:cxn>
+                  <a:cxn ang="0">
+                    <a:pos x="T42" y="T43"/>
+                  </a:cxn>
+                  <a:cxn ang="0">
+                    <a:pos x="T44" y="T45"/>
+                  </a:cxn>
+                  <a:cxn ang="0">
+                    <a:pos x="T46" y="T47"/>
+                  </a:cxn>
+                  <a:cxn ang="0">
+                    <a:pos x="T48" y="T49"/>
+                  </a:cxn>
+                  <a:cxn ang="0">
+                    <a:pos x="T50" y="T51"/>
+                  </a:cxn>
+                  <a:cxn ang="0">
+                    <a:pos x="T52" y="T53"/>
+                  </a:cxn>
+                  <a:cxn ang="0">
+                    <a:pos x="T54" y="T55"/>
+                  </a:cxn>
+                  <a:cxn ang="0">
+                    <a:pos x="T56" y="T57"/>
+                  </a:cxn>
+                  <a:cxn ang="0">
+                    <a:pos x="T58" y="T59"/>
+                  </a:cxn>
+                  <a:cxn ang="0">
+                    <a:pos x="T60" y="T61"/>
+                  </a:cxn>
+                </a:cxnLst>
+                <a:rect l="0" t="0" r="r" b="b"/>
+                <a:pathLst>
+                  <a:path w="292" h="192">
+                    <a:moveTo>
+                      <a:pt x="229" y="192"/>
+                    </a:moveTo>
+                    <a:cubicBezTo>
+                      <a:pt x="61" y="192"/>
+                      <a:pt x="61" y="192"/>
+                      <a:pt x="61" y="192"/>
+                    </a:cubicBezTo>
+                    <a:cubicBezTo>
+                      <a:pt x="27" y="192"/>
+                      <a:pt x="0" y="167"/>
+                      <a:pt x="0" y="134"/>
+                    </a:cubicBezTo>
+                    <a:cubicBezTo>
+                      <a:pt x="0" y="107"/>
+                      <a:pt x="21" y="85"/>
+                      <a:pt x="43" y="78"/>
+                    </a:cubicBezTo>
+                    <a:cubicBezTo>
+                      <a:pt x="45" y="53"/>
+                      <a:pt x="59" y="28"/>
+                      <a:pt x="80" y="14"/>
+                    </a:cubicBezTo>
+                    <a:cubicBezTo>
+                      <a:pt x="97" y="5"/>
+                      <a:pt x="113" y="0"/>
+                      <a:pt x="129" y="0"/>
+                    </a:cubicBezTo>
+                    <a:cubicBezTo>
+                      <a:pt x="154" y="0"/>
+                      <a:pt x="178" y="11"/>
+                      <a:pt x="194" y="30"/>
+                    </a:cubicBezTo>
+                    <a:cubicBezTo>
+                      <a:pt x="200" y="28"/>
+                      <a:pt x="207" y="28"/>
+                      <a:pt x="211" y="28"/>
+                    </a:cubicBezTo>
+                    <a:cubicBezTo>
+                      <a:pt x="222" y="28"/>
+                      <a:pt x="232" y="30"/>
+                      <a:pt x="241" y="35"/>
+                    </a:cubicBezTo>
+                    <a:cubicBezTo>
+                      <a:pt x="241" y="36"/>
+                      <a:pt x="241" y="36"/>
+                      <a:pt x="241" y="36"/>
+                    </a:cubicBezTo>
+                    <a:cubicBezTo>
+                      <a:pt x="255" y="44"/>
+                      <a:pt x="263" y="58"/>
+                      <a:pt x="265" y="73"/>
+                    </a:cubicBezTo>
+                    <a:cubicBezTo>
+                      <a:pt x="282" y="86"/>
+                      <a:pt x="292" y="105"/>
+                      <a:pt x="292" y="126"/>
+                    </a:cubicBezTo>
+                    <a:cubicBezTo>
+                      <a:pt x="292" y="162"/>
+                      <a:pt x="263" y="192"/>
+                      <a:pt x="229" y="192"/>
+                    </a:cubicBezTo>
+                    <a:close/>
+                    <a:moveTo>
+                      <a:pt x="129" y="20"/>
+                    </a:moveTo>
+                    <a:cubicBezTo>
+                      <a:pt x="116" y="20"/>
+                      <a:pt x="104" y="24"/>
+                      <a:pt x="91" y="31"/>
+                    </a:cubicBezTo>
+                    <a:cubicBezTo>
+                      <a:pt x="74" y="42"/>
+                      <a:pt x="63" y="62"/>
+                      <a:pt x="63" y="83"/>
+                    </a:cubicBezTo>
+                    <a:cubicBezTo>
+                      <a:pt x="63" y="95"/>
+                      <a:pt x="63" y="95"/>
+                      <a:pt x="63" y="95"/>
+                    </a:cubicBezTo>
+                    <a:cubicBezTo>
+                      <a:pt x="54" y="96"/>
+                      <a:pt x="54" y="96"/>
+                      <a:pt x="54" y="96"/>
+                    </a:cubicBezTo>
+                    <a:cubicBezTo>
+                      <a:pt x="38" y="98"/>
+                      <a:pt x="20" y="114"/>
+                      <a:pt x="20" y="134"/>
+                    </a:cubicBezTo>
+                    <a:cubicBezTo>
+                      <a:pt x="20" y="155"/>
+                      <a:pt x="38" y="172"/>
+                      <a:pt x="61" y="172"/>
+                    </a:cubicBezTo>
+                    <a:cubicBezTo>
+                      <a:pt x="229" y="172"/>
+                      <a:pt x="229" y="172"/>
+                      <a:pt x="229" y="172"/>
+                    </a:cubicBezTo>
+                    <a:cubicBezTo>
+                      <a:pt x="252" y="172"/>
+                      <a:pt x="272" y="151"/>
+                      <a:pt x="272" y="126"/>
+                    </a:cubicBezTo>
+                    <a:cubicBezTo>
+                      <a:pt x="272" y="110"/>
+                      <a:pt x="264" y="96"/>
+                      <a:pt x="250" y="88"/>
+                    </a:cubicBezTo>
+                    <a:cubicBezTo>
+                      <a:pt x="245" y="85"/>
+                      <a:pt x="245" y="85"/>
+                      <a:pt x="245" y="85"/>
+                    </a:cubicBezTo>
+                    <a:cubicBezTo>
+                      <a:pt x="245" y="79"/>
+                      <a:pt x="245" y="79"/>
+                      <a:pt x="245" y="79"/>
+                    </a:cubicBezTo>
+                    <a:cubicBezTo>
+                      <a:pt x="245" y="68"/>
+                      <a:pt x="240" y="59"/>
+                      <a:pt x="230" y="52"/>
+                    </a:cubicBezTo>
+                    <a:cubicBezTo>
+                      <a:pt x="225" y="49"/>
+                      <a:pt x="218" y="48"/>
+                      <a:pt x="211" y="48"/>
+                    </a:cubicBezTo>
+                    <a:cubicBezTo>
+                      <a:pt x="205" y="48"/>
+                      <a:pt x="200" y="49"/>
+                      <a:pt x="196" y="51"/>
+                    </a:cubicBezTo>
+                    <a:cubicBezTo>
+                      <a:pt x="187" y="56"/>
+                      <a:pt x="187" y="56"/>
+                      <a:pt x="187" y="56"/>
+                    </a:cubicBezTo>
+                    <a:cubicBezTo>
+                      <a:pt x="182" y="48"/>
+                      <a:pt x="182" y="48"/>
+                      <a:pt x="182" y="48"/>
+                    </a:cubicBezTo>
+                    <a:cubicBezTo>
+                      <a:pt x="171" y="31"/>
+                      <a:pt x="151" y="20"/>
+                      <a:pt x="129" y="20"/>
+                    </a:cubicBezTo>
+                    <a:close/>
+                  </a:path>
+                </a:pathLst>
+              </a:custGeom>
+              <a:solidFill>
+                <a:srgbClr val="4EB1FF"/>
+              </a:solidFill>
+              <a:ln>
+                <a:noFill/>
+              </a:ln>
+              <a:extLst>
+                <a:ext uri="{91240B29-F687-4F45-9708-019B960494DF}">
+                  <a14:hiddenLine xmlns:a14="http://schemas.microsoft.com/office/drawing/2010/main" w="9525">
+                    <a:solidFill>
+                      <a:srgbClr val="000000"/>
+                    </a:solidFill>
+                    <a:round/>
+                    <a:headEnd/>
+                    <a:tailEnd/>
+                  </a14:hiddenLine>
+                </a:ext>
+              </a:extLst>
+            </p:spPr>
+            <p:txBody>
+              <a:bodyPr vert="horz" wrap="square" lIns="89642" tIns="44821" rIns="89642" bIns="44821" numCol="1" anchor="t" anchorCtr="0" compatLnSpc="1">
+                <a:prstTxWarp prst="textNoShape">
+                  <a:avLst/>
+                </a:prstTxWarp>
+              </a:bodyPr>
+              <a:lstStyle/>
+              <a:p>
+                <a:pPr>
+                  <a:defRPr/>
+                </a:pPr>
+                <a:endParaRPr lang="en-US" sz="1765" kern="0">
+                  <a:solidFill>
+                    <a:srgbClr val="505050"/>
+                  </a:solidFill>
+                </a:endParaRPr>
+              </a:p>
+            </p:txBody>
+          </p:sp>
+          <p:grpSp>
+            <p:nvGrpSpPr>
+              <p:cNvPr id="12" name="Group 20"/>
+              <p:cNvGrpSpPr>
+                <a:grpSpLocks noChangeAspect="1"/>
+              </p:cNvGrpSpPr>
+              <p:nvPr/>
+            </p:nvGrpSpPr>
+            <p:grpSpPr bwMode="auto">
+              <a:xfrm>
+                <a:off x="3097365" y="1995365"/>
+                <a:ext cx="2105025" cy="1449388"/>
+                <a:chOff x="1478" y="1418"/>
+                <a:chExt cx="1326" cy="913"/>
+              </a:xfrm>
+            </p:grpSpPr>
+            <p:sp>
+              <p:nvSpPr>
+                <p:cNvPr id="14" name="Freeform 21"/>
+                <p:cNvSpPr>
+                  <a:spLocks noEditPoints="1"/>
+                </p:cNvSpPr>
+                <p:nvPr/>
+              </p:nvSpPr>
+              <p:spPr bwMode="auto">
+                <a:xfrm>
+                  <a:off x="1478" y="1418"/>
+                  <a:ext cx="1326" cy="913"/>
+                </a:xfrm>
+                <a:custGeom>
+                  <a:avLst/>
+                  <a:gdLst>
+                    <a:gd name="T0" fmla="*/ 1147 w 1209"/>
+                    <a:gd name="T1" fmla="*/ 832 h 832"/>
+                    <a:gd name="T2" fmla="*/ 58 w 1209"/>
+                    <a:gd name="T3" fmla="*/ 832 h 832"/>
+                    <a:gd name="T4" fmla="*/ 0 w 1209"/>
+                    <a:gd name="T5" fmla="*/ 775 h 832"/>
+                    <a:gd name="T6" fmla="*/ 0 w 1209"/>
+                    <a:gd name="T7" fmla="*/ 58 h 832"/>
+                    <a:gd name="T8" fmla="*/ 58 w 1209"/>
+                    <a:gd name="T9" fmla="*/ 0 h 832"/>
+                    <a:gd name="T10" fmla="*/ 1151 w 1209"/>
+                    <a:gd name="T11" fmla="*/ 0 h 832"/>
+                    <a:gd name="T12" fmla="*/ 1209 w 1209"/>
+                    <a:gd name="T13" fmla="*/ 58 h 832"/>
+                    <a:gd name="T14" fmla="*/ 1205 w 1209"/>
+                    <a:gd name="T15" fmla="*/ 775 h 832"/>
+                    <a:gd name="T16" fmla="*/ 1147 w 1209"/>
+                    <a:gd name="T17" fmla="*/ 832 h 832"/>
+                    <a:gd name="T18" fmla="*/ 58 w 1209"/>
+                    <a:gd name="T19" fmla="*/ 16 h 832"/>
+                    <a:gd name="T20" fmla="*/ 16 w 1209"/>
+                    <a:gd name="T21" fmla="*/ 58 h 832"/>
+                    <a:gd name="T22" fmla="*/ 16 w 1209"/>
+                    <a:gd name="T23" fmla="*/ 775 h 832"/>
+                    <a:gd name="T24" fmla="*/ 58 w 1209"/>
+                    <a:gd name="T25" fmla="*/ 816 h 832"/>
+                    <a:gd name="T26" fmla="*/ 1147 w 1209"/>
+                    <a:gd name="T27" fmla="*/ 816 h 832"/>
+                    <a:gd name="T28" fmla="*/ 1189 w 1209"/>
+                    <a:gd name="T29" fmla="*/ 775 h 832"/>
+                    <a:gd name="T30" fmla="*/ 1189 w 1209"/>
+                    <a:gd name="T31" fmla="*/ 775 h 832"/>
+                    <a:gd name="T32" fmla="*/ 1193 w 1209"/>
+                    <a:gd name="T33" fmla="*/ 58 h 832"/>
+                    <a:gd name="T34" fmla="*/ 1151 w 1209"/>
+                    <a:gd name="T35" fmla="*/ 16 h 832"/>
+                    <a:gd name="T36" fmla="*/ 58 w 1209"/>
+                    <a:gd name="T37" fmla="*/ 16 h 832"/>
+                  </a:gdLst>
+                  <a:ahLst/>
+                  <a:cxnLst>
+                    <a:cxn ang="0">
+                      <a:pos x="T0" y="T1"/>
+                    </a:cxn>
+                    <a:cxn ang="0">
+                      <a:pos x="T2" y="T3"/>
+                    </a:cxn>
+                    <a:cxn ang="0">
+                      <a:pos x="T4" y="T5"/>
+                    </a:cxn>
+                    <a:cxn ang="0">
+                      <a:pos x="T6" y="T7"/>
+                    </a:cxn>
+                    <a:cxn ang="0">
+                      <a:pos x="T8" y="T9"/>
+                    </a:cxn>
+                    <a:cxn ang="0">
+                      <a:pos x="T10" y="T11"/>
+                    </a:cxn>
+                    <a:cxn ang="0">
+                      <a:pos x="T12" y="T13"/>
+                    </a:cxn>
+                    <a:cxn ang="0">
+                      <a:pos x="T14" y="T15"/>
+                    </a:cxn>
+                    <a:cxn ang="0">
+                      <a:pos x="T16" y="T17"/>
+                    </a:cxn>
+                    <a:cxn ang="0">
+                      <a:pos x="T18" y="T19"/>
+                    </a:cxn>
+                    <a:cxn ang="0">
+                      <a:pos x="T20" y="T21"/>
+                    </a:cxn>
+                    <a:cxn ang="0">
+                      <a:pos x="T22" y="T23"/>
+                    </a:cxn>
+                    <a:cxn ang="0">
+                      <a:pos x="T24" y="T25"/>
+                    </a:cxn>
+                    <a:cxn ang="0">
+                      <a:pos x="T26" y="T27"/>
+                    </a:cxn>
+                    <a:cxn ang="0">
+                      <a:pos x="T28" y="T29"/>
+                    </a:cxn>
+                    <a:cxn ang="0">
+                      <a:pos x="T30" y="T31"/>
+                    </a:cxn>
+                    <a:cxn ang="0">
+                      <a:pos x="T32" y="T33"/>
+                    </a:cxn>
+                    <a:cxn ang="0">
+                      <a:pos x="T34" y="T35"/>
+                    </a:cxn>
+                    <a:cxn ang="0">
+                      <a:pos x="T36" y="T37"/>
+                    </a:cxn>
+                  </a:cxnLst>
+                  <a:rect l="0" t="0" r="r" b="b"/>
+                  <a:pathLst>
+                    <a:path w="1209" h="832">
+                      <a:moveTo>
+                        <a:pt x="1147" y="832"/>
+                      </a:moveTo>
+                      <a:cubicBezTo>
+                        <a:pt x="58" y="832"/>
+                        <a:pt x="58" y="832"/>
+                        <a:pt x="58" y="832"/>
+                      </a:cubicBezTo>
+                      <a:cubicBezTo>
+                        <a:pt x="26" y="832"/>
+                        <a:pt x="0" y="806"/>
+                        <a:pt x="0" y="775"/>
+                      </a:cubicBezTo>
+                      <a:cubicBezTo>
+                        <a:pt x="0" y="58"/>
+                        <a:pt x="0" y="58"/>
+                        <a:pt x="0" y="58"/>
+                      </a:cubicBezTo>
+                      <a:cubicBezTo>
+                        <a:pt x="0" y="26"/>
+                        <a:pt x="26" y="0"/>
+                        <a:pt x="58" y="0"/>
+                      </a:cubicBezTo>
+                      <a:cubicBezTo>
+                        <a:pt x="1151" y="0"/>
+                        <a:pt x="1151" y="0"/>
+                        <a:pt x="1151" y="0"/>
+                      </a:cubicBezTo>
+                      <a:cubicBezTo>
+                        <a:pt x="1183" y="0"/>
+                        <a:pt x="1209" y="26"/>
+                        <a:pt x="1209" y="58"/>
+                      </a:cubicBezTo>
+                      <a:cubicBezTo>
+                        <a:pt x="1205" y="775"/>
+                        <a:pt x="1205" y="775"/>
+                        <a:pt x="1205" y="775"/>
+                      </a:cubicBezTo>
+                      <a:cubicBezTo>
+                        <a:pt x="1205" y="806"/>
+                        <a:pt x="1179" y="832"/>
+                        <a:pt x="1147" y="832"/>
+                      </a:cubicBezTo>
+                      <a:close/>
+                      <a:moveTo>
+                        <a:pt x="58" y="16"/>
+                      </a:moveTo>
+                      <a:cubicBezTo>
+                        <a:pt x="35" y="16"/>
+                        <a:pt x="16" y="35"/>
+                        <a:pt x="16" y="58"/>
+                      </a:cubicBezTo>
+                      <a:cubicBezTo>
+                        <a:pt x="16" y="775"/>
+                        <a:pt x="16" y="775"/>
+                        <a:pt x="16" y="775"/>
+                      </a:cubicBezTo>
+                      <a:cubicBezTo>
+                        <a:pt x="16" y="798"/>
+                        <a:pt x="35" y="816"/>
+                        <a:pt x="58" y="816"/>
+                      </a:cubicBezTo>
+                      <a:cubicBezTo>
+                        <a:pt x="1147" y="816"/>
+                        <a:pt x="1147" y="816"/>
+                        <a:pt x="1147" y="816"/>
+                      </a:cubicBezTo>
+                      <a:cubicBezTo>
+                        <a:pt x="1170" y="816"/>
+                        <a:pt x="1189" y="798"/>
+                        <a:pt x="1189" y="775"/>
+                      </a:cubicBezTo>
+                      <a:cubicBezTo>
+                        <a:pt x="1189" y="775"/>
+                        <a:pt x="1189" y="775"/>
+                        <a:pt x="1189" y="775"/>
+                      </a:cubicBezTo>
+                      <a:cubicBezTo>
+                        <a:pt x="1193" y="58"/>
+                        <a:pt x="1193" y="58"/>
+                        <a:pt x="1193" y="58"/>
+                      </a:cubicBezTo>
+                      <a:cubicBezTo>
+                        <a:pt x="1193" y="35"/>
+                        <a:pt x="1174" y="16"/>
+                        <a:pt x="1151" y="16"/>
+                      </a:cubicBezTo>
+                      <a:lnTo>
+                        <a:pt x="58" y="16"/>
+                      </a:lnTo>
+                      <a:close/>
+                    </a:path>
+                  </a:pathLst>
+                </a:custGeom>
+                <a:solidFill>
+                  <a:srgbClr val="FFFFFF"/>
+                </a:solidFill>
+                <a:ln>
+                  <a:noFill/>
+                </a:ln>
+                <a:extLst>
+                  <a:ext uri="{91240B29-F687-4F45-9708-019B960494DF}">
+                    <a14:hiddenLine xmlns:a14="http://schemas.microsoft.com/office/drawing/2010/main" w="9525">
+                      <a:solidFill>
+                        <a:srgbClr val="000000"/>
+                      </a:solidFill>
+                      <a:round/>
+                      <a:headEnd/>
+                      <a:tailEnd/>
+                    </a14:hiddenLine>
+                  </a:ext>
+                </a:extLst>
+              </p:spPr>
+              <p:txBody>
+                <a:bodyPr vert="horz" wrap="square" lIns="89642" tIns="44821" rIns="89642" bIns="44821" numCol="1" anchor="t" anchorCtr="0" compatLnSpc="1">
+                  <a:prstTxWarp prst="textNoShape">
+                    <a:avLst/>
+                  </a:prstTxWarp>
+                </a:bodyPr>
+                <a:lstStyle/>
+                <a:p>
+                  <a:pPr>
+                    <a:defRPr/>
+                  </a:pPr>
+                  <a:endParaRPr lang="en-US" sz="1765" kern="0">
+                    <a:solidFill>
+                      <a:srgbClr val="505050"/>
+                    </a:solidFill>
+                  </a:endParaRPr>
+                </a:p>
+              </p:txBody>
+            </p:sp>
+            <p:sp>
+              <p:nvSpPr>
+                <p:cNvPr id="15" name="Freeform 22"/>
+                <p:cNvSpPr>
+                  <a:spLocks noEditPoints="1"/>
+                </p:cNvSpPr>
+                <p:nvPr/>
+              </p:nvSpPr>
+              <p:spPr bwMode="auto">
+                <a:xfrm>
+                  <a:off x="1613" y="1491"/>
+                  <a:ext cx="1117" cy="766"/>
+                </a:xfrm>
+                <a:custGeom>
+                  <a:avLst/>
+                  <a:gdLst>
+                    <a:gd name="T0" fmla="*/ 1113 w 1117"/>
+                    <a:gd name="T1" fmla="*/ 766 h 766"/>
+                    <a:gd name="T2" fmla="*/ 0 w 1117"/>
+                    <a:gd name="T3" fmla="*/ 766 h 766"/>
+                    <a:gd name="T4" fmla="*/ 0 w 1117"/>
+                    <a:gd name="T5" fmla="*/ 0 h 766"/>
+                    <a:gd name="T6" fmla="*/ 1117 w 1117"/>
+                    <a:gd name="T7" fmla="*/ 0 h 766"/>
+                    <a:gd name="T8" fmla="*/ 1113 w 1117"/>
+                    <a:gd name="T9" fmla="*/ 766 h 766"/>
+                    <a:gd name="T10" fmla="*/ 17 w 1117"/>
+                    <a:gd name="T11" fmla="*/ 749 h 766"/>
+                    <a:gd name="T12" fmla="*/ 1096 w 1117"/>
+                    <a:gd name="T13" fmla="*/ 749 h 766"/>
+                    <a:gd name="T14" fmla="*/ 1100 w 1117"/>
+                    <a:gd name="T15" fmla="*/ 18 h 766"/>
+                    <a:gd name="T16" fmla="*/ 17 w 1117"/>
+                    <a:gd name="T17" fmla="*/ 18 h 766"/>
+                    <a:gd name="T18" fmla="*/ 17 w 1117"/>
+                    <a:gd name="T19" fmla="*/ 749 h 766"/>
+                  </a:gdLst>
+                  <a:ahLst/>
+                  <a:cxnLst>
+                    <a:cxn ang="0">
+                      <a:pos x="T0" y="T1"/>
+                    </a:cxn>
+                    <a:cxn ang="0">
+                      <a:pos x="T2" y="T3"/>
+                    </a:cxn>
+                    <a:cxn ang="0">
+                      <a:pos x="T4" y="T5"/>
+                    </a:cxn>
+                    <a:cxn ang="0">
+                      <a:pos x="T6" y="T7"/>
+                    </a:cxn>
+                    <a:cxn ang="0">
+                      <a:pos x="T8" y="T9"/>
+                    </a:cxn>
+                    <a:cxn ang="0">
+                      <a:pos x="T10" y="T11"/>
+                    </a:cxn>
+                    <a:cxn ang="0">
+                      <a:pos x="T12" y="T13"/>
+                    </a:cxn>
+                    <a:cxn ang="0">
+                      <a:pos x="T14" y="T15"/>
+                    </a:cxn>
+                    <a:cxn ang="0">
+                      <a:pos x="T16" y="T17"/>
+                    </a:cxn>
+                    <a:cxn ang="0">
+                      <a:pos x="T18" y="T19"/>
+                    </a:cxn>
+                  </a:cxnLst>
+                  <a:rect l="0" t="0" r="r" b="b"/>
+                  <a:pathLst>
+                    <a:path w="1117" h="766">
+                      <a:moveTo>
+                        <a:pt x="1113" y="766"/>
+                      </a:moveTo>
+                      <a:lnTo>
+                        <a:pt x="0" y="766"/>
+                      </a:lnTo>
+                      <a:lnTo>
+                        <a:pt x="0" y="0"/>
+                      </a:lnTo>
+                      <a:lnTo>
+                        <a:pt x="1117" y="0"/>
+                      </a:lnTo>
+                      <a:lnTo>
+                        <a:pt x="1113" y="766"/>
+                      </a:lnTo>
+                      <a:close/>
+                      <a:moveTo>
+                        <a:pt x="17" y="749"/>
+                      </a:moveTo>
+                      <a:lnTo>
+                        <a:pt x="1096" y="749"/>
+                      </a:lnTo>
+                      <a:lnTo>
+                        <a:pt x="1100" y="18"/>
+                      </a:lnTo>
+                      <a:lnTo>
+                        <a:pt x="17" y="18"/>
+                      </a:lnTo>
+                      <a:lnTo>
+                        <a:pt x="17" y="749"/>
+                      </a:lnTo>
+                      <a:close/>
+                    </a:path>
+                  </a:pathLst>
+                </a:custGeom>
+                <a:solidFill>
+                  <a:srgbClr val="FFFFFF"/>
+                </a:solidFill>
+                <a:ln>
+                  <a:noFill/>
+                </a:ln>
+                <a:extLst>
+                  <a:ext uri="{91240B29-F687-4F45-9708-019B960494DF}">
+                    <a14:hiddenLine xmlns:a14="http://schemas.microsoft.com/office/drawing/2010/main" w="9525">
+                      <a:solidFill>
+                        <a:srgbClr val="000000"/>
+                      </a:solidFill>
+                      <a:round/>
+                      <a:headEnd/>
+                      <a:tailEnd/>
+                    </a14:hiddenLine>
+                  </a:ext>
+                </a:extLst>
+              </p:spPr>
+              <p:txBody>
+                <a:bodyPr vert="horz" wrap="square" lIns="89642" tIns="44821" rIns="89642" bIns="44821" numCol="1" anchor="t" anchorCtr="0" compatLnSpc="1">
+                  <a:prstTxWarp prst="textNoShape">
+                    <a:avLst/>
+                  </a:prstTxWarp>
+                </a:bodyPr>
+                <a:lstStyle/>
+                <a:p>
+                  <a:pPr>
+                    <a:defRPr/>
+                  </a:pPr>
+                  <a:endParaRPr lang="en-US" sz="1765" kern="0">
+                    <a:solidFill>
+                      <a:srgbClr val="505050"/>
+                    </a:solidFill>
+                  </a:endParaRPr>
+                </a:p>
+              </p:txBody>
+            </p:sp>
+            <p:sp>
+              <p:nvSpPr>
+                <p:cNvPr id="16" name="Oval 23"/>
+                <p:cNvSpPr>
+                  <a:spLocks noChangeArrowheads="1"/>
+                </p:cNvSpPr>
+                <p:nvPr/>
+              </p:nvSpPr>
+              <p:spPr bwMode="auto">
+                <a:xfrm>
+                  <a:off x="1525" y="1847"/>
+                  <a:ext cx="56" cy="55"/>
+                </a:xfrm>
+                <a:prstGeom prst="ellipse">
+                  <a:avLst/>
+                </a:prstGeom>
+                <a:solidFill>
+                  <a:srgbClr val="FFFFFF"/>
+                </a:solidFill>
+                <a:ln>
+                  <a:noFill/>
+                </a:ln>
+                <a:extLst>
+                  <a:ext uri="{91240B29-F687-4F45-9708-019B960494DF}">
+                    <a14:hiddenLine xmlns:a14="http://schemas.microsoft.com/office/drawing/2010/main" w="9525">
+                      <a:solidFill>
+                        <a:srgbClr val="000000"/>
+                      </a:solidFill>
+                      <a:round/>
+                      <a:headEnd/>
+                      <a:tailEnd/>
+                    </a14:hiddenLine>
+                  </a:ext>
+                </a:extLst>
+              </p:spPr>
+              <p:txBody>
+                <a:bodyPr vert="horz" wrap="square" lIns="89642" tIns="44821" rIns="89642" bIns="44821" numCol="1" anchor="t" anchorCtr="0" compatLnSpc="1">
+                  <a:prstTxWarp prst="textNoShape">
+                    <a:avLst/>
+                  </a:prstTxWarp>
+                </a:bodyPr>
+                <a:lstStyle/>
+                <a:p>
+                  <a:pPr>
+                    <a:defRPr/>
+                  </a:pPr>
+                  <a:endParaRPr lang="en-US" sz="1765" kern="0">
+                    <a:solidFill>
+                      <a:srgbClr val="505050"/>
+                    </a:solidFill>
+                  </a:endParaRPr>
+                </a:p>
+              </p:txBody>
+            </p:sp>
+          </p:grpSp>
+          <p:sp>
+            <p:nvSpPr>
+              <p:cNvPr id="13" name="Freeform 24"/>
+              <p:cNvSpPr>
+                <a:spLocks noEditPoints="1"/>
+              </p:cNvSpPr>
+              <p:nvPr/>
+            </p:nvSpPr>
+            <p:spPr bwMode="auto">
+              <a:xfrm>
+                <a:off x="3746653" y="2428753"/>
+                <a:ext cx="898525" cy="581025"/>
+              </a:xfrm>
+              <a:custGeom>
+                <a:avLst/>
+                <a:gdLst>
+                  <a:gd name="T0" fmla="*/ 411 w 516"/>
+                  <a:gd name="T1" fmla="*/ 333 h 333"/>
+                  <a:gd name="T2" fmla="*/ 102 w 516"/>
+                  <a:gd name="T3" fmla="*/ 333 h 333"/>
+                  <a:gd name="T4" fmla="*/ 0 w 516"/>
+                  <a:gd name="T5" fmla="*/ 236 h 333"/>
+                  <a:gd name="T6" fmla="*/ 79 w 516"/>
+                  <a:gd name="T7" fmla="*/ 142 h 333"/>
+                  <a:gd name="T8" fmla="*/ 79 w 516"/>
+                  <a:gd name="T9" fmla="*/ 142 h 333"/>
+                  <a:gd name="T10" fmla="*/ 147 w 516"/>
+                  <a:gd name="T11" fmla="*/ 25 h 333"/>
+                  <a:gd name="T12" fmla="*/ 230 w 516"/>
+                  <a:gd name="T13" fmla="*/ 0 h 333"/>
+                  <a:gd name="T14" fmla="*/ 343 w 516"/>
+                  <a:gd name="T15" fmla="*/ 58 h 333"/>
+                  <a:gd name="T16" fmla="*/ 382 w 516"/>
+                  <a:gd name="T17" fmla="*/ 51 h 333"/>
+                  <a:gd name="T18" fmla="*/ 427 w 516"/>
+                  <a:gd name="T19" fmla="*/ 64 h 333"/>
+                  <a:gd name="T20" fmla="*/ 428 w 516"/>
+                  <a:gd name="T21" fmla="*/ 64 h 333"/>
+                  <a:gd name="T22" fmla="*/ 466 w 516"/>
+                  <a:gd name="T23" fmla="*/ 131 h 333"/>
+                  <a:gd name="T24" fmla="*/ 516 w 516"/>
+                  <a:gd name="T25" fmla="*/ 222 h 333"/>
+                  <a:gd name="T26" fmla="*/ 411 w 516"/>
+                  <a:gd name="T27" fmla="*/ 333 h 333"/>
+                  <a:gd name="T28" fmla="*/ 230 w 516"/>
+                  <a:gd name="T29" fmla="*/ 16 h 333"/>
+                  <a:gd name="T30" fmla="*/ 155 w 516"/>
+                  <a:gd name="T31" fmla="*/ 39 h 333"/>
+                  <a:gd name="T32" fmla="*/ 95 w 516"/>
+                  <a:gd name="T33" fmla="*/ 142 h 333"/>
+                  <a:gd name="T34" fmla="*/ 95 w 516"/>
+                  <a:gd name="T35" fmla="*/ 156 h 333"/>
+                  <a:gd name="T36" fmla="*/ 88 w 516"/>
+                  <a:gd name="T37" fmla="*/ 157 h 333"/>
+                  <a:gd name="T38" fmla="*/ 16 w 516"/>
+                  <a:gd name="T39" fmla="*/ 236 h 333"/>
+                  <a:gd name="T40" fmla="*/ 102 w 516"/>
+                  <a:gd name="T41" fmla="*/ 317 h 333"/>
+                  <a:gd name="T42" fmla="*/ 411 w 516"/>
+                  <a:gd name="T43" fmla="*/ 317 h 333"/>
+                  <a:gd name="T44" fmla="*/ 500 w 516"/>
+                  <a:gd name="T45" fmla="*/ 222 h 333"/>
+                  <a:gd name="T46" fmla="*/ 454 w 516"/>
+                  <a:gd name="T47" fmla="*/ 142 h 333"/>
+                  <a:gd name="T48" fmla="*/ 450 w 516"/>
+                  <a:gd name="T49" fmla="*/ 140 h 333"/>
+                  <a:gd name="T50" fmla="*/ 450 w 516"/>
+                  <a:gd name="T51" fmla="*/ 135 h 333"/>
+                  <a:gd name="T52" fmla="*/ 419 w 516"/>
+                  <a:gd name="T53" fmla="*/ 77 h 333"/>
+                  <a:gd name="T54" fmla="*/ 382 w 516"/>
+                  <a:gd name="T55" fmla="*/ 67 h 333"/>
+                  <a:gd name="T56" fmla="*/ 344 w 516"/>
+                  <a:gd name="T57" fmla="*/ 75 h 333"/>
+                  <a:gd name="T58" fmla="*/ 337 w 516"/>
+                  <a:gd name="T59" fmla="*/ 79 h 333"/>
+                  <a:gd name="T60" fmla="*/ 333 w 516"/>
+                  <a:gd name="T61" fmla="*/ 73 h 333"/>
+                  <a:gd name="T62" fmla="*/ 230 w 516"/>
+                  <a:gd name="T63" fmla="*/ 16 h 333"/>
+                </a:gdLst>
+                <a:ahLst/>
+                <a:cxnLst>
+                  <a:cxn ang="0">
+                    <a:pos x="T0" y="T1"/>
+                  </a:cxn>
+                  <a:cxn ang="0">
+                    <a:pos x="T2" y="T3"/>
+                  </a:cxn>
+                  <a:cxn ang="0">
+                    <a:pos x="T4" y="T5"/>
+                  </a:cxn>
+                  <a:cxn ang="0">
+                    <a:pos x="T6" y="T7"/>
+                  </a:cxn>
+                  <a:cxn ang="0">
+                    <a:pos x="T8" y="T9"/>
+                  </a:cxn>
+                  <a:cxn ang="0">
+                    <a:pos x="T10" y="T11"/>
+                  </a:cxn>
+                  <a:cxn ang="0">
+                    <a:pos x="T12" y="T13"/>
+                  </a:cxn>
+                  <a:cxn ang="0">
+                    <a:pos x="T14" y="T15"/>
+                  </a:cxn>
+                  <a:cxn ang="0">
+                    <a:pos x="T16" y="T17"/>
+                  </a:cxn>
+                  <a:cxn ang="0">
+                    <a:pos x="T18" y="T19"/>
+                  </a:cxn>
+                  <a:cxn ang="0">
+                    <a:pos x="T20" y="T21"/>
+                  </a:cxn>
+                  <a:cxn ang="0">
+                    <a:pos x="T22" y="T23"/>
+                  </a:cxn>
+                  <a:cxn ang="0">
+                    <a:pos x="T24" y="T25"/>
+                  </a:cxn>
+                  <a:cxn ang="0">
+                    <a:pos x="T26" y="T27"/>
+                  </a:cxn>
+                  <a:cxn ang="0">
+                    <a:pos x="T28" y="T29"/>
+                  </a:cxn>
+                  <a:cxn ang="0">
+                    <a:pos x="T30" y="T31"/>
+                  </a:cxn>
+                  <a:cxn ang="0">
+                    <a:pos x="T32" y="T33"/>
+                  </a:cxn>
+                  <a:cxn ang="0">
+                    <a:pos x="T34" y="T35"/>
+                  </a:cxn>
+                  <a:cxn ang="0">
+                    <a:pos x="T36" y="T37"/>
+                  </a:cxn>
+                  <a:cxn ang="0">
+                    <a:pos x="T38" y="T39"/>
+                  </a:cxn>
+                  <a:cxn ang="0">
+                    <a:pos x="T40" y="T41"/>
+                  </a:cxn>
+                  <a:cxn ang="0">
+                    <a:pos x="T42" y="T43"/>
+                  </a:cxn>
+                  <a:cxn ang="0">
+                    <a:pos x="T44" y="T45"/>
+                  </a:cxn>
+                  <a:cxn ang="0">
+                    <a:pos x="T46" y="T47"/>
+                  </a:cxn>
+                  <a:cxn ang="0">
+                    <a:pos x="T48" y="T49"/>
+                  </a:cxn>
+                  <a:cxn ang="0">
+                    <a:pos x="T50" y="T51"/>
+                  </a:cxn>
+                  <a:cxn ang="0">
+                    <a:pos x="T52" y="T53"/>
+                  </a:cxn>
+                  <a:cxn ang="0">
+                    <a:pos x="T54" y="T55"/>
+                  </a:cxn>
+                  <a:cxn ang="0">
+                    <a:pos x="T56" y="T57"/>
+                  </a:cxn>
+                  <a:cxn ang="0">
+                    <a:pos x="T58" y="T59"/>
+                  </a:cxn>
+                  <a:cxn ang="0">
+                    <a:pos x="T60" y="T61"/>
+                  </a:cxn>
+                  <a:cxn ang="0">
+                    <a:pos x="T62" y="T63"/>
+                  </a:cxn>
+                </a:cxnLst>
+                <a:rect l="0" t="0" r="r" b="b"/>
+                <a:pathLst>
+                  <a:path w="516" h="333">
+                    <a:moveTo>
+                      <a:pt x="411" y="333"/>
+                    </a:moveTo>
+                    <a:cubicBezTo>
+                      <a:pt x="102" y="333"/>
+                      <a:pt x="102" y="333"/>
+                      <a:pt x="102" y="333"/>
+                    </a:cubicBezTo>
+                    <a:cubicBezTo>
+                      <a:pt x="45" y="333"/>
+                      <a:pt x="0" y="291"/>
+                      <a:pt x="0" y="236"/>
+                    </a:cubicBezTo>
+                    <a:cubicBezTo>
+                      <a:pt x="0" y="188"/>
+                      <a:pt x="40" y="151"/>
+                      <a:pt x="79" y="142"/>
+                    </a:cubicBezTo>
+                    <a:cubicBezTo>
+                      <a:pt x="79" y="142"/>
+                      <a:pt x="79" y="142"/>
+                      <a:pt x="79" y="142"/>
+                    </a:cubicBezTo>
+                    <a:cubicBezTo>
+                      <a:pt x="79" y="97"/>
+                      <a:pt x="105" y="52"/>
+                      <a:pt x="147" y="25"/>
+                    </a:cubicBezTo>
+                    <a:cubicBezTo>
+                      <a:pt x="175" y="9"/>
+                      <a:pt x="203" y="0"/>
+                      <a:pt x="230" y="0"/>
+                    </a:cubicBezTo>
+                    <a:cubicBezTo>
+                      <a:pt x="276" y="0"/>
+                      <a:pt x="316" y="21"/>
+                      <a:pt x="343" y="58"/>
+                    </a:cubicBezTo>
+                    <a:cubicBezTo>
+                      <a:pt x="355" y="53"/>
+                      <a:pt x="371" y="51"/>
+                      <a:pt x="382" y="51"/>
+                    </a:cubicBezTo>
+                    <a:cubicBezTo>
+                      <a:pt x="398" y="51"/>
+                      <a:pt x="412" y="55"/>
+                      <a:pt x="427" y="64"/>
+                    </a:cubicBezTo>
+                    <a:cubicBezTo>
+                      <a:pt x="428" y="64"/>
+                      <a:pt x="428" y="64"/>
+                      <a:pt x="428" y="64"/>
+                    </a:cubicBezTo>
+                    <a:cubicBezTo>
+                      <a:pt x="451" y="79"/>
+                      <a:pt x="465" y="104"/>
+                      <a:pt x="466" y="131"/>
+                    </a:cubicBezTo>
+                    <a:cubicBezTo>
+                      <a:pt x="498" y="151"/>
+                      <a:pt x="516" y="185"/>
+                      <a:pt x="516" y="222"/>
+                    </a:cubicBezTo>
+                    <a:cubicBezTo>
+                      <a:pt x="516" y="282"/>
+                      <a:pt x="468" y="333"/>
+                      <a:pt x="411" y="333"/>
+                    </a:cubicBezTo>
+                    <a:close/>
+                    <a:moveTo>
+                      <a:pt x="230" y="16"/>
+                    </a:moveTo>
+                    <a:cubicBezTo>
+                      <a:pt x="206" y="16"/>
+                      <a:pt x="180" y="24"/>
+                      <a:pt x="155" y="39"/>
+                    </a:cubicBezTo>
+                    <a:cubicBezTo>
+                      <a:pt x="119" y="62"/>
+                      <a:pt x="95" y="103"/>
+                      <a:pt x="95" y="142"/>
+                    </a:cubicBezTo>
+                    <a:cubicBezTo>
+                      <a:pt x="95" y="156"/>
+                      <a:pt x="95" y="156"/>
+                      <a:pt x="95" y="156"/>
+                    </a:cubicBezTo>
+                    <a:cubicBezTo>
+                      <a:pt x="88" y="157"/>
+                      <a:pt x="88" y="157"/>
+                      <a:pt x="88" y="157"/>
+                    </a:cubicBezTo>
+                    <a:cubicBezTo>
+                      <a:pt x="54" y="161"/>
+                      <a:pt x="16" y="195"/>
+                      <a:pt x="16" y="236"/>
+                    </a:cubicBezTo>
+                    <a:cubicBezTo>
+                      <a:pt x="16" y="282"/>
+                      <a:pt x="54" y="317"/>
+                      <a:pt x="102" y="317"/>
+                    </a:cubicBezTo>
+                    <a:cubicBezTo>
+                      <a:pt x="411" y="317"/>
+                      <a:pt x="411" y="317"/>
+                      <a:pt x="411" y="317"/>
+                    </a:cubicBezTo>
+                    <a:cubicBezTo>
+                      <a:pt x="459" y="317"/>
+                      <a:pt x="500" y="274"/>
+                      <a:pt x="500" y="222"/>
+                    </a:cubicBezTo>
+                    <a:cubicBezTo>
+                      <a:pt x="500" y="189"/>
+                      <a:pt x="483" y="160"/>
+                      <a:pt x="454" y="142"/>
+                    </a:cubicBezTo>
+                    <a:cubicBezTo>
+                      <a:pt x="450" y="140"/>
+                      <a:pt x="450" y="140"/>
+                      <a:pt x="450" y="140"/>
+                    </a:cubicBezTo>
+                    <a:cubicBezTo>
+                      <a:pt x="450" y="135"/>
+                      <a:pt x="450" y="135"/>
+                      <a:pt x="450" y="135"/>
+                    </a:cubicBezTo>
+                    <a:cubicBezTo>
+                      <a:pt x="450" y="112"/>
+                      <a:pt x="439" y="91"/>
+                      <a:pt x="419" y="77"/>
+                    </a:cubicBezTo>
+                    <a:cubicBezTo>
+                      <a:pt x="406" y="70"/>
+                      <a:pt x="395" y="67"/>
+                      <a:pt x="382" y="67"/>
+                    </a:cubicBezTo>
+                    <a:cubicBezTo>
+                      <a:pt x="371" y="67"/>
+                      <a:pt x="354" y="69"/>
+                      <a:pt x="344" y="75"/>
+                    </a:cubicBezTo>
+                    <a:cubicBezTo>
+                      <a:pt x="337" y="79"/>
+                      <a:pt x="337" y="79"/>
+                      <a:pt x="337" y="79"/>
+                    </a:cubicBezTo>
+                    <a:cubicBezTo>
+                      <a:pt x="333" y="73"/>
+                      <a:pt x="333" y="73"/>
+                      <a:pt x="333" y="73"/>
+                    </a:cubicBezTo>
+                    <a:cubicBezTo>
+                      <a:pt x="310" y="37"/>
+                      <a:pt x="273" y="16"/>
+                      <a:pt x="230" y="16"/>
+                    </a:cubicBezTo>
+                    <a:close/>
+                  </a:path>
+                </a:pathLst>
+              </a:custGeom>
+              <a:solidFill>
+                <a:srgbClr val="4EB1FF"/>
+              </a:solidFill>
+              <a:ln>
+                <a:noFill/>
+              </a:ln>
+              <a:extLst>
+                <a:ext uri="{91240B29-F687-4F45-9708-019B960494DF}">
+                  <a14:hiddenLine xmlns:a14="http://schemas.microsoft.com/office/drawing/2010/main" w="9525">
+                    <a:solidFill>
+                      <a:srgbClr val="000000"/>
+                    </a:solidFill>
+                    <a:round/>
+                    <a:headEnd/>
+                    <a:tailEnd/>
+                  </a14:hiddenLine>
+                </a:ext>
+              </a:extLst>
+            </p:spPr>
+            <p:txBody>
+              <a:bodyPr vert="horz" wrap="square" lIns="89642" tIns="44821" rIns="89642" bIns="44821" numCol="1" anchor="t" anchorCtr="0" compatLnSpc="1">
+                <a:prstTxWarp prst="textNoShape">
+                  <a:avLst/>
+                </a:prstTxWarp>
+              </a:bodyPr>
+              <a:lstStyle/>
+              <a:p>
+                <a:pPr>
+                  <a:defRPr/>
+                </a:pPr>
+                <a:endParaRPr lang="en-US" sz="1765" kern="0">
+                  <a:solidFill>
+                    <a:srgbClr val="505050"/>
+                  </a:solidFill>
+                </a:endParaRPr>
+              </a:p>
+            </p:txBody>
+          </p:sp>
+        </p:grpSp>
+      </p:grpSp>
+      <p:sp>
+        <p:nvSpPr>
+          <p:cNvPr id="26" name="Text Placeholder 2"/>
+          <p:cNvSpPr>
+            <a:spLocks noGrp="1"/>
+          </p:cNvSpPr>
+          <p:nvPr>
+            <p:ph type="body" sz="quarter" idx="12"/>
+          </p:nvPr>
+        </p:nvSpPr>
+        <p:spPr>
+          <a:xfrm>
+            <a:off x="543147" y="3878511"/>
+            <a:ext cx="5552854" cy="1792072"/>
+          </a:xfrm>
+        </p:spPr>
+        <p:txBody>
+          <a:bodyPr/>
+          <a:lstStyle/>
+          <a:p>
+            <a:r>
+              <a:rPr lang="en-US" dirty="0" smtClean="0"/>
+              <a:t>Sweeky Satpathy</a:t>
+            </a:r>
+          </a:p>
+          <a:p>
+            <a:r>
+              <a:rPr lang="en-US" dirty="0" err="1" smtClean="0"/>
+              <a:t>MobCAT</a:t>
+            </a:r>
+            <a:r>
+              <a:rPr lang="en-US" smtClean="0"/>
+              <a:t> Ninja</a:t>
+            </a:r>
+            <a:endParaRPr lang="en-US" dirty="0" smtClean="0"/>
+          </a:p>
+        </p:txBody>
+      </p:sp>
+    </p:spTree>
+    <p:extLst>
+      <p:ext uri="{BB962C8B-B14F-4D97-AF65-F5344CB8AC3E}">
+        <p14:creationId xmlns:p14="http://schemas.microsoft.com/office/powerpoint/2010/main" val="407057819"/>
+      </p:ext>
+    </p:extLst>
+  </p:cSld>
+  <p:clrMapOvr>
+    <a:masterClrMapping/>
+  </p:clrMapOvr>
+  <mc:AlternateContent xmlns:mc="http://schemas.openxmlformats.org/markup-compatibility/2006" xmlns:p14="http://schemas.microsoft.com/office/powerpoint/2010/main">
+    <mc:Choice Requires="p14">
+      <p:transition spd="med" p14:dur="700">
+        <p:fade/>
+      </p:transition>
+    </mc:Choice>
+    <mc:Fallback xmlns="">
+      <p:transition spd="med">
+        <p:fade/>
+      </p:transition>
+    </mc:Fallback>
+  </mc:AlternateContent>
+</p:sld>
+</file>
+
+<file path=ppt/slides/slide11.xml><?xml version="1.0" encoding="utf-8"?>
+<p:sld xmlns:a="http://schemas.openxmlformats.org/drawingml/2006/main" xmlns:r="http://schemas.openxmlformats.org/officeDocument/2006/relationships" xmlns:p="http://schemas.openxmlformats.org/presentationml/2006/main">
+  <p:cSld>
+    <p:spTree>
+      <p:nvGrpSpPr>
+        <p:cNvPr id="1" name=""/>
+        <p:cNvGrpSpPr/>
+        <p:nvPr/>
+      </p:nvGrpSpPr>
+      <p:grpSpPr>
+        <a:xfrm>
+          <a:off x="0" y="0"/>
+          <a:ext cx="0" cy="0"/>
+          <a:chOff x="0" y="0"/>
+          <a:chExt cx="0" cy="0"/>
+        </a:xfrm>
+      </p:grpSpPr>
+      <p:sp>
+        <p:nvSpPr>
+          <p:cNvPr id="2" name="Text Placeholder 1"/>
+          <p:cNvSpPr>
+            <a:spLocks noGrp="1"/>
+          </p:cNvSpPr>
+          <p:nvPr>
+            <p:ph type="body" sz="quarter" idx="10"/>
+          </p:nvPr>
+        </p:nvSpPr>
+        <p:spPr>
+          <a:xfrm>
+            <a:off x="269240" y="1189495"/>
+            <a:ext cx="11653523" cy="5370100"/>
+          </a:xfrm>
+        </p:spPr>
+        <p:txBody>
+          <a:bodyPr/>
+          <a:lstStyle/>
+          <a:p>
+            <a:r>
+              <a:rPr lang="en-US" dirty="0" smtClean="0"/>
+              <a:t>Verify App Integrity</a:t>
+            </a:r>
+          </a:p>
+          <a:p>
+            <a:pPr lvl="1"/>
+            <a:r>
+              <a:rPr lang="en-US" dirty="0" smtClean="0"/>
+              <a:t>UI loads as expected on different sized screen</a:t>
+            </a:r>
+          </a:p>
+          <a:p>
+            <a:pPr lvl="1"/>
+            <a:r>
+              <a:rPr lang="en-US" dirty="0" smtClean="0"/>
+              <a:t>App performs as expected on different CPUs</a:t>
+            </a:r>
+          </a:p>
+          <a:p>
+            <a:endParaRPr lang="en-US" dirty="0" smtClean="0"/>
+          </a:p>
+          <a:p>
+            <a:r>
+              <a:rPr lang="en-US" dirty="0" smtClean="0"/>
+              <a:t>Accessible UI</a:t>
+            </a:r>
+          </a:p>
+          <a:p>
+            <a:pPr lvl="1"/>
+            <a:r>
+              <a:rPr lang="en-US" dirty="0" smtClean="0"/>
+              <a:t>Features work as per User Flows</a:t>
+            </a:r>
+          </a:p>
+          <a:p>
+            <a:pPr lvl="1"/>
+            <a:r>
+              <a:rPr lang="en-US" dirty="0" smtClean="0"/>
+              <a:t>Useable Functionality</a:t>
+            </a:r>
+          </a:p>
+          <a:p>
+            <a:endParaRPr lang="en-US" dirty="0"/>
+          </a:p>
+          <a:p>
+            <a:r>
+              <a:rPr lang="en-US" dirty="0" smtClean="0"/>
+              <a:t>Testing as part of CI</a:t>
+            </a:r>
+          </a:p>
+          <a:p>
+            <a:pPr lvl="1"/>
+            <a:r>
+              <a:rPr lang="en-US" dirty="0" smtClean="0"/>
+              <a:t>Reliable Development Cycle</a:t>
+            </a:r>
+            <a:endParaRPr lang="en-US" dirty="0"/>
+          </a:p>
+        </p:txBody>
+      </p:sp>
+      <p:sp>
+        <p:nvSpPr>
+          <p:cNvPr id="3" name="Title 2"/>
+          <p:cNvSpPr>
+            <a:spLocks noGrp="1"/>
+          </p:cNvSpPr>
+          <p:nvPr>
+            <p:ph type="title"/>
+          </p:nvPr>
+        </p:nvSpPr>
+        <p:spPr/>
+        <p:txBody>
+          <a:bodyPr/>
+          <a:lstStyle/>
+          <a:p>
+            <a:r>
+              <a:rPr lang="en-US" dirty="0" smtClean="0"/>
+              <a:t>Importance of Testing </a:t>
+            </a:r>
+            <a:endParaRPr lang="en-US" dirty="0"/>
+          </a:p>
+        </p:txBody>
+      </p:sp>
+    </p:spTree>
+    <p:extLst>
+      <p:ext uri="{BB962C8B-B14F-4D97-AF65-F5344CB8AC3E}">
+        <p14:creationId xmlns:p14="http://schemas.microsoft.com/office/powerpoint/2010/main" val="338532136"/>
+      </p:ext>
+    </p:extLst>
+  </p:cSld>
+  <p:clrMapOvr>
+    <a:masterClrMapping/>
+  </p:clrMapOvr>
+  <p:transition>
+    <p:fade/>
+  </p:transition>
+</p:sld>
+</file>
+
+<file path=ppt/slides/slide12.xml><?xml version="1.0" encoding="utf-8"?>
+<p:sld xmlns:a="http://schemas.openxmlformats.org/drawingml/2006/main" xmlns:r="http://schemas.openxmlformats.org/officeDocument/2006/relationships" xmlns:p="http://schemas.openxmlformats.org/presentationml/2006/main">
+  <p:cSld>
+    <p:spTree>
+      <p:nvGrpSpPr>
+        <p:cNvPr id="1" name=""/>
+        <p:cNvGrpSpPr/>
+        <p:nvPr/>
+      </p:nvGrpSpPr>
+      <p:grpSpPr>
+        <a:xfrm>
+          <a:off x="0" y="0"/>
+          <a:ext cx="0" cy="0"/>
+          <a:chOff x="0" y="0"/>
+          <a:chExt cx="0" cy="0"/>
+        </a:xfrm>
+      </p:grpSpPr>
+      <p:sp>
+        <p:nvSpPr>
+          <p:cNvPr id="2" name="Title 1"/>
+          <p:cNvSpPr>
+            <a:spLocks noGrp="1"/>
+          </p:cNvSpPr>
+          <p:nvPr>
+            <p:ph type="title"/>
+          </p:nvPr>
+        </p:nvSpPr>
+        <p:spPr/>
+        <p:txBody>
+          <a:bodyPr/>
+          <a:lstStyle/>
+          <a:p>
+            <a:r>
+              <a:rPr lang="en-US"/>
+              <a:t>Mobile Center: Test</a:t>
+            </a:r>
+          </a:p>
+        </p:txBody>
+      </p:sp>
+      <p:sp>
+        <p:nvSpPr>
+          <p:cNvPr id="4" name="Rectangle 3"/>
+          <p:cNvSpPr/>
+          <p:nvPr/>
+        </p:nvSpPr>
+        <p:spPr>
+          <a:xfrm>
+            <a:off x="3169076" y="3709519"/>
+            <a:ext cx="2896229" cy="1086215"/>
+          </a:xfrm>
+          <a:prstGeom prst="rect">
+            <a:avLst/>
+          </a:prstGeom>
+        </p:spPr>
+        <p:txBody>
+          <a:bodyPr wrap="square">
+            <a:spAutoFit/>
+          </a:bodyPr>
+          <a:lstStyle/>
+          <a:p>
+            <a:pPr algn="ctr" defTabSz="914367"/>
+            <a:r>
+              <a:rPr lang="en-US" sz="1765" b="1">
+                <a:solidFill>
+                  <a:srgbClr val="5C2D91"/>
+                </a:solidFill>
+                <a:latin typeface="Segoe UI Semibold" charset="0"/>
+                <a:ea typeface="Segoe UI Semibold" charset="0"/>
+                <a:cs typeface="Segoe UI Semibold" charset="0"/>
+              </a:rPr>
+              <a:t>Ship high quality apps</a:t>
+            </a:r>
+            <a:r>
+              <a:rPr lang="en-US" sz="1765">
+                <a:solidFill>
+                  <a:srgbClr val="7F7F7F"/>
+                </a:solidFill>
+                <a:ea typeface="Segoe UI" charset="0"/>
+                <a:cs typeface="Segoe UI" charset="0"/>
+              </a:rPr>
+              <a:t/>
+            </a:r>
+            <a:br>
+              <a:rPr lang="en-US" sz="1765">
+                <a:solidFill>
+                  <a:srgbClr val="7F7F7F"/>
+                </a:solidFill>
+                <a:ea typeface="Segoe UI" charset="0"/>
+                <a:cs typeface="Segoe UI" charset="0"/>
+              </a:rPr>
+            </a:br>
+            <a:r>
+              <a:rPr lang="en-US" sz="1568">
+                <a:solidFill>
+                  <a:srgbClr val="505050"/>
+                </a:solidFill>
+                <a:ea typeface="Segoe UI" charset="0"/>
+                <a:cs typeface="Segoe UI" charset="0"/>
+              </a:rPr>
+              <a:t>Ensure the highest quality user experience that keeps users continuously engaged</a:t>
+            </a:r>
+          </a:p>
+        </p:txBody>
+      </p:sp>
+      <p:pic>
+        <p:nvPicPr>
+          <p:cNvPr id="5" name="Picture 4"/>
+          <p:cNvPicPr>
+            <a:picLocks noChangeAspect="1"/>
+          </p:cNvPicPr>
+          <p:nvPr/>
+        </p:nvPicPr>
+        <p:blipFill>
+          <a:blip r:embed="rId3">
+            <a:extLst>
+              <a:ext uri="{28A0092B-C50C-407E-A947-70E740481C1C}">
+                <a14:useLocalDpi xmlns:a14="http://schemas.microsoft.com/office/drawing/2010/main" val="0"/>
+              </a:ext>
+            </a:extLst>
+          </a:blip>
+          <a:stretch>
+            <a:fillRect/>
+          </a:stretch>
+        </p:blipFill>
+        <p:spPr>
+          <a:xfrm>
+            <a:off x="943645" y="2263287"/>
+            <a:ext cx="1531295" cy="1055100"/>
+          </a:xfrm>
+          <a:prstGeom prst="rect">
+            <a:avLst/>
+          </a:prstGeom>
+        </p:spPr>
+      </p:pic>
+      <p:sp>
+        <p:nvSpPr>
+          <p:cNvPr id="6" name="Rectangle 5"/>
+          <p:cNvSpPr/>
+          <p:nvPr/>
+        </p:nvSpPr>
+        <p:spPr>
+          <a:xfrm>
+            <a:off x="336213" y="3709519"/>
+            <a:ext cx="2746161" cy="1086215"/>
+          </a:xfrm>
+          <a:prstGeom prst="rect">
+            <a:avLst/>
+          </a:prstGeom>
+        </p:spPr>
+        <p:txBody>
+          <a:bodyPr wrap="square">
+            <a:spAutoFit/>
+          </a:bodyPr>
+          <a:lstStyle/>
+          <a:p>
+            <a:pPr algn="ctr" defTabSz="914367"/>
+            <a:r>
+              <a:rPr lang="en-US" sz="1765" b="1">
+                <a:solidFill>
+                  <a:srgbClr val="5C2D91"/>
+                </a:solidFill>
+                <a:latin typeface="Segoe UI Semibold" charset="0"/>
+                <a:ea typeface="Segoe UI Semibold" charset="0"/>
+                <a:cs typeface="Segoe UI Semibold" charset="0"/>
+              </a:rPr>
+              <a:t>Release faster</a:t>
+            </a:r>
+          </a:p>
+          <a:p>
+            <a:pPr algn="ctr" defTabSz="914367"/>
+            <a:r>
+              <a:rPr lang="en-US" sz="1568">
+                <a:solidFill>
+                  <a:srgbClr val="505050"/>
+                </a:solidFill>
+                <a:ea typeface="Segoe UI" charset="0"/>
+                <a:cs typeface="Segoe UI" charset="0"/>
+              </a:rPr>
+              <a:t>Shrink release times significantly and push new apps out faster</a:t>
+            </a:r>
+          </a:p>
+        </p:txBody>
+      </p:sp>
+      <p:sp>
+        <p:nvSpPr>
+          <p:cNvPr id="7" name="Shape 278"/>
+          <p:cNvSpPr txBox="1"/>
+          <p:nvPr/>
+        </p:nvSpPr>
+        <p:spPr>
+          <a:xfrm>
+            <a:off x="9153058" y="3646613"/>
+            <a:ext cx="2622705" cy="1560317"/>
+          </a:xfrm>
+          <a:prstGeom prst="rect">
+            <a:avLst/>
+          </a:prstGeom>
+          <a:noFill/>
+          <a:ln>
+            <a:noFill/>
+          </a:ln>
+        </p:spPr>
+        <p:txBody>
+          <a:bodyPr lIns="89628" tIns="89628" rIns="89628" bIns="89628" anchor="t" anchorCtr="0">
+            <a:noAutofit/>
+          </a:bodyPr>
+          <a:lstStyle/>
+          <a:p>
+            <a:pPr algn="ctr" defTabSz="914367"/>
+            <a:r>
+              <a:rPr lang="en-US" sz="1765" b="1">
+                <a:solidFill>
+                  <a:srgbClr val="5C2D91"/>
+                </a:solidFill>
+                <a:latin typeface="Segoe UI Semibold" charset="0"/>
+                <a:ea typeface="Segoe UI Semibold" charset="0"/>
+                <a:cs typeface="Segoe UI Semibold" charset="0"/>
+              </a:rPr>
+              <a:t>Create new features</a:t>
+            </a:r>
+            <a:r>
+              <a:rPr lang="en-US" sz="1765">
+                <a:solidFill>
+                  <a:srgbClr val="0078D7"/>
+                </a:solidFill>
+                <a:ea typeface="Segoe UI" charset="0"/>
+                <a:cs typeface="Segoe UI" charset="0"/>
+              </a:rPr>
+              <a:t/>
+            </a:r>
+            <a:br>
+              <a:rPr lang="en-US" sz="1765">
+                <a:solidFill>
+                  <a:srgbClr val="0078D7"/>
+                </a:solidFill>
+                <a:ea typeface="Segoe UI" charset="0"/>
+                <a:cs typeface="Segoe UI" charset="0"/>
+              </a:rPr>
+            </a:br>
+            <a:r>
+              <a:rPr lang="en-US" sz="1765">
+                <a:solidFill>
+                  <a:srgbClr val="7F7F7F"/>
+                </a:solidFill>
+                <a:ea typeface="Segoe UI" charset="0"/>
+                <a:cs typeface="Segoe UI" charset="0"/>
+              </a:rPr>
+              <a:t> </a:t>
+            </a:r>
+            <a:r>
+              <a:rPr lang="en-US" sz="1568">
+                <a:solidFill>
+                  <a:srgbClr val="505050"/>
+                </a:solidFill>
+                <a:ea typeface="Segoe UI" charset="0"/>
+                <a:cs typeface="Segoe UI" charset="0"/>
+              </a:rPr>
+              <a:t>Spend less time fixing bugs, and more time creating value</a:t>
+            </a:r>
+          </a:p>
+        </p:txBody>
+      </p:sp>
+      <p:pic>
+        <p:nvPicPr>
+          <p:cNvPr id="8" name="Picture 7"/>
+          <p:cNvPicPr>
+            <a:picLocks noChangeAspect="1"/>
+          </p:cNvPicPr>
+          <p:nvPr/>
+        </p:nvPicPr>
+        <p:blipFill>
+          <a:blip r:embed="rId4">
+            <a:extLst>
+              <a:ext uri="{28A0092B-C50C-407E-A947-70E740481C1C}">
+                <a14:useLocalDpi xmlns:a14="http://schemas.microsoft.com/office/drawing/2010/main" val="0"/>
+              </a:ext>
+            </a:extLst>
+          </a:blip>
+          <a:stretch>
+            <a:fillRect/>
+          </a:stretch>
+        </p:blipFill>
+        <p:spPr>
+          <a:xfrm>
+            <a:off x="6979767" y="2243209"/>
+            <a:ext cx="1183174" cy="1183174"/>
+          </a:xfrm>
+          <a:prstGeom prst="rect">
+            <a:avLst/>
+          </a:prstGeom>
+        </p:spPr>
+      </p:pic>
+      <p:sp>
+        <p:nvSpPr>
+          <p:cNvPr id="9" name="Shape 278"/>
+          <p:cNvSpPr txBox="1"/>
+          <p:nvPr/>
+        </p:nvSpPr>
+        <p:spPr>
+          <a:xfrm>
+            <a:off x="6152008" y="3646612"/>
+            <a:ext cx="2838693" cy="1245752"/>
+          </a:xfrm>
+          <a:prstGeom prst="rect">
+            <a:avLst/>
+          </a:prstGeom>
+          <a:noFill/>
+          <a:ln>
+            <a:noFill/>
+          </a:ln>
+        </p:spPr>
+        <p:txBody>
+          <a:bodyPr lIns="89628" tIns="89628" rIns="89628" bIns="89628" anchor="t" anchorCtr="0">
+            <a:noAutofit/>
+          </a:bodyPr>
+          <a:lstStyle/>
+          <a:p>
+            <a:pPr algn="ctr" defTabSz="914367"/>
+            <a:r>
+              <a:rPr lang="en-US" sz="1765" b="1">
+                <a:solidFill>
+                  <a:srgbClr val="5C2D91"/>
+                </a:solidFill>
+                <a:latin typeface="Segoe UI Semibold" charset="0"/>
+                <a:ea typeface="Segoe UI Semibold" charset="0"/>
+                <a:cs typeface="Segoe UI Semibold" charset="0"/>
+              </a:rPr>
+              <a:t>Engage a broad audience</a:t>
+            </a:r>
+          </a:p>
+          <a:p>
+            <a:pPr algn="ctr" defTabSz="914367"/>
+            <a:r>
+              <a:rPr lang="en-US" sz="1568">
+                <a:solidFill>
+                  <a:srgbClr val="505050"/>
+                </a:solidFill>
+                <a:ea typeface="Segoe UI" charset="0"/>
+                <a:cs typeface="Segoe UI" charset="0"/>
+              </a:rPr>
+              <a:t>Test on a broad range of devices to make sure apps work on </a:t>
+            </a:r>
+            <a:r>
+              <a:rPr lang="en-US" sz="1568" i="1">
+                <a:solidFill>
+                  <a:srgbClr val="505050"/>
+                </a:solidFill>
+                <a:ea typeface="Segoe UI" charset="0"/>
+                <a:cs typeface="Segoe UI" charset="0"/>
+              </a:rPr>
+              <a:t>your</a:t>
+            </a:r>
+            <a:r>
+              <a:rPr lang="en-US" sz="1568">
+                <a:solidFill>
+                  <a:srgbClr val="505050"/>
+                </a:solidFill>
+                <a:ea typeface="Segoe UI" charset="0"/>
+                <a:cs typeface="Segoe UI" charset="0"/>
+              </a:rPr>
+              <a:t> users’ devices</a:t>
+            </a:r>
+          </a:p>
+          <a:p>
+            <a:pPr algn="ctr" defTabSz="914367"/>
+            <a:endParaRPr lang="en-US" sz="1765">
+              <a:solidFill>
+                <a:srgbClr val="505050"/>
+              </a:solidFill>
+              <a:ea typeface="Segoe UI" charset="0"/>
+              <a:cs typeface="Segoe UI" charset="0"/>
+            </a:endParaRPr>
+          </a:p>
+        </p:txBody>
+      </p:sp>
+      <p:pic>
+        <p:nvPicPr>
+          <p:cNvPr id="10" name="Picture 9"/>
+          <p:cNvPicPr>
+            <a:picLocks noChangeAspect="1"/>
+          </p:cNvPicPr>
+          <p:nvPr/>
+        </p:nvPicPr>
+        <p:blipFill>
+          <a:blip r:embed="rId5">
+            <a:extLst>
+              <a:ext uri="{28A0092B-C50C-407E-A947-70E740481C1C}">
+                <a14:useLocalDpi xmlns:a14="http://schemas.microsoft.com/office/drawing/2010/main" val="0"/>
+              </a:ext>
+            </a:extLst>
+          </a:blip>
+          <a:stretch>
+            <a:fillRect/>
+          </a:stretch>
+        </p:blipFill>
+        <p:spPr>
+          <a:xfrm>
+            <a:off x="9882862" y="2287240"/>
+            <a:ext cx="1163096" cy="1115188"/>
+          </a:xfrm>
+          <a:prstGeom prst="rect">
+            <a:avLst/>
+          </a:prstGeom>
+        </p:spPr>
+      </p:pic>
+      <p:grpSp>
+        <p:nvGrpSpPr>
+          <p:cNvPr id="19" name="Group 18"/>
+          <p:cNvGrpSpPr/>
+          <p:nvPr/>
+        </p:nvGrpSpPr>
+        <p:grpSpPr>
+          <a:xfrm>
+            <a:off x="3477048" y="2648216"/>
+            <a:ext cx="2173152" cy="421847"/>
+            <a:chOff x="2978727" y="1704109"/>
+            <a:chExt cx="4710548" cy="914400"/>
+          </a:xfrm>
+        </p:grpSpPr>
+        <p:sp>
+          <p:nvSpPr>
+            <p:cNvPr id="14" name="5-Point Star 13"/>
+            <p:cNvSpPr/>
+            <p:nvPr/>
+          </p:nvSpPr>
+          <p:spPr bwMode="auto">
+            <a:xfrm>
+              <a:off x="2978727" y="1704109"/>
+              <a:ext cx="914400" cy="914400"/>
+            </a:xfrm>
+            <a:prstGeom prst="star5">
+              <a:avLst>
+                <a:gd name="adj" fmla="val 24580"/>
+                <a:gd name="hf" fmla="val 105146"/>
+                <a:gd name="vf" fmla="val 110557"/>
+              </a:avLst>
+            </a:prstGeom>
+            <a:solidFill>
+              <a:schemeClr val="accent1"/>
+            </a:solidFill>
+            <a:ln>
+              <a:noFill/>
+              <a:headEnd type="none" w="med" len="med"/>
+              <a:tailEnd type="none" w="med" len="med"/>
+            </a:ln>
+            <a:effectLst/>
+          </p:spPr>
+          <p:style>
+            <a:lnRef idx="1">
+              <a:schemeClr val="accent2"/>
+            </a:lnRef>
+            <a:fillRef idx="3">
+              <a:schemeClr val="accent2"/>
+            </a:fillRef>
+            <a:effectRef idx="2">
+              <a:schemeClr val="accent2"/>
+            </a:effectRef>
+            <a:fontRef idx="minor">
+              <a:schemeClr val="lt1"/>
+            </a:fontRef>
+          </p:style>
+          <p:txBody>
+            <a:bodyPr rot="0" spcFirstLastPara="0" vertOverflow="overflow" horzOverflow="overflow" vert="horz" wrap="square" lIns="179285" tIns="143428" rIns="179285" bIns="143428" numCol="1" spcCol="0" rtlCol="0" fromWordArt="0" anchor="t" anchorCtr="0" forceAA="0" compatLnSpc="1">
+              <a:prstTxWarp prst="textNoShape">
+                <a:avLst/>
+              </a:prstTxWarp>
+              <a:noAutofit/>
+            </a:bodyPr>
+            <a:lstStyle/>
+            <a:p>
+              <a:pPr algn="ctr" defTabSz="914102" fontAlgn="base">
+                <a:lnSpc>
+                  <a:spcPct val="90000"/>
+                </a:lnSpc>
+                <a:spcBef>
+                  <a:spcPct val="0"/>
+                </a:spcBef>
+                <a:spcAft>
+                  <a:spcPct val="0"/>
+                </a:spcAft>
+              </a:pPr>
+              <a:endParaRPr lang="en-US" sz="2353" err="1">
+                <a:gradFill>
+                  <a:gsLst>
+                    <a:gs pos="0">
+                      <a:srgbClr val="FFFFFF"/>
+                    </a:gs>
+                    <a:gs pos="100000">
+                      <a:srgbClr val="FFFFFF"/>
+                    </a:gs>
+                  </a:gsLst>
+                  <a:lin ang="5400000" scaled="0"/>
+                </a:gradFill>
+                <a:ea typeface="Segoe UI" pitchFamily="34" charset="0"/>
+                <a:cs typeface="Segoe UI" pitchFamily="34" charset="0"/>
+              </a:endParaRPr>
+            </a:p>
+          </p:txBody>
+        </p:sp>
+        <p:sp>
+          <p:nvSpPr>
+            <p:cNvPr id="15" name="5-Point Star 14"/>
+            <p:cNvSpPr/>
+            <p:nvPr/>
+          </p:nvSpPr>
+          <p:spPr bwMode="auto">
+            <a:xfrm>
+              <a:off x="3927764" y="1704109"/>
+              <a:ext cx="914400" cy="914400"/>
+            </a:xfrm>
+            <a:prstGeom prst="star5">
+              <a:avLst>
+                <a:gd name="adj" fmla="val 24580"/>
+                <a:gd name="hf" fmla="val 105146"/>
+                <a:gd name="vf" fmla="val 110557"/>
+              </a:avLst>
+            </a:prstGeom>
+            <a:solidFill>
+              <a:schemeClr val="accent1"/>
+            </a:solidFill>
+            <a:ln>
+              <a:noFill/>
+              <a:headEnd type="none" w="med" len="med"/>
+              <a:tailEnd type="none" w="med" len="med"/>
+            </a:ln>
+            <a:effectLst/>
+          </p:spPr>
+          <p:style>
+            <a:lnRef idx="1">
+              <a:schemeClr val="accent2"/>
+            </a:lnRef>
+            <a:fillRef idx="3">
+              <a:schemeClr val="accent2"/>
+            </a:fillRef>
+            <a:effectRef idx="2">
+              <a:schemeClr val="accent2"/>
+            </a:effectRef>
+            <a:fontRef idx="minor">
+              <a:schemeClr val="lt1"/>
+            </a:fontRef>
+          </p:style>
+          <p:txBody>
+            <a:bodyPr rot="0" spcFirstLastPara="0" vertOverflow="overflow" horzOverflow="overflow" vert="horz" wrap="square" lIns="179285" tIns="143428" rIns="179285" bIns="143428" numCol="1" spcCol="0" rtlCol="0" fromWordArt="0" anchor="t" anchorCtr="0" forceAA="0" compatLnSpc="1">
+              <a:prstTxWarp prst="textNoShape">
+                <a:avLst/>
+              </a:prstTxWarp>
+              <a:noAutofit/>
+            </a:bodyPr>
+            <a:lstStyle/>
+            <a:p>
+              <a:pPr algn="ctr" defTabSz="914102" fontAlgn="base">
+                <a:lnSpc>
+                  <a:spcPct val="90000"/>
+                </a:lnSpc>
+                <a:spcBef>
+                  <a:spcPct val="0"/>
+                </a:spcBef>
+                <a:spcAft>
+                  <a:spcPct val="0"/>
+                </a:spcAft>
+              </a:pPr>
+              <a:endParaRPr lang="en-US" sz="2353" err="1">
+                <a:gradFill>
+                  <a:gsLst>
+                    <a:gs pos="0">
+                      <a:srgbClr val="FFFFFF"/>
+                    </a:gs>
+                    <a:gs pos="100000">
+                      <a:srgbClr val="FFFFFF"/>
+                    </a:gs>
+                  </a:gsLst>
+                  <a:lin ang="5400000" scaled="0"/>
+                </a:gradFill>
+                <a:ea typeface="Segoe UI" pitchFamily="34" charset="0"/>
+                <a:cs typeface="Segoe UI" pitchFamily="34" charset="0"/>
+              </a:endParaRPr>
+            </a:p>
+          </p:txBody>
+        </p:sp>
+        <p:sp>
+          <p:nvSpPr>
+            <p:cNvPr id="16" name="5-Point Star 15"/>
+            <p:cNvSpPr/>
+            <p:nvPr/>
+          </p:nvSpPr>
+          <p:spPr bwMode="auto">
+            <a:xfrm>
+              <a:off x="4876801" y="1704109"/>
+              <a:ext cx="914400" cy="914400"/>
+            </a:xfrm>
+            <a:prstGeom prst="star5">
+              <a:avLst>
+                <a:gd name="adj" fmla="val 24580"/>
+                <a:gd name="hf" fmla="val 105146"/>
+                <a:gd name="vf" fmla="val 110557"/>
+              </a:avLst>
+            </a:prstGeom>
+            <a:solidFill>
+              <a:schemeClr val="accent1"/>
+            </a:solidFill>
+            <a:ln>
+              <a:noFill/>
+              <a:headEnd type="none" w="med" len="med"/>
+              <a:tailEnd type="none" w="med" len="med"/>
+            </a:ln>
+            <a:effectLst/>
+          </p:spPr>
+          <p:style>
+            <a:lnRef idx="1">
+              <a:schemeClr val="accent2"/>
+            </a:lnRef>
+            <a:fillRef idx="3">
+              <a:schemeClr val="accent2"/>
+            </a:fillRef>
+            <a:effectRef idx="2">
+              <a:schemeClr val="accent2"/>
+            </a:effectRef>
+            <a:fontRef idx="minor">
+              <a:schemeClr val="lt1"/>
+            </a:fontRef>
+          </p:style>
+          <p:txBody>
+            <a:bodyPr rot="0" spcFirstLastPara="0" vertOverflow="overflow" horzOverflow="overflow" vert="horz" wrap="square" lIns="179285" tIns="143428" rIns="179285" bIns="143428" numCol="1" spcCol="0" rtlCol="0" fromWordArt="0" anchor="t" anchorCtr="0" forceAA="0" compatLnSpc="1">
+              <a:prstTxWarp prst="textNoShape">
+                <a:avLst/>
+              </a:prstTxWarp>
+              <a:noAutofit/>
+            </a:bodyPr>
+            <a:lstStyle/>
+            <a:p>
+              <a:pPr algn="ctr" defTabSz="914102" fontAlgn="base">
+                <a:lnSpc>
+                  <a:spcPct val="90000"/>
+                </a:lnSpc>
+                <a:spcBef>
+                  <a:spcPct val="0"/>
+                </a:spcBef>
+                <a:spcAft>
+                  <a:spcPct val="0"/>
+                </a:spcAft>
+              </a:pPr>
+              <a:endParaRPr lang="en-US" sz="2353" err="1">
+                <a:gradFill>
+                  <a:gsLst>
+                    <a:gs pos="0">
+                      <a:srgbClr val="FFFFFF"/>
+                    </a:gs>
+                    <a:gs pos="100000">
+                      <a:srgbClr val="FFFFFF"/>
+                    </a:gs>
+                  </a:gsLst>
+                  <a:lin ang="5400000" scaled="0"/>
+                </a:gradFill>
+                <a:ea typeface="Segoe UI" pitchFamily="34" charset="0"/>
+                <a:cs typeface="Segoe UI" pitchFamily="34" charset="0"/>
+              </a:endParaRPr>
+            </a:p>
+          </p:txBody>
+        </p:sp>
+        <p:sp>
+          <p:nvSpPr>
+            <p:cNvPr id="17" name="5-Point Star 16"/>
+            <p:cNvSpPr/>
+            <p:nvPr/>
+          </p:nvSpPr>
+          <p:spPr bwMode="auto">
+            <a:xfrm>
+              <a:off x="5825838" y="1704109"/>
+              <a:ext cx="914400" cy="914400"/>
+            </a:xfrm>
+            <a:prstGeom prst="star5">
+              <a:avLst>
+                <a:gd name="adj" fmla="val 24580"/>
+                <a:gd name="hf" fmla="val 105146"/>
+                <a:gd name="vf" fmla="val 110557"/>
+              </a:avLst>
+            </a:prstGeom>
+            <a:solidFill>
+              <a:schemeClr val="accent1"/>
+            </a:solidFill>
+            <a:ln>
+              <a:noFill/>
+              <a:headEnd type="none" w="med" len="med"/>
+              <a:tailEnd type="none" w="med" len="med"/>
+            </a:ln>
+            <a:effectLst/>
+          </p:spPr>
+          <p:style>
+            <a:lnRef idx="1">
+              <a:schemeClr val="accent2"/>
+            </a:lnRef>
+            <a:fillRef idx="3">
+              <a:schemeClr val="accent2"/>
+            </a:fillRef>
+            <a:effectRef idx="2">
+              <a:schemeClr val="accent2"/>
+            </a:effectRef>
+            <a:fontRef idx="minor">
+              <a:schemeClr val="lt1"/>
+            </a:fontRef>
+          </p:style>
+          <p:txBody>
+            <a:bodyPr rot="0" spcFirstLastPara="0" vertOverflow="overflow" horzOverflow="overflow" vert="horz" wrap="square" lIns="179285" tIns="143428" rIns="179285" bIns="143428" numCol="1" spcCol="0" rtlCol="0" fromWordArt="0" anchor="t" anchorCtr="0" forceAA="0" compatLnSpc="1">
+              <a:prstTxWarp prst="textNoShape">
+                <a:avLst/>
+              </a:prstTxWarp>
+              <a:noAutofit/>
+            </a:bodyPr>
+            <a:lstStyle/>
+            <a:p>
+              <a:pPr algn="ctr" defTabSz="914102" fontAlgn="base">
+                <a:lnSpc>
+                  <a:spcPct val="90000"/>
+                </a:lnSpc>
+                <a:spcBef>
+                  <a:spcPct val="0"/>
+                </a:spcBef>
+                <a:spcAft>
+                  <a:spcPct val="0"/>
+                </a:spcAft>
+              </a:pPr>
+              <a:endParaRPr lang="en-US" sz="2353" err="1">
+                <a:gradFill>
+                  <a:gsLst>
+                    <a:gs pos="0">
+                      <a:srgbClr val="FFFFFF"/>
+                    </a:gs>
+                    <a:gs pos="100000">
+                      <a:srgbClr val="FFFFFF"/>
+                    </a:gs>
+                  </a:gsLst>
+                  <a:lin ang="5400000" scaled="0"/>
+                </a:gradFill>
+                <a:ea typeface="Segoe UI" pitchFamily="34" charset="0"/>
+                <a:cs typeface="Segoe UI" pitchFamily="34" charset="0"/>
+              </a:endParaRPr>
+            </a:p>
+          </p:txBody>
+        </p:sp>
+        <p:sp>
+          <p:nvSpPr>
+            <p:cNvPr id="18" name="5-Point Star 17"/>
+            <p:cNvSpPr/>
+            <p:nvPr/>
+          </p:nvSpPr>
+          <p:spPr bwMode="auto">
+            <a:xfrm>
+              <a:off x="6774875" y="1704109"/>
+              <a:ext cx="914400" cy="914400"/>
+            </a:xfrm>
+            <a:prstGeom prst="star5">
+              <a:avLst>
+                <a:gd name="adj" fmla="val 24580"/>
+                <a:gd name="hf" fmla="val 105146"/>
+                <a:gd name="vf" fmla="val 110557"/>
+              </a:avLst>
+            </a:prstGeom>
+            <a:solidFill>
+              <a:schemeClr val="accent1"/>
+            </a:solidFill>
+            <a:ln>
+              <a:noFill/>
+              <a:headEnd type="none" w="med" len="med"/>
+              <a:tailEnd type="none" w="med" len="med"/>
+            </a:ln>
+            <a:effectLst/>
+          </p:spPr>
+          <p:style>
+            <a:lnRef idx="1">
+              <a:schemeClr val="accent2"/>
+            </a:lnRef>
+            <a:fillRef idx="3">
+              <a:schemeClr val="accent2"/>
+            </a:fillRef>
+            <a:effectRef idx="2">
+              <a:schemeClr val="accent2"/>
+            </a:effectRef>
+            <a:fontRef idx="minor">
+              <a:schemeClr val="lt1"/>
+            </a:fontRef>
+          </p:style>
+          <p:txBody>
+            <a:bodyPr rot="0" spcFirstLastPara="0" vertOverflow="overflow" horzOverflow="overflow" vert="horz" wrap="square" lIns="179285" tIns="143428" rIns="179285" bIns="143428" numCol="1" spcCol="0" rtlCol="0" fromWordArt="0" anchor="t" anchorCtr="0" forceAA="0" compatLnSpc="1">
+              <a:prstTxWarp prst="textNoShape">
+                <a:avLst/>
+              </a:prstTxWarp>
+              <a:noAutofit/>
+            </a:bodyPr>
+            <a:lstStyle/>
+            <a:p>
+              <a:pPr algn="ctr" defTabSz="914102" fontAlgn="base">
+                <a:lnSpc>
+                  <a:spcPct val="90000"/>
+                </a:lnSpc>
+                <a:spcBef>
+                  <a:spcPct val="0"/>
+                </a:spcBef>
+                <a:spcAft>
+                  <a:spcPct val="0"/>
+                </a:spcAft>
+              </a:pPr>
+              <a:endParaRPr lang="en-US" sz="2353" err="1">
+                <a:gradFill>
+                  <a:gsLst>
+                    <a:gs pos="0">
+                      <a:srgbClr val="FFFFFF"/>
+                    </a:gs>
+                    <a:gs pos="100000">
+                      <a:srgbClr val="FFFFFF"/>
+                    </a:gs>
+                  </a:gsLst>
+                  <a:lin ang="5400000" scaled="0"/>
+                </a:gradFill>
+                <a:ea typeface="Segoe UI" pitchFamily="34" charset="0"/>
+                <a:cs typeface="Segoe UI" pitchFamily="34" charset="0"/>
+              </a:endParaRPr>
+            </a:p>
+          </p:txBody>
+        </p:sp>
+      </p:grpSp>
+    </p:spTree>
+    <p:extLst>
+      <p:ext uri="{BB962C8B-B14F-4D97-AF65-F5344CB8AC3E}">
+        <p14:creationId xmlns:p14="http://schemas.microsoft.com/office/powerpoint/2010/main" val="1025428849"/>
+      </p:ext>
+    </p:extLst>
+  </p:cSld>
+  <p:clrMapOvr>
+    <a:masterClrMapping/>
+  </p:clrMapOvr>
+  <p:transition>
+    <p:fade/>
+  </p:transition>
+</p:sld>
+</file>
+
+<file path=ppt/slides/slide13.xml><?xml version="1.0" encoding="utf-8"?>
+<p:sld xmlns:a="http://schemas.openxmlformats.org/drawingml/2006/main" xmlns:r="http://schemas.openxmlformats.org/officeDocument/2006/relationships" xmlns:p="http://schemas.openxmlformats.org/presentationml/2006/main">
+  <p:cSld>
+    <p:spTree>
+      <p:nvGrpSpPr>
+        <p:cNvPr id="1" name=""/>
+        <p:cNvGrpSpPr/>
+        <p:nvPr/>
+      </p:nvGrpSpPr>
+      <p:grpSpPr>
+        <a:xfrm>
+          <a:off x="0" y="0"/>
+          <a:ext cx="0" cy="0"/>
+          <a:chOff x="0" y="0"/>
+          <a:chExt cx="0" cy="0"/>
+        </a:xfrm>
+      </p:grpSpPr>
+      <p:sp>
+        <p:nvSpPr>
+          <p:cNvPr id="2" name="Text Placeholder 1"/>
+          <p:cNvSpPr>
+            <a:spLocks noGrp="1"/>
+          </p:cNvSpPr>
+          <p:nvPr>
+            <p:ph type="body" sz="quarter" idx="10"/>
+          </p:nvPr>
+        </p:nvSpPr>
+        <p:spPr>
+          <a:xfrm>
+            <a:off x="269240" y="1189495"/>
+            <a:ext cx="11653523" cy="5117279"/>
+          </a:xfrm>
+        </p:spPr>
+        <p:txBody>
+          <a:bodyPr/>
+          <a:lstStyle/>
+          <a:p>
+            <a:r>
+              <a:rPr lang="en-US" sz="3529" dirty="0" err="1"/>
+              <a:t>Xamarin.UITest</a:t>
+            </a:r>
+            <a:endParaRPr lang="en-US" sz="3529" dirty="0"/>
+          </a:p>
+          <a:p>
+            <a:pPr lvl="1"/>
+            <a:r>
+              <a:rPr lang="en-US" sz="1961" dirty="0"/>
+              <a:t>Tests written in C#</a:t>
+            </a:r>
+          </a:p>
+          <a:p>
+            <a:pPr lvl="1"/>
+            <a:r>
+              <a:rPr lang="en-US" sz="1961" dirty="0"/>
+              <a:t>Supports Xamarin apps, Native (Android, iOS) Apps, React Native Apps, Hybrid Apps</a:t>
+            </a:r>
+          </a:p>
+          <a:p>
+            <a:r>
+              <a:rPr lang="en-US" sz="3529" dirty="0" err="1"/>
+              <a:t>XCUITest</a:t>
+            </a:r>
+            <a:endParaRPr lang="en-US" sz="3529" dirty="0"/>
+          </a:p>
+          <a:p>
+            <a:pPr lvl="1"/>
+            <a:r>
+              <a:rPr lang="en-US" sz="1961" dirty="0"/>
+              <a:t>Tests written in Swift</a:t>
+            </a:r>
+          </a:p>
+          <a:p>
+            <a:pPr lvl="1"/>
+            <a:r>
+              <a:rPr lang="en-US" sz="1961" dirty="0"/>
+              <a:t>Supports native iOS apps</a:t>
+            </a:r>
+          </a:p>
+          <a:p>
+            <a:r>
+              <a:rPr lang="en-US" sz="3529" dirty="0"/>
+              <a:t>Espresso</a:t>
+            </a:r>
+          </a:p>
+          <a:p>
+            <a:pPr lvl="1"/>
+            <a:r>
+              <a:rPr lang="en-US" sz="1961" dirty="0"/>
+              <a:t>Tests written in Java</a:t>
+            </a:r>
+          </a:p>
+          <a:p>
+            <a:pPr lvl="1"/>
+            <a:r>
+              <a:rPr lang="en-US" sz="1961" dirty="0"/>
+              <a:t>Supports native Android apps</a:t>
+            </a:r>
+          </a:p>
+          <a:p>
+            <a:r>
+              <a:rPr lang="en-US" sz="3529" dirty="0" err="1"/>
+              <a:t>Appium</a:t>
+            </a:r>
+            <a:endParaRPr lang="en-US" sz="3529" dirty="0"/>
+          </a:p>
+          <a:p>
+            <a:pPr lvl="1"/>
+            <a:r>
+              <a:rPr lang="en-US" sz="1961" dirty="0"/>
+              <a:t>Tests written in Java</a:t>
+            </a:r>
+          </a:p>
+          <a:p>
+            <a:pPr lvl="1"/>
+            <a:r>
+              <a:rPr lang="en-US" sz="1961" dirty="0"/>
+              <a:t>Supports native (Android and iOS) apps , Xamarin Apps, </a:t>
+            </a:r>
+            <a:r>
+              <a:rPr lang="en-US" sz="1961" dirty="0"/>
+              <a:t>React Native Apps, Hybrid </a:t>
+            </a:r>
+            <a:r>
+              <a:rPr lang="en-US" sz="1961" dirty="0"/>
+              <a:t>Apps</a:t>
+            </a:r>
+            <a:endParaRPr lang="en-US" sz="1961" dirty="0"/>
+          </a:p>
+        </p:txBody>
+      </p:sp>
+      <p:sp>
+        <p:nvSpPr>
+          <p:cNvPr id="3" name="Title 2"/>
+          <p:cNvSpPr>
+            <a:spLocks noGrp="1"/>
+          </p:cNvSpPr>
+          <p:nvPr>
+            <p:ph type="title"/>
+          </p:nvPr>
+        </p:nvSpPr>
+        <p:spPr/>
+        <p:txBody>
+          <a:bodyPr/>
+          <a:lstStyle/>
+          <a:p>
+            <a:r>
+              <a:rPr lang="en-US" dirty="0" smtClean="0"/>
+              <a:t>Supported Testing Platforms</a:t>
+            </a:r>
+            <a:endParaRPr lang="en-US" dirty="0"/>
+          </a:p>
+        </p:txBody>
+      </p:sp>
+    </p:spTree>
+    <p:extLst>
+      <p:ext uri="{BB962C8B-B14F-4D97-AF65-F5344CB8AC3E}">
+        <p14:creationId xmlns:p14="http://schemas.microsoft.com/office/powerpoint/2010/main" val="1493903027"/>
+      </p:ext>
+    </p:extLst>
+  </p:cSld>
+  <p:clrMapOvr>
+    <a:masterClrMapping/>
+  </p:clrMapOvr>
+  <p:transition>
+    <p:fade/>
+  </p:transition>
 </p:sld>
 </file>
 
@@ -11916,7 +19384,7 @@
           <p:cNvPr id="2" name="Title 1">
             <a:extLst>
               <a:ext uri="{FF2B5EF4-FFF2-40B4-BE49-F238E27FC236}">
-                <a16:creationId xmlns:a16="http://schemas.microsoft.com/office/drawing/2014/main" xmlns="" id="{D4C993F2-DE4C-4DD7-964A-AE93C6F0FBD6}"/>
+                <a16:creationId xmlns="" xmlns:a16="http://schemas.microsoft.com/office/drawing/2014/main" id="{D4C993F2-DE4C-4DD7-964A-AE93C6F0FBD6}"/>
               </a:ext>
             </a:extLst>
           </p:cNvPr>
@@ -11952,7 +19420,7 @@
           <p:cNvPr id="3" name="Subtitle 2">
             <a:extLst>
               <a:ext uri="{FF2B5EF4-FFF2-40B4-BE49-F238E27FC236}">
-                <a16:creationId xmlns:a16="http://schemas.microsoft.com/office/drawing/2014/main" xmlns="" id="{E8BE59D4-4752-49B8-B2AA-442EB01AE79B}"/>
+                <a16:creationId xmlns="" xmlns:a16="http://schemas.microsoft.com/office/drawing/2014/main" id="{E8BE59D4-4752-49B8-B2AA-442EB01AE79B}"/>
               </a:ext>
             </a:extLst>
           </p:cNvPr>
@@ -16470,6 +23938,610 @@
 </file>
 
 <file path=ppt/theme/theme2.xml><?xml version="1.0" encoding="utf-8"?>
+<a:theme xmlns:a="http://schemas.openxmlformats.org/drawingml/2006/main" name="Gartner Template Master">
+  <a:themeElements>
+    <a:clrScheme name="BT - Blue on white">
+      <a:dk1>
+        <a:srgbClr val="505050"/>
+      </a:dk1>
+      <a:lt1>
+        <a:srgbClr val="FFFFFF"/>
+      </a:lt1>
+      <a:dk2>
+        <a:srgbClr val="0078D7"/>
+      </a:dk2>
+      <a:lt2>
+        <a:srgbClr val="00BCF2"/>
+      </a:lt2>
+      <a:accent1>
+        <a:srgbClr val="0078D7"/>
+      </a:accent1>
+      <a:accent2>
+        <a:srgbClr val="002050"/>
+      </a:accent2>
+      <a:accent3>
+        <a:srgbClr val="D83B01"/>
+      </a:accent3>
+      <a:accent4>
+        <a:srgbClr val="5C2D91"/>
+      </a:accent4>
+      <a:accent5>
+        <a:srgbClr val="008272"/>
+      </a:accent5>
+      <a:accent6>
+        <a:srgbClr val="B4009E"/>
+      </a:accent6>
+      <a:hlink>
+        <a:srgbClr val="0078D7"/>
+      </a:hlink>
+      <a:folHlink>
+        <a:srgbClr val="0078D7"/>
+      </a:folHlink>
+    </a:clrScheme>
+    <a:fontScheme name="Custom 1">
+      <a:majorFont>
+        <a:latin typeface="Segoe UI Light"/>
+        <a:ea typeface=""/>
+        <a:cs typeface=""/>
+      </a:majorFont>
+      <a:minorFont>
+        <a:latin typeface="Segoe UI"/>
+        <a:ea typeface=""/>
+        <a:cs typeface=""/>
+      </a:minorFont>
+    </a:fontScheme>
+    <a:fmtScheme name="Couture">
+      <a:fillStyleLst>
+        <a:solidFill>
+          <a:schemeClr val="phClr"/>
+        </a:solidFill>
+        <a:solidFill>
+          <a:schemeClr val="phClr">
+            <a:tint val="65000"/>
+          </a:schemeClr>
+        </a:solidFill>
+        <a:solidFill>
+          <a:schemeClr val="phClr">
+            <a:shade val="80000"/>
+            <a:satMod val="180000"/>
+          </a:schemeClr>
+        </a:solidFill>
+      </a:fillStyleLst>
+      <a:lnStyleLst>
+        <a:ln w="9525" cap="flat" cmpd="sng" algn="ctr">
+          <a:solidFill>
+            <a:schemeClr val="phClr"/>
+          </a:solidFill>
+          <a:prstDash val="solid"/>
+        </a:ln>
+        <a:ln w="10795" cap="flat" cmpd="sng" algn="ctr">
+          <a:solidFill>
+            <a:schemeClr val="phClr"/>
+          </a:solidFill>
+          <a:prstDash val="solid"/>
+        </a:ln>
+        <a:ln w="17145" cap="flat" cmpd="sng" algn="ctr">
+          <a:solidFill>
+            <a:schemeClr val="phClr">
+              <a:shade val="95000"/>
+              <a:alpha val="50000"/>
+              <a:satMod val="150000"/>
+            </a:schemeClr>
+          </a:solidFill>
+          <a:prstDash val="solid"/>
+        </a:ln>
+      </a:lnStyleLst>
+      <a:effectStyleLst>
+        <a:effectStyle>
+          <a:effectLst/>
+        </a:effectStyle>
+        <a:effectStyle>
+          <a:effectLst/>
+        </a:effectStyle>
+        <a:effectStyle>
+          <a:effectLst>
+            <a:outerShdw blurRad="44450" dist="13970" dir="5400000" algn="ctr" rotWithShape="0">
+              <a:srgbClr val="000000">
+                <a:alpha val="45000"/>
+              </a:srgbClr>
+            </a:outerShdw>
+          </a:effectLst>
+          <a:scene3d>
+            <a:camera prst="orthographicFront">
+              <a:rot lat="0" lon="0" rev="0"/>
+            </a:camera>
+            <a:lightRig rig="twoPt" dir="tl"/>
+          </a:scene3d>
+          <a:sp3d prstMaterial="flat">
+            <a:bevelT w="19050" h="31750" prst="coolSlant"/>
+          </a:sp3d>
+        </a:effectStyle>
+      </a:effectStyleLst>
+      <a:bgFillStyleLst>
+        <a:solidFill>
+          <a:schemeClr val="phClr"/>
+        </a:solidFill>
+        <a:gradFill rotWithShape="1">
+          <a:gsLst>
+            <a:gs pos="0">
+              <a:schemeClr val="phClr">
+                <a:tint val="40000"/>
+                <a:satMod val="350000"/>
+              </a:schemeClr>
+            </a:gs>
+            <a:gs pos="40000">
+              <a:schemeClr val="phClr">
+                <a:tint val="45000"/>
+                <a:shade val="99000"/>
+                <a:satMod val="350000"/>
+              </a:schemeClr>
+            </a:gs>
+            <a:gs pos="100000">
+              <a:schemeClr val="phClr">
+                <a:shade val="20000"/>
+                <a:satMod val="255000"/>
+              </a:schemeClr>
+            </a:gs>
+          </a:gsLst>
+          <a:path path="circle">
+            <a:fillToRect l="50000" t="-80000" r="50000" b="180000"/>
+          </a:path>
+        </a:gradFill>
+        <a:gradFill rotWithShape="1">
+          <a:gsLst>
+            <a:gs pos="0">
+              <a:schemeClr val="phClr">
+                <a:tint val="80000"/>
+                <a:satMod val="300000"/>
+              </a:schemeClr>
+            </a:gs>
+            <a:gs pos="100000">
+              <a:schemeClr val="phClr">
+                <a:shade val="30000"/>
+                <a:satMod val="200000"/>
+              </a:schemeClr>
+            </a:gs>
+          </a:gsLst>
+          <a:path path="circle">
+            <a:fillToRect l="50000" t="50000" r="50000" b="50000"/>
+          </a:path>
+        </a:gradFill>
+      </a:bgFillStyleLst>
+    </a:fmtScheme>
+  </a:themeElements>
+  <a:objectDefaults>
+    <a:spDef>
+      <a:spPr bwMode="auto">
+        <a:solidFill>
+          <a:schemeClr val="accent1"/>
+        </a:solidFill>
+        <a:ln>
+          <a:noFill/>
+          <a:headEnd type="none" w="med" len="med"/>
+          <a:tailEnd type="none" w="med" len="med"/>
+        </a:ln>
+        <a:effectLst/>
+      </a:spPr>
+      <a:bodyPr rot="0" spcFirstLastPara="0" vertOverflow="overflow" horzOverflow="overflow" vert="horz" wrap="square" lIns="182880" tIns="146304" rIns="182880" bIns="146304" numCol="1" spcCol="0" rtlCol="0" fromWordArt="0" anchor="t" anchorCtr="0" forceAA="0" compatLnSpc="1">
+        <a:prstTxWarp prst="textNoShape">
+          <a:avLst/>
+        </a:prstTxWarp>
+        <a:noAutofit/>
+      </a:bodyPr>
+      <a:lstStyle>
+        <a:defPPr defTabSz="932472" fontAlgn="base">
+          <a:lnSpc>
+            <a:spcPct val="90000"/>
+          </a:lnSpc>
+          <a:spcBef>
+            <a:spcPct val="0"/>
+          </a:spcBef>
+          <a:spcAft>
+            <a:spcPct val="0"/>
+          </a:spcAft>
+          <a:defRPr sz="2400" dirty="0" err="1" smtClean="0">
+            <a:gradFill>
+              <a:gsLst>
+                <a:gs pos="0">
+                  <a:srgbClr val="FFFFFF"/>
+                </a:gs>
+                <a:gs pos="100000">
+                  <a:srgbClr val="FFFFFF"/>
+                </a:gs>
+              </a:gsLst>
+              <a:lin ang="5400000" scaled="0"/>
+            </a:gradFill>
+            <a:ea typeface="Segoe UI" pitchFamily="34" charset="0"/>
+            <a:cs typeface="Segoe UI" pitchFamily="34" charset="0"/>
+          </a:defRPr>
+        </a:defPPr>
+      </a:lstStyle>
+      <a:style>
+        <a:lnRef idx="1">
+          <a:schemeClr val="accent2"/>
+        </a:lnRef>
+        <a:fillRef idx="3">
+          <a:schemeClr val="accent2"/>
+        </a:fillRef>
+        <a:effectRef idx="2">
+          <a:schemeClr val="accent2"/>
+        </a:effectRef>
+        <a:fontRef idx="minor">
+          <a:schemeClr val="lt1"/>
+        </a:fontRef>
+      </a:style>
+    </a:spDef>
+    <a:lnDef>
+      <a:spPr>
+        <a:ln>
+          <a:solidFill>
+            <a:schemeClr val="tx1"/>
+          </a:solidFill>
+          <a:headEnd type="none"/>
+          <a:tailEnd type="none"/>
+        </a:ln>
+      </a:spPr>
+      <a:bodyPr/>
+      <a:lstStyle/>
+      <a:style>
+        <a:lnRef idx="1">
+          <a:schemeClr val="accent1"/>
+        </a:lnRef>
+        <a:fillRef idx="0">
+          <a:schemeClr val="accent1"/>
+        </a:fillRef>
+        <a:effectRef idx="0">
+          <a:schemeClr val="accent1"/>
+        </a:effectRef>
+        <a:fontRef idx="minor">
+          <a:schemeClr val="tx1"/>
+        </a:fontRef>
+      </a:style>
+    </a:lnDef>
+    <a:txDef>
+      <a:spPr>
+        <a:noFill/>
+      </a:spPr>
+      <a:bodyPr wrap="square" lIns="182880" tIns="146304" rIns="182880" bIns="146304" rtlCol="0">
+        <a:spAutoFit/>
+      </a:bodyPr>
+      <a:lstStyle>
+        <a:defPPr>
+          <a:lnSpc>
+            <a:spcPct val="90000"/>
+          </a:lnSpc>
+          <a:spcAft>
+            <a:spcPts val="600"/>
+          </a:spcAft>
+          <a:defRPr sz="2400" dirty="0" err="1" smtClean="0">
+            <a:gradFill>
+              <a:gsLst>
+                <a:gs pos="2917">
+                  <a:schemeClr val="tx1"/>
+                </a:gs>
+                <a:gs pos="30000">
+                  <a:schemeClr val="tx1"/>
+                </a:gs>
+              </a:gsLst>
+              <a:lin ang="5400000" scaled="0"/>
+            </a:gradFill>
+          </a:defRPr>
+        </a:defPPr>
+      </a:lstStyle>
+    </a:txDef>
+  </a:objectDefaults>
+  <a:extraClrSchemeLst/>
+  <a:extLst>
+    <a:ext uri="{05A4C25C-085E-4340-85A3-A5531E510DB2}">
+      <thm15:themeFamily xmlns:thm15="http://schemas.microsoft.com/office/thememl/2012/main" name="Brand_template_16-9_Business_BLUE_2015_4.potx" id="{280B0584-D3E0-4FDF-AF7B-DC9201B1C6A4}" vid="{BD0412F3-0F64-434F-968B-D425D17D0172}"/>
+    </a:ext>
+  </a:extLst>
+</a:theme>
+</file>
+
+<file path=ppt/theme/theme3.xml><?xml version="1.0" encoding="utf-8"?>
+<a:theme xmlns:a="http://schemas.openxmlformats.org/drawingml/2006/main" name="1_Gartner Template Master">
+  <a:themeElements>
+    <a:clrScheme name="BT - Blue on white">
+      <a:dk1>
+        <a:srgbClr val="505050"/>
+      </a:dk1>
+      <a:lt1>
+        <a:srgbClr val="FFFFFF"/>
+      </a:lt1>
+      <a:dk2>
+        <a:srgbClr val="0078D7"/>
+      </a:dk2>
+      <a:lt2>
+        <a:srgbClr val="00BCF2"/>
+      </a:lt2>
+      <a:accent1>
+        <a:srgbClr val="0078D7"/>
+      </a:accent1>
+      <a:accent2>
+        <a:srgbClr val="002050"/>
+      </a:accent2>
+      <a:accent3>
+        <a:srgbClr val="D83B01"/>
+      </a:accent3>
+      <a:accent4>
+        <a:srgbClr val="5C2D91"/>
+      </a:accent4>
+      <a:accent5>
+        <a:srgbClr val="008272"/>
+      </a:accent5>
+      <a:accent6>
+        <a:srgbClr val="B4009E"/>
+      </a:accent6>
+      <a:hlink>
+        <a:srgbClr val="0078D7"/>
+      </a:hlink>
+      <a:folHlink>
+        <a:srgbClr val="0078D7"/>
+      </a:folHlink>
+    </a:clrScheme>
+    <a:fontScheme name="Custom 1">
+      <a:majorFont>
+        <a:latin typeface="Segoe UI Light"/>
+        <a:ea typeface=""/>
+        <a:cs typeface=""/>
+      </a:majorFont>
+      <a:minorFont>
+        <a:latin typeface="Segoe UI"/>
+        <a:ea typeface=""/>
+        <a:cs typeface=""/>
+      </a:minorFont>
+    </a:fontScheme>
+    <a:fmtScheme name="Couture">
+      <a:fillStyleLst>
+        <a:solidFill>
+          <a:schemeClr val="phClr"/>
+        </a:solidFill>
+        <a:solidFill>
+          <a:schemeClr val="phClr">
+            <a:tint val="65000"/>
+          </a:schemeClr>
+        </a:solidFill>
+        <a:solidFill>
+          <a:schemeClr val="phClr">
+            <a:shade val="80000"/>
+            <a:satMod val="180000"/>
+          </a:schemeClr>
+        </a:solidFill>
+      </a:fillStyleLst>
+      <a:lnStyleLst>
+        <a:ln w="9525" cap="flat" cmpd="sng" algn="ctr">
+          <a:solidFill>
+            <a:schemeClr val="phClr"/>
+          </a:solidFill>
+          <a:prstDash val="solid"/>
+        </a:ln>
+        <a:ln w="10795" cap="flat" cmpd="sng" algn="ctr">
+          <a:solidFill>
+            <a:schemeClr val="phClr"/>
+          </a:solidFill>
+          <a:prstDash val="solid"/>
+        </a:ln>
+        <a:ln w="17145" cap="flat" cmpd="sng" algn="ctr">
+          <a:solidFill>
+            <a:schemeClr val="phClr">
+              <a:shade val="95000"/>
+              <a:alpha val="50000"/>
+              <a:satMod val="150000"/>
+            </a:schemeClr>
+          </a:solidFill>
+          <a:prstDash val="solid"/>
+        </a:ln>
+      </a:lnStyleLst>
+      <a:effectStyleLst>
+        <a:effectStyle>
+          <a:effectLst/>
+        </a:effectStyle>
+        <a:effectStyle>
+          <a:effectLst/>
+        </a:effectStyle>
+        <a:effectStyle>
+          <a:effectLst>
+            <a:outerShdw blurRad="44450" dist="13970" dir="5400000" algn="ctr" rotWithShape="0">
+              <a:srgbClr val="000000">
+                <a:alpha val="45000"/>
+              </a:srgbClr>
+            </a:outerShdw>
+          </a:effectLst>
+          <a:scene3d>
+            <a:camera prst="orthographicFront">
+              <a:rot lat="0" lon="0" rev="0"/>
+            </a:camera>
+            <a:lightRig rig="twoPt" dir="tl"/>
+          </a:scene3d>
+          <a:sp3d prstMaterial="flat">
+            <a:bevelT w="19050" h="31750" prst="coolSlant"/>
+          </a:sp3d>
+        </a:effectStyle>
+      </a:effectStyleLst>
+      <a:bgFillStyleLst>
+        <a:solidFill>
+          <a:schemeClr val="phClr"/>
+        </a:solidFill>
+        <a:gradFill rotWithShape="1">
+          <a:gsLst>
+            <a:gs pos="0">
+              <a:schemeClr val="phClr">
+                <a:tint val="40000"/>
+                <a:satMod val="350000"/>
+              </a:schemeClr>
+            </a:gs>
+            <a:gs pos="40000">
+              <a:schemeClr val="phClr">
+                <a:tint val="45000"/>
+                <a:shade val="99000"/>
+                <a:satMod val="350000"/>
+              </a:schemeClr>
+            </a:gs>
+            <a:gs pos="100000">
+              <a:schemeClr val="phClr">
+                <a:shade val="20000"/>
+                <a:satMod val="255000"/>
+              </a:schemeClr>
+            </a:gs>
+          </a:gsLst>
+          <a:path path="circle">
+            <a:fillToRect l="50000" t="-80000" r="50000" b="180000"/>
+          </a:path>
+        </a:gradFill>
+        <a:gradFill rotWithShape="1">
+          <a:gsLst>
+            <a:gs pos="0">
+              <a:schemeClr val="phClr">
+                <a:tint val="80000"/>
+                <a:satMod val="300000"/>
+              </a:schemeClr>
+            </a:gs>
+            <a:gs pos="100000">
+              <a:schemeClr val="phClr">
+                <a:shade val="30000"/>
+                <a:satMod val="200000"/>
+              </a:schemeClr>
+            </a:gs>
+          </a:gsLst>
+          <a:path path="circle">
+            <a:fillToRect l="50000" t="50000" r="50000" b="50000"/>
+          </a:path>
+        </a:gradFill>
+      </a:bgFillStyleLst>
+    </a:fmtScheme>
+  </a:themeElements>
+  <a:objectDefaults>
+    <a:spDef>
+      <a:spPr bwMode="auto">
+        <a:solidFill>
+          <a:schemeClr val="accent1"/>
+        </a:solidFill>
+        <a:ln>
+          <a:noFill/>
+          <a:headEnd type="none" w="med" len="med"/>
+          <a:tailEnd type="none" w="med" len="med"/>
+        </a:ln>
+        <a:effectLst/>
+      </a:spPr>
+      <a:bodyPr rot="0" spcFirstLastPara="0" vertOverflow="overflow" horzOverflow="overflow" vert="horz" wrap="square" lIns="182880" tIns="146304" rIns="182880" bIns="146304" numCol="1" spcCol="0" rtlCol="0" fromWordArt="0" anchor="t" anchorCtr="0" forceAA="0" compatLnSpc="1">
+        <a:prstTxWarp prst="textNoShape">
+          <a:avLst/>
+        </a:prstTxWarp>
+        <a:noAutofit/>
+      </a:bodyPr>
+      <a:lstStyle>
+        <a:defPPr defTabSz="932472" fontAlgn="base">
+          <a:lnSpc>
+            <a:spcPct val="90000"/>
+          </a:lnSpc>
+          <a:spcBef>
+            <a:spcPct val="0"/>
+          </a:spcBef>
+          <a:spcAft>
+            <a:spcPct val="0"/>
+          </a:spcAft>
+          <a:defRPr sz="2400" dirty="0" err="1" smtClean="0">
+            <a:gradFill>
+              <a:gsLst>
+                <a:gs pos="0">
+                  <a:srgbClr val="FFFFFF"/>
+                </a:gs>
+                <a:gs pos="100000">
+                  <a:srgbClr val="FFFFFF"/>
+                </a:gs>
+              </a:gsLst>
+              <a:lin ang="5400000" scaled="0"/>
+            </a:gradFill>
+            <a:ea typeface="Segoe UI" pitchFamily="34" charset="0"/>
+            <a:cs typeface="Segoe UI" pitchFamily="34" charset="0"/>
+          </a:defRPr>
+        </a:defPPr>
+      </a:lstStyle>
+      <a:style>
+        <a:lnRef idx="1">
+          <a:schemeClr val="accent2"/>
+        </a:lnRef>
+        <a:fillRef idx="3">
+          <a:schemeClr val="accent2"/>
+        </a:fillRef>
+        <a:effectRef idx="2">
+          <a:schemeClr val="accent2"/>
+        </a:effectRef>
+        <a:fontRef idx="minor">
+          <a:schemeClr val="lt1"/>
+        </a:fontRef>
+      </a:style>
+    </a:spDef>
+    <a:lnDef>
+      <a:spPr>
+        <a:ln>
+          <a:solidFill>
+            <a:schemeClr val="tx1"/>
+          </a:solidFill>
+          <a:headEnd type="none"/>
+          <a:tailEnd type="none"/>
+        </a:ln>
+      </a:spPr>
+      <a:bodyPr/>
+      <a:lstStyle/>
+      <a:style>
+        <a:lnRef idx="1">
+          <a:schemeClr val="accent1"/>
+        </a:lnRef>
+        <a:fillRef idx="0">
+          <a:schemeClr val="accent1"/>
+        </a:fillRef>
+        <a:effectRef idx="0">
+          <a:schemeClr val="accent1"/>
+        </a:effectRef>
+        <a:fontRef idx="minor">
+          <a:schemeClr val="tx1"/>
+        </a:fontRef>
+      </a:style>
+    </a:lnDef>
+    <a:txDef>
+      <a:spPr>
+        <a:noFill/>
+      </a:spPr>
+      <a:bodyPr wrap="square" lIns="182880" tIns="146304" rIns="182880" bIns="146304" rtlCol="0">
+        <a:spAutoFit/>
+      </a:bodyPr>
+      <a:lstStyle>
+        <a:defPPr>
+          <a:lnSpc>
+            <a:spcPct val="90000"/>
+          </a:lnSpc>
+          <a:spcAft>
+            <a:spcPts val="600"/>
+          </a:spcAft>
+          <a:defRPr sz="2400" dirty="0" err="1" smtClean="0">
+            <a:gradFill>
+              <a:gsLst>
+                <a:gs pos="2917">
+                  <a:schemeClr val="tx1"/>
+                </a:gs>
+                <a:gs pos="30000">
+                  <a:schemeClr val="tx1"/>
+                </a:gs>
+              </a:gsLst>
+              <a:lin ang="5400000" scaled="0"/>
+            </a:gradFill>
+          </a:defRPr>
+        </a:defPPr>
+      </a:lstStyle>
+    </a:txDef>
+  </a:objectDefaults>
+  <a:extraClrSchemeLst/>
+  <a:extLst>
+    <a:ext uri="{05A4C25C-085E-4340-85A3-A5531E510DB2}">
+      <thm15:themeFamily xmlns:thm15="http://schemas.microsoft.com/office/thememl/2012/main" name="Brand_template_16-9_Business_BLUE_2015_4.potx" id="{280B0584-D3E0-4FDF-AF7B-DC9201B1C6A4}" vid="{BD0412F3-0F64-434F-968B-D425D17D0172}"/>
+    </a:ext>
+  </a:extLst>
+</a:theme>
+</file>
+
+<file path=ppt/theme/theme4.xml><?xml version="1.0" encoding="utf-8"?>
 <a:theme xmlns:a="http://schemas.openxmlformats.org/drawingml/2006/main" name="Office Theme">
   <a:themeElements>
     <a:clrScheme name="Office">

--- a/_Presentations/SFDevDays.pptx
+++ b/_Presentations/SFDevDays.pptx
@@ -7,7 +7,7 @@
     <p:sldMasterId id="2147483691" r:id="rId3"/>
   </p:sldMasterIdLst>
   <p:notesMasterIdLst>
-    <p:notesMasterId r:id="rId17"/>
+    <p:notesMasterId r:id="rId20"/>
   </p:notesMasterIdLst>
   <p:sldIdLst>
     <p:sldId id="267" r:id="rId4"/>
@@ -19,10 +19,13 @@
     <p:sldId id="263" r:id="rId10"/>
     <p:sldId id="261" r:id="rId11"/>
     <p:sldId id="262" r:id="rId12"/>
-    <p:sldId id="268" r:id="rId13"/>
-    <p:sldId id="269" r:id="rId14"/>
-    <p:sldId id="270" r:id="rId15"/>
-    <p:sldId id="271" r:id="rId16"/>
+    <p:sldId id="272" r:id="rId13"/>
+    <p:sldId id="273" r:id="rId14"/>
+    <p:sldId id="274" r:id="rId15"/>
+    <p:sldId id="268" r:id="rId16"/>
+    <p:sldId id="269" r:id="rId17"/>
+    <p:sldId id="270" r:id="rId18"/>
+    <p:sldId id="271" r:id="rId19"/>
   </p:sldIdLst>
   <p:sldSz cx="12192000" cy="6858000"/>
   <p:notesSz cx="6858000" cy="9144000"/>
@@ -607,7 +610,7 @@
           <a:p>
             <a:fld id="{38EEC551-8CDA-4EB6-89BB-2A86C9F091C8}" type="datetime8">
               <a:rPr lang="en-US" smtClean="0"/>
-              <a:t>10/31/17 8:59 AM</a:t>
+              <a:t>10/31/17 6:04 PM</a:t>
             </a:fld>
             <a:endParaRPr lang="en-US"/>
           </a:p>
@@ -641,6 +644,388 @@
     <p:extLst>
       <p:ext uri="{BB962C8B-B14F-4D97-AF65-F5344CB8AC3E}">
         <p14:creationId xmlns:p14="http://schemas.microsoft.com/office/powerpoint/2010/main" val="934808058"/>
+      </p:ext>
+    </p:extLst>
+  </p:cSld>
+  <p:clrMapOvr>
+    <a:masterClrMapping/>
+  </p:clrMapOvr>
+</p:notes>
+</file>
+
+<file path=ppt/notesSlides/notesSlide10.xml><?xml version="1.0" encoding="utf-8"?>
+<p:notes xmlns:a="http://schemas.openxmlformats.org/drawingml/2006/main" xmlns:r="http://schemas.openxmlformats.org/officeDocument/2006/relationships" xmlns:p="http://schemas.openxmlformats.org/presentationml/2006/main">
+  <p:cSld>
+    <p:spTree>
+      <p:nvGrpSpPr>
+        <p:cNvPr id="1" name=""/>
+        <p:cNvGrpSpPr/>
+        <p:nvPr/>
+      </p:nvGrpSpPr>
+      <p:grpSpPr>
+        <a:xfrm>
+          <a:off x="0" y="0"/>
+          <a:ext cx="0" cy="0"/>
+          <a:chOff x="0" y="0"/>
+          <a:chExt cx="0" cy="0"/>
+        </a:xfrm>
+      </p:grpSpPr>
+      <p:sp>
+        <p:nvSpPr>
+          <p:cNvPr id="2" name="Slide Image Placeholder 1"/>
+          <p:cNvSpPr>
+            <a:spLocks noGrp="1" noRot="1" noChangeAspect="1"/>
+          </p:cNvSpPr>
+          <p:nvPr>
+            <p:ph type="sldImg"/>
+          </p:nvPr>
+        </p:nvSpPr>
+        <p:spPr/>
+      </p:sp>
+      <p:sp>
+        <p:nvSpPr>
+          <p:cNvPr id="3" name="Notes Placeholder 2"/>
+          <p:cNvSpPr>
+            <a:spLocks noGrp="1"/>
+          </p:cNvSpPr>
+          <p:nvPr>
+            <p:ph type="body" idx="1"/>
+          </p:nvPr>
+        </p:nvSpPr>
+        <p:spPr/>
+        <p:txBody>
+          <a:bodyPr/>
+          <a:lstStyle/>
+          <a:p>
+            <a:pPr marL="171450" indent="-171450">
+              <a:buFont typeface="Arial" panose="020B0604020202020204" pitchFamily="34" charset="0"/>
+              <a:buChar char="•"/>
+            </a:pPr>
+            <a:endParaRPr lang="en-US"/>
+          </a:p>
+        </p:txBody>
+      </p:sp>
+      <p:sp>
+        <p:nvSpPr>
+          <p:cNvPr id="4" name="Header Placeholder 3"/>
+          <p:cNvSpPr>
+            <a:spLocks noGrp="1"/>
+          </p:cNvSpPr>
+          <p:nvPr>
+            <p:ph type="hdr" sz="quarter" idx="10"/>
+          </p:nvPr>
+        </p:nvSpPr>
+        <p:spPr/>
+        <p:txBody>
+          <a:bodyPr/>
+          <a:lstStyle/>
+          <a:p>
+            <a:r>
+              <a:rPr lang="en-US">
+                <a:solidFill>
+                  <a:prstClr val="black"/>
+                </a:solidFill>
+              </a:rPr>
+              <a:t>Microsoft Connect 2016</a:t>
+            </a:r>
+          </a:p>
+        </p:txBody>
+      </p:sp>
+      <p:sp>
+        <p:nvSpPr>
+          <p:cNvPr id="5" name="Footer Placeholder 4"/>
+          <p:cNvSpPr>
+            <a:spLocks noGrp="1"/>
+          </p:cNvSpPr>
+          <p:nvPr>
+            <p:ph type="ftr" sz="quarter" idx="11"/>
+          </p:nvPr>
+        </p:nvSpPr>
+        <p:spPr/>
+        <p:txBody>
+          <a:bodyPr/>
+          <a:lstStyle/>
+          <a:p>
+            <a:pPr defTabSz="914099" eaLnBrk="0" hangingPunct="0"/>
+            <a:r>
+              <a:rPr lang="en-US" sz="400">
+                <a:gradFill>
+                  <a:gsLst>
+                    <a:gs pos="0">
+                      <a:prstClr val="black"/>
+                    </a:gs>
+                    <a:gs pos="100000">
+                      <a:prstClr val="black"/>
+                    </a:gs>
+                  </a:gsLst>
+                  <a:lin ang="5400000" scaled="0"/>
+                </a:gradFill>
+                <a:latin typeface="Segoe UI" pitchFamily="34" charset="0"/>
+                <a:ea typeface="Segoe UI" pitchFamily="34" charset="0"/>
+                <a:cs typeface="Segoe UI" pitchFamily="34" charset="0"/>
+              </a:rPr>
+              <a:t>© 2016 Microsoft Corporation. All rights reserved. MICROSOFT MAKES NO WARRANTIES, EXPRESS, IMPLIED OR STATUTORY, AS TO THE INFORMATION IN THIS PRESENTATION.</a:t>
+            </a:r>
+          </a:p>
+        </p:txBody>
+      </p:sp>
+      <p:sp>
+        <p:nvSpPr>
+          <p:cNvPr id="6" name="Date Placeholder 5"/>
+          <p:cNvSpPr>
+            <a:spLocks noGrp="1"/>
+          </p:cNvSpPr>
+          <p:nvPr>
+            <p:ph type="dt" idx="12"/>
+          </p:nvPr>
+        </p:nvSpPr>
+        <p:spPr/>
+        <p:txBody>
+          <a:bodyPr/>
+          <a:lstStyle/>
+          <a:p>
+            <a:fld id="{38EEC551-8CDA-4EB6-89BB-2A86C9F091C8}" type="datetime8">
+              <a:rPr lang="en-US" smtClean="0">
+                <a:solidFill>
+                  <a:prstClr val="black"/>
+                </a:solidFill>
+              </a:rPr>
+              <a:pPr/>
+              <a:t>10/31/17 6:04 PM</a:t>
+            </a:fld>
+            <a:endParaRPr lang="en-US">
+              <a:solidFill>
+                <a:prstClr val="black"/>
+              </a:solidFill>
+            </a:endParaRPr>
+          </a:p>
+        </p:txBody>
+      </p:sp>
+      <p:sp>
+        <p:nvSpPr>
+          <p:cNvPr id="7" name="Slide Number Placeholder 6"/>
+          <p:cNvSpPr>
+            <a:spLocks noGrp="1"/>
+          </p:cNvSpPr>
+          <p:nvPr>
+            <p:ph type="sldNum" sz="quarter" idx="13"/>
+          </p:nvPr>
+        </p:nvSpPr>
+        <p:spPr/>
+        <p:txBody>
+          <a:bodyPr/>
+          <a:lstStyle/>
+          <a:p>
+            <a:fld id="{B4008EB6-D09E-4580-8CD6-DDB14511944F}" type="slidenum">
+              <a:rPr lang="en-US" smtClean="0">
+                <a:solidFill>
+                  <a:prstClr val="black"/>
+                </a:solidFill>
+              </a:rPr>
+              <a:pPr/>
+              <a:t>13</a:t>
+            </a:fld>
+            <a:endParaRPr lang="en-US">
+              <a:solidFill>
+                <a:prstClr val="black"/>
+              </a:solidFill>
+            </a:endParaRPr>
+          </a:p>
+        </p:txBody>
+      </p:sp>
+    </p:spTree>
+    <p:extLst>
+      <p:ext uri="{BB962C8B-B14F-4D97-AF65-F5344CB8AC3E}">
+        <p14:creationId xmlns:p14="http://schemas.microsoft.com/office/powerpoint/2010/main" val="1685348238"/>
+      </p:ext>
+    </p:extLst>
+  </p:cSld>
+  <p:clrMapOvr>
+    <a:masterClrMapping/>
+  </p:clrMapOvr>
+</p:notes>
+</file>
+
+<file path=ppt/notesSlides/notesSlide11.xml><?xml version="1.0" encoding="utf-8"?>
+<p:notes xmlns:a="http://schemas.openxmlformats.org/drawingml/2006/main" xmlns:r="http://schemas.openxmlformats.org/officeDocument/2006/relationships" xmlns:p="http://schemas.openxmlformats.org/presentationml/2006/main">
+  <p:cSld>
+    <p:spTree>
+      <p:nvGrpSpPr>
+        <p:cNvPr id="1" name=""/>
+        <p:cNvGrpSpPr/>
+        <p:nvPr/>
+      </p:nvGrpSpPr>
+      <p:grpSpPr>
+        <a:xfrm>
+          <a:off x="0" y="0"/>
+          <a:ext cx="0" cy="0"/>
+          <a:chOff x="0" y="0"/>
+          <a:chExt cx="0" cy="0"/>
+        </a:xfrm>
+      </p:grpSpPr>
+      <p:sp>
+        <p:nvSpPr>
+          <p:cNvPr id="2" name="Slide Image Placeholder 1"/>
+          <p:cNvSpPr>
+            <a:spLocks noGrp="1" noRot="1" noChangeAspect="1"/>
+          </p:cNvSpPr>
+          <p:nvPr>
+            <p:ph type="sldImg"/>
+          </p:nvPr>
+        </p:nvSpPr>
+        <p:spPr/>
+      </p:sp>
+      <p:sp>
+        <p:nvSpPr>
+          <p:cNvPr id="3" name="Notes Placeholder 2"/>
+          <p:cNvSpPr>
+            <a:spLocks noGrp="1"/>
+          </p:cNvSpPr>
+          <p:nvPr>
+            <p:ph type="body" idx="1"/>
+          </p:nvPr>
+        </p:nvSpPr>
+        <p:spPr/>
+        <p:txBody>
+          <a:bodyPr/>
+          <a:lstStyle/>
+          <a:p>
+            <a:endParaRPr lang="en-US"/>
+          </a:p>
+        </p:txBody>
+      </p:sp>
+      <p:sp>
+        <p:nvSpPr>
+          <p:cNvPr id="4" name="Header Placeholder 3"/>
+          <p:cNvSpPr>
+            <a:spLocks noGrp="1"/>
+          </p:cNvSpPr>
+          <p:nvPr>
+            <p:ph type="hdr" sz="quarter" idx="10"/>
+          </p:nvPr>
+        </p:nvSpPr>
+        <p:spPr/>
+        <p:txBody>
+          <a:bodyPr/>
+          <a:lstStyle/>
+          <a:p>
+            <a:r>
+              <a:rPr lang="en-US">
+                <a:solidFill>
+                  <a:prstClr val="black"/>
+                </a:solidFill>
+              </a:rPr>
+              <a:t>Microsoft Connect 2016</a:t>
+            </a:r>
+          </a:p>
+        </p:txBody>
+      </p:sp>
+      <p:sp>
+        <p:nvSpPr>
+          <p:cNvPr id="5" name="Footer Placeholder 4"/>
+          <p:cNvSpPr>
+            <a:spLocks noGrp="1"/>
+          </p:cNvSpPr>
+          <p:nvPr>
+            <p:ph type="ftr" sz="quarter" idx="11"/>
+          </p:nvPr>
+        </p:nvSpPr>
+        <p:spPr/>
+        <p:txBody>
+          <a:bodyPr/>
+          <a:lstStyle/>
+          <a:p>
+            <a:pPr defTabSz="914099" eaLnBrk="0" hangingPunct="0"/>
+            <a:r>
+              <a:rPr lang="en-US" sz="400">
+                <a:gradFill>
+                  <a:gsLst>
+                    <a:gs pos="0">
+                      <a:prstClr val="black"/>
+                    </a:gs>
+                    <a:gs pos="100000">
+                      <a:prstClr val="black"/>
+                    </a:gs>
+                  </a:gsLst>
+                  <a:lin ang="5400000" scaled="0"/>
+                </a:gradFill>
+                <a:latin typeface="Segoe UI" pitchFamily="34" charset="0"/>
+                <a:ea typeface="Segoe UI" pitchFamily="34" charset="0"/>
+                <a:cs typeface="Segoe UI" pitchFamily="34" charset="0"/>
+              </a:rPr>
+              <a:t>© 2016 Microsoft Corporation. All rights reserved. MICROSOFT MAKES NO WARRANTIES, EXPRESS, IMPLIED OR STATUTORY, AS TO THE INFORMATION IN THIS PRESENTATION.</a:t>
+            </a:r>
+          </a:p>
+        </p:txBody>
+      </p:sp>
+      <p:sp>
+        <p:nvSpPr>
+          <p:cNvPr id="6" name="Date Placeholder 5"/>
+          <p:cNvSpPr>
+            <a:spLocks noGrp="1"/>
+          </p:cNvSpPr>
+          <p:nvPr>
+            <p:ph type="dt" idx="12"/>
+          </p:nvPr>
+        </p:nvSpPr>
+        <p:spPr/>
+        <p:txBody>
+          <a:bodyPr/>
+          <a:lstStyle/>
+          <a:p>
+            <a:fld id="{38EEC551-8CDA-4EB6-89BB-2A86C9F091C8}" type="datetime8">
+              <a:rPr lang="en-US" smtClean="0">
+                <a:solidFill>
+                  <a:prstClr val="black"/>
+                </a:solidFill>
+              </a:rPr>
+              <a:pPr/>
+              <a:t>10/31/17 6:04 PM</a:t>
+            </a:fld>
+            <a:endParaRPr lang="en-US">
+              <a:solidFill>
+                <a:prstClr val="black"/>
+              </a:solidFill>
+            </a:endParaRPr>
+          </a:p>
+        </p:txBody>
+      </p:sp>
+      <p:sp>
+        <p:nvSpPr>
+          <p:cNvPr id="7" name="Slide Number Placeholder 6"/>
+          <p:cNvSpPr>
+            <a:spLocks noGrp="1"/>
+          </p:cNvSpPr>
+          <p:nvPr>
+            <p:ph type="sldNum" sz="quarter" idx="13"/>
+          </p:nvPr>
+        </p:nvSpPr>
+        <p:spPr/>
+        <p:txBody>
+          <a:bodyPr/>
+          <a:lstStyle/>
+          <a:p>
+            <a:fld id="{B4008EB6-D09E-4580-8CD6-DDB14511944F}" type="slidenum">
+              <a:rPr lang="en-US" smtClean="0">
+                <a:solidFill>
+                  <a:prstClr val="black"/>
+                </a:solidFill>
+              </a:rPr>
+              <a:pPr/>
+              <a:t>15</a:t>
+            </a:fld>
+            <a:endParaRPr lang="en-US">
+              <a:solidFill>
+                <a:prstClr val="black"/>
+              </a:solidFill>
+            </a:endParaRPr>
+          </a:p>
+        </p:txBody>
+      </p:sp>
+    </p:spTree>
+    <p:extLst>
+      <p:ext uri="{BB962C8B-B14F-4D97-AF65-F5344CB8AC3E}">
+        <p14:creationId xmlns:p14="http://schemas.microsoft.com/office/powerpoint/2010/main" val="826397968"/>
       </p:ext>
     </p:extLst>
   </p:cSld>
@@ -779,7 +1164,7 @@
           <a:p>
             <a:fld id="{38EEC551-8CDA-4EB6-89BB-2A86C9F091C8}" type="datetime8">
               <a:rPr lang="en-US" smtClean="0"/>
-              <a:t>10/31/17 8:59 AM</a:t>
+              <a:t>10/31/17 6:04 PM</a:t>
             </a:fld>
             <a:endParaRPr lang="en-US"/>
           </a:p>
@@ -1043,7 +1428,7 @@
           <a:p>
             <a:fld id="{38EEC551-8CDA-4EB6-89BB-2A86C9F091C8}" type="datetime8">
               <a:rPr lang="en-US" smtClean="0"/>
-              <a:t>10/31/17 8:59 AM</a:t>
+              <a:t>10/31/17 6:04 PM</a:t>
             </a:fld>
             <a:endParaRPr lang="en-US"/>
           </a:p>
@@ -1215,7 +1600,7 @@
           <a:p>
             <a:fld id="{38EEC551-8CDA-4EB6-89BB-2A86C9F091C8}" type="datetime8">
               <a:rPr lang="en-US" smtClean="0"/>
-              <a:t>10/31/17 8:59 AM</a:t>
+              <a:t>10/31/17 6:04 PM</a:t>
             </a:fld>
             <a:endParaRPr lang="en-US"/>
           </a:p>
@@ -1383,7 +1768,7 @@
           <a:p>
             <a:fld id="{38EEC551-8CDA-4EB6-89BB-2A86C9F091C8}" type="datetime8">
               <a:rPr lang="en-US" smtClean="0"/>
-              <a:t>10/31/17 8:59 AM</a:t>
+              <a:t>10/31/17 6:04 PM</a:t>
             </a:fld>
             <a:endParaRPr lang="en-US"/>
           </a:p>
@@ -1564,7 +1949,7 @@
                 </a:solidFill>
               </a:rPr>
               <a:pPr/>
-              <a:t>10/31/17 8:59 AM</a:t>
+              <a:t>10/31/17 6:05 PM</a:t>
             </a:fld>
             <a:endParaRPr lang="en-US">
               <a:solidFill>
@@ -1609,7 +1994,7 @@
     </p:spTree>
     <p:extLst>
       <p:ext uri="{BB962C8B-B14F-4D97-AF65-F5344CB8AC3E}">
-        <p14:creationId xmlns:p14="http://schemas.microsoft.com/office/powerpoint/2010/main" val="1685348238"/>
+        <p14:creationId xmlns:p14="http://schemas.microsoft.com/office/powerpoint/2010/main" val="529062605"/>
       </p:ext>
     </p:extLst>
   </p:cSld>
@@ -1663,7 +2048,22 @@
           <a:bodyPr/>
           <a:lstStyle/>
           <a:p>
-            <a:endParaRPr lang="en-US"/>
+            <a:r>
+              <a:rPr lang="en-US" dirty="0"/>
+              <a:t>How many of you are involved in mobile app dev?</a:t>
+            </a:r>
+          </a:p>
+          <a:p>
+            <a:r>
+              <a:rPr lang="en-US" dirty="0"/>
+              <a:t>How many of your apps have push notifications?</a:t>
+            </a:r>
+          </a:p>
+          <a:p>
+            <a:r>
+              <a:rPr lang="en-US" dirty="0"/>
+              <a:t>Big point of your mobile apps are to engage user and customers. Push notifications helps do that.</a:t>
+            </a:r>
           </a:p>
         </p:txBody>
       </p:sp>
@@ -1753,7 +2153,7 @@
                 </a:solidFill>
               </a:rPr>
               <a:pPr/>
-              <a:t>10/31/17 8:59 AM</a:t>
+              <a:t>10/31/17 6:05 PM</a:t>
             </a:fld>
             <a:endParaRPr lang="en-US">
               <a:solidFill>
@@ -1785,6 +2185,222 @@
                 </a:solidFill>
               </a:rPr>
               <a:pPr/>
+              <a:t>11</a:t>
+            </a:fld>
+            <a:endParaRPr lang="en-US">
+              <a:solidFill>
+                <a:prstClr val="black"/>
+              </a:solidFill>
+            </a:endParaRPr>
+          </a:p>
+        </p:txBody>
+      </p:sp>
+    </p:spTree>
+    <p:extLst>
+      <p:ext uri="{BB962C8B-B14F-4D97-AF65-F5344CB8AC3E}">
+        <p14:creationId xmlns:p14="http://schemas.microsoft.com/office/powerpoint/2010/main" val="1827426217"/>
+      </p:ext>
+    </p:extLst>
+  </p:cSld>
+  <p:clrMapOvr>
+    <a:masterClrMapping/>
+  </p:clrMapOvr>
+</p:notes>
+</file>
+
+<file path=ppt/notesSlides/notesSlide9.xml><?xml version="1.0" encoding="utf-8"?>
+<p:notes xmlns:a="http://schemas.openxmlformats.org/drawingml/2006/main" xmlns:r="http://schemas.openxmlformats.org/officeDocument/2006/relationships" xmlns:p="http://schemas.openxmlformats.org/presentationml/2006/main">
+  <p:cSld>
+    <p:spTree>
+      <p:nvGrpSpPr>
+        <p:cNvPr id="1" name=""/>
+        <p:cNvGrpSpPr/>
+        <p:nvPr/>
+      </p:nvGrpSpPr>
+      <p:grpSpPr>
+        <a:xfrm>
+          <a:off x="0" y="0"/>
+          <a:ext cx="0" cy="0"/>
+          <a:chOff x="0" y="0"/>
+          <a:chExt cx="0" cy="0"/>
+        </a:xfrm>
+      </p:grpSpPr>
+      <p:sp>
+        <p:nvSpPr>
+          <p:cNvPr id="2" name="Slide Image Placeholder 1"/>
+          <p:cNvSpPr>
+            <a:spLocks noGrp="1" noRot="1" noChangeAspect="1"/>
+          </p:cNvSpPr>
+          <p:nvPr>
+            <p:ph type="sldImg"/>
+          </p:nvPr>
+        </p:nvSpPr>
+        <p:spPr/>
+      </p:sp>
+      <p:sp>
+        <p:nvSpPr>
+          <p:cNvPr id="3" name="Notes Placeholder 2"/>
+          <p:cNvSpPr>
+            <a:spLocks noGrp="1"/>
+          </p:cNvSpPr>
+          <p:nvPr>
+            <p:ph type="body" idx="1"/>
+          </p:nvPr>
+        </p:nvSpPr>
+        <p:spPr/>
+        <p:txBody>
+          <a:bodyPr/>
+          <a:lstStyle/>
+          <a:p>
+            <a:r>
+              <a:rPr lang="en-US" dirty="0"/>
+              <a:t>Visual Studio Mobile Center Push Notifications is really easy</a:t>
+            </a:r>
+          </a:p>
+          <a:p>
+            <a:r>
+              <a:rPr lang="en-US" dirty="0"/>
+              <a:t> -Just a few lines of code in your app</a:t>
+            </a:r>
+          </a:p>
+          <a:p>
+            <a:r>
+              <a:rPr lang="en-US" dirty="0"/>
+              <a:t> -No need to specify format for Android, iOS or Windows</a:t>
+            </a:r>
+          </a:p>
+          <a:p>
+            <a:r>
+              <a:rPr lang="en-US" dirty="0"/>
+              <a:t> -and I’ll show you how easy it is to target and send notifications to your users</a:t>
+            </a:r>
+          </a:p>
+          <a:p>
+            <a:r>
+              <a:rPr lang="en-US" dirty="0"/>
+              <a:t>Difference in Push Notifications between Notification Hub and MC</a:t>
+            </a:r>
+          </a:p>
+        </p:txBody>
+      </p:sp>
+      <p:sp>
+        <p:nvSpPr>
+          <p:cNvPr id="4" name="Header Placeholder 3"/>
+          <p:cNvSpPr>
+            <a:spLocks noGrp="1"/>
+          </p:cNvSpPr>
+          <p:nvPr>
+            <p:ph type="hdr" sz="quarter" idx="10"/>
+          </p:nvPr>
+        </p:nvSpPr>
+        <p:spPr/>
+        <p:txBody>
+          <a:bodyPr/>
+          <a:lstStyle/>
+          <a:p>
+            <a:r>
+              <a:rPr lang="en-US">
+                <a:solidFill>
+                  <a:prstClr val="black"/>
+                </a:solidFill>
+              </a:rPr>
+              <a:t>Microsoft Connect 2016</a:t>
+            </a:r>
+          </a:p>
+        </p:txBody>
+      </p:sp>
+      <p:sp>
+        <p:nvSpPr>
+          <p:cNvPr id="5" name="Footer Placeholder 4"/>
+          <p:cNvSpPr>
+            <a:spLocks noGrp="1"/>
+          </p:cNvSpPr>
+          <p:nvPr>
+            <p:ph type="ftr" sz="quarter" idx="11"/>
+          </p:nvPr>
+        </p:nvSpPr>
+        <p:spPr/>
+        <p:txBody>
+          <a:bodyPr/>
+          <a:lstStyle/>
+          <a:p>
+            <a:pPr defTabSz="914099" eaLnBrk="0" hangingPunct="0"/>
+            <a:r>
+              <a:rPr lang="en-US" sz="400">
+                <a:gradFill>
+                  <a:gsLst>
+                    <a:gs pos="0">
+                      <a:prstClr val="black"/>
+                    </a:gs>
+                    <a:gs pos="100000">
+                      <a:prstClr val="black"/>
+                    </a:gs>
+                  </a:gsLst>
+                  <a:lin ang="5400000" scaled="0"/>
+                </a:gradFill>
+                <a:latin typeface="Segoe UI" pitchFamily="34" charset="0"/>
+                <a:ea typeface="Segoe UI" pitchFamily="34" charset="0"/>
+                <a:cs typeface="Segoe UI" pitchFamily="34" charset="0"/>
+              </a:rPr>
+              <a:t>© 2016 Microsoft Corporation. All rights reserved. MICROSOFT MAKES NO WARRANTIES, EXPRESS, IMPLIED OR STATUTORY, AS TO THE INFORMATION IN THIS PRESENTATION.</a:t>
+            </a:r>
+          </a:p>
+        </p:txBody>
+      </p:sp>
+      <p:sp>
+        <p:nvSpPr>
+          <p:cNvPr id="6" name="Date Placeholder 5"/>
+          <p:cNvSpPr>
+            <a:spLocks noGrp="1"/>
+          </p:cNvSpPr>
+          <p:nvPr>
+            <p:ph type="dt" idx="12"/>
+          </p:nvPr>
+        </p:nvSpPr>
+        <p:spPr/>
+        <p:txBody>
+          <a:bodyPr/>
+          <a:lstStyle/>
+          <a:p>
+            <a:fld id="{38EEC551-8CDA-4EB6-89BB-2A86C9F091C8}" type="datetime8">
+              <a:rPr lang="en-US" smtClean="0">
+                <a:solidFill>
+                  <a:prstClr val="black"/>
+                </a:solidFill>
+              </a:rPr>
+              <a:pPr/>
+              <a:t>10/31/17 6:05 PM</a:t>
+            </a:fld>
+            <a:endParaRPr lang="en-US">
+              <a:solidFill>
+                <a:prstClr val="black"/>
+              </a:solidFill>
+            </a:endParaRPr>
+          </a:p>
+        </p:txBody>
+      </p:sp>
+      <p:sp>
+        <p:nvSpPr>
+          <p:cNvPr id="7" name="Slide Number Placeholder 6"/>
+          <p:cNvSpPr>
+            <a:spLocks noGrp="1"/>
+          </p:cNvSpPr>
+          <p:nvPr>
+            <p:ph type="sldNum" sz="quarter" idx="13"/>
+          </p:nvPr>
+        </p:nvSpPr>
+        <p:spPr/>
+        <p:txBody>
+          <a:bodyPr/>
+          <a:lstStyle/>
+          <a:p>
+            <a:fld id="{B4008EB6-D09E-4580-8CD6-DDB14511944F}" type="slidenum">
+              <a:rPr lang="en-US" smtClean="0">
+                <a:solidFill>
+                  <a:prstClr val="black"/>
+                </a:solidFill>
+              </a:rPr>
+              <a:pPr/>
               <a:t>12</a:t>
             </a:fld>
             <a:endParaRPr lang="en-US">
@@ -1798,7 +2414,7 @@
     </p:spTree>
     <p:extLst>
       <p:ext uri="{BB962C8B-B14F-4D97-AF65-F5344CB8AC3E}">
-        <p14:creationId xmlns:p14="http://schemas.microsoft.com/office/powerpoint/2010/main" val="826397968"/>
+        <p14:creationId xmlns:p14="http://schemas.microsoft.com/office/powerpoint/2010/main" val="1243422539"/>
       </p:ext>
     </p:extLst>
   </p:cSld>
@@ -7380,6 +7996,4160 @@
 <file path=ppt/slides/slide10.xml><?xml version="1.0" encoding="utf-8"?>
 <p:sld xmlns:a="http://schemas.openxmlformats.org/drawingml/2006/main" xmlns:r="http://schemas.openxmlformats.org/officeDocument/2006/relationships" xmlns:p="http://schemas.openxmlformats.org/presentationml/2006/main">
   <p:cSld>
+    <p:bg>
+      <p:bgPr>
+        <a:solidFill>
+          <a:srgbClr val="0070C0"/>
+        </a:solidFill>
+        <a:effectLst/>
+      </p:bgPr>
+    </p:bg>
+    <p:spTree>
+      <p:nvGrpSpPr>
+        <p:cNvPr id="1" name=""/>
+        <p:cNvGrpSpPr/>
+        <p:nvPr/>
+      </p:nvGrpSpPr>
+      <p:grpSpPr>
+        <a:xfrm>
+          <a:off x="0" y="0"/>
+          <a:ext cx="0" cy="0"/>
+          <a:chOff x="0" y="0"/>
+          <a:chExt cx="0" cy="0"/>
+        </a:xfrm>
+      </p:grpSpPr>
+      <p:sp>
+        <p:nvSpPr>
+          <p:cNvPr id="5" name="Title 4"/>
+          <p:cNvSpPr>
+            <a:spLocks noGrp="1"/>
+          </p:cNvSpPr>
+          <p:nvPr>
+            <p:ph type="ctrTitle"/>
+          </p:nvPr>
+        </p:nvSpPr>
+        <p:spPr>
+          <a:xfrm>
+            <a:off x="366153" y="4562152"/>
+            <a:ext cx="7815815" cy="1532307"/>
+          </a:xfrm>
+        </p:spPr>
+        <p:txBody>
+          <a:bodyPr>
+            <a:noAutofit/>
+          </a:bodyPr>
+          <a:lstStyle/>
+          <a:p>
+            <a:pPr algn="l"/>
+            <a:r>
+              <a:rPr lang="de-DE" sz="4000" dirty="0">
+                <a:solidFill>
+                  <a:schemeClr val="bg1"/>
+                </a:solidFill>
+              </a:rPr>
+              <a:t>Derek Loar</a:t>
+            </a:r>
+            <a:br>
+              <a:rPr lang="de-DE" sz="4000" dirty="0">
+                <a:solidFill>
+                  <a:schemeClr val="bg1"/>
+                </a:solidFill>
+              </a:rPr>
+            </a:br>
+            <a:r>
+              <a:rPr lang="de-DE" sz="4000" dirty="0">
+                <a:solidFill>
+                  <a:schemeClr val="bg1"/>
+                </a:solidFill>
+              </a:rPr>
+              <a:t>App. Innovation Specialist</a:t>
+            </a:r>
+            <a:br>
+              <a:rPr lang="de-DE" sz="4000" dirty="0">
+                <a:solidFill>
+                  <a:schemeClr val="bg1"/>
+                </a:solidFill>
+              </a:rPr>
+            </a:br>
+            <a:r>
+              <a:rPr lang="de-DE" sz="4000" dirty="0">
+                <a:solidFill>
+                  <a:schemeClr val="bg1"/>
+                </a:solidFill>
+              </a:rPr>
+              <a:t>Global Black Belt</a:t>
+            </a:r>
+            <a:endParaRPr lang="en-US" sz="4000" dirty="0">
+              <a:solidFill>
+                <a:schemeClr val="bg1"/>
+              </a:solidFill>
+            </a:endParaRPr>
+          </a:p>
+        </p:txBody>
+      </p:sp>
+      <p:grpSp>
+        <p:nvGrpSpPr>
+          <p:cNvPr id="4" name="Group 3"/>
+          <p:cNvGrpSpPr/>
+          <p:nvPr/>
+        </p:nvGrpSpPr>
+        <p:grpSpPr>
+          <a:xfrm>
+            <a:off x="-225490" y="1227703"/>
+            <a:ext cx="12191999" cy="3041117"/>
+            <a:chOff x="0" y="2049462"/>
+            <a:chExt cx="12436474" cy="3102098"/>
+          </a:xfrm>
+        </p:grpSpPr>
+        <p:sp>
+          <p:nvSpPr>
+            <p:cNvPr id="6" name="TextBox 5"/>
+            <p:cNvSpPr txBox="1"/>
+            <p:nvPr/>
+          </p:nvSpPr>
+          <p:spPr>
+            <a:xfrm>
+              <a:off x="0" y="4274397"/>
+              <a:ext cx="12436474" cy="877163"/>
+            </a:xfrm>
+            <a:prstGeom prst="rect">
+              <a:avLst/>
+            </a:prstGeom>
+            <a:noFill/>
+          </p:spPr>
+          <p:txBody>
+            <a:bodyPr wrap="square" lIns="179285" tIns="143428" rIns="179285" bIns="143428" rtlCol="0">
+              <a:spAutoFit/>
+            </a:bodyPr>
+            <a:lstStyle/>
+            <a:p>
+              <a:pPr algn="ctr" defTabSz="896386">
+                <a:lnSpc>
+                  <a:spcPct val="90000"/>
+                </a:lnSpc>
+                <a:spcAft>
+                  <a:spcPts val="588"/>
+                </a:spcAft>
+                <a:defRPr/>
+              </a:pPr>
+              <a:endParaRPr lang="en-US" sz="4117" kern="0" dirty="0">
+                <a:solidFill>
+                  <a:srgbClr val="FFFFFF"/>
+                </a:solidFill>
+                <a:latin typeface="Segoe UI Semilight" panose="020B0402040204020203" pitchFamily="34" charset="0"/>
+                <a:cs typeface="Segoe UI Semilight" panose="020B0402040204020203" pitchFamily="34" charset="0"/>
+              </a:endParaRPr>
+            </a:p>
+          </p:txBody>
+        </p:sp>
+        <p:grpSp>
+          <p:nvGrpSpPr>
+            <p:cNvPr id="7" name="Group 6"/>
+            <p:cNvGrpSpPr/>
+            <p:nvPr/>
+          </p:nvGrpSpPr>
+          <p:grpSpPr>
+            <a:xfrm>
+              <a:off x="3283744" y="2049462"/>
+              <a:ext cx="5868987" cy="1966913"/>
+              <a:chOff x="3097365" y="1995364"/>
+              <a:chExt cx="5868987" cy="1966913"/>
+            </a:xfrm>
+          </p:grpSpPr>
+          <p:grpSp>
+            <p:nvGrpSpPr>
+              <p:cNvPr id="8" name="Group 7"/>
+              <p:cNvGrpSpPr>
+                <a:grpSpLocks noChangeAspect="1"/>
+              </p:cNvGrpSpPr>
+              <p:nvPr/>
+            </p:nvGrpSpPr>
+            <p:grpSpPr bwMode="auto">
+              <a:xfrm>
+                <a:off x="5202390" y="1995365"/>
+                <a:ext cx="2957512" cy="1966912"/>
+                <a:chOff x="2804" y="1418"/>
+                <a:chExt cx="1863" cy="1239"/>
+              </a:xfrm>
+            </p:grpSpPr>
+            <p:sp>
+              <p:nvSpPr>
+                <p:cNvPr id="22" name="Freeform 5"/>
+                <p:cNvSpPr>
+                  <a:spLocks noEditPoints="1"/>
+                </p:cNvSpPr>
+                <p:nvPr/>
+              </p:nvSpPr>
+              <p:spPr bwMode="auto">
+                <a:xfrm>
+                  <a:off x="2804" y="1418"/>
+                  <a:ext cx="1863" cy="1239"/>
+                </a:xfrm>
+                <a:custGeom>
+                  <a:avLst/>
+                  <a:gdLst>
+                    <a:gd name="T0" fmla="*/ 1540 w 1700"/>
+                    <a:gd name="T1" fmla="*/ 1130 h 1130"/>
+                    <a:gd name="T2" fmla="*/ 161 w 1700"/>
+                    <a:gd name="T3" fmla="*/ 1130 h 1130"/>
+                    <a:gd name="T4" fmla="*/ 12 w 1700"/>
+                    <a:gd name="T5" fmla="*/ 1063 h 1130"/>
+                    <a:gd name="T6" fmla="*/ 7 w 1700"/>
+                    <a:gd name="T7" fmla="*/ 1057 h 1130"/>
+                    <a:gd name="T8" fmla="*/ 0 w 1700"/>
+                    <a:gd name="T9" fmla="*/ 1037 h 1130"/>
+                    <a:gd name="T10" fmla="*/ 22 w 1700"/>
+                    <a:gd name="T11" fmla="*/ 1005 h 1130"/>
+                    <a:gd name="T12" fmla="*/ 23 w 1700"/>
+                    <a:gd name="T13" fmla="*/ 1004 h 1130"/>
+                    <a:gd name="T14" fmla="*/ 32 w 1700"/>
+                    <a:gd name="T15" fmla="*/ 1003 h 1130"/>
+                    <a:gd name="T16" fmla="*/ 121 w 1700"/>
+                    <a:gd name="T17" fmla="*/ 1003 h 1130"/>
+                    <a:gd name="T18" fmla="*/ 125 w 1700"/>
+                    <a:gd name="T19" fmla="*/ 0 h 1130"/>
+                    <a:gd name="T20" fmla="*/ 1580 w 1700"/>
+                    <a:gd name="T21" fmla="*/ 0 h 1130"/>
+                    <a:gd name="T22" fmla="*/ 1580 w 1700"/>
+                    <a:gd name="T23" fmla="*/ 1003 h 1130"/>
+                    <a:gd name="T24" fmla="*/ 1675 w 1700"/>
+                    <a:gd name="T25" fmla="*/ 1003 h 1130"/>
+                    <a:gd name="T26" fmla="*/ 1678 w 1700"/>
+                    <a:gd name="T27" fmla="*/ 1004 h 1130"/>
+                    <a:gd name="T28" fmla="*/ 1700 w 1700"/>
+                    <a:gd name="T29" fmla="*/ 1037 h 1130"/>
+                    <a:gd name="T30" fmla="*/ 1696 w 1700"/>
+                    <a:gd name="T31" fmla="*/ 1055 h 1130"/>
+                    <a:gd name="T32" fmla="*/ 1695 w 1700"/>
+                    <a:gd name="T33" fmla="*/ 1055 h 1130"/>
+                    <a:gd name="T34" fmla="*/ 1693 w 1700"/>
+                    <a:gd name="T35" fmla="*/ 1058 h 1130"/>
+                    <a:gd name="T36" fmla="*/ 1689 w 1700"/>
+                    <a:gd name="T37" fmla="*/ 1063 h 1130"/>
+                    <a:gd name="T38" fmla="*/ 1540 w 1700"/>
+                    <a:gd name="T39" fmla="*/ 1130 h 1130"/>
+                    <a:gd name="T40" fmla="*/ 20 w 1700"/>
+                    <a:gd name="T41" fmla="*/ 1048 h 1130"/>
+                    <a:gd name="T42" fmla="*/ 24 w 1700"/>
+                    <a:gd name="T43" fmla="*/ 1052 h 1130"/>
+                    <a:gd name="T44" fmla="*/ 161 w 1700"/>
+                    <a:gd name="T45" fmla="*/ 1114 h 1130"/>
+                    <a:gd name="T46" fmla="*/ 1540 w 1700"/>
+                    <a:gd name="T47" fmla="*/ 1114 h 1130"/>
+                    <a:gd name="T48" fmla="*/ 1677 w 1700"/>
+                    <a:gd name="T49" fmla="*/ 1052 h 1130"/>
+                    <a:gd name="T50" fmla="*/ 1681 w 1700"/>
+                    <a:gd name="T51" fmla="*/ 1048 h 1130"/>
+                    <a:gd name="T52" fmla="*/ 1682 w 1700"/>
+                    <a:gd name="T53" fmla="*/ 1046 h 1130"/>
+                    <a:gd name="T54" fmla="*/ 1684 w 1700"/>
+                    <a:gd name="T55" fmla="*/ 1037 h 1130"/>
+                    <a:gd name="T56" fmla="*/ 1673 w 1700"/>
+                    <a:gd name="T57" fmla="*/ 1019 h 1130"/>
+                    <a:gd name="T58" fmla="*/ 1673 w 1700"/>
+                    <a:gd name="T59" fmla="*/ 1019 h 1130"/>
+                    <a:gd name="T60" fmla="*/ 1564 w 1700"/>
+                    <a:gd name="T61" fmla="*/ 1019 h 1130"/>
+                    <a:gd name="T62" fmla="*/ 1564 w 1700"/>
+                    <a:gd name="T63" fmla="*/ 16 h 1130"/>
+                    <a:gd name="T64" fmla="*/ 141 w 1700"/>
+                    <a:gd name="T65" fmla="*/ 16 h 1130"/>
+                    <a:gd name="T66" fmla="*/ 137 w 1700"/>
+                    <a:gd name="T67" fmla="*/ 1019 h 1130"/>
+                    <a:gd name="T68" fmla="*/ 32 w 1700"/>
+                    <a:gd name="T69" fmla="*/ 1019 h 1130"/>
+                    <a:gd name="T70" fmla="*/ 27 w 1700"/>
+                    <a:gd name="T71" fmla="*/ 1020 h 1130"/>
+                    <a:gd name="T72" fmla="*/ 16 w 1700"/>
+                    <a:gd name="T73" fmla="*/ 1037 h 1130"/>
+                    <a:gd name="T74" fmla="*/ 20 w 1700"/>
+                    <a:gd name="T75" fmla="*/ 1048 h 1130"/>
+                    <a:gd name="T76" fmla="*/ 1689 w 1700"/>
+                    <a:gd name="T77" fmla="*/ 1051 h 1130"/>
+                    <a:gd name="T78" fmla="*/ 1689 w 1700"/>
+                    <a:gd name="T79" fmla="*/ 1051 h 1130"/>
+                  </a:gdLst>
+                  <a:ahLst/>
+                  <a:cxnLst>
+                    <a:cxn ang="0">
+                      <a:pos x="T0" y="T1"/>
+                    </a:cxn>
+                    <a:cxn ang="0">
+                      <a:pos x="T2" y="T3"/>
+                    </a:cxn>
+                    <a:cxn ang="0">
+                      <a:pos x="T4" y="T5"/>
+                    </a:cxn>
+                    <a:cxn ang="0">
+                      <a:pos x="T6" y="T7"/>
+                    </a:cxn>
+                    <a:cxn ang="0">
+                      <a:pos x="T8" y="T9"/>
+                    </a:cxn>
+                    <a:cxn ang="0">
+                      <a:pos x="T10" y="T11"/>
+                    </a:cxn>
+                    <a:cxn ang="0">
+                      <a:pos x="T12" y="T13"/>
+                    </a:cxn>
+                    <a:cxn ang="0">
+                      <a:pos x="T14" y="T15"/>
+                    </a:cxn>
+                    <a:cxn ang="0">
+                      <a:pos x="T16" y="T17"/>
+                    </a:cxn>
+                    <a:cxn ang="0">
+                      <a:pos x="T18" y="T19"/>
+                    </a:cxn>
+                    <a:cxn ang="0">
+                      <a:pos x="T20" y="T21"/>
+                    </a:cxn>
+                    <a:cxn ang="0">
+                      <a:pos x="T22" y="T23"/>
+                    </a:cxn>
+                    <a:cxn ang="0">
+                      <a:pos x="T24" y="T25"/>
+                    </a:cxn>
+                    <a:cxn ang="0">
+                      <a:pos x="T26" y="T27"/>
+                    </a:cxn>
+                    <a:cxn ang="0">
+                      <a:pos x="T28" y="T29"/>
+                    </a:cxn>
+                    <a:cxn ang="0">
+                      <a:pos x="T30" y="T31"/>
+                    </a:cxn>
+                    <a:cxn ang="0">
+                      <a:pos x="T32" y="T33"/>
+                    </a:cxn>
+                    <a:cxn ang="0">
+                      <a:pos x="T34" y="T35"/>
+                    </a:cxn>
+                    <a:cxn ang="0">
+                      <a:pos x="T36" y="T37"/>
+                    </a:cxn>
+                    <a:cxn ang="0">
+                      <a:pos x="T38" y="T39"/>
+                    </a:cxn>
+                    <a:cxn ang="0">
+                      <a:pos x="T40" y="T41"/>
+                    </a:cxn>
+                    <a:cxn ang="0">
+                      <a:pos x="T42" y="T43"/>
+                    </a:cxn>
+                    <a:cxn ang="0">
+                      <a:pos x="T44" y="T45"/>
+                    </a:cxn>
+                    <a:cxn ang="0">
+                      <a:pos x="T46" y="T47"/>
+                    </a:cxn>
+                    <a:cxn ang="0">
+                      <a:pos x="T48" y="T49"/>
+                    </a:cxn>
+                    <a:cxn ang="0">
+                      <a:pos x="T50" y="T51"/>
+                    </a:cxn>
+                    <a:cxn ang="0">
+                      <a:pos x="T52" y="T53"/>
+                    </a:cxn>
+                    <a:cxn ang="0">
+                      <a:pos x="T54" y="T55"/>
+                    </a:cxn>
+                    <a:cxn ang="0">
+                      <a:pos x="T56" y="T57"/>
+                    </a:cxn>
+                    <a:cxn ang="0">
+                      <a:pos x="T58" y="T59"/>
+                    </a:cxn>
+                    <a:cxn ang="0">
+                      <a:pos x="T60" y="T61"/>
+                    </a:cxn>
+                    <a:cxn ang="0">
+                      <a:pos x="T62" y="T63"/>
+                    </a:cxn>
+                    <a:cxn ang="0">
+                      <a:pos x="T64" y="T65"/>
+                    </a:cxn>
+                    <a:cxn ang="0">
+                      <a:pos x="T66" y="T67"/>
+                    </a:cxn>
+                    <a:cxn ang="0">
+                      <a:pos x="T68" y="T69"/>
+                    </a:cxn>
+                    <a:cxn ang="0">
+                      <a:pos x="T70" y="T71"/>
+                    </a:cxn>
+                    <a:cxn ang="0">
+                      <a:pos x="T72" y="T73"/>
+                    </a:cxn>
+                    <a:cxn ang="0">
+                      <a:pos x="T74" y="T75"/>
+                    </a:cxn>
+                    <a:cxn ang="0">
+                      <a:pos x="T76" y="T77"/>
+                    </a:cxn>
+                    <a:cxn ang="0">
+                      <a:pos x="T78" y="T79"/>
+                    </a:cxn>
+                  </a:cxnLst>
+                  <a:rect l="0" t="0" r="r" b="b"/>
+                  <a:pathLst>
+                    <a:path w="1700" h="1130">
+                      <a:moveTo>
+                        <a:pt x="1540" y="1130"/>
+                      </a:moveTo>
+                      <a:cubicBezTo>
+                        <a:pt x="161" y="1130"/>
+                        <a:pt x="161" y="1130"/>
+                        <a:pt x="161" y="1130"/>
+                      </a:cubicBezTo>
+                      <a:cubicBezTo>
+                        <a:pt x="107" y="1130"/>
+                        <a:pt x="54" y="1106"/>
+                        <a:pt x="12" y="1063"/>
+                      </a:cubicBezTo>
+                      <a:cubicBezTo>
+                        <a:pt x="7" y="1057"/>
+                        <a:pt x="7" y="1057"/>
+                        <a:pt x="7" y="1057"/>
+                      </a:cubicBezTo>
+                      <a:cubicBezTo>
+                        <a:pt x="3" y="1050"/>
+                        <a:pt x="0" y="1044"/>
+                        <a:pt x="0" y="1037"/>
+                      </a:cubicBezTo>
+                      <a:cubicBezTo>
+                        <a:pt x="0" y="1022"/>
+                        <a:pt x="9" y="1009"/>
+                        <a:pt x="22" y="1005"/>
+                      </a:cubicBezTo>
+                      <a:cubicBezTo>
+                        <a:pt x="23" y="1004"/>
+                        <a:pt x="23" y="1004"/>
+                        <a:pt x="23" y="1004"/>
+                      </a:cubicBezTo>
+                      <a:cubicBezTo>
+                        <a:pt x="28" y="1003"/>
+                        <a:pt x="31" y="1003"/>
+                        <a:pt x="32" y="1003"/>
+                      </a:cubicBezTo>
+                      <a:cubicBezTo>
+                        <a:pt x="121" y="1003"/>
+                        <a:pt x="121" y="1003"/>
+                        <a:pt x="121" y="1003"/>
+                      </a:cubicBezTo>
+                      <a:cubicBezTo>
+                        <a:pt x="125" y="0"/>
+                        <a:pt x="125" y="0"/>
+                        <a:pt x="125" y="0"/>
+                      </a:cubicBezTo>
+                      <a:cubicBezTo>
+                        <a:pt x="1580" y="0"/>
+                        <a:pt x="1580" y="0"/>
+                        <a:pt x="1580" y="0"/>
+                      </a:cubicBezTo>
+                      <a:cubicBezTo>
+                        <a:pt x="1580" y="1003"/>
+                        <a:pt x="1580" y="1003"/>
+                        <a:pt x="1580" y="1003"/>
+                      </a:cubicBezTo>
+                      <a:cubicBezTo>
+                        <a:pt x="1675" y="1003"/>
+                        <a:pt x="1675" y="1003"/>
+                        <a:pt x="1675" y="1003"/>
+                      </a:cubicBezTo>
+                      <a:cubicBezTo>
+                        <a:pt x="1678" y="1004"/>
+                        <a:pt x="1678" y="1004"/>
+                        <a:pt x="1678" y="1004"/>
+                      </a:cubicBezTo>
+                      <a:cubicBezTo>
+                        <a:pt x="1692" y="1009"/>
+                        <a:pt x="1700" y="1022"/>
+                        <a:pt x="1700" y="1037"/>
+                      </a:cubicBezTo>
+                      <a:cubicBezTo>
+                        <a:pt x="1700" y="1043"/>
+                        <a:pt x="1699" y="1049"/>
+                        <a:pt x="1696" y="1055"/>
+                      </a:cubicBezTo>
+                      <a:cubicBezTo>
+                        <a:pt x="1695" y="1055"/>
+                        <a:pt x="1695" y="1055"/>
+                        <a:pt x="1695" y="1055"/>
+                      </a:cubicBezTo>
+                      <a:cubicBezTo>
+                        <a:pt x="1693" y="1058"/>
+                        <a:pt x="1693" y="1058"/>
+                        <a:pt x="1693" y="1058"/>
+                      </a:cubicBezTo>
+                      <a:cubicBezTo>
+                        <a:pt x="1689" y="1063"/>
+                        <a:pt x="1689" y="1063"/>
+                        <a:pt x="1689" y="1063"/>
+                      </a:cubicBezTo>
+                      <a:cubicBezTo>
+                        <a:pt x="1647" y="1106"/>
+                        <a:pt x="1595" y="1130"/>
+                        <a:pt x="1540" y="1130"/>
+                      </a:cubicBezTo>
+                      <a:close/>
+                      <a:moveTo>
+                        <a:pt x="20" y="1048"/>
+                      </a:moveTo>
+                      <a:cubicBezTo>
+                        <a:pt x="24" y="1052"/>
+                        <a:pt x="24" y="1052"/>
+                        <a:pt x="24" y="1052"/>
+                      </a:cubicBezTo>
+                      <a:cubicBezTo>
+                        <a:pt x="63" y="1092"/>
+                        <a:pt x="111" y="1114"/>
+                        <a:pt x="161" y="1114"/>
+                      </a:cubicBezTo>
+                      <a:cubicBezTo>
+                        <a:pt x="1540" y="1114"/>
+                        <a:pt x="1540" y="1114"/>
+                        <a:pt x="1540" y="1114"/>
+                      </a:cubicBezTo>
+                      <a:cubicBezTo>
+                        <a:pt x="1590" y="1114"/>
+                        <a:pt x="1639" y="1092"/>
+                        <a:pt x="1677" y="1052"/>
+                      </a:cubicBezTo>
+                      <a:cubicBezTo>
+                        <a:pt x="1681" y="1048"/>
+                        <a:pt x="1681" y="1048"/>
+                        <a:pt x="1681" y="1048"/>
+                      </a:cubicBezTo>
+                      <a:cubicBezTo>
+                        <a:pt x="1682" y="1046"/>
+                        <a:pt x="1682" y="1046"/>
+                        <a:pt x="1682" y="1046"/>
+                      </a:cubicBezTo>
+                      <a:cubicBezTo>
+                        <a:pt x="1683" y="1043"/>
+                        <a:pt x="1684" y="1040"/>
+                        <a:pt x="1684" y="1037"/>
+                      </a:cubicBezTo>
+                      <a:cubicBezTo>
+                        <a:pt x="1684" y="1029"/>
+                        <a:pt x="1680" y="1022"/>
+                        <a:pt x="1673" y="1019"/>
+                      </a:cubicBezTo>
+                      <a:cubicBezTo>
+                        <a:pt x="1673" y="1019"/>
+                        <a:pt x="1673" y="1019"/>
+                        <a:pt x="1673" y="1019"/>
+                      </a:cubicBezTo>
+                      <a:cubicBezTo>
+                        <a:pt x="1564" y="1019"/>
+                        <a:pt x="1564" y="1019"/>
+                        <a:pt x="1564" y="1019"/>
+                      </a:cubicBezTo>
+                      <a:cubicBezTo>
+                        <a:pt x="1564" y="16"/>
+                        <a:pt x="1564" y="16"/>
+                        <a:pt x="1564" y="16"/>
+                      </a:cubicBezTo>
+                      <a:cubicBezTo>
+                        <a:pt x="141" y="16"/>
+                        <a:pt x="141" y="16"/>
+                        <a:pt x="141" y="16"/>
+                      </a:cubicBezTo>
+                      <a:cubicBezTo>
+                        <a:pt x="137" y="1019"/>
+                        <a:pt x="137" y="1019"/>
+                        <a:pt x="137" y="1019"/>
+                      </a:cubicBezTo>
+                      <a:cubicBezTo>
+                        <a:pt x="32" y="1019"/>
+                        <a:pt x="32" y="1019"/>
+                        <a:pt x="32" y="1019"/>
+                      </a:cubicBezTo>
+                      <a:cubicBezTo>
+                        <a:pt x="31" y="1019"/>
+                        <a:pt x="29" y="1020"/>
+                        <a:pt x="27" y="1020"/>
+                      </a:cubicBezTo>
+                      <a:cubicBezTo>
+                        <a:pt x="21" y="1022"/>
+                        <a:pt x="16" y="1029"/>
+                        <a:pt x="16" y="1037"/>
+                      </a:cubicBezTo>
+                      <a:cubicBezTo>
+                        <a:pt x="16" y="1039"/>
+                        <a:pt x="17" y="1043"/>
+                        <a:pt x="20" y="1048"/>
+                      </a:cubicBezTo>
+                      <a:close/>
+                      <a:moveTo>
+                        <a:pt x="1689" y="1051"/>
+                      </a:moveTo>
+                      <a:cubicBezTo>
+                        <a:pt x="1689" y="1051"/>
+                        <a:pt x="1689" y="1051"/>
+                        <a:pt x="1689" y="1051"/>
+                      </a:cubicBezTo>
+                      <a:close/>
+                    </a:path>
+                  </a:pathLst>
+                </a:custGeom>
+                <a:solidFill>
+                  <a:srgbClr val="FFFFFF"/>
+                </a:solidFill>
+                <a:ln>
+                  <a:noFill/>
+                </a:ln>
+                <a:extLst>
+                  <a:ext uri="{91240B29-F687-4F45-9708-019B960494DF}">
+                    <a14:hiddenLine xmlns:a14="http://schemas.microsoft.com/office/drawing/2010/main" w="9525">
+                      <a:solidFill>
+                        <a:srgbClr val="000000"/>
+                      </a:solidFill>
+                      <a:round/>
+                      <a:headEnd/>
+                      <a:tailEnd/>
+                    </a14:hiddenLine>
+                  </a:ext>
+                </a:extLst>
+              </p:spPr>
+              <p:txBody>
+                <a:bodyPr vert="horz" wrap="square" lIns="89642" tIns="44821" rIns="89642" bIns="44821" numCol="1" anchor="t" anchorCtr="0" compatLnSpc="1">
+                  <a:prstTxWarp prst="textNoShape">
+                    <a:avLst/>
+                  </a:prstTxWarp>
+                </a:bodyPr>
+                <a:lstStyle/>
+                <a:p>
+                  <a:pPr defTabSz="896386">
+                    <a:defRPr/>
+                  </a:pPr>
+                  <a:endParaRPr lang="en-US" sz="1765" kern="0">
+                    <a:solidFill>
+                      <a:srgbClr val="505050"/>
+                    </a:solidFill>
+                  </a:endParaRPr>
+                </a:p>
+              </p:txBody>
+            </p:sp>
+            <p:sp>
+              <p:nvSpPr>
+                <p:cNvPr id="23" name="Freeform 6"/>
+                <p:cNvSpPr>
+                  <a:spLocks noEditPoints="1"/>
+                </p:cNvSpPr>
+                <p:nvPr/>
+              </p:nvSpPr>
+              <p:spPr bwMode="auto">
+                <a:xfrm>
+                  <a:off x="3021" y="1500"/>
+                  <a:ext cx="1430" cy="971"/>
+                </a:xfrm>
+                <a:custGeom>
+                  <a:avLst/>
+                  <a:gdLst>
+                    <a:gd name="T0" fmla="*/ 1297 w 1305"/>
+                    <a:gd name="T1" fmla="*/ 885 h 885"/>
+                    <a:gd name="T2" fmla="*/ 8 w 1305"/>
+                    <a:gd name="T3" fmla="*/ 885 h 885"/>
+                    <a:gd name="T4" fmla="*/ 2 w 1305"/>
+                    <a:gd name="T5" fmla="*/ 882 h 885"/>
+                    <a:gd name="T6" fmla="*/ 0 w 1305"/>
+                    <a:gd name="T7" fmla="*/ 877 h 885"/>
+                    <a:gd name="T8" fmla="*/ 4 w 1305"/>
+                    <a:gd name="T9" fmla="*/ 8 h 885"/>
+                    <a:gd name="T10" fmla="*/ 12 w 1305"/>
+                    <a:gd name="T11" fmla="*/ 0 h 885"/>
+                    <a:gd name="T12" fmla="*/ 1297 w 1305"/>
+                    <a:gd name="T13" fmla="*/ 0 h 885"/>
+                    <a:gd name="T14" fmla="*/ 1305 w 1305"/>
+                    <a:gd name="T15" fmla="*/ 8 h 885"/>
+                    <a:gd name="T16" fmla="*/ 1305 w 1305"/>
+                    <a:gd name="T17" fmla="*/ 877 h 885"/>
+                    <a:gd name="T18" fmla="*/ 1297 w 1305"/>
+                    <a:gd name="T19" fmla="*/ 885 h 885"/>
+                    <a:gd name="T20" fmla="*/ 16 w 1305"/>
+                    <a:gd name="T21" fmla="*/ 869 h 885"/>
+                    <a:gd name="T22" fmla="*/ 1289 w 1305"/>
+                    <a:gd name="T23" fmla="*/ 869 h 885"/>
+                    <a:gd name="T24" fmla="*/ 1289 w 1305"/>
+                    <a:gd name="T25" fmla="*/ 16 h 885"/>
+                    <a:gd name="T26" fmla="*/ 20 w 1305"/>
+                    <a:gd name="T27" fmla="*/ 16 h 885"/>
+                    <a:gd name="T28" fmla="*/ 16 w 1305"/>
+                    <a:gd name="T29" fmla="*/ 869 h 885"/>
+                  </a:gdLst>
+                  <a:ahLst/>
+                  <a:cxnLst>
+                    <a:cxn ang="0">
+                      <a:pos x="T0" y="T1"/>
+                    </a:cxn>
+                    <a:cxn ang="0">
+                      <a:pos x="T2" y="T3"/>
+                    </a:cxn>
+                    <a:cxn ang="0">
+                      <a:pos x="T4" y="T5"/>
+                    </a:cxn>
+                    <a:cxn ang="0">
+                      <a:pos x="T6" y="T7"/>
+                    </a:cxn>
+                    <a:cxn ang="0">
+                      <a:pos x="T8" y="T9"/>
+                    </a:cxn>
+                    <a:cxn ang="0">
+                      <a:pos x="T10" y="T11"/>
+                    </a:cxn>
+                    <a:cxn ang="0">
+                      <a:pos x="T12" y="T13"/>
+                    </a:cxn>
+                    <a:cxn ang="0">
+                      <a:pos x="T14" y="T15"/>
+                    </a:cxn>
+                    <a:cxn ang="0">
+                      <a:pos x="T16" y="T17"/>
+                    </a:cxn>
+                    <a:cxn ang="0">
+                      <a:pos x="T18" y="T19"/>
+                    </a:cxn>
+                    <a:cxn ang="0">
+                      <a:pos x="T20" y="T21"/>
+                    </a:cxn>
+                    <a:cxn ang="0">
+                      <a:pos x="T22" y="T23"/>
+                    </a:cxn>
+                    <a:cxn ang="0">
+                      <a:pos x="T24" y="T25"/>
+                    </a:cxn>
+                    <a:cxn ang="0">
+                      <a:pos x="T26" y="T27"/>
+                    </a:cxn>
+                    <a:cxn ang="0">
+                      <a:pos x="T28" y="T29"/>
+                    </a:cxn>
+                  </a:cxnLst>
+                  <a:rect l="0" t="0" r="r" b="b"/>
+                  <a:pathLst>
+                    <a:path w="1305" h="885">
+                      <a:moveTo>
+                        <a:pt x="1297" y="885"/>
+                      </a:moveTo>
+                      <a:cubicBezTo>
+                        <a:pt x="8" y="885"/>
+                        <a:pt x="8" y="885"/>
+                        <a:pt x="8" y="885"/>
+                      </a:cubicBezTo>
+                      <a:cubicBezTo>
+                        <a:pt x="6" y="885"/>
+                        <a:pt x="4" y="884"/>
+                        <a:pt x="2" y="882"/>
+                      </a:cubicBezTo>
+                      <a:cubicBezTo>
+                        <a:pt x="1" y="881"/>
+                        <a:pt x="0" y="879"/>
+                        <a:pt x="0" y="877"/>
+                      </a:cubicBezTo>
+                      <a:cubicBezTo>
+                        <a:pt x="4" y="8"/>
+                        <a:pt x="4" y="8"/>
+                        <a:pt x="4" y="8"/>
+                      </a:cubicBezTo>
+                      <a:cubicBezTo>
+                        <a:pt x="4" y="4"/>
+                        <a:pt x="8" y="0"/>
+                        <a:pt x="12" y="0"/>
+                      </a:cubicBezTo>
+                      <a:cubicBezTo>
+                        <a:pt x="1297" y="0"/>
+                        <a:pt x="1297" y="0"/>
+                        <a:pt x="1297" y="0"/>
+                      </a:cubicBezTo>
+                      <a:cubicBezTo>
+                        <a:pt x="1301" y="0"/>
+                        <a:pt x="1305" y="4"/>
+                        <a:pt x="1305" y="8"/>
+                      </a:cubicBezTo>
+                      <a:cubicBezTo>
+                        <a:pt x="1305" y="877"/>
+                        <a:pt x="1305" y="877"/>
+                        <a:pt x="1305" y="877"/>
+                      </a:cubicBezTo>
+                      <a:cubicBezTo>
+                        <a:pt x="1305" y="881"/>
+                        <a:pt x="1301" y="885"/>
+                        <a:pt x="1297" y="885"/>
+                      </a:cubicBezTo>
+                      <a:close/>
+                      <a:moveTo>
+                        <a:pt x="16" y="869"/>
+                      </a:moveTo>
+                      <a:cubicBezTo>
+                        <a:pt x="1289" y="869"/>
+                        <a:pt x="1289" y="869"/>
+                        <a:pt x="1289" y="869"/>
+                      </a:cubicBezTo>
+                      <a:cubicBezTo>
+                        <a:pt x="1289" y="16"/>
+                        <a:pt x="1289" y="16"/>
+                        <a:pt x="1289" y="16"/>
+                      </a:cubicBezTo>
+                      <a:cubicBezTo>
+                        <a:pt x="20" y="16"/>
+                        <a:pt x="20" y="16"/>
+                        <a:pt x="20" y="16"/>
+                      </a:cubicBezTo>
+                      <a:lnTo>
+                        <a:pt x="16" y="869"/>
+                      </a:lnTo>
+                      <a:close/>
+                    </a:path>
+                  </a:pathLst>
+                </a:custGeom>
+                <a:solidFill>
+                  <a:srgbClr val="FFFFFF"/>
+                </a:solidFill>
+                <a:ln>
+                  <a:noFill/>
+                </a:ln>
+                <a:extLst>
+                  <a:ext uri="{91240B29-F687-4F45-9708-019B960494DF}">
+                    <a14:hiddenLine xmlns:a14="http://schemas.microsoft.com/office/drawing/2010/main" w="9525">
+                      <a:solidFill>
+                        <a:srgbClr val="000000"/>
+                      </a:solidFill>
+                      <a:round/>
+                      <a:headEnd/>
+                      <a:tailEnd/>
+                    </a14:hiddenLine>
+                  </a:ext>
+                </a:extLst>
+              </p:spPr>
+              <p:txBody>
+                <a:bodyPr vert="horz" wrap="square" lIns="89642" tIns="44821" rIns="89642" bIns="44821" numCol="1" anchor="t" anchorCtr="0" compatLnSpc="1">
+                  <a:prstTxWarp prst="textNoShape">
+                    <a:avLst/>
+                  </a:prstTxWarp>
+                </a:bodyPr>
+                <a:lstStyle/>
+                <a:p>
+                  <a:pPr defTabSz="896386">
+                    <a:defRPr/>
+                  </a:pPr>
+                  <a:endParaRPr lang="en-US" sz="1765" kern="0">
+                    <a:solidFill>
+                      <a:srgbClr val="505050"/>
+                    </a:solidFill>
+                  </a:endParaRPr>
+                </a:p>
+              </p:txBody>
+            </p:sp>
+            <p:sp>
+              <p:nvSpPr>
+                <p:cNvPr id="24" name="Freeform 7"/>
+                <p:cNvSpPr>
+                  <a:spLocks/>
+                </p:cNvSpPr>
+                <p:nvPr/>
+              </p:nvSpPr>
+              <p:spPr bwMode="auto">
+                <a:xfrm>
+                  <a:off x="3567" y="2574"/>
+                  <a:ext cx="337" cy="27"/>
+                </a:xfrm>
+                <a:custGeom>
+                  <a:avLst/>
+                  <a:gdLst>
+                    <a:gd name="T0" fmla="*/ 296 w 308"/>
+                    <a:gd name="T1" fmla="*/ 0 h 25"/>
+                    <a:gd name="T2" fmla="*/ 13 w 308"/>
+                    <a:gd name="T3" fmla="*/ 0 h 25"/>
+                    <a:gd name="T4" fmla="*/ 0 w 308"/>
+                    <a:gd name="T5" fmla="*/ 13 h 25"/>
+                    <a:gd name="T6" fmla="*/ 13 w 308"/>
+                    <a:gd name="T7" fmla="*/ 25 h 25"/>
+                    <a:gd name="T8" fmla="*/ 296 w 308"/>
+                    <a:gd name="T9" fmla="*/ 25 h 25"/>
+                    <a:gd name="T10" fmla="*/ 308 w 308"/>
+                    <a:gd name="T11" fmla="*/ 13 h 25"/>
+                    <a:gd name="T12" fmla="*/ 296 w 308"/>
+                    <a:gd name="T13" fmla="*/ 0 h 25"/>
+                  </a:gdLst>
+                  <a:ahLst/>
+                  <a:cxnLst>
+                    <a:cxn ang="0">
+                      <a:pos x="T0" y="T1"/>
+                    </a:cxn>
+                    <a:cxn ang="0">
+                      <a:pos x="T2" y="T3"/>
+                    </a:cxn>
+                    <a:cxn ang="0">
+                      <a:pos x="T4" y="T5"/>
+                    </a:cxn>
+                    <a:cxn ang="0">
+                      <a:pos x="T6" y="T7"/>
+                    </a:cxn>
+                    <a:cxn ang="0">
+                      <a:pos x="T8" y="T9"/>
+                    </a:cxn>
+                    <a:cxn ang="0">
+                      <a:pos x="T10" y="T11"/>
+                    </a:cxn>
+                    <a:cxn ang="0">
+                      <a:pos x="T12" y="T13"/>
+                    </a:cxn>
+                  </a:cxnLst>
+                  <a:rect l="0" t="0" r="r" b="b"/>
+                  <a:pathLst>
+                    <a:path w="308" h="25">
+                      <a:moveTo>
+                        <a:pt x="296" y="0"/>
+                      </a:moveTo>
+                      <a:cubicBezTo>
+                        <a:pt x="13" y="0"/>
+                        <a:pt x="13" y="0"/>
+                        <a:pt x="13" y="0"/>
+                      </a:cubicBezTo>
+                      <a:cubicBezTo>
+                        <a:pt x="6" y="0"/>
+                        <a:pt x="0" y="6"/>
+                        <a:pt x="0" y="13"/>
+                      </a:cubicBezTo>
+                      <a:cubicBezTo>
+                        <a:pt x="0" y="19"/>
+                        <a:pt x="6" y="25"/>
+                        <a:pt x="13" y="25"/>
+                      </a:cubicBezTo>
+                      <a:cubicBezTo>
+                        <a:pt x="296" y="25"/>
+                        <a:pt x="296" y="25"/>
+                        <a:pt x="296" y="25"/>
+                      </a:cubicBezTo>
+                      <a:cubicBezTo>
+                        <a:pt x="303" y="25"/>
+                        <a:pt x="308" y="19"/>
+                        <a:pt x="308" y="13"/>
+                      </a:cubicBezTo>
+                      <a:cubicBezTo>
+                        <a:pt x="308" y="6"/>
+                        <a:pt x="303" y="0"/>
+                        <a:pt x="296" y="0"/>
+                      </a:cubicBezTo>
+                      <a:close/>
+                    </a:path>
+                  </a:pathLst>
+                </a:custGeom>
+                <a:solidFill>
+                  <a:srgbClr val="FFFFFF"/>
+                </a:solidFill>
+                <a:ln>
+                  <a:noFill/>
+                </a:ln>
+                <a:extLst>
+                  <a:ext uri="{91240B29-F687-4F45-9708-019B960494DF}">
+                    <a14:hiddenLine xmlns:a14="http://schemas.microsoft.com/office/drawing/2010/main" w="9525">
+                      <a:solidFill>
+                        <a:srgbClr val="000000"/>
+                      </a:solidFill>
+                      <a:round/>
+                      <a:headEnd/>
+                      <a:tailEnd/>
+                    </a14:hiddenLine>
+                  </a:ext>
+                </a:extLst>
+              </p:spPr>
+              <p:txBody>
+                <a:bodyPr vert="horz" wrap="square" lIns="89642" tIns="44821" rIns="89642" bIns="44821" numCol="1" anchor="t" anchorCtr="0" compatLnSpc="1">
+                  <a:prstTxWarp prst="textNoShape">
+                    <a:avLst/>
+                  </a:prstTxWarp>
+                </a:bodyPr>
+                <a:lstStyle/>
+                <a:p>
+                  <a:pPr defTabSz="896386">
+                    <a:defRPr/>
+                  </a:pPr>
+                  <a:endParaRPr lang="en-US" sz="1765" kern="0">
+                    <a:solidFill>
+                      <a:srgbClr val="505050"/>
+                    </a:solidFill>
+                  </a:endParaRPr>
+                </a:p>
+              </p:txBody>
+            </p:sp>
+            <p:sp>
+              <p:nvSpPr>
+                <p:cNvPr id="25" name="Freeform 8"/>
+                <p:cNvSpPr>
+                  <a:spLocks/>
+                </p:cNvSpPr>
+                <p:nvPr/>
+              </p:nvSpPr>
+              <p:spPr bwMode="auto">
+                <a:xfrm>
+                  <a:off x="2937" y="2518"/>
+                  <a:ext cx="1630" cy="17"/>
+                </a:xfrm>
+                <a:custGeom>
+                  <a:avLst/>
+                  <a:gdLst>
+                    <a:gd name="T0" fmla="*/ 1480 w 1488"/>
+                    <a:gd name="T1" fmla="*/ 16 h 16"/>
+                    <a:gd name="T2" fmla="*/ 8 w 1488"/>
+                    <a:gd name="T3" fmla="*/ 16 h 16"/>
+                    <a:gd name="T4" fmla="*/ 0 w 1488"/>
+                    <a:gd name="T5" fmla="*/ 8 h 16"/>
+                    <a:gd name="T6" fmla="*/ 8 w 1488"/>
+                    <a:gd name="T7" fmla="*/ 0 h 16"/>
+                    <a:gd name="T8" fmla="*/ 1480 w 1488"/>
+                    <a:gd name="T9" fmla="*/ 0 h 16"/>
+                    <a:gd name="T10" fmla="*/ 1488 w 1488"/>
+                    <a:gd name="T11" fmla="*/ 8 h 16"/>
+                    <a:gd name="T12" fmla="*/ 1480 w 1488"/>
+                    <a:gd name="T13" fmla="*/ 16 h 16"/>
+                  </a:gdLst>
+                  <a:ahLst/>
+                  <a:cxnLst>
+                    <a:cxn ang="0">
+                      <a:pos x="T0" y="T1"/>
+                    </a:cxn>
+                    <a:cxn ang="0">
+                      <a:pos x="T2" y="T3"/>
+                    </a:cxn>
+                    <a:cxn ang="0">
+                      <a:pos x="T4" y="T5"/>
+                    </a:cxn>
+                    <a:cxn ang="0">
+                      <a:pos x="T6" y="T7"/>
+                    </a:cxn>
+                    <a:cxn ang="0">
+                      <a:pos x="T8" y="T9"/>
+                    </a:cxn>
+                    <a:cxn ang="0">
+                      <a:pos x="T10" y="T11"/>
+                    </a:cxn>
+                    <a:cxn ang="0">
+                      <a:pos x="T12" y="T13"/>
+                    </a:cxn>
+                  </a:cxnLst>
+                  <a:rect l="0" t="0" r="r" b="b"/>
+                  <a:pathLst>
+                    <a:path w="1488" h="16">
+                      <a:moveTo>
+                        <a:pt x="1480" y="16"/>
+                      </a:moveTo>
+                      <a:cubicBezTo>
+                        <a:pt x="8" y="16"/>
+                        <a:pt x="8" y="16"/>
+                        <a:pt x="8" y="16"/>
+                      </a:cubicBezTo>
+                      <a:cubicBezTo>
+                        <a:pt x="4" y="16"/>
+                        <a:pt x="0" y="13"/>
+                        <a:pt x="0" y="8"/>
+                      </a:cubicBezTo>
+                      <a:cubicBezTo>
+                        <a:pt x="0" y="4"/>
+                        <a:pt x="4" y="0"/>
+                        <a:pt x="8" y="0"/>
+                      </a:cubicBezTo>
+                      <a:cubicBezTo>
+                        <a:pt x="1480" y="0"/>
+                        <a:pt x="1480" y="0"/>
+                        <a:pt x="1480" y="0"/>
+                      </a:cubicBezTo>
+                      <a:cubicBezTo>
+                        <a:pt x="1484" y="0"/>
+                        <a:pt x="1488" y="4"/>
+                        <a:pt x="1488" y="8"/>
+                      </a:cubicBezTo>
+                      <a:cubicBezTo>
+                        <a:pt x="1488" y="13"/>
+                        <a:pt x="1484" y="16"/>
+                        <a:pt x="1480" y="16"/>
+                      </a:cubicBezTo>
+                      <a:close/>
+                    </a:path>
+                  </a:pathLst>
+                </a:custGeom>
+                <a:solidFill>
+                  <a:srgbClr val="FFFFFF"/>
+                </a:solidFill>
+                <a:ln>
+                  <a:noFill/>
+                </a:ln>
+                <a:extLst>
+                  <a:ext uri="{91240B29-F687-4F45-9708-019B960494DF}">
+                    <a14:hiddenLine xmlns:a14="http://schemas.microsoft.com/office/drawing/2010/main" w="9525">
+                      <a:solidFill>
+                        <a:srgbClr val="000000"/>
+                      </a:solidFill>
+                      <a:round/>
+                      <a:headEnd/>
+                      <a:tailEnd/>
+                    </a14:hiddenLine>
+                  </a:ext>
+                </a:extLst>
+              </p:spPr>
+              <p:txBody>
+                <a:bodyPr vert="horz" wrap="square" lIns="89642" tIns="44821" rIns="89642" bIns="44821" numCol="1" anchor="t" anchorCtr="0" compatLnSpc="1">
+                  <a:prstTxWarp prst="textNoShape">
+                    <a:avLst/>
+                  </a:prstTxWarp>
+                </a:bodyPr>
+                <a:lstStyle/>
+                <a:p>
+                  <a:pPr defTabSz="896386">
+                    <a:defRPr/>
+                  </a:pPr>
+                  <a:endParaRPr lang="en-US" sz="1765" kern="0">
+                    <a:solidFill>
+                      <a:srgbClr val="505050"/>
+                    </a:solidFill>
+                  </a:endParaRPr>
+                </a:p>
+              </p:txBody>
+            </p:sp>
+          </p:grpSp>
+          <p:sp>
+            <p:nvSpPr>
+              <p:cNvPr id="9" name="Freeform 8"/>
+              <p:cNvSpPr>
+                <a:spLocks noEditPoints="1"/>
+              </p:cNvSpPr>
+              <p:nvPr/>
+            </p:nvSpPr>
+            <p:spPr bwMode="auto">
+              <a:xfrm>
+                <a:off x="6151715" y="2539877"/>
+                <a:ext cx="1111250" cy="715962"/>
+              </a:xfrm>
+              <a:custGeom>
+                <a:avLst/>
+                <a:gdLst>
+                  <a:gd name="T0" fmla="*/ 509 w 638"/>
+                  <a:gd name="T1" fmla="*/ 411 h 411"/>
+                  <a:gd name="T2" fmla="*/ 125 w 638"/>
+                  <a:gd name="T3" fmla="*/ 411 h 411"/>
+                  <a:gd name="T4" fmla="*/ 0 w 638"/>
+                  <a:gd name="T5" fmla="*/ 292 h 411"/>
+                  <a:gd name="T6" fmla="*/ 98 w 638"/>
+                  <a:gd name="T7" fmla="*/ 177 h 411"/>
+                  <a:gd name="T8" fmla="*/ 98 w 638"/>
+                  <a:gd name="T9" fmla="*/ 175 h 411"/>
+                  <a:gd name="T10" fmla="*/ 177 w 638"/>
+                  <a:gd name="T11" fmla="*/ 31 h 411"/>
+                  <a:gd name="T12" fmla="*/ 279 w 638"/>
+                  <a:gd name="T13" fmla="*/ 0 h 411"/>
+                  <a:gd name="T14" fmla="*/ 423 w 638"/>
+                  <a:gd name="T15" fmla="*/ 73 h 411"/>
+                  <a:gd name="T16" fmla="*/ 468 w 638"/>
+                  <a:gd name="T17" fmla="*/ 63 h 411"/>
+                  <a:gd name="T18" fmla="*/ 528 w 638"/>
+                  <a:gd name="T19" fmla="*/ 79 h 411"/>
+                  <a:gd name="T20" fmla="*/ 529 w 638"/>
+                  <a:gd name="T21" fmla="*/ 79 h 411"/>
+                  <a:gd name="T22" fmla="*/ 576 w 638"/>
+                  <a:gd name="T23" fmla="*/ 162 h 411"/>
+                  <a:gd name="T24" fmla="*/ 638 w 638"/>
+                  <a:gd name="T25" fmla="*/ 274 h 411"/>
+                  <a:gd name="T26" fmla="*/ 509 w 638"/>
+                  <a:gd name="T27" fmla="*/ 411 h 411"/>
+                  <a:gd name="T28" fmla="*/ 279 w 638"/>
+                  <a:gd name="T29" fmla="*/ 16 h 411"/>
+                  <a:gd name="T30" fmla="*/ 185 w 638"/>
+                  <a:gd name="T31" fmla="*/ 44 h 411"/>
+                  <a:gd name="T32" fmla="*/ 114 w 638"/>
+                  <a:gd name="T33" fmla="*/ 175 h 411"/>
+                  <a:gd name="T34" fmla="*/ 114 w 638"/>
+                  <a:gd name="T35" fmla="*/ 190 h 411"/>
+                  <a:gd name="T36" fmla="*/ 107 w 638"/>
+                  <a:gd name="T37" fmla="*/ 191 h 411"/>
+                  <a:gd name="T38" fmla="*/ 16 w 638"/>
+                  <a:gd name="T39" fmla="*/ 292 h 411"/>
+                  <a:gd name="T40" fmla="*/ 125 w 638"/>
+                  <a:gd name="T41" fmla="*/ 395 h 411"/>
+                  <a:gd name="T42" fmla="*/ 509 w 638"/>
+                  <a:gd name="T43" fmla="*/ 395 h 411"/>
+                  <a:gd name="T44" fmla="*/ 622 w 638"/>
+                  <a:gd name="T45" fmla="*/ 274 h 411"/>
+                  <a:gd name="T46" fmla="*/ 564 w 638"/>
+                  <a:gd name="T47" fmla="*/ 173 h 411"/>
+                  <a:gd name="T48" fmla="*/ 560 w 638"/>
+                  <a:gd name="T49" fmla="*/ 171 h 411"/>
+                  <a:gd name="T50" fmla="*/ 560 w 638"/>
+                  <a:gd name="T51" fmla="*/ 166 h 411"/>
+                  <a:gd name="T52" fmla="*/ 520 w 638"/>
+                  <a:gd name="T53" fmla="*/ 93 h 411"/>
+                  <a:gd name="T54" fmla="*/ 468 w 638"/>
+                  <a:gd name="T55" fmla="*/ 79 h 411"/>
+                  <a:gd name="T56" fmla="*/ 425 w 638"/>
+                  <a:gd name="T57" fmla="*/ 90 h 411"/>
+                  <a:gd name="T58" fmla="*/ 418 w 638"/>
+                  <a:gd name="T59" fmla="*/ 94 h 411"/>
+                  <a:gd name="T60" fmla="*/ 414 w 638"/>
+                  <a:gd name="T61" fmla="*/ 87 h 411"/>
+                  <a:gd name="T62" fmla="*/ 279 w 638"/>
+                  <a:gd name="T63" fmla="*/ 16 h 411"/>
+                </a:gdLst>
+                <a:ahLst/>
+                <a:cxnLst>
+                  <a:cxn ang="0">
+                    <a:pos x="T0" y="T1"/>
+                  </a:cxn>
+                  <a:cxn ang="0">
+                    <a:pos x="T2" y="T3"/>
+                  </a:cxn>
+                  <a:cxn ang="0">
+                    <a:pos x="T4" y="T5"/>
+                  </a:cxn>
+                  <a:cxn ang="0">
+                    <a:pos x="T6" y="T7"/>
+                  </a:cxn>
+                  <a:cxn ang="0">
+                    <a:pos x="T8" y="T9"/>
+                  </a:cxn>
+                  <a:cxn ang="0">
+                    <a:pos x="T10" y="T11"/>
+                  </a:cxn>
+                  <a:cxn ang="0">
+                    <a:pos x="T12" y="T13"/>
+                  </a:cxn>
+                  <a:cxn ang="0">
+                    <a:pos x="T14" y="T15"/>
+                  </a:cxn>
+                  <a:cxn ang="0">
+                    <a:pos x="T16" y="T17"/>
+                  </a:cxn>
+                  <a:cxn ang="0">
+                    <a:pos x="T18" y="T19"/>
+                  </a:cxn>
+                  <a:cxn ang="0">
+                    <a:pos x="T20" y="T21"/>
+                  </a:cxn>
+                  <a:cxn ang="0">
+                    <a:pos x="T22" y="T23"/>
+                  </a:cxn>
+                  <a:cxn ang="0">
+                    <a:pos x="T24" y="T25"/>
+                  </a:cxn>
+                  <a:cxn ang="0">
+                    <a:pos x="T26" y="T27"/>
+                  </a:cxn>
+                  <a:cxn ang="0">
+                    <a:pos x="T28" y="T29"/>
+                  </a:cxn>
+                  <a:cxn ang="0">
+                    <a:pos x="T30" y="T31"/>
+                  </a:cxn>
+                  <a:cxn ang="0">
+                    <a:pos x="T32" y="T33"/>
+                  </a:cxn>
+                  <a:cxn ang="0">
+                    <a:pos x="T34" y="T35"/>
+                  </a:cxn>
+                  <a:cxn ang="0">
+                    <a:pos x="T36" y="T37"/>
+                  </a:cxn>
+                  <a:cxn ang="0">
+                    <a:pos x="T38" y="T39"/>
+                  </a:cxn>
+                  <a:cxn ang="0">
+                    <a:pos x="T40" y="T41"/>
+                  </a:cxn>
+                  <a:cxn ang="0">
+                    <a:pos x="T42" y="T43"/>
+                  </a:cxn>
+                  <a:cxn ang="0">
+                    <a:pos x="T44" y="T45"/>
+                  </a:cxn>
+                  <a:cxn ang="0">
+                    <a:pos x="T46" y="T47"/>
+                  </a:cxn>
+                  <a:cxn ang="0">
+                    <a:pos x="T48" y="T49"/>
+                  </a:cxn>
+                  <a:cxn ang="0">
+                    <a:pos x="T50" y="T51"/>
+                  </a:cxn>
+                  <a:cxn ang="0">
+                    <a:pos x="T52" y="T53"/>
+                  </a:cxn>
+                  <a:cxn ang="0">
+                    <a:pos x="T54" y="T55"/>
+                  </a:cxn>
+                  <a:cxn ang="0">
+                    <a:pos x="T56" y="T57"/>
+                  </a:cxn>
+                  <a:cxn ang="0">
+                    <a:pos x="T58" y="T59"/>
+                  </a:cxn>
+                  <a:cxn ang="0">
+                    <a:pos x="T60" y="T61"/>
+                  </a:cxn>
+                  <a:cxn ang="0">
+                    <a:pos x="T62" y="T63"/>
+                  </a:cxn>
+                </a:cxnLst>
+                <a:rect l="0" t="0" r="r" b="b"/>
+                <a:pathLst>
+                  <a:path w="638" h="411">
+                    <a:moveTo>
+                      <a:pt x="509" y="411"/>
+                    </a:moveTo>
+                    <a:cubicBezTo>
+                      <a:pt x="125" y="411"/>
+                      <a:pt x="125" y="411"/>
+                      <a:pt x="125" y="411"/>
+                    </a:cubicBezTo>
+                    <a:cubicBezTo>
+                      <a:pt x="55" y="411"/>
+                      <a:pt x="0" y="358"/>
+                      <a:pt x="0" y="292"/>
+                    </a:cubicBezTo>
+                    <a:cubicBezTo>
+                      <a:pt x="0" y="233"/>
+                      <a:pt x="50" y="186"/>
+                      <a:pt x="98" y="177"/>
+                    </a:cubicBezTo>
+                    <a:cubicBezTo>
+                      <a:pt x="98" y="175"/>
+                      <a:pt x="98" y="175"/>
+                      <a:pt x="98" y="175"/>
+                    </a:cubicBezTo>
+                    <a:cubicBezTo>
+                      <a:pt x="98" y="117"/>
+                      <a:pt x="128" y="62"/>
+                      <a:pt x="177" y="31"/>
+                    </a:cubicBezTo>
+                    <a:cubicBezTo>
+                      <a:pt x="211" y="10"/>
+                      <a:pt x="245" y="0"/>
+                      <a:pt x="279" y="0"/>
+                    </a:cubicBezTo>
+                    <a:cubicBezTo>
+                      <a:pt x="337" y="0"/>
+                      <a:pt x="392" y="28"/>
+                      <a:pt x="423" y="73"/>
+                    </a:cubicBezTo>
+                    <a:cubicBezTo>
+                      <a:pt x="440" y="65"/>
+                      <a:pt x="456" y="63"/>
+                      <a:pt x="468" y="63"/>
+                    </a:cubicBezTo>
+                    <a:cubicBezTo>
+                      <a:pt x="489" y="63"/>
+                      <a:pt x="511" y="69"/>
+                      <a:pt x="528" y="79"/>
+                    </a:cubicBezTo>
+                    <a:cubicBezTo>
+                      <a:pt x="529" y="79"/>
+                      <a:pt x="529" y="79"/>
+                      <a:pt x="529" y="79"/>
+                    </a:cubicBezTo>
+                    <a:cubicBezTo>
+                      <a:pt x="558" y="98"/>
+                      <a:pt x="575" y="128"/>
+                      <a:pt x="576" y="162"/>
+                    </a:cubicBezTo>
+                    <a:cubicBezTo>
+                      <a:pt x="615" y="187"/>
+                      <a:pt x="638" y="228"/>
+                      <a:pt x="638" y="274"/>
+                    </a:cubicBezTo>
+                    <a:cubicBezTo>
+                      <a:pt x="638" y="348"/>
+                      <a:pt x="579" y="411"/>
+                      <a:pt x="509" y="411"/>
+                    </a:cubicBezTo>
+                    <a:close/>
+                    <a:moveTo>
+                      <a:pt x="279" y="16"/>
+                    </a:moveTo>
+                    <a:cubicBezTo>
+                      <a:pt x="248" y="16"/>
+                      <a:pt x="217" y="26"/>
+                      <a:pt x="185" y="44"/>
+                    </a:cubicBezTo>
+                    <a:cubicBezTo>
+                      <a:pt x="142" y="73"/>
+                      <a:pt x="114" y="123"/>
+                      <a:pt x="114" y="175"/>
+                    </a:cubicBezTo>
+                    <a:cubicBezTo>
+                      <a:pt x="114" y="190"/>
+                      <a:pt x="114" y="190"/>
+                      <a:pt x="114" y="190"/>
+                    </a:cubicBezTo>
+                    <a:cubicBezTo>
+                      <a:pt x="107" y="191"/>
+                      <a:pt x="107" y="191"/>
+                      <a:pt x="107" y="191"/>
+                    </a:cubicBezTo>
+                    <a:cubicBezTo>
+                      <a:pt x="64" y="197"/>
+                      <a:pt x="16" y="239"/>
+                      <a:pt x="16" y="292"/>
+                    </a:cubicBezTo>
+                    <a:cubicBezTo>
+                      <a:pt x="16" y="349"/>
+                      <a:pt x="64" y="395"/>
+                      <a:pt x="125" y="395"/>
+                    </a:cubicBezTo>
+                    <a:cubicBezTo>
+                      <a:pt x="509" y="395"/>
+                      <a:pt x="509" y="395"/>
+                      <a:pt x="509" y="395"/>
+                    </a:cubicBezTo>
+                    <a:cubicBezTo>
+                      <a:pt x="570" y="395"/>
+                      <a:pt x="622" y="340"/>
+                      <a:pt x="622" y="274"/>
+                    </a:cubicBezTo>
+                    <a:cubicBezTo>
+                      <a:pt x="622" y="232"/>
+                      <a:pt x="601" y="195"/>
+                      <a:pt x="564" y="173"/>
+                    </a:cubicBezTo>
+                    <a:cubicBezTo>
+                      <a:pt x="560" y="171"/>
+                      <a:pt x="560" y="171"/>
+                      <a:pt x="560" y="171"/>
+                    </a:cubicBezTo>
+                    <a:cubicBezTo>
+                      <a:pt x="560" y="166"/>
+                      <a:pt x="560" y="166"/>
+                      <a:pt x="560" y="166"/>
+                    </a:cubicBezTo>
+                    <a:cubicBezTo>
+                      <a:pt x="560" y="136"/>
+                      <a:pt x="546" y="110"/>
+                      <a:pt x="520" y="93"/>
+                    </a:cubicBezTo>
+                    <a:cubicBezTo>
+                      <a:pt x="506" y="84"/>
+                      <a:pt x="486" y="79"/>
+                      <a:pt x="468" y="79"/>
+                    </a:cubicBezTo>
+                    <a:cubicBezTo>
+                      <a:pt x="452" y="79"/>
+                      <a:pt x="437" y="83"/>
+                      <a:pt x="425" y="90"/>
+                    </a:cubicBezTo>
+                    <a:cubicBezTo>
+                      <a:pt x="418" y="94"/>
+                      <a:pt x="418" y="94"/>
+                      <a:pt x="418" y="94"/>
+                    </a:cubicBezTo>
+                    <a:cubicBezTo>
+                      <a:pt x="414" y="87"/>
+                      <a:pt x="414" y="87"/>
+                      <a:pt x="414" y="87"/>
+                    </a:cubicBezTo>
+                    <a:cubicBezTo>
+                      <a:pt x="386" y="44"/>
+                      <a:pt x="334" y="16"/>
+                      <a:pt x="279" y="16"/>
+                    </a:cubicBezTo>
+                    <a:close/>
+                  </a:path>
+                </a:pathLst>
+              </a:custGeom>
+              <a:solidFill>
+                <a:srgbClr val="4EB1FF"/>
+              </a:solidFill>
+              <a:ln>
+                <a:noFill/>
+              </a:ln>
+              <a:extLst>
+                <a:ext uri="{91240B29-F687-4F45-9708-019B960494DF}">
+                  <a14:hiddenLine xmlns:a14="http://schemas.microsoft.com/office/drawing/2010/main" w="9525">
+                    <a:solidFill>
+                      <a:srgbClr val="000000"/>
+                    </a:solidFill>
+                    <a:round/>
+                    <a:headEnd/>
+                    <a:tailEnd/>
+                  </a14:hiddenLine>
+                </a:ext>
+              </a:extLst>
+            </p:spPr>
+            <p:txBody>
+              <a:bodyPr vert="horz" wrap="square" lIns="89642" tIns="44821" rIns="89642" bIns="44821" numCol="1" anchor="t" anchorCtr="0" compatLnSpc="1">
+                <a:prstTxWarp prst="textNoShape">
+                  <a:avLst/>
+                </a:prstTxWarp>
+              </a:bodyPr>
+              <a:lstStyle/>
+              <a:p>
+                <a:pPr defTabSz="896386">
+                  <a:defRPr/>
+                </a:pPr>
+                <a:endParaRPr lang="en-US" sz="1765" kern="0">
+                  <a:solidFill>
+                    <a:srgbClr val="505050"/>
+                  </a:solidFill>
+                </a:endParaRPr>
+              </a:p>
+            </p:txBody>
+          </p:sp>
+          <p:grpSp>
+            <p:nvGrpSpPr>
+              <p:cNvPr id="10" name="Group 12"/>
+              <p:cNvGrpSpPr>
+                <a:grpSpLocks noChangeAspect="1"/>
+              </p:cNvGrpSpPr>
+              <p:nvPr/>
+            </p:nvGrpSpPr>
+            <p:grpSpPr bwMode="auto">
+              <a:xfrm>
+                <a:off x="8158314" y="1995364"/>
+                <a:ext cx="808038" cy="1517649"/>
+                <a:chOff x="4666" y="1418"/>
+                <a:chExt cx="509" cy="956"/>
+              </a:xfrm>
+            </p:grpSpPr>
+            <p:sp>
+              <p:nvSpPr>
+                <p:cNvPr id="17" name="AutoShape 11"/>
+                <p:cNvSpPr>
+                  <a:spLocks noChangeAspect="1" noChangeArrowheads="1" noTextEdit="1"/>
+                </p:cNvSpPr>
+                <p:nvPr/>
+              </p:nvSpPr>
+              <p:spPr bwMode="auto">
+                <a:xfrm>
+                  <a:off x="4666" y="1419"/>
+                  <a:ext cx="509" cy="955"/>
+                </a:xfrm>
+                <a:prstGeom prst="rect">
+                  <a:avLst/>
+                </a:prstGeom>
+                <a:noFill/>
+                <a:ln>
+                  <a:noFill/>
+                </a:ln>
+                <a:extLst>
+                  <a:ext uri="{909E8E84-426E-40DD-AFC4-6F175D3DCCD1}">
+                    <a14:hiddenFill xmlns:a14="http://schemas.microsoft.com/office/drawing/2010/main">
+                      <a:solidFill>
+                        <a:srgbClr val="FFFFFF"/>
+                      </a:solidFill>
+                    </a14:hiddenFill>
+                  </a:ext>
+                  <a:ext uri="{91240B29-F687-4F45-9708-019B960494DF}">
+                    <a14:hiddenLine xmlns:a14="http://schemas.microsoft.com/office/drawing/2010/main" w="9525">
+                      <a:solidFill>
+                        <a:srgbClr val="000000"/>
+                      </a:solidFill>
+                      <a:miter lim="800000"/>
+                      <a:headEnd/>
+                      <a:tailEnd/>
+                    </a14:hiddenLine>
+                  </a:ext>
+                </a:extLst>
+              </p:spPr>
+              <p:txBody>
+                <a:bodyPr vert="horz" wrap="square" lIns="89642" tIns="44821" rIns="89642" bIns="44821" numCol="1" anchor="t" anchorCtr="0" compatLnSpc="1">
+                  <a:prstTxWarp prst="textNoShape">
+                    <a:avLst/>
+                  </a:prstTxWarp>
+                </a:bodyPr>
+                <a:lstStyle/>
+                <a:p>
+                  <a:pPr defTabSz="896386">
+                    <a:defRPr/>
+                  </a:pPr>
+                  <a:endParaRPr lang="en-US" sz="1765" kern="0">
+                    <a:solidFill>
+                      <a:srgbClr val="505050"/>
+                    </a:solidFill>
+                  </a:endParaRPr>
+                </a:p>
+              </p:txBody>
+            </p:sp>
+            <p:sp>
+              <p:nvSpPr>
+                <p:cNvPr id="18" name="Rectangle 13"/>
+                <p:cNvSpPr>
+                  <a:spLocks noChangeArrowheads="1"/>
+                </p:cNvSpPr>
+                <p:nvPr/>
+              </p:nvSpPr>
+              <p:spPr bwMode="auto">
+                <a:xfrm>
+                  <a:off x="4675" y="2160"/>
+                  <a:ext cx="490" cy="18"/>
+                </a:xfrm>
+                <a:prstGeom prst="rect">
+                  <a:avLst/>
+                </a:prstGeom>
+                <a:solidFill>
+                  <a:srgbClr val="FFFFFF"/>
+                </a:solidFill>
+                <a:ln>
+                  <a:noFill/>
+                </a:ln>
+                <a:extLst>
+                  <a:ext uri="{91240B29-F687-4F45-9708-019B960494DF}">
+                    <a14:hiddenLine xmlns:a14="http://schemas.microsoft.com/office/drawing/2010/main" w="9525">
+                      <a:solidFill>
+                        <a:srgbClr val="000000"/>
+                      </a:solidFill>
+                      <a:miter lim="800000"/>
+                      <a:headEnd/>
+                      <a:tailEnd/>
+                    </a14:hiddenLine>
+                  </a:ext>
+                </a:extLst>
+              </p:spPr>
+              <p:txBody>
+                <a:bodyPr vert="horz" wrap="square" lIns="89642" tIns="44821" rIns="89642" bIns="44821" numCol="1" anchor="t" anchorCtr="0" compatLnSpc="1">
+                  <a:prstTxWarp prst="textNoShape">
+                    <a:avLst/>
+                  </a:prstTxWarp>
+                </a:bodyPr>
+                <a:lstStyle/>
+                <a:p>
+                  <a:pPr defTabSz="896386">
+                    <a:defRPr/>
+                  </a:pPr>
+                  <a:endParaRPr lang="en-US" sz="1765" kern="0">
+                    <a:solidFill>
+                      <a:srgbClr val="505050"/>
+                    </a:solidFill>
+                  </a:endParaRPr>
+                </a:p>
+              </p:txBody>
+            </p:sp>
+            <p:sp>
+              <p:nvSpPr>
+                <p:cNvPr id="19" name="Rectangle 14"/>
+                <p:cNvSpPr>
+                  <a:spLocks noChangeArrowheads="1"/>
+                </p:cNvSpPr>
+                <p:nvPr/>
+              </p:nvSpPr>
+              <p:spPr bwMode="auto">
+                <a:xfrm>
+                  <a:off x="4675" y="1512"/>
+                  <a:ext cx="491" cy="18"/>
+                </a:xfrm>
+                <a:prstGeom prst="rect">
+                  <a:avLst/>
+                </a:prstGeom>
+                <a:solidFill>
+                  <a:srgbClr val="FFFFFF"/>
+                </a:solidFill>
+                <a:ln>
+                  <a:noFill/>
+                </a:ln>
+                <a:extLst>
+                  <a:ext uri="{91240B29-F687-4F45-9708-019B960494DF}">
+                    <a14:hiddenLine xmlns:a14="http://schemas.microsoft.com/office/drawing/2010/main" w="9525">
+                      <a:solidFill>
+                        <a:srgbClr val="000000"/>
+                      </a:solidFill>
+                      <a:miter lim="800000"/>
+                      <a:headEnd/>
+                      <a:tailEnd/>
+                    </a14:hiddenLine>
+                  </a:ext>
+                </a:extLst>
+              </p:spPr>
+              <p:txBody>
+                <a:bodyPr vert="horz" wrap="square" lIns="89642" tIns="44821" rIns="89642" bIns="44821" numCol="1" anchor="t" anchorCtr="0" compatLnSpc="1">
+                  <a:prstTxWarp prst="textNoShape">
+                    <a:avLst/>
+                  </a:prstTxWarp>
+                </a:bodyPr>
+                <a:lstStyle/>
+                <a:p>
+                  <a:pPr defTabSz="896386">
+                    <a:defRPr/>
+                  </a:pPr>
+                  <a:endParaRPr lang="en-US" sz="1765" kern="0">
+                    <a:solidFill>
+                      <a:srgbClr val="505050"/>
+                    </a:solidFill>
+                  </a:endParaRPr>
+                </a:p>
+              </p:txBody>
+            </p:sp>
+            <p:sp>
+              <p:nvSpPr>
+                <p:cNvPr id="20" name="Oval 15"/>
+                <p:cNvSpPr>
+                  <a:spLocks noChangeArrowheads="1"/>
+                </p:cNvSpPr>
+                <p:nvPr/>
+              </p:nvSpPr>
+              <p:spPr bwMode="auto">
+                <a:xfrm>
+                  <a:off x="4886" y="2225"/>
+                  <a:ext cx="87" cy="86"/>
+                </a:xfrm>
+                <a:prstGeom prst="ellipse">
+                  <a:avLst/>
+                </a:prstGeom>
+                <a:solidFill>
+                  <a:srgbClr val="FFFFFF"/>
+                </a:solidFill>
+                <a:ln>
+                  <a:noFill/>
+                </a:ln>
+                <a:extLst>
+                  <a:ext uri="{91240B29-F687-4F45-9708-019B960494DF}">
+                    <a14:hiddenLine xmlns:a14="http://schemas.microsoft.com/office/drawing/2010/main" w="9525">
+                      <a:solidFill>
+                        <a:srgbClr val="000000"/>
+                      </a:solidFill>
+                      <a:round/>
+                      <a:headEnd/>
+                      <a:tailEnd/>
+                    </a14:hiddenLine>
+                  </a:ext>
+                </a:extLst>
+              </p:spPr>
+              <p:txBody>
+                <a:bodyPr vert="horz" wrap="square" lIns="89642" tIns="44821" rIns="89642" bIns="44821" numCol="1" anchor="t" anchorCtr="0" compatLnSpc="1">
+                  <a:prstTxWarp prst="textNoShape">
+                    <a:avLst/>
+                  </a:prstTxWarp>
+                </a:bodyPr>
+                <a:lstStyle/>
+                <a:p>
+                  <a:pPr defTabSz="896386">
+                    <a:defRPr/>
+                  </a:pPr>
+                  <a:endParaRPr lang="en-US" sz="1765" kern="0">
+                    <a:solidFill>
+                      <a:srgbClr val="505050"/>
+                    </a:solidFill>
+                  </a:endParaRPr>
+                </a:p>
+              </p:txBody>
+            </p:sp>
+            <p:sp>
+              <p:nvSpPr>
+                <p:cNvPr id="21" name="Freeform 16"/>
+                <p:cNvSpPr>
+                  <a:spLocks noEditPoints="1"/>
+                </p:cNvSpPr>
+                <p:nvPr/>
+              </p:nvSpPr>
+              <p:spPr bwMode="auto">
+                <a:xfrm>
+                  <a:off x="4666" y="1418"/>
+                  <a:ext cx="509" cy="956"/>
+                </a:xfrm>
+                <a:custGeom>
+                  <a:avLst/>
+                  <a:gdLst>
+                    <a:gd name="T0" fmla="*/ 435 w 462"/>
+                    <a:gd name="T1" fmla="*/ 871 h 871"/>
+                    <a:gd name="T2" fmla="*/ 27 w 462"/>
+                    <a:gd name="T3" fmla="*/ 871 h 871"/>
+                    <a:gd name="T4" fmla="*/ 0 w 462"/>
+                    <a:gd name="T5" fmla="*/ 844 h 871"/>
+                    <a:gd name="T6" fmla="*/ 0 w 462"/>
+                    <a:gd name="T7" fmla="*/ 27 h 871"/>
+                    <a:gd name="T8" fmla="*/ 27 w 462"/>
+                    <a:gd name="T9" fmla="*/ 0 h 871"/>
+                    <a:gd name="T10" fmla="*/ 435 w 462"/>
+                    <a:gd name="T11" fmla="*/ 0 h 871"/>
+                    <a:gd name="T12" fmla="*/ 462 w 462"/>
+                    <a:gd name="T13" fmla="*/ 27 h 871"/>
+                    <a:gd name="T14" fmla="*/ 462 w 462"/>
+                    <a:gd name="T15" fmla="*/ 844 h 871"/>
+                    <a:gd name="T16" fmla="*/ 435 w 462"/>
+                    <a:gd name="T17" fmla="*/ 871 h 871"/>
+                    <a:gd name="T18" fmla="*/ 27 w 462"/>
+                    <a:gd name="T19" fmla="*/ 16 h 871"/>
+                    <a:gd name="T20" fmla="*/ 16 w 462"/>
+                    <a:gd name="T21" fmla="*/ 27 h 871"/>
+                    <a:gd name="T22" fmla="*/ 16 w 462"/>
+                    <a:gd name="T23" fmla="*/ 844 h 871"/>
+                    <a:gd name="T24" fmla="*/ 27 w 462"/>
+                    <a:gd name="T25" fmla="*/ 855 h 871"/>
+                    <a:gd name="T26" fmla="*/ 435 w 462"/>
+                    <a:gd name="T27" fmla="*/ 855 h 871"/>
+                    <a:gd name="T28" fmla="*/ 446 w 462"/>
+                    <a:gd name="T29" fmla="*/ 844 h 871"/>
+                    <a:gd name="T30" fmla="*/ 446 w 462"/>
+                    <a:gd name="T31" fmla="*/ 27 h 871"/>
+                    <a:gd name="T32" fmla="*/ 435 w 462"/>
+                    <a:gd name="T33" fmla="*/ 16 h 871"/>
+                    <a:gd name="T34" fmla="*/ 27 w 462"/>
+                    <a:gd name="T35" fmla="*/ 16 h 871"/>
+                  </a:gdLst>
+                  <a:ahLst/>
+                  <a:cxnLst>
+                    <a:cxn ang="0">
+                      <a:pos x="T0" y="T1"/>
+                    </a:cxn>
+                    <a:cxn ang="0">
+                      <a:pos x="T2" y="T3"/>
+                    </a:cxn>
+                    <a:cxn ang="0">
+                      <a:pos x="T4" y="T5"/>
+                    </a:cxn>
+                    <a:cxn ang="0">
+                      <a:pos x="T6" y="T7"/>
+                    </a:cxn>
+                    <a:cxn ang="0">
+                      <a:pos x="T8" y="T9"/>
+                    </a:cxn>
+                    <a:cxn ang="0">
+                      <a:pos x="T10" y="T11"/>
+                    </a:cxn>
+                    <a:cxn ang="0">
+                      <a:pos x="T12" y="T13"/>
+                    </a:cxn>
+                    <a:cxn ang="0">
+                      <a:pos x="T14" y="T15"/>
+                    </a:cxn>
+                    <a:cxn ang="0">
+                      <a:pos x="T16" y="T17"/>
+                    </a:cxn>
+                    <a:cxn ang="0">
+                      <a:pos x="T18" y="T19"/>
+                    </a:cxn>
+                    <a:cxn ang="0">
+                      <a:pos x="T20" y="T21"/>
+                    </a:cxn>
+                    <a:cxn ang="0">
+                      <a:pos x="T22" y="T23"/>
+                    </a:cxn>
+                    <a:cxn ang="0">
+                      <a:pos x="T24" y="T25"/>
+                    </a:cxn>
+                    <a:cxn ang="0">
+                      <a:pos x="T26" y="T27"/>
+                    </a:cxn>
+                    <a:cxn ang="0">
+                      <a:pos x="T28" y="T29"/>
+                    </a:cxn>
+                    <a:cxn ang="0">
+                      <a:pos x="T30" y="T31"/>
+                    </a:cxn>
+                    <a:cxn ang="0">
+                      <a:pos x="T32" y="T33"/>
+                    </a:cxn>
+                    <a:cxn ang="0">
+                      <a:pos x="T34" y="T35"/>
+                    </a:cxn>
+                  </a:cxnLst>
+                  <a:rect l="0" t="0" r="r" b="b"/>
+                  <a:pathLst>
+                    <a:path w="462" h="871">
+                      <a:moveTo>
+                        <a:pt x="435" y="871"/>
+                      </a:moveTo>
+                      <a:cubicBezTo>
+                        <a:pt x="27" y="871"/>
+                        <a:pt x="27" y="871"/>
+                        <a:pt x="27" y="871"/>
+                      </a:cubicBezTo>
+                      <a:cubicBezTo>
+                        <a:pt x="12" y="871"/>
+                        <a:pt x="0" y="859"/>
+                        <a:pt x="0" y="844"/>
+                      </a:cubicBezTo>
+                      <a:cubicBezTo>
+                        <a:pt x="0" y="27"/>
+                        <a:pt x="0" y="27"/>
+                        <a:pt x="0" y="27"/>
+                      </a:cubicBezTo>
+                      <a:cubicBezTo>
+                        <a:pt x="0" y="12"/>
+                        <a:pt x="12" y="0"/>
+                        <a:pt x="27" y="0"/>
+                      </a:cubicBezTo>
+                      <a:cubicBezTo>
+                        <a:pt x="435" y="0"/>
+                        <a:pt x="435" y="0"/>
+                        <a:pt x="435" y="0"/>
+                      </a:cubicBezTo>
+                      <a:cubicBezTo>
+                        <a:pt x="450" y="0"/>
+                        <a:pt x="462" y="12"/>
+                        <a:pt x="462" y="27"/>
+                      </a:cubicBezTo>
+                      <a:cubicBezTo>
+                        <a:pt x="462" y="844"/>
+                        <a:pt x="462" y="844"/>
+                        <a:pt x="462" y="844"/>
+                      </a:cubicBezTo>
+                      <a:cubicBezTo>
+                        <a:pt x="462" y="859"/>
+                        <a:pt x="450" y="871"/>
+                        <a:pt x="435" y="871"/>
+                      </a:cubicBezTo>
+                      <a:close/>
+                      <a:moveTo>
+                        <a:pt x="27" y="16"/>
+                      </a:moveTo>
+                      <a:cubicBezTo>
+                        <a:pt x="21" y="16"/>
+                        <a:pt x="16" y="21"/>
+                        <a:pt x="16" y="27"/>
+                      </a:cubicBezTo>
+                      <a:cubicBezTo>
+                        <a:pt x="16" y="844"/>
+                        <a:pt x="16" y="844"/>
+                        <a:pt x="16" y="844"/>
+                      </a:cubicBezTo>
+                      <a:cubicBezTo>
+                        <a:pt x="16" y="850"/>
+                        <a:pt x="21" y="855"/>
+                        <a:pt x="27" y="855"/>
+                      </a:cubicBezTo>
+                      <a:cubicBezTo>
+                        <a:pt x="435" y="855"/>
+                        <a:pt x="435" y="855"/>
+                        <a:pt x="435" y="855"/>
+                      </a:cubicBezTo>
+                      <a:cubicBezTo>
+                        <a:pt x="441" y="855"/>
+                        <a:pt x="446" y="850"/>
+                        <a:pt x="446" y="844"/>
+                      </a:cubicBezTo>
+                      <a:cubicBezTo>
+                        <a:pt x="446" y="27"/>
+                        <a:pt x="446" y="27"/>
+                        <a:pt x="446" y="27"/>
+                      </a:cubicBezTo>
+                      <a:cubicBezTo>
+                        <a:pt x="446" y="21"/>
+                        <a:pt x="441" y="16"/>
+                        <a:pt x="435" y="16"/>
+                      </a:cubicBezTo>
+                      <a:lnTo>
+                        <a:pt x="27" y="16"/>
+                      </a:lnTo>
+                      <a:close/>
+                    </a:path>
+                  </a:pathLst>
+                </a:custGeom>
+                <a:solidFill>
+                  <a:srgbClr val="FFFFFF"/>
+                </a:solidFill>
+                <a:ln>
+                  <a:noFill/>
+                </a:ln>
+                <a:extLst>
+                  <a:ext uri="{91240B29-F687-4F45-9708-019B960494DF}">
+                    <a14:hiddenLine xmlns:a14="http://schemas.microsoft.com/office/drawing/2010/main" w="9525">
+                      <a:solidFill>
+                        <a:srgbClr val="000000"/>
+                      </a:solidFill>
+                      <a:round/>
+                      <a:headEnd/>
+                      <a:tailEnd/>
+                    </a14:hiddenLine>
+                  </a:ext>
+                </a:extLst>
+              </p:spPr>
+              <p:txBody>
+                <a:bodyPr vert="horz" wrap="square" lIns="89642" tIns="44821" rIns="89642" bIns="44821" numCol="1" anchor="t" anchorCtr="0" compatLnSpc="1">
+                  <a:prstTxWarp prst="textNoShape">
+                    <a:avLst/>
+                  </a:prstTxWarp>
+                </a:bodyPr>
+                <a:lstStyle/>
+                <a:p>
+                  <a:pPr defTabSz="896386">
+                    <a:defRPr/>
+                  </a:pPr>
+                  <a:endParaRPr lang="en-US" sz="1765" kern="0">
+                    <a:solidFill>
+                      <a:srgbClr val="505050"/>
+                    </a:solidFill>
+                  </a:endParaRPr>
+                </a:p>
+              </p:txBody>
+            </p:sp>
+          </p:grpSp>
+          <p:sp>
+            <p:nvSpPr>
+              <p:cNvPr id="11" name="Freeform 17"/>
+              <p:cNvSpPr>
+                <a:spLocks noEditPoints="1"/>
+              </p:cNvSpPr>
+              <p:nvPr/>
+            </p:nvSpPr>
+            <p:spPr bwMode="auto">
+              <a:xfrm>
+                <a:off x="8307539" y="2524002"/>
+                <a:ext cx="509588" cy="333375"/>
+              </a:xfrm>
+              <a:custGeom>
+                <a:avLst/>
+                <a:gdLst>
+                  <a:gd name="T0" fmla="*/ 229 w 292"/>
+                  <a:gd name="T1" fmla="*/ 192 h 192"/>
+                  <a:gd name="T2" fmla="*/ 61 w 292"/>
+                  <a:gd name="T3" fmla="*/ 192 h 192"/>
+                  <a:gd name="T4" fmla="*/ 0 w 292"/>
+                  <a:gd name="T5" fmla="*/ 134 h 192"/>
+                  <a:gd name="T6" fmla="*/ 43 w 292"/>
+                  <a:gd name="T7" fmla="*/ 78 h 192"/>
+                  <a:gd name="T8" fmla="*/ 80 w 292"/>
+                  <a:gd name="T9" fmla="*/ 14 h 192"/>
+                  <a:gd name="T10" fmla="*/ 129 w 292"/>
+                  <a:gd name="T11" fmla="*/ 0 h 192"/>
+                  <a:gd name="T12" fmla="*/ 194 w 292"/>
+                  <a:gd name="T13" fmla="*/ 30 h 192"/>
+                  <a:gd name="T14" fmla="*/ 211 w 292"/>
+                  <a:gd name="T15" fmla="*/ 28 h 192"/>
+                  <a:gd name="T16" fmla="*/ 241 w 292"/>
+                  <a:gd name="T17" fmla="*/ 35 h 192"/>
+                  <a:gd name="T18" fmla="*/ 241 w 292"/>
+                  <a:gd name="T19" fmla="*/ 36 h 192"/>
+                  <a:gd name="T20" fmla="*/ 265 w 292"/>
+                  <a:gd name="T21" fmla="*/ 73 h 192"/>
+                  <a:gd name="T22" fmla="*/ 292 w 292"/>
+                  <a:gd name="T23" fmla="*/ 126 h 192"/>
+                  <a:gd name="T24" fmla="*/ 229 w 292"/>
+                  <a:gd name="T25" fmla="*/ 192 h 192"/>
+                  <a:gd name="T26" fmla="*/ 129 w 292"/>
+                  <a:gd name="T27" fmla="*/ 20 h 192"/>
+                  <a:gd name="T28" fmla="*/ 91 w 292"/>
+                  <a:gd name="T29" fmla="*/ 31 h 192"/>
+                  <a:gd name="T30" fmla="*/ 63 w 292"/>
+                  <a:gd name="T31" fmla="*/ 83 h 192"/>
+                  <a:gd name="T32" fmla="*/ 63 w 292"/>
+                  <a:gd name="T33" fmla="*/ 95 h 192"/>
+                  <a:gd name="T34" fmla="*/ 54 w 292"/>
+                  <a:gd name="T35" fmla="*/ 96 h 192"/>
+                  <a:gd name="T36" fmla="*/ 20 w 292"/>
+                  <a:gd name="T37" fmla="*/ 134 h 192"/>
+                  <a:gd name="T38" fmla="*/ 61 w 292"/>
+                  <a:gd name="T39" fmla="*/ 172 h 192"/>
+                  <a:gd name="T40" fmla="*/ 229 w 292"/>
+                  <a:gd name="T41" fmla="*/ 172 h 192"/>
+                  <a:gd name="T42" fmla="*/ 272 w 292"/>
+                  <a:gd name="T43" fmla="*/ 126 h 192"/>
+                  <a:gd name="T44" fmla="*/ 250 w 292"/>
+                  <a:gd name="T45" fmla="*/ 88 h 192"/>
+                  <a:gd name="T46" fmla="*/ 245 w 292"/>
+                  <a:gd name="T47" fmla="*/ 85 h 192"/>
+                  <a:gd name="T48" fmla="*/ 245 w 292"/>
+                  <a:gd name="T49" fmla="*/ 79 h 192"/>
+                  <a:gd name="T50" fmla="*/ 230 w 292"/>
+                  <a:gd name="T51" fmla="*/ 52 h 192"/>
+                  <a:gd name="T52" fmla="*/ 211 w 292"/>
+                  <a:gd name="T53" fmla="*/ 48 h 192"/>
+                  <a:gd name="T54" fmla="*/ 196 w 292"/>
+                  <a:gd name="T55" fmla="*/ 51 h 192"/>
+                  <a:gd name="T56" fmla="*/ 187 w 292"/>
+                  <a:gd name="T57" fmla="*/ 56 h 192"/>
+                  <a:gd name="T58" fmla="*/ 182 w 292"/>
+                  <a:gd name="T59" fmla="*/ 48 h 192"/>
+                  <a:gd name="T60" fmla="*/ 129 w 292"/>
+                  <a:gd name="T61" fmla="*/ 20 h 192"/>
+                </a:gdLst>
+                <a:ahLst/>
+                <a:cxnLst>
+                  <a:cxn ang="0">
+                    <a:pos x="T0" y="T1"/>
+                  </a:cxn>
+                  <a:cxn ang="0">
+                    <a:pos x="T2" y="T3"/>
+                  </a:cxn>
+                  <a:cxn ang="0">
+                    <a:pos x="T4" y="T5"/>
+                  </a:cxn>
+                  <a:cxn ang="0">
+                    <a:pos x="T6" y="T7"/>
+                  </a:cxn>
+                  <a:cxn ang="0">
+                    <a:pos x="T8" y="T9"/>
+                  </a:cxn>
+                  <a:cxn ang="0">
+                    <a:pos x="T10" y="T11"/>
+                  </a:cxn>
+                  <a:cxn ang="0">
+                    <a:pos x="T12" y="T13"/>
+                  </a:cxn>
+                  <a:cxn ang="0">
+                    <a:pos x="T14" y="T15"/>
+                  </a:cxn>
+                  <a:cxn ang="0">
+                    <a:pos x="T16" y="T17"/>
+                  </a:cxn>
+                  <a:cxn ang="0">
+                    <a:pos x="T18" y="T19"/>
+                  </a:cxn>
+                  <a:cxn ang="0">
+                    <a:pos x="T20" y="T21"/>
+                  </a:cxn>
+                  <a:cxn ang="0">
+                    <a:pos x="T22" y="T23"/>
+                  </a:cxn>
+                  <a:cxn ang="0">
+                    <a:pos x="T24" y="T25"/>
+                  </a:cxn>
+                  <a:cxn ang="0">
+                    <a:pos x="T26" y="T27"/>
+                  </a:cxn>
+                  <a:cxn ang="0">
+                    <a:pos x="T28" y="T29"/>
+                  </a:cxn>
+                  <a:cxn ang="0">
+                    <a:pos x="T30" y="T31"/>
+                  </a:cxn>
+                  <a:cxn ang="0">
+                    <a:pos x="T32" y="T33"/>
+                  </a:cxn>
+                  <a:cxn ang="0">
+                    <a:pos x="T34" y="T35"/>
+                  </a:cxn>
+                  <a:cxn ang="0">
+                    <a:pos x="T36" y="T37"/>
+                  </a:cxn>
+                  <a:cxn ang="0">
+                    <a:pos x="T38" y="T39"/>
+                  </a:cxn>
+                  <a:cxn ang="0">
+                    <a:pos x="T40" y="T41"/>
+                  </a:cxn>
+                  <a:cxn ang="0">
+                    <a:pos x="T42" y="T43"/>
+                  </a:cxn>
+                  <a:cxn ang="0">
+                    <a:pos x="T44" y="T45"/>
+                  </a:cxn>
+                  <a:cxn ang="0">
+                    <a:pos x="T46" y="T47"/>
+                  </a:cxn>
+                  <a:cxn ang="0">
+                    <a:pos x="T48" y="T49"/>
+                  </a:cxn>
+                  <a:cxn ang="0">
+                    <a:pos x="T50" y="T51"/>
+                  </a:cxn>
+                  <a:cxn ang="0">
+                    <a:pos x="T52" y="T53"/>
+                  </a:cxn>
+                  <a:cxn ang="0">
+                    <a:pos x="T54" y="T55"/>
+                  </a:cxn>
+                  <a:cxn ang="0">
+                    <a:pos x="T56" y="T57"/>
+                  </a:cxn>
+                  <a:cxn ang="0">
+                    <a:pos x="T58" y="T59"/>
+                  </a:cxn>
+                  <a:cxn ang="0">
+                    <a:pos x="T60" y="T61"/>
+                  </a:cxn>
+                </a:cxnLst>
+                <a:rect l="0" t="0" r="r" b="b"/>
+                <a:pathLst>
+                  <a:path w="292" h="192">
+                    <a:moveTo>
+                      <a:pt x="229" y="192"/>
+                    </a:moveTo>
+                    <a:cubicBezTo>
+                      <a:pt x="61" y="192"/>
+                      <a:pt x="61" y="192"/>
+                      <a:pt x="61" y="192"/>
+                    </a:cubicBezTo>
+                    <a:cubicBezTo>
+                      <a:pt x="27" y="192"/>
+                      <a:pt x="0" y="167"/>
+                      <a:pt x="0" y="134"/>
+                    </a:cubicBezTo>
+                    <a:cubicBezTo>
+                      <a:pt x="0" y="107"/>
+                      <a:pt x="21" y="85"/>
+                      <a:pt x="43" y="78"/>
+                    </a:cubicBezTo>
+                    <a:cubicBezTo>
+                      <a:pt x="45" y="53"/>
+                      <a:pt x="59" y="28"/>
+                      <a:pt x="80" y="14"/>
+                    </a:cubicBezTo>
+                    <a:cubicBezTo>
+                      <a:pt x="97" y="5"/>
+                      <a:pt x="113" y="0"/>
+                      <a:pt x="129" y="0"/>
+                    </a:cubicBezTo>
+                    <a:cubicBezTo>
+                      <a:pt x="154" y="0"/>
+                      <a:pt x="178" y="11"/>
+                      <a:pt x="194" y="30"/>
+                    </a:cubicBezTo>
+                    <a:cubicBezTo>
+                      <a:pt x="200" y="28"/>
+                      <a:pt x="207" y="28"/>
+                      <a:pt x="211" y="28"/>
+                    </a:cubicBezTo>
+                    <a:cubicBezTo>
+                      <a:pt x="222" y="28"/>
+                      <a:pt x="232" y="30"/>
+                      <a:pt x="241" y="35"/>
+                    </a:cubicBezTo>
+                    <a:cubicBezTo>
+                      <a:pt x="241" y="36"/>
+                      <a:pt x="241" y="36"/>
+                      <a:pt x="241" y="36"/>
+                    </a:cubicBezTo>
+                    <a:cubicBezTo>
+                      <a:pt x="255" y="44"/>
+                      <a:pt x="263" y="58"/>
+                      <a:pt x="265" y="73"/>
+                    </a:cubicBezTo>
+                    <a:cubicBezTo>
+                      <a:pt x="282" y="86"/>
+                      <a:pt x="292" y="105"/>
+                      <a:pt x="292" y="126"/>
+                    </a:cubicBezTo>
+                    <a:cubicBezTo>
+                      <a:pt x="292" y="162"/>
+                      <a:pt x="263" y="192"/>
+                      <a:pt x="229" y="192"/>
+                    </a:cubicBezTo>
+                    <a:close/>
+                    <a:moveTo>
+                      <a:pt x="129" y="20"/>
+                    </a:moveTo>
+                    <a:cubicBezTo>
+                      <a:pt x="116" y="20"/>
+                      <a:pt x="104" y="24"/>
+                      <a:pt x="91" y="31"/>
+                    </a:cubicBezTo>
+                    <a:cubicBezTo>
+                      <a:pt x="74" y="42"/>
+                      <a:pt x="63" y="62"/>
+                      <a:pt x="63" y="83"/>
+                    </a:cubicBezTo>
+                    <a:cubicBezTo>
+                      <a:pt x="63" y="95"/>
+                      <a:pt x="63" y="95"/>
+                      <a:pt x="63" y="95"/>
+                    </a:cubicBezTo>
+                    <a:cubicBezTo>
+                      <a:pt x="54" y="96"/>
+                      <a:pt x="54" y="96"/>
+                      <a:pt x="54" y="96"/>
+                    </a:cubicBezTo>
+                    <a:cubicBezTo>
+                      <a:pt x="38" y="98"/>
+                      <a:pt x="20" y="114"/>
+                      <a:pt x="20" y="134"/>
+                    </a:cubicBezTo>
+                    <a:cubicBezTo>
+                      <a:pt x="20" y="155"/>
+                      <a:pt x="38" y="172"/>
+                      <a:pt x="61" y="172"/>
+                    </a:cubicBezTo>
+                    <a:cubicBezTo>
+                      <a:pt x="229" y="172"/>
+                      <a:pt x="229" y="172"/>
+                      <a:pt x="229" y="172"/>
+                    </a:cubicBezTo>
+                    <a:cubicBezTo>
+                      <a:pt x="252" y="172"/>
+                      <a:pt x="272" y="151"/>
+                      <a:pt x="272" y="126"/>
+                    </a:cubicBezTo>
+                    <a:cubicBezTo>
+                      <a:pt x="272" y="110"/>
+                      <a:pt x="264" y="96"/>
+                      <a:pt x="250" y="88"/>
+                    </a:cubicBezTo>
+                    <a:cubicBezTo>
+                      <a:pt x="245" y="85"/>
+                      <a:pt x="245" y="85"/>
+                      <a:pt x="245" y="85"/>
+                    </a:cubicBezTo>
+                    <a:cubicBezTo>
+                      <a:pt x="245" y="79"/>
+                      <a:pt x="245" y="79"/>
+                      <a:pt x="245" y="79"/>
+                    </a:cubicBezTo>
+                    <a:cubicBezTo>
+                      <a:pt x="245" y="68"/>
+                      <a:pt x="240" y="59"/>
+                      <a:pt x="230" y="52"/>
+                    </a:cubicBezTo>
+                    <a:cubicBezTo>
+                      <a:pt x="225" y="49"/>
+                      <a:pt x="218" y="48"/>
+                      <a:pt x="211" y="48"/>
+                    </a:cubicBezTo>
+                    <a:cubicBezTo>
+                      <a:pt x="205" y="48"/>
+                      <a:pt x="200" y="49"/>
+                      <a:pt x="196" y="51"/>
+                    </a:cubicBezTo>
+                    <a:cubicBezTo>
+                      <a:pt x="187" y="56"/>
+                      <a:pt x="187" y="56"/>
+                      <a:pt x="187" y="56"/>
+                    </a:cubicBezTo>
+                    <a:cubicBezTo>
+                      <a:pt x="182" y="48"/>
+                      <a:pt x="182" y="48"/>
+                      <a:pt x="182" y="48"/>
+                    </a:cubicBezTo>
+                    <a:cubicBezTo>
+                      <a:pt x="171" y="31"/>
+                      <a:pt x="151" y="20"/>
+                      <a:pt x="129" y="20"/>
+                    </a:cubicBezTo>
+                    <a:close/>
+                  </a:path>
+                </a:pathLst>
+              </a:custGeom>
+              <a:solidFill>
+                <a:srgbClr val="4EB1FF"/>
+              </a:solidFill>
+              <a:ln>
+                <a:noFill/>
+              </a:ln>
+              <a:extLst>
+                <a:ext uri="{91240B29-F687-4F45-9708-019B960494DF}">
+                  <a14:hiddenLine xmlns:a14="http://schemas.microsoft.com/office/drawing/2010/main" w="9525">
+                    <a:solidFill>
+                      <a:srgbClr val="000000"/>
+                    </a:solidFill>
+                    <a:round/>
+                    <a:headEnd/>
+                    <a:tailEnd/>
+                  </a14:hiddenLine>
+                </a:ext>
+              </a:extLst>
+            </p:spPr>
+            <p:txBody>
+              <a:bodyPr vert="horz" wrap="square" lIns="89642" tIns="44821" rIns="89642" bIns="44821" numCol="1" anchor="t" anchorCtr="0" compatLnSpc="1">
+                <a:prstTxWarp prst="textNoShape">
+                  <a:avLst/>
+                </a:prstTxWarp>
+              </a:bodyPr>
+              <a:lstStyle/>
+              <a:p>
+                <a:pPr defTabSz="896386">
+                  <a:defRPr/>
+                </a:pPr>
+                <a:endParaRPr lang="en-US" sz="1765" kern="0">
+                  <a:solidFill>
+                    <a:srgbClr val="505050"/>
+                  </a:solidFill>
+                </a:endParaRPr>
+              </a:p>
+            </p:txBody>
+          </p:sp>
+          <p:grpSp>
+            <p:nvGrpSpPr>
+              <p:cNvPr id="12" name="Group 20"/>
+              <p:cNvGrpSpPr>
+                <a:grpSpLocks noChangeAspect="1"/>
+              </p:cNvGrpSpPr>
+              <p:nvPr/>
+            </p:nvGrpSpPr>
+            <p:grpSpPr bwMode="auto">
+              <a:xfrm>
+                <a:off x="3097365" y="1995365"/>
+                <a:ext cx="2105025" cy="1449388"/>
+                <a:chOff x="1478" y="1418"/>
+                <a:chExt cx="1326" cy="913"/>
+              </a:xfrm>
+            </p:grpSpPr>
+            <p:sp>
+              <p:nvSpPr>
+                <p:cNvPr id="14" name="Freeform 21"/>
+                <p:cNvSpPr>
+                  <a:spLocks noEditPoints="1"/>
+                </p:cNvSpPr>
+                <p:nvPr/>
+              </p:nvSpPr>
+              <p:spPr bwMode="auto">
+                <a:xfrm>
+                  <a:off x="1478" y="1418"/>
+                  <a:ext cx="1326" cy="913"/>
+                </a:xfrm>
+                <a:custGeom>
+                  <a:avLst/>
+                  <a:gdLst>
+                    <a:gd name="T0" fmla="*/ 1147 w 1209"/>
+                    <a:gd name="T1" fmla="*/ 832 h 832"/>
+                    <a:gd name="T2" fmla="*/ 58 w 1209"/>
+                    <a:gd name="T3" fmla="*/ 832 h 832"/>
+                    <a:gd name="T4" fmla="*/ 0 w 1209"/>
+                    <a:gd name="T5" fmla="*/ 775 h 832"/>
+                    <a:gd name="T6" fmla="*/ 0 w 1209"/>
+                    <a:gd name="T7" fmla="*/ 58 h 832"/>
+                    <a:gd name="T8" fmla="*/ 58 w 1209"/>
+                    <a:gd name="T9" fmla="*/ 0 h 832"/>
+                    <a:gd name="T10" fmla="*/ 1151 w 1209"/>
+                    <a:gd name="T11" fmla="*/ 0 h 832"/>
+                    <a:gd name="T12" fmla="*/ 1209 w 1209"/>
+                    <a:gd name="T13" fmla="*/ 58 h 832"/>
+                    <a:gd name="T14" fmla="*/ 1205 w 1209"/>
+                    <a:gd name="T15" fmla="*/ 775 h 832"/>
+                    <a:gd name="T16" fmla="*/ 1147 w 1209"/>
+                    <a:gd name="T17" fmla="*/ 832 h 832"/>
+                    <a:gd name="T18" fmla="*/ 58 w 1209"/>
+                    <a:gd name="T19" fmla="*/ 16 h 832"/>
+                    <a:gd name="T20" fmla="*/ 16 w 1209"/>
+                    <a:gd name="T21" fmla="*/ 58 h 832"/>
+                    <a:gd name="T22" fmla="*/ 16 w 1209"/>
+                    <a:gd name="T23" fmla="*/ 775 h 832"/>
+                    <a:gd name="T24" fmla="*/ 58 w 1209"/>
+                    <a:gd name="T25" fmla="*/ 816 h 832"/>
+                    <a:gd name="T26" fmla="*/ 1147 w 1209"/>
+                    <a:gd name="T27" fmla="*/ 816 h 832"/>
+                    <a:gd name="T28" fmla="*/ 1189 w 1209"/>
+                    <a:gd name="T29" fmla="*/ 775 h 832"/>
+                    <a:gd name="T30" fmla="*/ 1189 w 1209"/>
+                    <a:gd name="T31" fmla="*/ 775 h 832"/>
+                    <a:gd name="T32" fmla="*/ 1193 w 1209"/>
+                    <a:gd name="T33" fmla="*/ 58 h 832"/>
+                    <a:gd name="T34" fmla="*/ 1151 w 1209"/>
+                    <a:gd name="T35" fmla="*/ 16 h 832"/>
+                    <a:gd name="T36" fmla="*/ 58 w 1209"/>
+                    <a:gd name="T37" fmla="*/ 16 h 832"/>
+                  </a:gdLst>
+                  <a:ahLst/>
+                  <a:cxnLst>
+                    <a:cxn ang="0">
+                      <a:pos x="T0" y="T1"/>
+                    </a:cxn>
+                    <a:cxn ang="0">
+                      <a:pos x="T2" y="T3"/>
+                    </a:cxn>
+                    <a:cxn ang="0">
+                      <a:pos x="T4" y="T5"/>
+                    </a:cxn>
+                    <a:cxn ang="0">
+                      <a:pos x="T6" y="T7"/>
+                    </a:cxn>
+                    <a:cxn ang="0">
+                      <a:pos x="T8" y="T9"/>
+                    </a:cxn>
+                    <a:cxn ang="0">
+                      <a:pos x="T10" y="T11"/>
+                    </a:cxn>
+                    <a:cxn ang="0">
+                      <a:pos x="T12" y="T13"/>
+                    </a:cxn>
+                    <a:cxn ang="0">
+                      <a:pos x="T14" y="T15"/>
+                    </a:cxn>
+                    <a:cxn ang="0">
+                      <a:pos x="T16" y="T17"/>
+                    </a:cxn>
+                    <a:cxn ang="0">
+                      <a:pos x="T18" y="T19"/>
+                    </a:cxn>
+                    <a:cxn ang="0">
+                      <a:pos x="T20" y="T21"/>
+                    </a:cxn>
+                    <a:cxn ang="0">
+                      <a:pos x="T22" y="T23"/>
+                    </a:cxn>
+                    <a:cxn ang="0">
+                      <a:pos x="T24" y="T25"/>
+                    </a:cxn>
+                    <a:cxn ang="0">
+                      <a:pos x="T26" y="T27"/>
+                    </a:cxn>
+                    <a:cxn ang="0">
+                      <a:pos x="T28" y="T29"/>
+                    </a:cxn>
+                    <a:cxn ang="0">
+                      <a:pos x="T30" y="T31"/>
+                    </a:cxn>
+                    <a:cxn ang="0">
+                      <a:pos x="T32" y="T33"/>
+                    </a:cxn>
+                    <a:cxn ang="0">
+                      <a:pos x="T34" y="T35"/>
+                    </a:cxn>
+                    <a:cxn ang="0">
+                      <a:pos x="T36" y="T37"/>
+                    </a:cxn>
+                  </a:cxnLst>
+                  <a:rect l="0" t="0" r="r" b="b"/>
+                  <a:pathLst>
+                    <a:path w="1209" h="832">
+                      <a:moveTo>
+                        <a:pt x="1147" y="832"/>
+                      </a:moveTo>
+                      <a:cubicBezTo>
+                        <a:pt x="58" y="832"/>
+                        <a:pt x="58" y="832"/>
+                        <a:pt x="58" y="832"/>
+                      </a:cubicBezTo>
+                      <a:cubicBezTo>
+                        <a:pt x="26" y="832"/>
+                        <a:pt x="0" y="806"/>
+                        <a:pt x="0" y="775"/>
+                      </a:cubicBezTo>
+                      <a:cubicBezTo>
+                        <a:pt x="0" y="58"/>
+                        <a:pt x="0" y="58"/>
+                        <a:pt x="0" y="58"/>
+                      </a:cubicBezTo>
+                      <a:cubicBezTo>
+                        <a:pt x="0" y="26"/>
+                        <a:pt x="26" y="0"/>
+                        <a:pt x="58" y="0"/>
+                      </a:cubicBezTo>
+                      <a:cubicBezTo>
+                        <a:pt x="1151" y="0"/>
+                        <a:pt x="1151" y="0"/>
+                        <a:pt x="1151" y="0"/>
+                      </a:cubicBezTo>
+                      <a:cubicBezTo>
+                        <a:pt x="1183" y="0"/>
+                        <a:pt x="1209" y="26"/>
+                        <a:pt x="1209" y="58"/>
+                      </a:cubicBezTo>
+                      <a:cubicBezTo>
+                        <a:pt x="1205" y="775"/>
+                        <a:pt x="1205" y="775"/>
+                        <a:pt x="1205" y="775"/>
+                      </a:cubicBezTo>
+                      <a:cubicBezTo>
+                        <a:pt x="1205" y="806"/>
+                        <a:pt x="1179" y="832"/>
+                        <a:pt x="1147" y="832"/>
+                      </a:cubicBezTo>
+                      <a:close/>
+                      <a:moveTo>
+                        <a:pt x="58" y="16"/>
+                      </a:moveTo>
+                      <a:cubicBezTo>
+                        <a:pt x="35" y="16"/>
+                        <a:pt x="16" y="35"/>
+                        <a:pt x="16" y="58"/>
+                      </a:cubicBezTo>
+                      <a:cubicBezTo>
+                        <a:pt x="16" y="775"/>
+                        <a:pt x="16" y="775"/>
+                        <a:pt x="16" y="775"/>
+                      </a:cubicBezTo>
+                      <a:cubicBezTo>
+                        <a:pt x="16" y="798"/>
+                        <a:pt x="35" y="816"/>
+                        <a:pt x="58" y="816"/>
+                      </a:cubicBezTo>
+                      <a:cubicBezTo>
+                        <a:pt x="1147" y="816"/>
+                        <a:pt x="1147" y="816"/>
+                        <a:pt x="1147" y="816"/>
+                      </a:cubicBezTo>
+                      <a:cubicBezTo>
+                        <a:pt x="1170" y="816"/>
+                        <a:pt x="1189" y="798"/>
+                        <a:pt x="1189" y="775"/>
+                      </a:cubicBezTo>
+                      <a:cubicBezTo>
+                        <a:pt x="1189" y="775"/>
+                        <a:pt x="1189" y="775"/>
+                        <a:pt x="1189" y="775"/>
+                      </a:cubicBezTo>
+                      <a:cubicBezTo>
+                        <a:pt x="1193" y="58"/>
+                        <a:pt x="1193" y="58"/>
+                        <a:pt x="1193" y="58"/>
+                      </a:cubicBezTo>
+                      <a:cubicBezTo>
+                        <a:pt x="1193" y="35"/>
+                        <a:pt x="1174" y="16"/>
+                        <a:pt x="1151" y="16"/>
+                      </a:cubicBezTo>
+                      <a:lnTo>
+                        <a:pt x="58" y="16"/>
+                      </a:lnTo>
+                      <a:close/>
+                    </a:path>
+                  </a:pathLst>
+                </a:custGeom>
+                <a:solidFill>
+                  <a:srgbClr val="FFFFFF"/>
+                </a:solidFill>
+                <a:ln>
+                  <a:noFill/>
+                </a:ln>
+                <a:extLst>
+                  <a:ext uri="{91240B29-F687-4F45-9708-019B960494DF}">
+                    <a14:hiddenLine xmlns:a14="http://schemas.microsoft.com/office/drawing/2010/main" w="9525">
+                      <a:solidFill>
+                        <a:srgbClr val="000000"/>
+                      </a:solidFill>
+                      <a:round/>
+                      <a:headEnd/>
+                      <a:tailEnd/>
+                    </a14:hiddenLine>
+                  </a:ext>
+                </a:extLst>
+              </p:spPr>
+              <p:txBody>
+                <a:bodyPr vert="horz" wrap="square" lIns="89642" tIns="44821" rIns="89642" bIns="44821" numCol="1" anchor="t" anchorCtr="0" compatLnSpc="1">
+                  <a:prstTxWarp prst="textNoShape">
+                    <a:avLst/>
+                  </a:prstTxWarp>
+                </a:bodyPr>
+                <a:lstStyle/>
+                <a:p>
+                  <a:pPr defTabSz="896386">
+                    <a:defRPr/>
+                  </a:pPr>
+                  <a:endParaRPr lang="en-US" sz="1765" kern="0">
+                    <a:solidFill>
+                      <a:srgbClr val="505050"/>
+                    </a:solidFill>
+                  </a:endParaRPr>
+                </a:p>
+              </p:txBody>
+            </p:sp>
+            <p:sp>
+              <p:nvSpPr>
+                <p:cNvPr id="15" name="Freeform 22"/>
+                <p:cNvSpPr>
+                  <a:spLocks noEditPoints="1"/>
+                </p:cNvSpPr>
+                <p:nvPr/>
+              </p:nvSpPr>
+              <p:spPr bwMode="auto">
+                <a:xfrm>
+                  <a:off x="1613" y="1491"/>
+                  <a:ext cx="1117" cy="766"/>
+                </a:xfrm>
+                <a:custGeom>
+                  <a:avLst/>
+                  <a:gdLst>
+                    <a:gd name="T0" fmla="*/ 1113 w 1117"/>
+                    <a:gd name="T1" fmla="*/ 766 h 766"/>
+                    <a:gd name="T2" fmla="*/ 0 w 1117"/>
+                    <a:gd name="T3" fmla="*/ 766 h 766"/>
+                    <a:gd name="T4" fmla="*/ 0 w 1117"/>
+                    <a:gd name="T5" fmla="*/ 0 h 766"/>
+                    <a:gd name="T6" fmla="*/ 1117 w 1117"/>
+                    <a:gd name="T7" fmla="*/ 0 h 766"/>
+                    <a:gd name="T8" fmla="*/ 1113 w 1117"/>
+                    <a:gd name="T9" fmla="*/ 766 h 766"/>
+                    <a:gd name="T10" fmla="*/ 17 w 1117"/>
+                    <a:gd name="T11" fmla="*/ 749 h 766"/>
+                    <a:gd name="T12" fmla="*/ 1096 w 1117"/>
+                    <a:gd name="T13" fmla="*/ 749 h 766"/>
+                    <a:gd name="T14" fmla="*/ 1100 w 1117"/>
+                    <a:gd name="T15" fmla="*/ 18 h 766"/>
+                    <a:gd name="T16" fmla="*/ 17 w 1117"/>
+                    <a:gd name="T17" fmla="*/ 18 h 766"/>
+                    <a:gd name="T18" fmla="*/ 17 w 1117"/>
+                    <a:gd name="T19" fmla="*/ 749 h 766"/>
+                  </a:gdLst>
+                  <a:ahLst/>
+                  <a:cxnLst>
+                    <a:cxn ang="0">
+                      <a:pos x="T0" y="T1"/>
+                    </a:cxn>
+                    <a:cxn ang="0">
+                      <a:pos x="T2" y="T3"/>
+                    </a:cxn>
+                    <a:cxn ang="0">
+                      <a:pos x="T4" y="T5"/>
+                    </a:cxn>
+                    <a:cxn ang="0">
+                      <a:pos x="T6" y="T7"/>
+                    </a:cxn>
+                    <a:cxn ang="0">
+                      <a:pos x="T8" y="T9"/>
+                    </a:cxn>
+                    <a:cxn ang="0">
+                      <a:pos x="T10" y="T11"/>
+                    </a:cxn>
+                    <a:cxn ang="0">
+                      <a:pos x="T12" y="T13"/>
+                    </a:cxn>
+                    <a:cxn ang="0">
+                      <a:pos x="T14" y="T15"/>
+                    </a:cxn>
+                    <a:cxn ang="0">
+                      <a:pos x="T16" y="T17"/>
+                    </a:cxn>
+                    <a:cxn ang="0">
+                      <a:pos x="T18" y="T19"/>
+                    </a:cxn>
+                  </a:cxnLst>
+                  <a:rect l="0" t="0" r="r" b="b"/>
+                  <a:pathLst>
+                    <a:path w="1117" h="766">
+                      <a:moveTo>
+                        <a:pt x="1113" y="766"/>
+                      </a:moveTo>
+                      <a:lnTo>
+                        <a:pt x="0" y="766"/>
+                      </a:lnTo>
+                      <a:lnTo>
+                        <a:pt x="0" y="0"/>
+                      </a:lnTo>
+                      <a:lnTo>
+                        <a:pt x="1117" y="0"/>
+                      </a:lnTo>
+                      <a:lnTo>
+                        <a:pt x="1113" y="766"/>
+                      </a:lnTo>
+                      <a:close/>
+                      <a:moveTo>
+                        <a:pt x="17" y="749"/>
+                      </a:moveTo>
+                      <a:lnTo>
+                        <a:pt x="1096" y="749"/>
+                      </a:lnTo>
+                      <a:lnTo>
+                        <a:pt x="1100" y="18"/>
+                      </a:lnTo>
+                      <a:lnTo>
+                        <a:pt x="17" y="18"/>
+                      </a:lnTo>
+                      <a:lnTo>
+                        <a:pt x="17" y="749"/>
+                      </a:lnTo>
+                      <a:close/>
+                    </a:path>
+                  </a:pathLst>
+                </a:custGeom>
+                <a:solidFill>
+                  <a:srgbClr val="FFFFFF"/>
+                </a:solidFill>
+                <a:ln>
+                  <a:noFill/>
+                </a:ln>
+                <a:extLst>
+                  <a:ext uri="{91240B29-F687-4F45-9708-019B960494DF}">
+                    <a14:hiddenLine xmlns:a14="http://schemas.microsoft.com/office/drawing/2010/main" w="9525">
+                      <a:solidFill>
+                        <a:srgbClr val="000000"/>
+                      </a:solidFill>
+                      <a:round/>
+                      <a:headEnd/>
+                      <a:tailEnd/>
+                    </a14:hiddenLine>
+                  </a:ext>
+                </a:extLst>
+              </p:spPr>
+              <p:txBody>
+                <a:bodyPr vert="horz" wrap="square" lIns="89642" tIns="44821" rIns="89642" bIns="44821" numCol="1" anchor="t" anchorCtr="0" compatLnSpc="1">
+                  <a:prstTxWarp prst="textNoShape">
+                    <a:avLst/>
+                  </a:prstTxWarp>
+                </a:bodyPr>
+                <a:lstStyle/>
+                <a:p>
+                  <a:pPr defTabSz="896386">
+                    <a:defRPr/>
+                  </a:pPr>
+                  <a:endParaRPr lang="en-US" sz="1765" kern="0">
+                    <a:solidFill>
+                      <a:srgbClr val="505050"/>
+                    </a:solidFill>
+                  </a:endParaRPr>
+                </a:p>
+              </p:txBody>
+            </p:sp>
+            <p:sp>
+              <p:nvSpPr>
+                <p:cNvPr id="16" name="Oval 23"/>
+                <p:cNvSpPr>
+                  <a:spLocks noChangeArrowheads="1"/>
+                </p:cNvSpPr>
+                <p:nvPr/>
+              </p:nvSpPr>
+              <p:spPr bwMode="auto">
+                <a:xfrm>
+                  <a:off x="1525" y="1847"/>
+                  <a:ext cx="56" cy="55"/>
+                </a:xfrm>
+                <a:prstGeom prst="ellipse">
+                  <a:avLst/>
+                </a:prstGeom>
+                <a:solidFill>
+                  <a:srgbClr val="FFFFFF"/>
+                </a:solidFill>
+                <a:ln>
+                  <a:noFill/>
+                </a:ln>
+                <a:extLst>
+                  <a:ext uri="{91240B29-F687-4F45-9708-019B960494DF}">
+                    <a14:hiddenLine xmlns:a14="http://schemas.microsoft.com/office/drawing/2010/main" w="9525">
+                      <a:solidFill>
+                        <a:srgbClr val="000000"/>
+                      </a:solidFill>
+                      <a:round/>
+                      <a:headEnd/>
+                      <a:tailEnd/>
+                    </a14:hiddenLine>
+                  </a:ext>
+                </a:extLst>
+              </p:spPr>
+              <p:txBody>
+                <a:bodyPr vert="horz" wrap="square" lIns="89642" tIns="44821" rIns="89642" bIns="44821" numCol="1" anchor="t" anchorCtr="0" compatLnSpc="1">
+                  <a:prstTxWarp prst="textNoShape">
+                    <a:avLst/>
+                  </a:prstTxWarp>
+                </a:bodyPr>
+                <a:lstStyle/>
+                <a:p>
+                  <a:pPr defTabSz="896386">
+                    <a:defRPr/>
+                  </a:pPr>
+                  <a:endParaRPr lang="en-US" sz="1765" kern="0">
+                    <a:solidFill>
+                      <a:srgbClr val="505050"/>
+                    </a:solidFill>
+                  </a:endParaRPr>
+                </a:p>
+              </p:txBody>
+            </p:sp>
+          </p:grpSp>
+          <p:sp>
+            <p:nvSpPr>
+              <p:cNvPr id="13" name="Freeform 24"/>
+              <p:cNvSpPr>
+                <a:spLocks noEditPoints="1"/>
+              </p:cNvSpPr>
+              <p:nvPr/>
+            </p:nvSpPr>
+            <p:spPr bwMode="auto">
+              <a:xfrm>
+                <a:off x="3746653" y="2428753"/>
+                <a:ext cx="898525" cy="581025"/>
+              </a:xfrm>
+              <a:custGeom>
+                <a:avLst/>
+                <a:gdLst>
+                  <a:gd name="T0" fmla="*/ 411 w 516"/>
+                  <a:gd name="T1" fmla="*/ 333 h 333"/>
+                  <a:gd name="T2" fmla="*/ 102 w 516"/>
+                  <a:gd name="T3" fmla="*/ 333 h 333"/>
+                  <a:gd name="T4" fmla="*/ 0 w 516"/>
+                  <a:gd name="T5" fmla="*/ 236 h 333"/>
+                  <a:gd name="T6" fmla="*/ 79 w 516"/>
+                  <a:gd name="T7" fmla="*/ 142 h 333"/>
+                  <a:gd name="T8" fmla="*/ 79 w 516"/>
+                  <a:gd name="T9" fmla="*/ 142 h 333"/>
+                  <a:gd name="T10" fmla="*/ 147 w 516"/>
+                  <a:gd name="T11" fmla="*/ 25 h 333"/>
+                  <a:gd name="T12" fmla="*/ 230 w 516"/>
+                  <a:gd name="T13" fmla="*/ 0 h 333"/>
+                  <a:gd name="T14" fmla="*/ 343 w 516"/>
+                  <a:gd name="T15" fmla="*/ 58 h 333"/>
+                  <a:gd name="T16" fmla="*/ 382 w 516"/>
+                  <a:gd name="T17" fmla="*/ 51 h 333"/>
+                  <a:gd name="T18" fmla="*/ 427 w 516"/>
+                  <a:gd name="T19" fmla="*/ 64 h 333"/>
+                  <a:gd name="T20" fmla="*/ 428 w 516"/>
+                  <a:gd name="T21" fmla="*/ 64 h 333"/>
+                  <a:gd name="T22" fmla="*/ 466 w 516"/>
+                  <a:gd name="T23" fmla="*/ 131 h 333"/>
+                  <a:gd name="T24" fmla="*/ 516 w 516"/>
+                  <a:gd name="T25" fmla="*/ 222 h 333"/>
+                  <a:gd name="T26" fmla="*/ 411 w 516"/>
+                  <a:gd name="T27" fmla="*/ 333 h 333"/>
+                  <a:gd name="T28" fmla="*/ 230 w 516"/>
+                  <a:gd name="T29" fmla="*/ 16 h 333"/>
+                  <a:gd name="T30" fmla="*/ 155 w 516"/>
+                  <a:gd name="T31" fmla="*/ 39 h 333"/>
+                  <a:gd name="T32" fmla="*/ 95 w 516"/>
+                  <a:gd name="T33" fmla="*/ 142 h 333"/>
+                  <a:gd name="T34" fmla="*/ 95 w 516"/>
+                  <a:gd name="T35" fmla="*/ 156 h 333"/>
+                  <a:gd name="T36" fmla="*/ 88 w 516"/>
+                  <a:gd name="T37" fmla="*/ 157 h 333"/>
+                  <a:gd name="T38" fmla="*/ 16 w 516"/>
+                  <a:gd name="T39" fmla="*/ 236 h 333"/>
+                  <a:gd name="T40" fmla="*/ 102 w 516"/>
+                  <a:gd name="T41" fmla="*/ 317 h 333"/>
+                  <a:gd name="T42" fmla="*/ 411 w 516"/>
+                  <a:gd name="T43" fmla="*/ 317 h 333"/>
+                  <a:gd name="T44" fmla="*/ 500 w 516"/>
+                  <a:gd name="T45" fmla="*/ 222 h 333"/>
+                  <a:gd name="T46" fmla="*/ 454 w 516"/>
+                  <a:gd name="T47" fmla="*/ 142 h 333"/>
+                  <a:gd name="T48" fmla="*/ 450 w 516"/>
+                  <a:gd name="T49" fmla="*/ 140 h 333"/>
+                  <a:gd name="T50" fmla="*/ 450 w 516"/>
+                  <a:gd name="T51" fmla="*/ 135 h 333"/>
+                  <a:gd name="T52" fmla="*/ 419 w 516"/>
+                  <a:gd name="T53" fmla="*/ 77 h 333"/>
+                  <a:gd name="T54" fmla="*/ 382 w 516"/>
+                  <a:gd name="T55" fmla="*/ 67 h 333"/>
+                  <a:gd name="T56" fmla="*/ 344 w 516"/>
+                  <a:gd name="T57" fmla="*/ 75 h 333"/>
+                  <a:gd name="T58" fmla="*/ 337 w 516"/>
+                  <a:gd name="T59" fmla="*/ 79 h 333"/>
+                  <a:gd name="T60" fmla="*/ 333 w 516"/>
+                  <a:gd name="T61" fmla="*/ 73 h 333"/>
+                  <a:gd name="T62" fmla="*/ 230 w 516"/>
+                  <a:gd name="T63" fmla="*/ 16 h 333"/>
+                </a:gdLst>
+                <a:ahLst/>
+                <a:cxnLst>
+                  <a:cxn ang="0">
+                    <a:pos x="T0" y="T1"/>
+                  </a:cxn>
+                  <a:cxn ang="0">
+                    <a:pos x="T2" y="T3"/>
+                  </a:cxn>
+                  <a:cxn ang="0">
+                    <a:pos x="T4" y="T5"/>
+                  </a:cxn>
+                  <a:cxn ang="0">
+                    <a:pos x="T6" y="T7"/>
+                  </a:cxn>
+                  <a:cxn ang="0">
+                    <a:pos x="T8" y="T9"/>
+                  </a:cxn>
+                  <a:cxn ang="0">
+                    <a:pos x="T10" y="T11"/>
+                  </a:cxn>
+                  <a:cxn ang="0">
+                    <a:pos x="T12" y="T13"/>
+                  </a:cxn>
+                  <a:cxn ang="0">
+                    <a:pos x="T14" y="T15"/>
+                  </a:cxn>
+                  <a:cxn ang="0">
+                    <a:pos x="T16" y="T17"/>
+                  </a:cxn>
+                  <a:cxn ang="0">
+                    <a:pos x="T18" y="T19"/>
+                  </a:cxn>
+                  <a:cxn ang="0">
+                    <a:pos x="T20" y="T21"/>
+                  </a:cxn>
+                  <a:cxn ang="0">
+                    <a:pos x="T22" y="T23"/>
+                  </a:cxn>
+                  <a:cxn ang="0">
+                    <a:pos x="T24" y="T25"/>
+                  </a:cxn>
+                  <a:cxn ang="0">
+                    <a:pos x="T26" y="T27"/>
+                  </a:cxn>
+                  <a:cxn ang="0">
+                    <a:pos x="T28" y="T29"/>
+                  </a:cxn>
+                  <a:cxn ang="0">
+                    <a:pos x="T30" y="T31"/>
+                  </a:cxn>
+                  <a:cxn ang="0">
+                    <a:pos x="T32" y="T33"/>
+                  </a:cxn>
+                  <a:cxn ang="0">
+                    <a:pos x="T34" y="T35"/>
+                  </a:cxn>
+                  <a:cxn ang="0">
+                    <a:pos x="T36" y="T37"/>
+                  </a:cxn>
+                  <a:cxn ang="0">
+                    <a:pos x="T38" y="T39"/>
+                  </a:cxn>
+                  <a:cxn ang="0">
+                    <a:pos x="T40" y="T41"/>
+                  </a:cxn>
+                  <a:cxn ang="0">
+                    <a:pos x="T42" y="T43"/>
+                  </a:cxn>
+                  <a:cxn ang="0">
+                    <a:pos x="T44" y="T45"/>
+                  </a:cxn>
+                  <a:cxn ang="0">
+                    <a:pos x="T46" y="T47"/>
+                  </a:cxn>
+                  <a:cxn ang="0">
+                    <a:pos x="T48" y="T49"/>
+                  </a:cxn>
+                  <a:cxn ang="0">
+                    <a:pos x="T50" y="T51"/>
+                  </a:cxn>
+                  <a:cxn ang="0">
+                    <a:pos x="T52" y="T53"/>
+                  </a:cxn>
+                  <a:cxn ang="0">
+                    <a:pos x="T54" y="T55"/>
+                  </a:cxn>
+                  <a:cxn ang="0">
+                    <a:pos x="T56" y="T57"/>
+                  </a:cxn>
+                  <a:cxn ang="0">
+                    <a:pos x="T58" y="T59"/>
+                  </a:cxn>
+                  <a:cxn ang="0">
+                    <a:pos x="T60" y="T61"/>
+                  </a:cxn>
+                  <a:cxn ang="0">
+                    <a:pos x="T62" y="T63"/>
+                  </a:cxn>
+                </a:cxnLst>
+                <a:rect l="0" t="0" r="r" b="b"/>
+                <a:pathLst>
+                  <a:path w="516" h="333">
+                    <a:moveTo>
+                      <a:pt x="411" y="333"/>
+                    </a:moveTo>
+                    <a:cubicBezTo>
+                      <a:pt x="102" y="333"/>
+                      <a:pt x="102" y="333"/>
+                      <a:pt x="102" y="333"/>
+                    </a:cubicBezTo>
+                    <a:cubicBezTo>
+                      <a:pt x="45" y="333"/>
+                      <a:pt x="0" y="291"/>
+                      <a:pt x="0" y="236"/>
+                    </a:cubicBezTo>
+                    <a:cubicBezTo>
+                      <a:pt x="0" y="188"/>
+                      <a:pt x="40" y="151"/>
+                      <a:pt x="79" y="142"/>
+                    </a:cubicBezTo>
+                    <a:cubicBezTo>
+                      <a:pt x="79" y="142"/>
+                      <a:pt x="79" y="142"/>
+                      <a:pt x="79" y="142"/>
+                    </a:cubicBezTo>
+                    <a:cubicBezTo>
+                      <a:pt x="79" y="97"/>
+                      <a:pt x="105" y="52"/>
+                      <a:pt x="147" y="25"/>
+                    </a:cubicBezTo>
+                    <a:cubicBezTo>
+                      <a:pt x="175" y="9"/>
+                      <a:pt x="203" y="0"/>
+                      <a:pt x="230" y="0"/>
+                    </a:cubicBezTo>
+                    <a:cubicBezTo>
+                      <a:pt x="276" y="0"/>
+                      <a:pt x="316" y="21"/>
+                      <a:pt x="343" y="58"/>
+                    </a:cubicBezTo>
+                    <a:cubicBezTo>
+                      <a:pt x="355" y="53"/>
+                      <a:pt x="371" y="51"/>
+                      <a:pt x="382" y="51"/>
+                    </a:cubicBezTo>
+                    <a:cubicBezTo>
+                      <a:pt x="398" y="51"/>
+                      <a:pt x="412" y="55"/>
+                      <a:pt x="427" y="64"/>
+                    </a:cubicBezTo>
+                    <a:cubicBezTo>
+                      <a:pt x="428" y="64"/>
+                      <a:pt x="428" y="64"/>
+                      <a:pt x="428" y="64"/>
+                    </a:cubicBezTo>
+                    <a:cubicBezTo>
+                      <a:pt x="451" y="79"/>
+                      <a:pt x="465" y="104"/>
+                      <a:pt x="466" y="131"/>
+                    </a:cubicBezTo>
+                    <a:cubicBezTo>
+                      <a:pt x="498" y="151"/>
+                      <a:pt x="516" y="185"/>
+                      <a:pt x="516" y="222"/>
+                    </a:cubicBezTo>
+                    <a:cubicBezTo>
+                      <a:pt x="516" y="282"/>
+                      <a:pt x="468" y="333"/>
+                      <a:pt x="411" y="333"/>
+                    </a:cubicBezTo>
+                    <a:close/>
+                    <a:moveTo>
+                      <a:pt x="230" y="16"/>
+                    </a:moveTo>
+                    <a:cubicBezTo>
+                      <a:pt x="206" y="16"/>
+                      <a:pt x="180" y="24"/>
+                      <a:pt x="155" y="39"/>
+                    </a:cubicBezTo>
+                    <a:cubicBezTo>
+                      <a:pt x="119" y="62"/>
+                      <a:pt x="95" y="103"/>
+                      <a:pt x="95" y="142"/>
+                    </a:cubicBezTo>
+                    <a:cubicBezTo>
+                      <a:pt x="95" y="156"/>
+                      <a:pt x="95" y="156"/>
+                      <a:pt x="95" y="156"/>
+                    </a:cubicBezTo>
+                    <a:cubicBezTo>
+                      <a:pt x="88" y="157"/>
+                      <a:pt x="88" y="157"/>
+                      <a:pt x="88" y="157"/>
+                    </a:cubicBezTo>
+                    <a:cubicBezTo>
+                      <a:pt x="54" y="161"/>
+                      <a:pt x="16" y="195"/>
+                      <a:pt x="16" y="236"/>
+                    </a:cubicBezTo>
+                    <a:cubicBezTo>
+                      <a:pt x="16" y="282"/>
+                      <a:pt x="54" y="317"/>
+                      <a:pt x="102" y="317"/>
+                    </a:cubicBezTo>
+                    <a:cubicBezTo>
+                      <a:pt x="411" y="317"/>
+                      <a:pt x="411" y="317"/>
+                      <a:pt x="411" y="317"/>
+                    </a:cubicBezTo>
+                    <a:cubicBezTo>
+                      <a:pt x="459" y="317"/>
+                      <a:pt x="500" y="274"/>
+                      <a:pt x="500" y="222"/>
+                    </a:cubicBezTo>
+                    <a:cubicBezTo>
+                      <a:pt x="500" y="189"/>
+                      <a:pt x="483" y="160"/>
+                      <a:pt x="454" y="142"/>
+                    </a:cubicBezTo>
+                    <a:cubicBezTo>
+                      <a:pt x="450" y="140"/>
+                      <a:pt x="450" y="140"/>
+                      <a:pt x="450" y="140"/>
+                    </a:cubicBezTo>
+                    <a:cubicBezTo>
+                      <a:pt x="450" y="135"/>
+                      <a:pt x="450" y="135"/>
+                      <a:pt x="450" y="135"/>
+                    </a:cubicBezTo>
+                    <a:cubicBezTo>
+                      <a:pt x="450" y="112"/>
+                      <a:pt x="439" y="91"/>
+                      <a:pt x="419" y="77"/>
+                    </a:cubicBezTo>
+                    <a:cubicBezTo>
+                      <a:pt x="406" y="70"/>
+                      <a:pt x="395" y="67"/>
+                      <a:pt x="382" y="67"/>
+                    </a:cubicBezTo>
+                    <a:cubicBezTo>
+                      <a:pt x="371" y="67"/>
+                      <a:pt x="354" y="69"/>
+                      <a:pt x="344" y="75"/>
+                    </a:cubicBezTo>
+                    <a:cubicBezTo>
+                      <a:pt x="337" y="79"/>
+                      <a:pt x="337" y="79"/>
+                      <a:pt x="337" y="79"/>
+                    </a:cubicBezTo>
+                    <a:cubicBezTo>
+                      <a:pt x="333" y="73"/>
+                      <a:pt x="333" y="73"/>
+                      <a:pt x="333" y="73"/>
+                    </a:cubicBezTo>
+                    <a:cubicBezTo>
+                      <a:pt x="310" y="37"/>
+                      <a:pt x="273" y="16"/>
+                      <a:pt x="230" y="16"/>
+                    </a:cubicBezTo>
+                    <a:close/>
+                  </a:path>
+                </a:pathLst>
+              </a:custGeom>
+              <a:solidFill>
+                <a:srgbClr val="4EB1FF"/>
+              </a:solidFill>
+              <a:ln>
+                <a:noFill/>
+              </a:ln>
+              <a:extLst>
+                <a:ext uri="{91240B29-F687-4F45-9708-019B960494DF}">
+                  <a14:hiddenLine xmlns:a14="http://schemas.microsoft.com/office/drawing/2010/main" w="9525">
+                    <a:solidFill>
+                      <a:srgbClr val="000000"/>
+                    </a:solidFill>
+                    <a:round/>
+                    <a:headEnd/>
+                    <a:tailEnd/>
+                  </a14:hiddenLine>
+                </a:ext>
+              </a:extLst>
+            </p:spPr>
+            <p:txBody>
+              <a:bodyPr vert="horz" wrap="square" lIns="89642" tIns="44821" rIns="89642" bIns="44821" numCol="1" anchor="t" anchorCtr="0" compatLnSpc="1">
+                <a:prstTxWarp prst="textNoShape">
+                  <a:avLst/>
+                </a:prstTxWarp>
+              </a:bodyPr>
+              <a:lstStyle/>
+              <a:p>
+                <a:pPr defTabSz="896386">
+                  <a:defRPr/>
+                </a:pPr>
+                <a:endParaRPr lang="en-US" sz="1765" kern="0">
+                  <a:solidFill>
+                    <a:srgbClr val="505050"/>
+                  </a:solidFill>
+                </a:endParaRPr>
+              </a:p>
+            </p:txBody>
+          </p:sp>
+        </p:grpSp>
+      </p:grpSp>
+      <p:pic>
+        <p:nvPicPr>
+          <p:cNvPr id="3" name="Picture 2"/>
+          <p:cNvPicPr>
+            <a:picLocks noChangeAspect="1"/>
+          </p:cNvPicPr>
+          <p:nvPr/>
+        </p:nvPicPr>
+        <p:blipFill>
+          <a:blip r:embed="rId3">
+            <a:extLst>
+              <a:ext uri="{28A0092B-C50C-407E-A947-70E740481C1C}">
+                <a14:useLocalDpi xmlns:a14="http://schemas.microsoft.com/office/drawing/2010/main" val="0"/>
+              </a:ext>
+            </a:extLst>
+          </a:blip>
+          <a:stretch>
+            <a:fillRect/>
+          </a:stretch>
+        </p:blipFill>
+        <p:spPr>
+          <a:xfrm>
+            <a:off x="9247857" y="5883399"/>
+            <a:ext cx="3115593" cy="1146051"/>
+          </a:xfrm>
+          <a:prstGeom prst="rect">
+            <a:avLst/>
+          </a:prstGeom>
+        </p:spPr>
+      </p:pic>
+    </p:spTree>
+    <p:extLst>
+      <p:ext uri="{BB962C8B-B14F-4D97-AF65-F5344CB8AC3E}">
+        <p14:creationId xmlns:p14="http://schemas.microsoft.com/office/powerpoint/2010/main" val="1251186347"/>
+      </p:ext>
+    </p:extLst>
+  </p:cSld>
+  <p:clrMapOvr>
+    <a:masterClrMapping/>
+  </p:clrMapOvr>
+  <mc:AlternateContent xmlns:mc="http://schemas.openxmlformats.org/markup-compatibility/2006" xmlns:p14="http://schemas.microsoft.com/office/powerpoint/2010/main">
+    <mc:Choice Requires="p14">
+      <p:transition spd="med" p14:dur="700">
+        <p:fade/>
+      </p:transition>
+    </mc:Choice>
+    <mc:Fallback xmlns="">
+      <p:transition spd="med">
+        <p:fade/>
+      </p:transition>
+    </mc:Fallback>
+  </mc:AlternateContent>
+</p:sld>
+</file>
+
+<file path=ppt/slides/slide11.xml><?xml version="1.0" encoding="utf-8"?>
+<p:sld xmlns:a="http://schemas.openxmlformats.org/drawingml/2006/main" xmlns:r="http://schemas.openxmlformats.org/officeDocument/2006/relationships" xmlns:p="http://schemas.openxmlformats.org/presentationml/2006/main">
+  <p:cSld>
+    <p:spTree>
+      <p:nvGrpSpPr>
+        <p:cNvPr id="1" name=""/>
+        <p:cNvGrpSpPr/>
+        <p:nvPr/>
+      </p:nvGrpSpPr>
+      <p:grpSpPr>
+        <a:xfrm>
+          <a:off x="0" y="0"/>
+          <a:ext cx="0" cy="0"/>
+          <a:chOff x="0" y="0"/>
+          <a:chExt cx="0" cy="0"/>
+        </a:xfrm>
+      </p:grpSpPr>
+      <p:sp>
+        <p:nvSpPr>
+          <p:cNvPr id="2" name="Title 1"/>
+          <p:cNvSpPr>
+            <a:spLocks noGrp="1"/>
+          </p:cNvSpPr>
+          <p:nvPr>
+            <p:ph type="title"/>
+          </p:nvPr>
+        </p:nvSpPr>
+        <p:spPr>
+          <a:xfrm>
+            <a:off x="551329" y="248584"/>
+            <a:ext cx="10515600" cy="1325563"/>
+          </a:xfrm>
+        </p:spPr>
+        <p:txBody>
+          <a:bodyPr/>
+          <a:lstStyle/>
+          <a:p>
+            <a:r>
+              <a:rPr lang="en-US" dirty="0"/>
+              <a:t>Mobile Center: Push Notifications</a:t>
+            </a:r>
+          </a:p>
+        </p:txBody>
+      </p:sp>
+      <p:pic>
+        <p:nvPicPr>
+          <p:cNvPr id="3" name="Graphic 2">
+            <a:extLst>
+              <a:ext uri="{FF2B5EF4-FFF2-40B4-BE49-F238E27FC236}">
+                <a16:creationId xmlns:a16="http://schemas.microsoft.com/office/drawing/2014/main" xmlns="" id="{CB08E0C8-0006-441B-AF72-FD7049115D8B}"/>
+              </a:ext>
+            </a:extLst>
+          </p:cNvPr>
+          <p:cNvPicPr>
+            <a:picLocks noChangeAspect="1"/>
+          </p:cNvPicPr>
+          <p:nvPr/>
+        </p:nvPicPr>
+        <p:blipFill>
+          <a:blip r:embed="rId3">
+            <a:extLst>
+              <a:ext uri="{96DAC541-7B7A-43D3-8B79-37D633B846F1}">
+                <asvg:svgBlip xmlns:asvg="http://schemas.microsoft.com/office/drawing/2016/SVG/main" xmlns="" r:embed="rId4"/>
+              </a:ext>
+            </a:extLst>
+          </a:blip>
+          <a:stretch>
+            <a:fillRect/>
+          </a:stretch>
+        </p:blipFill>
+        <p:spPr>
+          <a:xfrm>
+            <a:off x="4862932" y="3484041"/>
+            <a:ext cx="846146" cy="846146"/>
+          </a:xfrm>
+          <a:prstGeom prst="rect">
+            <a:avLst/>
+          </a:prstGeom>
+        </p:spPr>
+      </p:pic>
+      <p:sp>
+        <p:nvSpPr>
+          <p:cNvPr id="4" name="TextBox 3">
+            <a:extLst>
+              <a:ext uri="{FF2B5EF4-FFF2-40B4-BE49-F238E27FC236}">
+                <a16:creationId xmlns:a16="http://schemas.microsoft.com/office/drawing/2014/main" xmlns="" id="{C65748DF-2628-4812-A359-E5362E2A180B}"/>
+              </a:ext>
+            </a:extLst>
+          </p:cNvPr>
+          <p:cNvSpPr txBox="1"/>
+          <p:nvPr/>
+        </p:nvSpPr>
+        <p:spPr>
+          <a:xfrm>
+            <a:off x="1849471" y="4447435"/>
+            <a:ext cx="1528175" cy="646331"/>
+          </a:xfrm>
+          <a:prstGeom prst="rect">
+            <a:avLst/>
+          </a:prstGeom>
+          <a:noFill/>
+        </p:spPr>
+        <p:txBody>
+          <a:bodyPr wrap="none" rtlCol="0">
+            <a:spAutoFit/>
+          </a:bodyPr>
+          <a:lstStyle/>
+          <a:p>
+            <a:pPr algn="ctr"/>
+            <a:r>
+              <a:rPr lang="en-US" dirty="0">
+                <a:solidFill>
+                  <a:prstClr val="black"/>
+                </a:solidFill>
+              </a:rPr>
+              <a:t>Visual Studio</a:t>
+            </a:r>
+          </a:p>
+          <a:p>
+            <a:pPr algn="ctr"/>
+            <a:r>
+              <a:rPr lang="en-US" dirty="0">
+                <a:solidFill>
+                  <a:prstClr val="black"/>
+                </a:solidFill>
+              </a:rPr>
+              <a:t>Mobile Center</a:t>
+            </a:r>
+          </a:p>
+        </p:txBody>
+      </p:sp>
+      <p:sp>
+        <p:nvSpPr>
+          <p:cNvPr id="5" name="TextBox 4">
+            <a:extLst>
+              <a:ext uri="{FF2B5EF4-FFF2-40B4-BE49-F238E27FC236}">
+                <a16:creationId xmlns:a16="http://schemas.microsoft.com/office/drawing/2014/main" xmlns="" id="{57FBE7A3-E45F-4AE6-A5C6-2A8E5BF810DA}"/>
+              </a:ext>
+            </a:extLst>
+          </p:cNvPr>
+          <p:cNvSpPr txBox="1"/>
+          <p:nvPr/>
+        </p:nvSpPr>
+        <p:spPr>
+          <a:xfrm>
+            <a:off x="4704179" y="4272100"/>
+            <a:ext cx="1163652" cy="584775"/>
+          </a:xfrm>
+          <a:prstGeom prst="rect">
+            <a:avLst/>
+          </a:prstGeom>
+          <a:noFill/>
+        </p:spPr>
+        <p:txBody>
+          <a:bodyPr wrap="none" rtlCol="0">
+            <a:spAutoFit/>
+          </a:bodyPr>
+          <a:lstStyle/>
+          <a:p>
+            <a:pPr algn="ctr"/>
+            <a:r>
+              <a:rPr lang="en-US" sz="1600" dirty="0">
+                <a:solidFill>
+                  <a:srgbClr val="0070C0"/>
+                </a:solidFill>
+              </a:rPr>
+              <a:t>Notification</a:t>
+            </a:r>
+          </a:p>
+          <a:p>
+            <a:pPr algn="ctr"/>
+            <a:r>
+              <a:rPr lang="en-US" sz="1600" dirty="0">
+                <a:solidFill>
+                  <a:srgbClr val="0070C0"/>
+                </a:solidFill>
+              </a:rPr>
+              <a:t>Hubs</a:t>
+            </a:r>
+          </a:p>
+        </p:txBody>
+      </p:sp>
+      <p:pic>
+        <p:nvPicPr>
+          <p:cNvPr id="14" name="Picture 13" descr="A close up of a logo&#10;&#10;Description generated with high confidence">
+            <a:extLst>
+              <a:ext uri="{FF2B5EF4-FFF2-40B4-BE49-F238E27FC236}">
+                <a16:creationId xmlns:a16="http://schemas.microsoft.com/office/drawing/2014/main" xmlns="" id="{E68ECE1C-0E2F-4CEA-A8E3-7E3CAE2052B5}"/>
+              </a:ext>
+            </a:extLst>
+          </p:cNvPr>
+          <p:cNvPicPr>
+            <a:picLocks noChangeAspect="1"/>
+          </p:cNvPicPr>
+          <p:nvPr/>
+        </p:nvPicPr>
+        <p:blipFill>
+          <a:blip r:embed="rId5">
+            <a:extLst>
+              <a:ext uri="{28A0092B-C50C-407E-A947-70E740481C1C}">
+                <a14:useLocalDpi xmlns:a14="http://schemas.microsoft.com/office/drawing/2010/main" val="0"/>
+              </a:ext>
+            </a:extLst>
+          </a:blip>
+          <a:stretch>
+            <a:fillRect/>
+          </a:stretch>
+        </p:blipFill>
+        <p:spPr>
+          <a:xfrm>
+            <a:off x="7523664" y="1793512"/>
+            <a:ext cx="1444395" cy="1444395"/>
+          </a:xfrm>
+          <a:prstGeom prst="rect">
+            <a:avLst/>
+          </a:prstGeom>
+        </p:spPr>
+      </p:pic>
+      <p:sp>
+        <p:nvSpPr>
+          <p:cNvPr id="15" name="TextBox 14">
+            <a:extLst>
+              <a:ext uri="{FF2B5EF4-FFF2-40B4-BE49-F238E27FC236}">
+                <a16:creationId xmlns:a16="http://schemas.microsoft.com/office/drawing/2014/main" xmlns="" id="{1D8772F6-709D-4B17-8D33-85C788DA42FC}"/>
+              </a:ext>
+            </a:extLst>
+          </p:cNvPr>
+          <p:cNvSpPr txBox="1"/>
+          <p:nvPr/>
+        </p:nvSpPr>
+        <p:spPr>
+          <a:xfrm>
+            <a:off x="7117305" y="2945520"/>
+            <a:ext cx="2297297" cy="584775"/>
+          </a:xfrm>
+          <a:prstGeom prst="rect">
+            <a:avLst/>
+          </a:prstGeom>
+          <a:noFill/>
+        </p:spPr>
+        <p:txBody>
+          <a:bodyPr wrap="none" rtlCol="0">
+            <a:spAutoFit/>
+          </a:bodyPr>
+          <a:lstStyle/>
+          <a:p>
+            <a:pPr algn="ctr"/>
+            <a:r>
+              <a:rPr lang="en-US" sz="1600" dirty="0">
+                <a:solidFill>
+                  <a:prstClr val="black"/>
+                </a:solidFill>
+              </a:rPr>
+              <a:t>Push notification services</a:t>
+            </a:r>
+          </a:p>
+          <a:p>
+            <a:pPr algn="ctr"/>
+            <a:r>
+              <a:rPr lang="en-US" sz="1600" dirty="0">
+                <a:solidFill>
+                  <a:prstClr val="black"/>
+                </a:solidFill>
+              </a:rPr>
+              <a:t>(Apple and Google)</a:t>
+            </a:r>
+          </a:p>
+        </p:txBody>
+      </p:sp>
+      <p:pic>
+        <p:nvPicPr>
+          <p:cNvPr id="19" name="pasted-image.tiff" descr="pasted-image.tiff">
+            <a:extLst>
+              <a:ext uri="{FF2B5EF4-FFF2-40B4-BE49-F238E27FC236}">
+                <a16:creationId xmlns:a16="http://schemas.microsoft.com/office/drawing/2014/main" xmlns="" id="{A4EC2205-3CA2-4E21-8DEE-D718AB6135D1}"/>
+              </a:ext>
+            </a:extLst>
+          </p:cNvPr>
+          <p:cNvPicPr>
+            <a:picLocks noChangeAspect="1"/>
+          </p:cNvPicPr>
+          <p:nvPr/>
+        </p:nvPicPr>
+        <p:blipFill>
+          <a:blip r:embed="rId6">
+            <a:extLst/>
+          </a:blip>
+          <a:stretch>
+            <a:fillRect/>
+          </a:stretch>
+        </p:blipFill>
+        <p:spPr>
+          <a:xfrm>
+            <a:off x="8163269" y="4872681"/>
+            <a:ext cx="2403033" cy="1092288"/>
+          </a:xfrm>
+          <a:prstGeom prst="rect">
+            <a:avLst/>
+          </a:prstGeom>
+          <a:ln w="12700">
+            <a:miter lim="400000"/>
+          </a:ln>
+        </p:spPr>
+      </p:pic>
+      <p:pic>
+        <p:nvPicPr>
+          <p:cNvPr id="20" name="Picture 19">
+            <a:extLst>
+              <a:ext uri="{FF2B5EF4-FFF2-40B4-BE49-F238E27FC236}">
+                <a16:creationId xmlns:a16="http://schemas.microsoft.com/office/drawing/2014/main" xmlns="" id="{3B514104-34B8-416C-AE2D-FDD526F8C8F3}"/>
+              </a:ext>
+            </a:extLst>
+          </p:cNvPr>
+          <p:cNvPicPr>
+            <a:picLocks noChangeAspect="1"/>
+          </p:cNvPicPr>
+          <p:nvPr/>
+        </p:nvPicPr>
+        <p:blipFill>
+          <a:blip r:embed="rId7"/>
+          <a:stretch>
+            <a:fillRect/>
+          </a:stretch>
+        </p:blipFill>
+        <p:spPr>
+          <a:xfrm>
+            <a:off x="1605923" y="2818110"/>
+            <a:ext cx="1832238" cy="1659113"/>
+          </a:xfrm>
+          <a:prstGeom prst="rect">
+            <a:avLst/>
+          </a:prstGeom>
+        </p:spPr>
+      </p:pic>
+      <p:sp>
+        <p:nvSpPr>
+          <p:cNvPr id="23" name="Arrow: Left 22">
+            <a:extLst>
+              <a:ext uri="{FF2B5EF4-FFF2-40B4-BE49-F238E27FC236}">
+                <a16:creationId xmlns:a16="http://schemas.microsoft.com/office/drawing/2014/main" xmlns="" id="{7DFD1392-E364-4EE2-B534-12FCBCDAA7F2}"/>
+              </a:ext>
+            </a:extLst>
+          </p:cNvPr>
+          <p:cNvSpPr/>
+          <p:nvPr/>
+        </p:nvSpPr>
+        <p:spPr>
+          <a:xfrm rot="1791683">
+            <a:off x="6137859" y="4625654"/>
+            <a:ext cx="1762088" cy="516832"/>
+          </a:xfrm>
+          <a:prstGeom prst="leftArrow">
+            <a:avLst/>
+          </a:prstGeom>
+        </p:spPr>
+        <p:style>
+          <a:lnRef idx="2">
+            <a:schemeClr val="accent1">
+              <a:shade val="50000"/>
+            </a:schemeClr>
+          </a:lnRef>
+          <a:fillRef idx="1">
+            <a:schemeClr val="accent1"/>
+          </a:fillRef>
+          <a:effectRef idx="0">
+            <a:schemeClr val="accent1"/>
+          </a:effectRef>
+          <a:fontRef idx="minor">
+            <a:schemeClr val="lt1"/>
+          </a:fontRef>
+        </p:style>
+        <p:txBody>
+          <a:bodyPr rtlCol="0" anchor="ctr"/>
+          <a:lstStyle/>
+          <a:p>
+            <a:pPr algn="ctr"/>
+            <a:r>
+              <a:rPr lang="en-US" dirty="0">
+                <a:solidFill>
+                  <a:prstClr val="white"/>
+                </a:solidFill>
+              </a:rPr>
+              <a:t>tokens</a:t>
+            </a:r>
+          </a:p>
+        </p:txBody>
+      </p:sp>
+      <p:sp>
+        <p:nvSpPr>
+          <p:cNvPr id="17" name="Arrow: Right 16">
+            <a:extLst>
+              <a:ext uri="{FF2B5EF4-FFF2-40B4-BE49-F238E27FC236}">
+                <a16:creationId xmlns:a16="http://schemas.microsoft.com/office/drawing/2014/main" xmlns="" id="{C1705CFE-2D96-4254-BD8A-2DA6DBA43CF3}"/>
+              </a:ext>
+            </a:extLst>
+          </p:cNvPr>
+          <p:cNvSpPr/>
+          <p:nvPr/>
+        </p:nvSpPr>
+        <p:spPr>
+          <a:xfrm>
+            <a:off x="3623934" y="3550122"/>
+            <a:ext cx="975991" cy="439125"/>
+          </a:xfrm>
+          <a:prstGeom prst="rightArrow">
+            <a:avLst/>
+          </a:prstGeom>
+        </p:spPr>
+        <p:style>
+          <a:lnRef idx="2">
+            <a:schemeClr val="accent1">
+              <a:shade val="50000"/>
+            </a:schemeClr>
+          </a:lnRef>
+          <a:fillRef idx="1">
+            <a:schemeClr val="accent1"/>
+          </a:fillRef>
+          <a:effectRef idx="0">
+            <a:schemeClr val="accent1"/>
+          </a:effectRef>
+          <a:fontRef idx="minor">
+            <a:schemeClr val="lt1"/>
+          </a:fontRef>
+        </p:style>
+        <p:txBody>
+          <a:bodyPr rtlCol="0" anchor="ctr"/>
+          <a:lstStyle/>
+          <a:p>
+            <a:pPr algn="ctr"/>
+            <a:r>
+              <a:rPr lang="en-US" dirty="0">
+                <a:solidFill>
+                  <a:prstClr val="white"/>
+                </a:solidFill>
+              </a:rPr>
+              <a:t>push</a:t>
+            </a:r>
+          </a:p>
+        </p:txBody>
+      </p:sp>
+      <p:sp>
+        <p:nvSpPr>
+          <p:cNvPr id="24" name="Arrow: Right 23">
+            <a:extLst>
+              <a:ext uri="{FF2B5EF4-FFF2-40B4-BE49-F238E27FC236}">
+                <a16:creationId xmlns:a16="http://schemas.microsoft.com/office/drawing/2014/main" xmlns="" id="{351D2F77-D10B-4EC3-8080-BDA722CAD8A7}"/>
+              </a:ext>
+            </a:extLst>
+          </p:cNvPr>
+          <p:cNvSpPr/>
+          <p:nvPr/>
+        </p:nvSpPr>
+        <p:spPr>
+          <a:xfrm rot="20148660">
+            <a:off x="6019204" y="3042541"/>
+            <a:ext cx="975991" cy="439125"/>
+          </a:xfrm>
+          <a:prstGeom prst="rightArrow">
+            <a:avLst/>
+          </a:prstGeom>
+        </p:spPr>
+        <p:style>
+          <a:lnRef idx="2">
+            <a:schemeClr val="accent1">
+              <a:shade val="50000"/>
+            </a:schemeClr>
+          </a:lnRef>
+          <a:fillRef idx="1">
+            <a:schemeClr val="accent1"/>
+          </a:fillRef>
+          <a:effectRef idx="0">
+            <a:schemeClr val="accent1"/>
+          </a:effectRef>
+          <a:fontRef idx="minor">
+            <a:schemeClr val="lt1"/>
+          </a:fontRef>
+        </p:style>
+        <p:txBody>
+          <a:bodyPr rtlCol="0" anchor="ctr"/>
+          <a:lstStyle/>
+          <a:p>
+            <a:pPr algn="ctr"/>
+            <a:r>
+              <a:rPr lang="en-US" dirty="0">
+                <a:solidFill>
+                  <a:prstClr val="white"/>
+                </a:solidFill>
+              </a:rPr>
+              <a:t>push</a:t>
+            </a:r>
+          </a:p>
+        </p:txBody>
+      </p:sp>
+      <p:sp>
+        <p:nvSpPr>
+          <p:cNvPr id="25" name="Arrow: Right 24">
+            <a:extLst>
+              <a:ext uri="{FF2B5EF4-FFF2-40B4-BE49-F238E27FC236}">
+                <a16:creationId xmlns:a16="http://schemas.microsoft.com/office/drawing/2014/main" xmlns="" id="{45412984-3AC2-4584-BB1C-05134FD66C33}"/>
+              </a:ext>
+            </a:extLst>
+          </p:cNvPr>
+          <p:cNvSpPr/>
+          <p:nvPr/>
+        </p:nvSpPr>
+        <p:spPr>
+          <a:xfrm rot="3712913">
+            <a:off x="8496338" y="3899873"/>
+            <a:ext cx="975991" cy="439125"/>
+          </a:xfrm>
+          <a:prstGeom prst="rightArrow">
+            <a:avLst/>
+          </a:prstGeom>
+        </p:spPr>
+        <p:style>
+          <a:lnRef idx="2">
+            <a:schemeClr val="accent1">
+              <a:shade val="50000"/>
+            </a:schemeClr>
+          </a:lnRef>
+          <a:fillRef idx="1">
+            <a:schemeClr val="accent1"/>
+          </a:fillRef>
+          <a:effectRef idx="0">
+            <a:schemeClr val="accent1"/>
+          </a:effectRef>
+          <a:fontRef idx="minor">
+            <a:schemeClr val="lt1"/>
+          </a:fontRef>
+        </p:style>
+        <p:txBody>
+          <a:bodyPr rtlCol="0" anchor="ctr"/>
+          <a:lstStyle/>
+          <a:p>
+            <a:pPr algn="ctr"/>
+            <a:r>
+              <a:rPr lang="en-US" dirty="0">
+                <a:solidFill>
+                  <a:prstClr val="white"/>
+                </a:solidFill>
+              </a:rPr>
+              <a:t>push</a:t>
+            </a:r>
+          </a:p>
+        </p:txBody>
+      </p:sp>
+    </p:spTree>
+    <p:extLst>
+      <p:ext uri="{BB962C8B-B14F-4D97-AF65-F5344CB8AC3E}">
+        <p14:creationId xmlns:p14="http://schemas.microsoft.com/office/powerpoint/2010/main" val="1372903655"/>
+      </p:ext>
+    </p:extLst>
+  </p:cSld>
+  <p:clrMapOvr>
+    <a:masterClrMapping/>
+  </p:clrMapOvr>
+</p:sld>
+</file>
+
+<file path=ppt/slides/slide12.xml><?xml version="1.0" encoding="utf-8"?>
+<p:sld xmlns:a="http://schemas.openxmlformats.org/drawingml/2006/main" xmlns:r="http://schemas.openxmlformats.org/officeDocument/2006/relationships" xmlns:p="http://schemas.openxmlformats.org/presentationml/2006/main">
+  <p:cSld>
+    <p:spTree>
+      <p:nvGrpSpPr>
+        <p:cNvPr id="1" name=""/>
+        <p:cNvGrpSpPr/>
+        <p:nvPr/>
+      </p:nvGrpSpPr>
+      <p:grpSpPr>
+        <a:xfrm>
+          <a:off x="0" y="0"/>
+          <a:ext cx="0" cy="0"/>
+          <a:chOff x="0" y="0"/>
+          <a:chExt cx="0" cy="0"/>
+        </a:xfrm>
+      </p:grpSpPr>
+      <p:sp>
+        <p:nvSpPr>
+          <p:cNvPr id="2" name="Title 1"/>
+          <p:cNvSpPr>
+            <a:spLocks noGrp="1"/>
+          </p:cNvSpPr>
+          <p:nvPr>
+            <p:ph type="title"/>
+          </p:nvPr>
+        </p:nvSpPr>
+        <p:spPr>
+          <a:xfrm>
+            <a:off x="551329" y="248584"/>
+            <a:ext cx="10515600" cy="1325563"/>
+          </a:xfrm>
+        </p:spPr>
+        <p:txBody>
+          <a:bodyPr/>
+          <a:lstStyle/>
+          <a:p>
+            <a:r>
+              <a:rPr lang="en-US" dirty="0"/>
+              <a:t>Mobile Center: Push Notifications</a:t>
+            </a:r>
+          </a:p>
+        </p:txBody>
+      </p:sp>
+      <p:pic>
+        <p:nvPicPr>
+          <p:cNvPr id="7" name="Picture 6"/>
+          <p:cNvPicPr>
+            <a:picLocks noChangeAspect="1"/>
+          </p:cNvPicPr>
+          <p:nvPr/>
+        </p:nvPicPr>
+        <p:blipFill>
+          <a:blip r:embed="rId3">
+            <a:extLst>
+              <a:ext uri="{28A0092B-C50C-407E-A947-70E740481C1C}">
+                <a14:useLocalDpi xmlns:a14="http://schemas.microsoft.com/office/drawing/2010/main" val="0"/>
+              </a:ext>
+            </a:extLst>
+          </a:blip>
+          <a:stretch>
+            <a:fillRect/>
+          </a:stretch>
+        </p:blipFill>
+        <p:spPr>
+          <a:xfrm>
+            <a:off x="5528653" y="2106189"/>
+            <a:ext cx="1330773" cy="1276084"/>
+          </a:xfrm>
+          <a:prstGeom prst="rect">
+            <a:avLst/>
+          </a:prstGeom>
+        </p:spPr>
+      </p:pic>
+      <p:sp>
+        <p:nvSpPr>
+          <p:cNvPr id="10" name="Rectangle 9"/>
+          <p:cNvSpPr/>
+          <p:nvPr/>
+        </p:nvSpPr>
+        <p:spPr>
+          <a:xfrm>
+            <a:off x="1713913" y="3560115"/>
+            <a:ext cx="2768210" cy="1087798"/>
+          </a:xfrm>
+          <a:prstGeom prst="rect">
+            <a:avLst/>
+          </a:prstGeom>
+        </p:spPr>
+        <p:txBody>
+          <a:bodyPr wrap="square">
+            <a:spAutoFit/>
+          </a:bodyPr>
+          <a:lstStyle/>
+          <a:p>
+            <a:pPr algn="ctr"/>
+            <a:r>
+              <a:rPr lang="en-US" sz="1765" b="1" dirty="0">
+                <a:solidFill>
+                  <a:srgbClr val="0070C0"/>
+                </a:solidFill>
+                <a:latin typeface="Segoe UI Semibold" charset="0"/>
+                <a:ea typeface="Segoe UI Semibold" charset="0"/>
+                <a:cs typeface="Segoe UI Semibold" charset="0"/>
+              </a:rPr>
+              <a:t>Fast and easy to setup</a:t>
+            </a:r>
+          </a:p>
+          <a:p>
+            <a:pPr algn="ctr"/>
+            <a:r>
+              <a:rPr lang="en-US" sz="1568" dirty="0">
+                <a:solidFill>
+                  <a:prstClr val="black"/>
+                </a:solidFill>
+              </a:rPr>
+              <a:t>Just a few lines of code in your app. No need to specify format for iOS, Android and Windows.</a:t>
+            </a:r>
+            <a:endParaRPr lang="en-US" sz="1568" dirty="0">
+              <a:solidFill>
+                <a:prstClr val="black"/>
+              </a:solidFill>
+              <a:latin typeface="Segoe UI" charset="0"/>
+              <a:ea typeface="Segoe UI" charset="0"/>
+              <a:cs typeface="Segoe UI" charset="0"/>
+            </a:endParaRPr>
+          </a:p>
+        </p:txBody>
+      </p:sp>
+      <p:sp>
+        <p:nvSpPr>
+          <p:cNvPr id="11" name="Rectangle 10"/>
+          <p:cNvSpPr/>
+          <p:nvPr/>
+        </p:nvSpPr>
+        <p:spPr>
+          <a:xfrm>
+            <a:off x="5013667" y="3560115"/>
+            <a:ext cx="2360744" cy="1118127"/>
+          </a:xfrm>
+          <a:prstGeom prst="rect">
+            <a:avLst/>
+          </a:prstGeom>
+        </p:spPr>
+        <p:txBody>
+          <a:bodyPr wrap="square">
+            <a:spAutoFit/>
+          </a:bodyPr>
+          <a:lstStyle/>
+          <a:p>
+            <a:pPr algn="ctr"/>
+            <a:r>
+              <a:rPr lang="en-US" sz="1765" b="1" dirty="0">
+                <a:solidFill>
+                  <a:srgbClr val="0070C0"/>
+                </a:solidFill>
+                <a:latin typeface="Segoe UI Semibold" charset="0"/>
+                <a:ea typeface="Segoe UI Semibold" charset="0"/>
+                <a:cs typeface="Segoe UI Semibold" charset="0"/>
+              </a:rPr>
+              <a:t>Send to specific audiences</a:t>
+            </a:r>
+          </a:p>
+          <a:p>
+            <a:pPr algn="ctr"/>
+            <a:r>
+              <a:rPr lang="en-US" sz="1568" dirty="0">
+                <a:solidFill>
+                  <a:prstClr val="black"/>
+                </a:solidFill>
+              </a:rPr>
+              <a:t>Target push notifications to specific users or devices</a:t>
+            </a:r>
+            <a:endParaRPr lang="en-US" sz="1568" dirty="0">
+              <a:solidFill>
+                <a:prstClr val="black"/>
+              </a:solidFill>
+              <a:latin typeface="Segoe UI" charset="0"/>
+              <a:ea typeface="Segoe UI" charset="0"/>
+              <a:cs typeface="Segoe UI" charset="0"/>
+            </a:endParaRPr>
+          </a:p>
+        </p:txBody>
+      </p:sp>
+      <p:sp>
+        <p:nvSpPr>
+          <p:cNvPr id="12" name="Rectangle 11"/>
+          <p:cNvSpPr/>
+          <p:nvPr/>
+        </p:nvSpPr>
+        <p:spPr>
+          <a:xfrm>
+            <a:off x="7771567" y="3560115"/>
+            <a:ext cx="2578061" cy="1087798"/>
+          </a:xfrm>
+          <a:prstGeom prst="rect">
+            <a:avLst/>
+          </a:prstGeom>
+        </p:spPr>
+        <p:txBody>
+          <a:bodyPr wrap="square">
+            <a:spAutoFit/>
+          </a:bodyPr>
+          <a:lstStyle/>
+          <a:p>
+            <a:pPr algn="ctr"/>
+            <a:r>
+              <a:rPr lang="en-US" sz="1765" b="1" dirty="0">
+                <a:solidFill>
+                  <a:srgbClr val="0070C0"/>
+                </a:solidFill>
+                <a:latin typeface="Segoe UI Semibold" charset="0"/>
+                <a:ea typeface="Segoe UI Semibold" charset="0"/>
+                <a:cs typeface="Segoe UI Semibold" charset="0"/>
+              </a:rPr>
+              <a:t>Fast and easy to send</a:t>
+            </a:r>
+          </a:p>
+          <a:p>
+            <a:pPr algn="ctr"/>
+            <a:r>
+              <a:rPr lang="en-US" sz="1568" dirty="0">
+                <a:solidFill>
+                  <a:prstClr val="black"/>
+                </a:solidFill>
+              </a:rPr>
+              <a:t>Three easy steps: Compose, Target, and Review.</a:t>
+            </a:r>
+          </a:p>
+          <a:p>
+            <a:pPr algn="ctr"/>
+            <a:r>
+              <a:rPr lang="en-US" sz="1568" dirty="0">
+                <a:solidFill>
+                  <a:prstClr val="black"/>
+                </a:solidFill>
+              </a:rPr>
+              <a:t>No need for technical skills!</a:t>
+            </a:r>
+          </a:p>
+        </p:txBody>
+      </p:sp>
+      <p:pic>
+        <p:nvPicPr>
+          <p:cNvPr id="21" name="Picture 20"/>
+          <p:cNvPicPr>
+            <a:picLocks noChangeAspect="1"/>
+          </p:cNvPicPr>
+          <p:nvPr/>
+        </p:nvPicPr>
+        <p:blipFill>
+          <a:blip r:embed="rId4">
+            <a:extLst>
+              <a:ext uri="{28A0092B-C50C-407E-A947-70E740481C1C}">
+                <a14:useLocalDpi xmlns:a14="http://schemas.microsoft.com/office/drawing/2010/main" val="0"/>
+              </a:ext>
+            </a:extLst>
+          </a:blip>
+          <a:stretch>
+            <a:fillRect/>
+          </a:stretch>
+        </p:blipFill>
+        <p:spPr>
+          <a:xfrm>
+            <a:off x="8731868" y="2078562"/>
+            <a:ext cx="657459" cy="1342657"/>
+          </a:xfrm>
+          <a:prstGeom prst="rect">
+            <a:avLst/>
+          </a:prstGeom>
+        </p:spPr>
+      </p:pic>
+      <p:pic>
+        <p:nvPicPr>
+          <p:cNvPr id="9" name="Picture 8">
+            <a:extLst>
+              <a:ext uri="{FF2B5EF4-FFF2-40B4-BE49-F238E27FC236}">
+                <a16:creationId xmlns:a16="http://schemas.microsoft.com/office/drawing/2014/main" xmlns="" id="{EA5F142B-A00D-451F-8A67-5C49286633A2}"/>
+              </a:ext>
+            </a:extLst>
+          </p:cNvPr>
+          <p:cNvPicPr>
+            <a:picLocks noChangeAspect="1"/>
+          </p:cNvPicPr>
+          <p:nvPr/>
+        </p:nvPicPr>
+        <p:blipFill>
+          <a:blip r:embed="rId5">
+            <a:duotone>
+              <a:prstClr val="black"/>
+              <a:schemeClr val="accent1">
+                <a:tint val="45000"/>
+                <a:satMod val="400000"/>
+              </a:schemeClr>
+            </a:duotone>
+            <a:extLst>
+              <a:ext uri="{BEBA8EAE-BF5A-486C-A8C5-ECC9F3942E4B}">
+                <a14:imgProps xmlns:a14="http://schemas.microsoft.com/office/drawing/2010/main">
+                  <a14:imgLayer r:embed="rId6">
+                    <a14:imgEffect>
+                      <a14:colorTemperature colorTemp="1500"/>
+                    </a14:imgEffect>
+                    <a14:imgEffect>
+                      <a14:saturation sat="46000"/>
+                    </a14:imgEffect>
+                  </a14:imgLayer>
+                </a14:imgProps>
+              </a:ext>
+              <a:ext uri="{28A0092B-C50C-407E-A947-70E740481C1C}">
+                <a14:useLocalDpi xmlns:a14="http://schemas.microsoft.com/office/drawing/2010/main" val="0"/>
+              </a:ext>
+            </a:extLst>
+          </a:blip>
+          <a:stretch>
+            <a:fillRect/>
+          </a:stretch>
+        </p:blipFill>
+        <p:spPr>
+          <a:xfrm>
+            <a:off x="2179046" y="2245048"/>
+            <a:ext cx="1837943" cy="1176171"/>
+          </a:xfrm>
+          <a:prstGeom prst="rect">
+            <a:avLst/>
+          </a:prstGeom>
+        </p:spPr>
+      </p:pic>
+    </p:spTree>
+    <p:extLst>
+      <p:ext uri="{BB962C8B-B14F-4D97-AF65-F5344CB8AC3E}">
+        <p14:creationId xmlns:p14="http://schemas.microsoft.com/office/powerpoint/2010/main" val="241309725"/>
+      </p:ext>
+    </p:extLst>
+  </p:cSld>
+  <p:clrMapOvr>
+    <a:masterClrMapping/>
+  </p:clrMapOvr>
+</p:sld>
+</file>
+
+<file path=ppt/slides/slide13.xml><?xml version="1.0" encoding="utf-8"?>
+<p:sld xmlns:a="http://schemas.openxmlformats.org/drawingml/2006/main" xmlns:r="http://schemas.openxmlformats.org/officeDocument/2006/relationships" xmlns:p="http://schemas.openxmlformats.org/presentationml/2006/main">
+  <p:cSld>
     <p:spTree>
       <p:nvGrpSpPr>
         <p:cNvPr id="1" name=""/>
@@ -7420,11 +12190,7 @@
             </a:r>
             <a:r>
               <a:rPr lang="de-DE" sz="4705"/>
-              <a:t>Mobile </a:t>
-            </a:r>
-            <a:r>
-              <a:rPr lang="de-DE" sz="4705"/>
-              <a:t>Center</a:t>
+              <a:t>Mobile Center</a:t>
             </a:r>
             <a:br>
               <a:rPr lang="de-DE" sz="4705"/>
@@ -10602,7 +15368,7 @@
 </p:sld>
 </file>
 
-<file path=ppt/slides/slide11.xml><?xml version="1.0" encoding="utf-8"?>
+<file path=ppt/slides/slide14.xml><?xml version="1.0" encoding="utf-8"?>
 <p:sld xmlns:a="http://schemas.openxmlformats.org/drawingml/2006/main" xmlns:r="http://schemas.openxmlformats.org/officeDocument/2006/relationships" xmlns:p="http://schemas.openxmlformats.org/presentationml/2006/main">
   <p:cSld>
     <p:spTree>
@@ -10739,7 +15505,7 @@
 </p:sld>
 </file>
 
-<file path=ppt/slides/slide12.xml><?xml version="1.0" encoding="utf-8"?>
+<file path=ppt/slides/slide15.xml><?xml version="1.0" encoding="utf-8"?>
 <p:sld xmlns:a="http://schemas.openxmlformats.org/drawingml/2006/main" xmlns:r="http://schemas.openxmlformats.org/officeDocument/2006/relationships" xmlns:p="http://schemas.openxmlformats.org/presentationml/2006/main">
   <p:cSld>
     <p:spTree>
@@ -11575,7 +16341,7 @@
 </p:sld>
 </file>
 
-<file path=ppt/slides/slide13.xml><?xml version="1.0" encoding="utf-8"?>
+<file path=ppt/slides/slide16.xml><?xml version="1.0" encoding="utf-8"?>
 <p:sld xmlns:a="http://schemas.openxmlformats.org/drawingml/2006/main" xmlns:r="http://schemas.openxmlformats.org/officeDocument/2006/relationships" xmlns:p="http://schemas.openxmlformats.org/presentationml/2006/main">
   <p:cSld>
     <p:spTree>
@@ -11691,17 +16457,8 @@
             <a:pPr lvl="1"/>
             <a:r>
               <a:rPr lang="en-US" sz="1961" dirty="0"/>
-              <a:t>Supports native (Android and iOS) apps , Xamarin Apps, </a:t>
+              <a:t>Supports native (Android and iOS) apps , Xamarin Apps, React Native Apps, Hybrid Apps</a:t>
             </a:r>
-            <a:r>
-              <a:rPr lang="en-US" sz="1961" dirty="0"/>
-              <a:t>React Native Apps, Hybrid </a:t>
-            </a:r>
-            <a:r>
-              <a:rPr lang="en-US" sz="1961" dirty="0"/>
-              <a:t>Apps</a:t>
-            </a:r>
-            <a:endParaRPr lang="en-US" sz="1961" dirty="0"/>
           </a:p>
         </p:txBody>
       </p:sp>
@@ -19384,7 +24141,7 @@
           <p:cNvPr id="2" name="Title 1">
             <a:extLst>
               <a:ext uri="{FF2B5EF4-FFF2-40B4-BE49-F238E27FC236}">
-                <a16:creationId xmlns="" xmlns:a16="http://schemas.microsoft.com/office/drawing/2014/main" id="{D4C993F2-DE4C-4DD7-964A-AE93C6F0FBD6}"/>
+                <a16:creationId xmlns:a16="http://schemas.microsoft.com/office/drawing/2014/main" xmlns="" id="{D4C993F2-DE4C-4DD7-964A-AE93C6F0FBD6}"/>
               </a:ext>
             </a:extLst>
           </p:cNvPr>
@@ -19420,7 +24177,7 @@
           <p:cNvPr id="3" name="Subtitle 2">
             <a:extLst>
               <a:ext uri="{FF2B5EF4-FFF2-40B4-BE49-F238E27FC236}">
-                <a16:creationId xmlns="" xmlns:a16="http://schemas.microsoft.com/office/drawing/2014/main" id="{E8BE59D4-4752-49B8-B2AA-442EB01AE79B}"/>
+                <a16:creationId xmlns:a16="http://schemas.microsoft.com/office/drawing/2014/main" xmlns="" id="{E8BE59D4-4752-49B8-B2AA-442EB01AE79B}"/>
               </a:ext>
             </a:extLst>
           </p:cNvPr>
